--- a/doc/presentation.pptx
+++ b/doc/presentation.pptx
@@ -8,6 +8,7 @@
     <p:sldId id="256" r:id="rId3"/>
     <p:sldId id="257" r:id="rId4"/>
     <p:sldId id="258" r:id="rId5"/>
+    <p:sldId id="259" r:id="rId6"/>
   </p:sldIdLst>
   <p:sldSz cx="12192000" cy="6858000"/>
   <p:notesSz cx="12192000" cy="6858000"/>
@@ -3617,7 +3618,7 @@
               <a:defRPr/>
             </a:pPr>
             <a:r>
-              <a:rPr sz="1800" b="1" i="0">
+              <a:rPr sz="1800" b="1" i="1">
                 <a:latin typeface="Open Sans"/>
                 <a:ea typeface="Open Sans"/>
                 <a:cs typeface="Open Sans"/>
@@ -3905,6 +3906,83 @@
               <a:ea typeface="Open Sans"/>
               <a:cs typeface="Open Sans"/>
             </a:endParaRPr>
+          </a:p>
+        </p:txBody>
+      </p:sp>
+    </p:spTree>
+  </p:cSld>
+  <p:clrMapOvr>
+    <a:masterClrMapping/>
+  </p:clrMapOvr>
+  <mc:AlternateContent xmlns:mc="http://schemas.openxmlformats.org/markup-compatibility/2006">
+    <mc:Choice xmlns:p14="http://schemas.microsoft.com/office/powerpoint/2010/main" Requires="p14">
+      <p:transition p14:dur="2000" advClick="1"/>
+    </mc:Choice>
+    <mc:Fallback>
+      <p:transition advClick="1"/>
+    </mc:Fallback>
+  </mc:AlternateContent>
+</p:sld>
+</file>
+
+<file path=ppt/slides/slide4.xml><?xml version="1.0" encoding="utf-8"?>
+<p:sld xmlns:a="http://schemas.openxmlformats.org/drawingml/2006/main" xmlns:r="http://schemas.openxmlformats.org/officeDocument/2006/relationships" xmlns:p="http://schemas.openxmlformats.org/presentationml/2006/main" xmlns:m="http://schemas.openxmlformats.org/officeDocument/2006/math" xmlns:w="http://schemas.openxmlformats.org/wordprocessingml/2006/main" showMasterPhAnim="0" show="1">
+  <p:cSld name="">
+    <p:spTree>
+      <p:nvGrpSpPr>
+        <p:cNvPr id="1" name="" hidden="0"/>
+        <p:cNvGrpSpPr/>
+        <p:nvPr isPhoto="0" userDrawn="0"/>
+      </p:nvGrpSpPr>
+      <p:grpSpPr bwMode="auto">
+        <a:xfrm>
+          <a:off x="0" y="0"/>
+          <a:ext cx="0" cy="0"/>
+          <a:chOff x="0" y="0"/>
+          <a:chExt cx="0" cy="0"/>
+        </a:xfrm>
+      </p:grpSpPr>
+      <p:sp>
+        <p:nvSpPr>
+          <p:cNvPr id="2020141032" name="Title 1" hidden="0"/>
+          <p:cNvSpPr>
+            <a:spLocks noGrp="1"/>
+          </p:cNvSpPr>
+          <p:nvPr isPhoto="0" userDrawn="0">
+            <p:ph type="title" hasCustomPrompt="0"/>
+          </p:nvPr>
+        </p:nvSpPr>
+        <p:spPr bwMode="auto"/>
+        <p:txBody>
+          <a:bodyPr/>
+          <a:lstStyle/>
+          <a:p>
+            <a:pPr>
+              <a:defRPr/>
+            </a:pPr>
+            <a:endParaRPr/>
+          </a:p>
+        </p:txBody>
+      </p:sp>
+      <p:sp>
+        <p:nvSpPr>
+          <p:cNvPr id="1787050604" name="Content Placeholder 2" hidden="0"/>
+          <p:cNvSpPr>
+            <a:spLocks noGrp="1"/>
+          </p:cNvSpPr>
+          <p:nvPr isPhoto="0" userDrawn="0">
+            <p:ph idx="1" hasCustomPrompt="0"/>
+          </p:nvPr>
+        </p:nvSpPr>
+        <p:spPr bwMode="auto"/>
+        <p:txBody>
+          <a:bodyPr/>
+          <a:lstStyle/>
+          <a:p>
+            <a:pPr>
+              <a:defRPr/>
+            </a:pPr>
+            <a:endParaRPr/>
           </a:p>
         </p:txBody>
       </p:sp>

--- a/doc/presentation.pptx
+++ b/doc/presentation.pptx
@@ -9,6 +9,12 @@
     <p:sldId id="257" r:id="rId4"/>
     <p:sldId id="258" r:id="rId5"/>
     <p:sldId id="259" r:id="rId6"/>
+    <p:sldId id="260" r:id="rId7"/>
+    <p:sldId id="261" r:id="rId8"/>
+    <p:sldId id="262" r:id="rId9"/>
+    <p:sldId id="263" r:id="rId10"/>
+    <p:sldId id="264" r:id="rId11"/>
+    <p:sldId id="265" r:id="rId12"/>
   </p:sldIdLst>
   <p:sldSz cx="12192000" cy="6858000"/>
   <p:notesSz cx="12192000" cy="6858000"/>
@@ -129,25 +135,178 @@
       </p:grpSpPr>
       <p:sp>
         <p:nvSpPr>
-          <p:cNvPr id="2" name="Title 1" hidden="0"/>
-          <p:cNvSpPr>
-            <a:spLocks noGrp="1"/>
-          </p:cNvSpPr>
-          <p:nvPr isPhoto="0" userDrawn="0">
-            <p:ph type="ctrTitle" hasCustomPrompt="0"/>
-          </p:nvPr>
+          <p:cNvPr id="7" name="Shape 1058" hidden="0"/>
+          <p:cNvSpPr>
+            <a:spLocks noChangeArrowheads="1" noGrp="1"/>
+          </p:cNvSpPr>
+          <p:nvPr isPhoto="0" userDrawn="1"/>
         </p:nvSpPr>
         <p:spPr bwMode="auto">
           <a:xfrm>
-            <a:off x="1523999" y="1122362"/>
-            <a:ext cx="9144000" cy="2387599"/>
+            <a:off x="8220990" y="1"/>
+            <a:ext cx="3971006" cy="6857460"/>
           </a:xfrm>
+          <a:custGeom>
+            <a:avLst/>
+            <a:gdLst/>
+            <a:ahLst/>
+            <a:cxnLst/>
+            <a:rect l="l" t="t" r="r" b="b"/>
+            <a:pathLst>
+              <a:path w="43200" h="43200" fill="norm" stroke="0" extrusionOk="0">
+                <a:moveTo>
+                  <a:pt x="3874" y="0"/>
+                </a:moveTo>
+                <a:lnTo>
+                  <a:pt x="3874" y="19794"/>
+                </a:lnTo>
+                <a:lnTo>
+                  <a:pt x="3874" y="19794"/>
+                </a:lnTo>
+                <a:cubicBezTo>
+                  <a:pt x="3874" y="19794"/>
+                  <a:pt x="3932" y="19794"/>
+                  <a:pt x="3932" y="19794"/>
+                </a:cubicBezTo>
+                <a:lnTo>
+                  <a:pt x="3932" y="19794"/>
+                </a:lnTo>
+                <a:cubicBezTo>
+                  <a:pt x="1759" y="19794"/>
+                  <a:pt x="0" y="20605"/>
+                  <a:pt x="0" y="21600"/>
+                </a:cubicBezTo>
+                <a:lnTo>
+                  <a:pt x="0" y="21600"/>
+                </a:lnTo>
+                <a:cubicBezTo>
+                  <a:pt x="0" y="22594"/>
+                  <a:pt x="1759" y="23405"/>
+                  <a:pt x="3932" y="23405"/>
+                </a:cubicBezTo>
+                <a:lnTo>
+                  <a:pt x="3932" y="23405"/>
+                </a:lnTo>
+                <a:cubicBezTo>
+                  <a:pt x="3932" y="23405"/>
+                  <a:pt x="3874" y="23405"/>
+                  <a:pt x="3874" y="23405"/>
+                </a:cubicBezTo>
+                <a:lnTo>
+                  <a:pt x="3874" y="43200"/>
+                </a:lnTo>
+                <a:lnTo>
+                  <a:pt x="43200" y="43200"/>
+                </a:lnTo>
+                <a:lnTo>
+                  <a:pt x="43200" y="0"/>
+                </a:lnTo>
+                <a:lnTo>
+                  <a:pt x="3874" y="0"/>
+                </a:lnTo>
+                <a:close/>
+              </a:path>
+            </a:pathLst>
+          </a:custGeom>
+          <a:solidFill>
+            <a:schemeClr val="accent6">
+              <a:lumMod val="60000"/>
+              <a:lumOff val="40000"/>
+            </a:schemeClr>
+          </a:solidFill>
+          <a:ln w="9524">
+            <a:solidFill>
+              <a:srgbClr val="000000"/>
+            </a:solidFill>
+            <a:round/>
+            <a:headEnd/>
+            <a:tailEnd/>
+          </a:ln>
+        </p:spPr>
+      </p:sp>
+      <p:sp>
+        <p:nvSpPr>
+          <p:cNvPr id="51" name="Shape 1102" hidden="0"/>
+          <p:cNvSpPr>
+            <a:spLocks noChangeArrowheads="1" noGrp="1"/>
+          </p:cNvSpPr>
+          <p:nvPr isPhoto="0" userDrawn="1"/>
+        </p:nvSpPr>
+        <p:spPr bwMode="auto">
+          <a:xfrm>
+            <a:off x="8400255" y="3356809"/>
+            <a:ext cx="190499" cy="145245"/>
+          </a:xfrm>
+          <a:custGeom>
+            <a:avLst/>
+            <a:gdLst/>
+            <a:ahLst/>
+            <a:cxnLst/>
+            <a:rect l="l" t="t" r="r" b="b"/>
+            <a:pathLst>
+              <a:path w="43200" h="43200" fill="norm" stroke="0" extrusionOk="0">
+                <a:moveTo>
+                  <a:pt x="43200" y="0"/>
+                </a:moveTo>
+                <a:lnTo>
+                  <a:pt x="43200" y="43200"/>
+                </a:lnTo>
+                <a:lnTo>
+                  <a:pt x="0" y="21623"/>
+                </a:lnTo>
+                <a:lnTo>
+                  <a:pt x="43200" y="0"/>
+                </a:lnTo>
+              </a:path>
+            </a:pathLst>
+          </a:custGeom>
+          <a:solidFill>
+            <a:srgbClr val="FFFFFF"/>
+          </a:solidFill>
+          <a:ln w="9524" cap="rnd">
+            <a:solidFill>
+              <a:srgbClr val="000000"/>
+            </a:solidFill>
+            <a:bevel/>
+            <a:headEnd/>
+            <a:tailEnd/>
+          </a:ln>
+        </p:spPr>
+      </p:sp>
+      <p:sp>
+        <p:nvSpPr>
+          <p:cNvPr id="19" name="Text Placeholder 4" hidden="0"/>
+          <p:cNvSpPr>
+            <a:spLocks noGrp="1"/>
+          </p:cNvSpPr>
+          <p:nvPr isPhoto="0" userDrawn="0">
+            <p:ph type="subTitle" idx="1" hasCustomPrompt="1"/>
+          </p:nvPr>
+        </p:nvSpPr>
+        <p:spPr bwMode="auto">
+          <a:xfrm>
+            <a:off x="8881393" y="2597939"/>
+            <a:ext cx="2974883" cy="1661581"/>
+          </a:xfrm>
+          <a:prstGeom prst="rect">
+            <a:avLst/>
+          </a:prstGeom>
         </p:spPr>
         <p:txBody>
-          <a:bodyPr anchor="b"/>
+          <a:bodyPr anchor="ctr" anchorCtr="0">
+            <a:normAutofit/>
+          </a:bodyPr>
           <a:lstStyle>
-            <a:lvl1pPr algn="ctr">
-              <a:defRPr sz="4500"/>
+            <a:lvl1pPr marL="171450" indent="-171450" algn="l">
+              <a:buFont typeface="Arial"/>
+              <a:buChar char="•"/>
+              <a:defRPr sz="2000" b="1">
+                <a:solidFill>
+                  <a:schemeClr val="bg1"/>
+                </a:solidFill>
+                <a:latin typeface="Arial"/>
+                <a:cs typeface="Arial"/>
+              </a:defRPr>
             </a:lvl1pPr>
           </a:lstStyle>
           <a:p>
@@ -155,89 +314,56 @@
               <a:defRPr/>
             </a:pPr>
             <a:r>
-              <a:rPr lang="en-US"/>
-              <a:t>Click to edit Master title style</a:t>
-            </a:r>
-            <a:endParaRPr lang="en-US"/>
+              <a:rPr lang="ru-RU"/>
+              <a:t>Образец подзаголовка</a:t>
+            </a:r>
+            <a:endParaRPr lang="ru-RU"/>
           </a:p>
         </p:txBody>
       </p:sp>
       <p:sp>
         <p:nvSpPr>
-          <p:cNvPr id="3" name="Subtitle 2" hidden="0"/>
+          <p:cNvPr id="2" name="Заголовок 1" hidden="0"/>
           <p:cNvSpPr>
             <a:spLocks noGrp="1"/>
           </p:cNvSpPr>
           <p:nvPr isPhoto="0" userDrawn="0">
-            <p:ph type="subTitle" idx="1" hasCustomPrompt="0"/>
+            <p:ph type="title" hasCustomPrompt="0"/>
           </p:nvPr>
         </p:nvSpPr>
         <p:spPr bwMode="auto">
           <a:xfrm>
-            <a:off x="1523999" y="3602037"/>
-            <a:ext cx="9144000" cy="1655762"/>
+            <a:off x="623395" y="2569090"/>
+            <a:ext cx="7383251" cy="1654020"/>
           </a:xfrm>
         </p:spPr>
         <p:txBody>
           <a:bodyPr/>
           <a:lstStyle>
-            <a:lvl1pPr marL="0" indent="0" algn="ctr">
-              <a:buNone/>
-              <a:defRPr sz="1800"/>
+            <a:lvl1pPr algn="r">
+              <a:defRPr/>
             </a:lvl1pPr>
-            <a:lvl2pPr marL="342900" indent="0" algn="ctr">
-              <a:buNone/>
-              <a:defRPr sz="1500"/>
-            </a:lvl2pPr>
-            <a:lvl3pPr marL="685800" indent="0" algn="ctr">
-              <a:buNone/>
-              <a:defRPr sz="1350"/>
-            </a:lvl3pPr>
-            <a:lvl4pPr marL="1028700" indent="0" algn="ctr">
-              <a:buNone/>
-              <a:defRPr sz="1200"/>
-            </a:lvl4pPr>
-            <a:lvl5pPr marL="1371600" indent="0" algn="ctr">
-              <a:buNone/>
-              <a:defRPr sz="1200"/>
-            </a:lvl5pPr>
-            <a:lvl6pPr marL="1714500" indent="0" algn="ctr">
-              <a:buNone/>
-              <a:defRPr sz="1200"/>
-            </a:lvl6pPr>
-            <a:lvl7pPr marL="2057400" indent="0" algn="ctr">
-              <a:buNone/>
-              <a:defRPr sz="1200"/>
-            </a:lvl7pPr>
-            <a:lvl8pPr marL="2400300" indent="0" algn="ctr">
-              <a:buNone/>
-              <a:defRPr sz="1200"/>
-            </a:lvl8pPr>
-            <a:lvl9pPr marL="2743200" indent="0" algn="ctr">
-              <a:buNone/>
-              <a:defRPr sz="1200"/>
-            </a:lvl9pPr>
           </a:lstStyle>
           <a:p>
             <a:pPr>
               <a:defRPr/>
             </a:pPr>
             <a:r>
-              <a:rPr lang="en-US"/>
-              <a:t>Click to edit Master subtitle style</a:t>
-            </a:r>
-            <a:endParaRPr lang="en-US"/>
+              <a:rPr lang="ru-RU"/>
+              <a:t>Образец заголовка</a:t>
+            </a:r>
+            <a:endParaRPr lang="ru-RU"/>
           </a:p>
         </p:txBody>
       </p:sp>
       <p:sp>
         <p:nvSpPr>
-          <p:cNvPr id="4" name="Date Placeholder 3" hidden="0"/>
+          <p:cNvPr id="11" name="Дата 10" hidden="0"/>
           <p:cNvSpPr>
             <a:spLocks noGrp="1"/>
           </p:cNvSpPr>
           <p:nvPr isPhoto="0" userDrawn="0">
-            <p:ph type="dt" sz="half" idx="10" hasCustomPrompt="0"/>
+            <p:ph type="dt" sz="half" idx="15" hasCustomPrompt="0"/>
           </p:nvPr>
         </p:nvSpPr>
         <p:spPr bwMode="auto"/>
@@ -248,7 +374,7 @@
             <a:pPr>
               <a:defRPr/>
             </a:pPr>
-            <a:fld id="{BCC18F51-09EC-435C-A3BA-64A766E099C0}" type="datetimeFigureOut">
+            <a:fld id="{B7184183-74E9-4393-9769-E1D9236041BE}" type="datetimeFigureOut">
               <a:rPr lang="ru-RU"/>
               <a:t/>
             </a:fld>
@@ -258,12 +384,12 @@
       </p:sp>
       <p:sp>
         <p:nvSpPr>
-          <p:cNvPr id="5" name="Footer Placeholder 4" hidden="0"/>
+          <p:cNvPr id="12" name="Нижний колонтитул 11" hidden="0"/>
           <p:cNvSpPr>
             <a:spLocks noGrp="1"/>
           </p:cNvSpPr>
           <p:nvPr isPhoto="0" userDrawn="0">
-            <p:ph type="ftr" sz="quarter" idx="11" hasCustomPrompt="0"/>
+            <p:ph type="ftr" sz="quarter" idx="16" hasCustomPrompt="0"/>
           </p:nvPr>
         </p:nvSpPr>
         <p:spPr bwMode="auto"/>
@@ -280,12 +406,12 @@
       </p:sp>
       <p:sp>
         <p:nvSpPr>
-          <p:cNvPr id="6" name="Slide Number Placeholder 5" hidden="0"/>
+          <p:cNvPr id="13" name="Номер слайда 12" hidden="0"/>
           <p:cNvSpPr>
             <a:spLocks noGrp="1"/>
           </p:cNvSpPr>
           <p:nvPr isPhoto="0" userDrawn="0">
-            <p:ph type="sldNum" sz="quarter" idx="12" hasCustomPrompt="0"/>
+            <p:ph type="sldNum" sz="quarter" idx="17" hasCustomPrompt="0"/>
           </p:nvPr>
         </p:nvSpPr>
         <p:spPr bwMode="auto"/>
@@ -296,7 +422,7 @@
             <a:pPr>
               <a:defRPr/>
             </a:pPr>
-            <a:fld id="{08395586-F03A-48D1-94DF-16B239DF4FB5}" type="slidenum">
+            <a:fld id="{6A530004-958A-4E15-9840-E9741BECB0F3}" type="slidenum">
               <a:rPr lang="ru-RU"/>
               <a:t/>
             </a:fld>
@@ -331,7 +457,7 @@
       </p:grpSpPr>
       <p:sp>
         <p:nvSpPr>
-          <p:cNvPr id="2" name="Title 1" hidden="0"/>
+          <p:cNvPr id="2" name="Заголовок 1" hidden="0"/>
           <p:cNvSpPr>
             <a:spLocks noGrp="1"/>
           </p:cNvSpPr>
@@ -348,16 +474,16 @@
               <a:defRPr/>
             </a:pPr>
             <a:r>
-              <a:rPr lang="en-US"/>
-              <a:t>Click to edit Master title style</a:t>
-            </a:r>
-            <a:endParaRPr lang="en-US"/>
+              <a:rPr lang="ru-RU"/>
+              <a:t>Образец заголовка</a:t>
+            </a:r>
+            <a:endParaRPr lang="ru-RU"/>
           </a:p>
         </p:txBody>
       </p:sp>
       <p:sp>
         <p:nvSpPr>
-          <p:cNvPr id="3" name="Vertical Text Placeholder 2" hidden="0"/>
+          <p:cNvPr id="3" name="Вертикальный текст 2" hidden="0"/>
           <p:cNvSpPr>
             <a:spLocks noGrp="1"/>
           </p:cNvSpPr>
@@ -374,8 +500,8 @@
               <a:defRPr/>
             </a:pPr>
             <a:r>
-              <a:rPr lang="en-US"/>
-              <a:t>Click to edit Master text styles</a:t>
+              <a:rPr lang="ru-RU"/>
+              <a:t>Образец текста</a:t>
             </a:r>
             <a:endParaRPr/>
           </a:p>
@@ -384,8 +510,8 @@
               <a:defRPr/>
             </a:pPr>
             <a:r>
-              <a:rPr lang="en-US"/>
-              <a:t>Second level</a:t>
+              <a:rPr lang="ru-RU"/>
+              <a:t>Второй уровень</a:t>
             </a:r>
             <a:endParaRPr/>
           </a:p>
@@ -394,8 +520,8 @@
               <a:defRPr/>
             </a:pPr>
             <a:r>
-              <a:rPr lang="en-US"/>
-              <a:t>Third level</a:t>
+              <a:rPr lang="ru-RU"/>
+              <a:t>Третий уровень</a:t>
             </a:r>
             <a:endParaRPr/>
           </a:p>
@@ -404,8 +530,8 @@
               <a:defRPr/>
             </a:pPr>
             <a:r>
-              <a:rPr lang="en-US"/>
-              <a:t>Fourth level</a:t>
+              <a:rPr lang="ru-RU"/>
+              <a:t>Четвертый уровень</a:t>
             </a:r>
             <a:endParaRPr/>
           </a:p>
@@ -414,16 +540,16 @@
               <a:defRPr/>
             </a:pPr>
             <a:r>
-              <a:rPr lang="en-US"/>
-              <a:t>Fifth level</a:t>
-            </a:r>
-            <a:endParaRPr lang="en-US"/>
+              <a:rPr lang="ru-RU"/>
+              <a:t>Пятый уровень</a:t>
+            </a:r>
+            <a:endParaRPr lang="ru-RU"/>
           </a:p>
         </p:txBody>
       </p:sp>
       <p:sp>
         <p:nvSpPr>
-          <p:cNvPr id="4" name="Date Placeholder 3" hidden="0"/>
+          <p:cNvPr id="4" name="Дата 3" hidden="0"/>
           <p:cNvSpPr>
             <a:spLocks noGrp="1"/>
           </p:cNvSpPr>
@@ -439,7 +565,7 @@
             <a:pPr>
               <a:defRPr/>
             </a:pPr>
-            <a:fld id="{BCC18F51-09EC-435C-A3BA-64A766E099C0}" type="datetimeFigureOut">
+            <a:fld id="{B7184183-74E9-4393-9769-E1D9236041BE}" type="datetimeFigureOut">
               <a:rPr lang="ru-RU"/>
               <a:t/>
             </a:fld>
@@ -449,7 +575,7 @@
       </p:sp>
       <p:sp>
         <p:nvSpPr>
-          <p:cNvPr id="5" name="Footer Placeholder 4" hidden="0"/>
+          <p:cNvPr id="5" name="Нижний колонтитул 4" hidden="0"/>
           <p:cNvSpPr>
             <a:spLocks noGrp="1"/>
           </p:cNvSpPr>
@@ -471,7 +597,7 @@
       </p:sp>
       <p:sp>
         <p:nvSpPr>
-          <p:cNvPr id="6" name="Slide Number Placeholder 5" hidden="0"/>
+          <p:cNvPr id="6" name="Номер слайда 5" hidden="0"/>
           <p:cNvSpPr>
             <a:spLocks noGrp="1"/>
           </p:cNvSpPr>
@@ -487,7 +613,7 @@
             <a:pPr>
               <a:defRPr/>
             </a:pPr>
-            <a:fld id="{08395586-F03A-48D1-94DF-16B239DF4FB5}" type="slidenum">
+            <a:fld id="{6A530004-958A-4E15-9840-E9741BECB0F3}" type="slidenum">
               <a:rPr lang="ru-RU"/>
               <a:t/>
             </a:fld>
@@ -522,7 +648,7 @@
       </p:grpSpPr>
       <p:sp>
         <p:nvSpPr>
-          <p:cNvPr id="2" name="Vertical Title 1" hidden="0"/>
+          <p:cNvPr id="2" name="Вертикальный заголовок 1" hidden="0"/>
           <p:cNvSpPr>
             <a:spLocks noGrp="1"/>
           </p:cNvSpPr>
@@ -532,8 +658,8 @@
         </p:nvSpPr>
         <p:spPr bwMode="auto">
           <a:xfrm>
-            <a:off x="8724899" y="365125"/>
-            <a:ext cx="2628900" cy="5811838"/>
+            <a:off x="8839199" y="274642"/>
+            <a:ext cx="2743200" cy="5835649"/>
           </a:xfrm>
         </p:spPr>
         <p:txBody>
@@ -544,16 +670,16 @@
               <a:defRPr/>
             </a:pPr>
             <a:r>
-              <a:rPr lang="en-US"/>
-              <a:t>Click to edit Master title style</a:t>
-            </a:r>
-            <a:endParaRPr lang="en-US"/>
+              <a:rPr lang="ru-RU"/>
+              <a:t>Образец заголовка</a:t>
+            </a:r>
+            <a:endParaRPr lang="ru-RU"/>
           </a:p>
         </p:txBody>
       </p:sp>
       <p:sp>
         <p:nvSpPr>
-          <p:cNvPr id="3" name="Vertical Text Placeholder 2" hidden="0"/>
+          <p:cNvPr id="3" name="Вертикальный текст 2" hidden="0"/>
           <p:cNvSpPr>
             <a:spLocks noGrp="1"/>
           </p:cNvSpPr>
@@ -563,8 +689,8 @@
         </p:nvSpPr>
         <p:spPr bwMode="auto">
           <a:xfrm>
-            <a:off x="838199" y="365125"/>
-            <a:ext cx="7734299" cy="5811838"/>
+            <a:off x="609599" y="274642"/>
+            <a:ext cx="8026399" cy="5835649"/>
           </a:xfrm>
         </p:spPr>
         <p:txBody>
@@ -575,8 +701,8 @@
               <a:defRPr/>
             </a:pPr>
             <a:r>
-              <a:rPr lang="en-US"/>
-              <a:t>Click to edit Master text styles</a:t>
+              <a:rPr lang="ru-RU"/>
+              <a:t>Образец текста</a:t>
             </a:r>
             <a:endParaRPr/>
           </a:p>
@@ -585,8 +711,8 @@
               <a:defRPr/>
             </a:pPr>
             <a:r>
-              <a:rPr lang="en-US"/>
-              <a:t>Second level</a:t>
+              <a:rPr lang="ru-RU"/>
+              <a:t>Второй уровень</a:t>
             </a:r>
             <a:endParaRPr/>
           </a:p>
@@ -595,8 +721,8 @@
               <a:defRPr/>
             </a:pPr>
             <a:r>
-              <a:rPr lang="en-US"/>
-              <a:t>Third level</a:t>
+              <a:rPr lang="ru-RU"/>
+              <a:t>Третий уровень</a:t>
             </a:r>
             <a:endParaRPr/>
           </a:p>
@@ -605,8 +731,8 @@
               <a:defRPr/>
             </a:pPr>
             <a:r>
-              <a:rPr lang="en-US"/>
-              <a:t>Fourth level</a:t>
+              <a:rPr lang="ru-RU"/>
+              <a:t>Четвертый уровень</a:t>
             </a:r>
             <a:endParaRPr/>
           </a:p>
@@ -615,16 +741,16 @@
               <a:defRPr/>
             </a:pPr>
             <a:r>
-              <a:rPr lang="en-US"/>
-              <a:t>Fifth level</a:t>
-            </a:r>
-            <a:endParaRPr lang="en-US"/>
+              <a:rPr lang="ru-RU"/>
+              <a:t>Пятый уровень</a:t>
+            </a:r>
+            <a:endParaRPr lang="ru-RU"/>
           </a:p>
         </p:txBody>
       </p:sp>
       <p:sp>
         <p:nvSpPr>
-          <p:cNvPr id="4" name="Date Placeholder 3" hidden="0"/>
+          <p:cNvPr id="4" name="Дата 3" hidden="0"/>
           <p:cNvSpPr>
             <a:spLocks noGrp="1"/>
           </p:cNvSpPr>
@@ -640,7 +766,7 @@
             <a:pPr>
               <a:defRPr/>
             </a:pPr>
-            <a:fld id="{BCC18F51-09EC-435C-A3BA-64A766E099C0}" type="datetimeFigureOut">
+            <a:fld id="{B7184183-74E9-4393-9769-E1D9236041BE}" type="datetimeFigureOut">
               <a:rPr lang="ru-RU"/>
               <a:t/>
             </a:fld>
@@ -650,7 +776,7 @@
       </p:sp>
       <p:sp>
         <p:nvSpPr>
-          <p:cNvPr id="5" name="Footer Placeholder 4" hidden="0"/>
+          <p:cNvPr id="5" name="Нижний колонтитул 4" hidden="0"/>
           <p:cNvSpPr>
             <a:spLocks noGrp="1"/>
           </p:cNvSpPr>
@@ -672,7 +798,7 @@
       </p:sp>
       <p:sp>
         <p:nvSpPr>
-          <p:cNvPr id="6" name="Slide Number Placeholder 5" hidden="0"/>
+          <p:cNvPr id="6" name="Номер слайда 5" hidden="0"/>
           <p:cNvSpPr>
             <a:spLocks noGrp="1"/>
           </p:cNvSpPr>
@@ -688,7 +814,7 @@
             <a:pPr>
               <a:defRPr/>
             </a:pPr>
-            <a:fld id="{08395586-F03A-48D1-94DF-16B239DF4FB5}" type="slidenum">
+            <a:fld id="{6A530004-958A-4E15-9840-E9741BECB0F3}" type="slidenum">
               <a:rPr lang="ru-RU"/>
               <a:t/>
             </a:fld>
@@ -723,7 +849,7 @@
       </p:grpSpPr>
       <p:sp>
         <p:nvSpPr>
-          <p:cNvPr id="2" name="Title 1" hidden="0"/>
+          <p:cNvPr id="2" name="Заголовок 1" hidden="0"/>
           <p:cNvSpPr>
             <a:spLocks noGrp="1"/>
           </p:cNvSpPr>
@@ -740,16 +866,16 @@
               <a:defRPr/>
             </a:pPr>
             <a:r>
-              <a:rPr lang="en-US"/>
-              <a:t>Click to edit Master title style</a:t>
-            </a:r>
-            <a:endParaRPr lang="en-US"/>
+              <a:rPr lang="ru-RU"/>
+              <a:t>Образец заголовка</a:t>
+            </a:r>
+            <a:endParaRPr lang="ru-RU"/>
           </a:p>
         </p:txBody>
       </p:sp>
       <p:sp>
         <p:nvSpPr>
-          <p:cNvPr id="3" name="Content Placeholder 2" hidden="0"/>
+          <p:cNvPr id="3" name="Объект 2" hidden="0"/>
           <p:cNvSpPr>
             <a:spLocks noGrp="1"/>
           </p:cNvSpPr>
@@ -766,8 +892,8 @@
               <a:defRPr/>
             </a:pPr>
             <a:r>
-              <a:rPr lang="en-US"/>
-              <a:t>Click to edit Master text styles</a:t>
+              <a:rPr lang="ru-RU"/>
+              <a:t>Образец текста</a:t>
             </a:r>
             <a:endParaRPr/>
           </a:p>
@@ -776,8 +902,8 @@
               <a:defRPr/>
             </a:pPr>
             <a:r>
-              <a:rPr lang="en-US"/>
-              <a:t>Second level</a:t>
+              <a:rPr lang="ru-RU"/>
+              <a:t>Второй уровень</a:t>
             </a:r>
             <a:endParaRPr/>
           </a:p>
@@ -786,8 +912,8 @@
               <a:defRPr/>
             </a:pPr>
             <a:r>
-              <a:rPr lang="en-US"/>
-              <a:t>Third level</a:t>
+              <a:rPr lang="ru-RU"/>
+              <a:t>Третий уровень</a:t>
             </a:r>
             <a:endParaRPr/>
           </a:p>
@@ -796,8 +922,8 @@
               <a:defRPr/>
             </a:pPr>
             <a:r>
-              <a:rPr lang="en-US"/>
-              <a:t>Fourth level</a:t>
+              <a:rPr lang="ru-RU"/>
+              <a:t>Четвертый уровень</a:t>
             </a:r>
             <a:endParaRPr/>
           </a:p>
@@ -806,16 +932,16 @@
               <a:defRPr/>
             </a:pPr>
             <a:r>
-              <a:rPr lang="en-US"/>
-              <a:t>Fifth level</a:t>
-            </a:r>
-            <a:endParaRPr lang="en-US"/>
+              <a:rPr lang="ru-RU"/>
+              <a:t>Пятый уровень</a:t>
+            </a:r>
+            <a:endParaRPr lang="ru-RU"/>
           </a:p>
         </p:txBody>
       </p:sp>
       <p:sp>
         <p:nvSpPr>
-          <p:cNvPr id="4" name="Date Placeholder 3" hidden="0"/>
+          <p:cNvPr id="4" name="Дата 3" hidden="0"/>
           <p:cNvSpPr>
             <a:spLocks noGrp="1"/>
           </p:cNvSpPr>
@@ -831,7 +957,7 @@
             <a:pPr>
               <a:defRPr/>
             </a:pPr>
-            <a:fld id="{BCC18F51-09EC-435C-A3BA-64A766E099C0}" type="datetimeFigureOut">
+            <a:fld id="{B7184183-74E9-4393-9769-E1D9236041BE}" type="datetimeFigureOut">
               <a:rPr lang="ru-RU"/>
               <a:t/>
             </a:fld>
@@ -841,7 +967,7 @@
       </p:sp>
       <p:sp>
         <p:nvSpPr>
-          <p:cNvPr id="5" name="Footer Placeholder 4" hidden="0"/>
+          <p:cNvPr id="5" name="Нижний колонтитул 4" hidden="0"/>
           <p:cNvSpPr>
             <a:spLocks noGrp="1"/>
           </p:cNvSpPr>
@@ -863,7 +989,7 @@
       </p:sp>
       <p:sp>
         <p:nvSpPr>
-          <p:cNvPr id="6" name="Slide Number Placeholder 5" hidden="0"/>
+          <p:cNvPr id="6" name="Номер слайда 5" hidden="0"/>
           <p:cNvSpPr>
             <a:spLocks noGrp="1"/>
           </p:cNvSpPr>
@@ -879,7 +1005,7 @@
             <a:pPr>
               <a:defRPr/>
             </a:pPr>
-            <a:fld id="{08395586-F03A-48D1-94DF-16B239DF4FB5}" type="slidenum">
+            <a:fld id="{6A530004-958A-4E15-9840-E9741BECB0F3}" type="slidenum">
               <a:rPr lang="ru-RU"/>
               <a:t/>
             </a:fld>
@@ -914,7 +1040,7 @@
       </p:grpSpPr>
       <p:sp>
         <p:nvSpPr>
-          <p:cNvPr id="2" name="Title 1" hidden="0"/>
+          <p:cNvPr id="2" name="Заголовок 1" hidden="0"/>
           <p:cNvSpPr>
             <a:spLocks noGrp="1"/>
           </p:cNvSpPr>
@@ -924,49 +1050,59 @@
         </p:nvSpPr>
         <p:spPr bwMode="auto">
           <a:xfrm>
-            <a:off x="831850" y="1709738"/>
-            <a:ext cx="10515600" cy="2852737"/>
+            <a:off x="963083" y="4406904"/>
+            <a:ext cx="10363199" cy="1362074"/>
+          </a:xfrm>
+        </p:spPr>
+        <p:txBody>
+          <a:bodyPr anchor="t"/>
+          <a:lstStyle>
+            <a:lvl1pPr algn="l">
+              <a:defRPr sz="4000" b="1" cap="all"/>
+            </a:lvl1pPr>
+          </a:lstStyle>
+          <a:p>
+            <a:pPr>
+              <a:defRPr/>
+            </a:pPr>
+            <a:r>
+              <a:rPr lang="ru-RU"/>
+              <a:t>Образец заголовка</a:t>
+            </a:r>
+            <a:endParaRPr lang="ru-RU"/>
+          </a:p>
+        </p:txBody>
+      </p:sp>
+      <p:sp>
+        <p:nvSpPr>
+          <p:cNvPr id="3" name="Текст 2" hidden="0"/>
+          <p:cNvSpPr>
+            <a:spLocks noGrp="1"/>
+          </p:cNvSpPr>
+          <p:nvPr isPhoto="0" userDrawn="0">
+            <p:ph type="body" idx="1" hasCustomPrompt="0"/>
+          </p:nvPr>
+        </p:nvSpPr>
+        <p:spPr bwMode="auto">
+          <a:xfrm>
+            <a:off x="963083" y="2906717"/>
+            <a:ext cx="10363199" cy="1500186"/>
           </a:xfrm>
         </p:spPr>
         <p:txBody>
           <a:bodyPr anchor="b"/>
           <a:lstStyle>
-            <a:lvl1pPr>
-              <a:defRPr sz="4500"/>
+            <a:lvl1pPr marL="0" indent="0">
+              <a:buNone/>
+              <a:defRPr sz="2000">
+                <a:solidFill>
+                  <a:schemeClr val="accent6">
+                    <a:lumMod val="75000"/>
+                  </a:schemeClr>
+                </a:solidFill>
+              </a:defRPr>
             </a:lvl1pPr>
-          </a:lstStyle>
-          <a:p>
-            <a:pPr>
-              <a:defRPr/>
-            </a:pPr>
-            <a:r>
-              <a:rPr lang="en-US"/>
-              <a:t>Click to edit Master title style</a:t>
-            </a:r>
-            <a:endParaRPr lang="en-US"/>
-          </a:p>
-        </p:txBody>
-      </p:sp>
-      <p:sp>
-        <p:nvSpPr>
-          <p:cNvPr id="3" name="Text Placeholder 2" hidden="0"/>
-          <p:cNvSpPr>
-            <a:spLocks noGrp="1"/>
-          </p:cNvSpPr>
-          <p:nvPr isPhoto="0" userDrawn="0">
-            <p:ph type="body" idx="1" hasCustomPrompt="0"/>
-          </p:nvPr>
-        </p:nvSpPr>
-        <p:spPr bwMode="auto">
-          <a:xfrm>
-            <a:off x="831850" y="4589463"/>
-            <a:ext cx="10515600" cy="1500186"/>
-          </a:xfrm>
-        </p:spPr>
-        <p:txBody>
-          <a:bodyPr/>
-          <a:lstStyle>
-            <a:lvl1pPr marL="0" indent="0">
+            <a:lvl2pPr marL="457200" indent="0">
               <a:buNone/>
               <a:defRPr sz="1800">
                 <a:solidFill>
@@ -975,20 +1111,10 @@
                   </a:schemeClr>
                 </a:solidFill>
               </a:defRPr>
-            </a:lvl1pPr>
-            <a:lvl2pPr marL="342900" indent="0">
+            </a:lvl2pPr>
+            <a:lvl3pPr marL="914400" indent="0">
               <a:buNone/>
-              <a:defRPr sz="1500">
-                <a:solidFill>
-                  <a:schemeClr val="tx1">
-                    <a:tint val="75000"/>
-                  </a:schemeClr>
-                </a:solidFill>
-              </a:defRPr>
-            </a:lvl2pPr>
-            <a:lvl3pPr marL="685800" indent="0">
-              <a:buNone/>
-              <a:defRPr sz="1350">
+              <a:defRPr sz="1600">
                 <a:solidFill>
                   <a:schemeClr val="tx1">
                     <a:tint val="75000"/>
@@ -996,9 +1122,9 @@
                 </a:solidFill>
               </a:defRPr>
             </a:lvl3pPr>
-            <a:lvl4pPr marL="1028700" indent="0">
+            <a:lvl4pPr marL="1371600" indent="0">
               <a:buNone/>
-              <a:defRPr sz="1200">
+              <a:defRPr sz="1400">
                 <a:solidFill>
                   <a:schemeClr val="tx1">
                     <a:tint val="75000"/>
@@ -1006,9 +1132,9 @@
                 </a:solidFill>
               </a:defRPr>
             </a:lvl4pPr>
-            <a:lvl5pPr marL="1371600" indent="0">
+            <a:lvl5pPr marL="1828800" indent="0">
               <a:buNone/>
-              <a:defRPr sz="1200">
+              <a:defRPr sz="1400">
                 <a:solidFill>
                   <a:schemeClr val="tx1">
                     <a:tint val="75000"/>
@@ -1016,9 +1142,9 @@
                 </a:solidFill>
               </a:defRPr>
             </a:lvl5pPr>
-            <a:lvl6pPr marL="1714500" indent="0">
+            <a:lvl6pPr marL="2286000" indent="0">
               <a:buNone/>
-              <a:defRPr sz="1200">
+              <a:defRPr sz="1400">
                 <a:solidFill>
                   <a:schemeClr val="tx1">
                     <a:tint val="75000"/>
@@ -1026,9 +1152,9 @@
                 </a:solidFill>
               </a:defRPr>
             </a:lvl6pPr>
-            <a:lvl7pPr marL="2057400" indent="0">
+            <a:lvl7pPr marL="2743200" indent="0">
               <a:buNone/>
-              <a:defRPr sz="1200">
+              <a:defRPr sz="1400">
                 <a:solidFill>
                   <a:schemeClr val="tx1">
                     <a:tint val="75000"/>
@@ -1036,9 +1162,9 @@
                 </a:solidFill>
               </a:defRPr>
             </a:lvl7pPr>
-            <a:lvl8pPr marL="2400300" indent="0">
+            <a:lvl8pPr marL="3200400" indent="0">
               <a:buNone/>
-              <a:defRPr sz="1200">
+              <a:defRPr sz="1400">
                 <a:solidFill>
                   <a:schemeClr val="tx1">
                     <a:tint val="75000"/>
@@ -1046,9 +1172,9 @@
                 </a:solidFill>
               </a:defRPr>
             </a:lvl8pPr>
-            <a:lvl9pPr marL="2743200" indent="0">
+            <a:lvl9pPr marL="3657600" indent="0">
               <a:buNone/>
-              <a:defRPr sz="1200">
+              <a:defRPr sz="1400">
                 <a:solidFill>
                   <a:schemeClr val="tx1">
                     <a:tint val="75000"/>
@@ -1062,8 +1188,8 @@
               <a:defRPr/>
             </a:pPr>
             <a:r>
-              <a:rPr lang="en-US"/>
-              <a:t>Click to edit Master text styles</a:t>
+              <a:rPr lang="ru-RU"/>
+              <a:t>Образец текста</a:t>
             </a:r>
             <a:endParaRPr/>
           </a:p>
@@ -1071,7 +1197,7 @@
       </p:sp>
       <p:sp>
         <p:nvSpPr>
-          <p:cNvPr id="4" name="Date Placeholder 3" hidden="0"/>
+          <p:cNvPr id="4" name="Дата 3" hidden="0"/>
           <p:cNvSpPr>
             <a:spLocks noGrp="1"/>
           </p:cNvSpPr>
@@ -1087,7 +1213,7 @@
             <a:pPr>
               <a:defRPr/>
             </a:pPr>
-            <a:fld id="{BCC18F51-09EC-435C-A3BA-64A766E099C0}" type="datetimeFigureOut">
+            <a:fld id="{B7184183-74E9-4393-9769-E1D9236041BE}" type="datetimeFigureOut">
               <a:rPr lang="ru-RU"/>
               <a:t/>
             </a:fld>
@@ -1097,7 +1223,7 @@
       </p:sp>
       <p:sp>
         <p:nvSpPr>
-          <p:cNvPr id="5" name="Footer Placeholder 4" hidden="0"/>
+          <p:cNvPr id="5" name="Нижний колонтитул 4" hidden="0"/>
           <p:cNvSpPr>
             <a:spLocks noGrp="1"/>
           </p:cNvSpPr>
@@ -1119,7 +1245,7 @@
       </p:sp>
       <p:sp>
         <p:nvSpPr>
-          <p:cNvPr id="6" name="Slide Number Placeholder 5" hidden="0"/>
+          <p:cNvPr id="6" name="Номер слайда 5" hidden="0"/>
           <p:cNvSpPr>
             <a:spLocks noGrp="1"/>
           </p:cNvSpPr>
@@ -1135,7 +1261,7 @@
             <a:pPr>
               <a:defRPr/>
             </a:pPr>
-            <a:fld id="{08395586-F03A-48D1-94DF-16B239DF4FB5}" type="slidenum">
+            <a:fld id="{6A530004-958A-4E15-9840-E9741BECB0F3}" type="slidenum">
               <a:rPr lang="ru-RU"/>
               <a:t/>
             </a:fld>
@@ -1170,12 +1296,210 @@
       </p:grpSpPr>
       <p:sp>
         <p:nvSpPr>
-          <p:cNvPr id="2" name="Title 1" hidden="0"/>
+          <p:cNvPr id="3" name="Объект 2" hidden="0"/>
           <p:cNvSpPr>
             <a:spLocks noGrp="1"/>
           </p:cNvSpPr>
           <p:nvPr isPhoto="0" userDrawn="0">
-            <p:ph type="title" hasCustomPrompt="0"/>
+            <p:ph sz="half" idx="1" hasCustomPrompt="0"/>
+          </p:nvPr>
+        </p:nvSpPr>
+        <p:spPr bwMode="auto">
+          <a:xfrm>
+            <a:off x="815413" y="1595438"/>
+            <a:ext cx="5178986" cy="4514849"/>
+          </a:xfrm>
+        </p:spPr>
+        <p:txBody>
+          <a:bodyPr/>
+          <a:lstStyle>
+            <a:lvl1pPr>
+              <a:defRPr sz="2800"/>
+            </a:lvl1pPr>
+            <a:lvl2pPr>
+              <a:defRPr sz="2400"/>
+            </a:lvl2pPr>
+            <a:lvl3pPr>
+              <a:defRPr sz="2000"/>
+            </a:lvl3pPr>
+            <a:lvl4pPr>
+              <a:defRPr sz="1800"/>
+            </a:lvl4pPr>
+            <a:lvl5pPr>
+              <a:defRPr sz="1800"/>
+            </a:lvl5pPr>
+            <a:lvl6pPr>
+              <a:defRPr sz="1800"/>
+            </a:lvl6pPr>
+            <a:lvl7pPr>
+              <a:defRPr sz="1800"/>
+            </a:lvl7pPr>
+            <a:lvl8pPr>
+              <a:defRPr sz="1800"/>
+            </a:lvl8pPr>
+            <a:lvl9pPr>
+              <a:defRPr sz="1800"/>
+            </a:lvl9pPr>
+          </a:lstStyle>
+          <a:p>
+            <a:pPr lvl="0">
+              <a:defRPr/>
+            </a:pPr>
+            <a:r>
+              <a:rPr lang="ru-RU"/>
+              <a:t>Образец текста</a:t>
+            </a:r>
+            <a:endParaRPr/>
+          </a:p>
+          <a:p>
+            <a:pPr lvl="1">
+              <a:defRPr/>
+            </a:pPr>
+            <a:r>
+              <a:rPr lang="ru-RU"/>
+              <a:t>Второй уровень</a:t>
+            </a:r>
+            <a:endParaRPr/>
+          </a:p>
+          <a:p>
+            <a:pPr lvl="2">
+              <a:defRPr/>
+            </a:pPr>
+            <a:r>
+              <a:rPr lang="ru-RU"/>
+              <a:t>Третий уровень</a:t>
+            </a:r>
+            <a:endParaRPr/>
+          </a:p>
+          <a:p>
+            <a:pPr lvl="3">
+              <a:defRPr/>
+            </a:pPr>
+            <a:r>
+              <a:rPr lang="ru-RU"/>
+              <a:t>Четвертый уровень</a:t>
+            </a:r>
+            <a:endParaRPr/>
+          </a:p>
+          <a:p>
+            <a:pPr lvl="4">
+              <a:defRPr/>
+            </a:pPr>
+            <a:r>
+              <a:rPr lang="ru-RU"/>
+              <a:t>Пятый уровень</a:t>
+            </a:r>
+            <a:endParaRPr lang="ru-RU"/>
+          </a:p>
+        </p:txBody>
+      </p:sp>
+      <p:sp>
+        <p:nvSpPr>
+          <p:cNvPr id="4" name="Объект 3" hidden="0"/>
+          <p:cNvSpPr>
+            <a:spLocks noGrp="1"/>
+          </p:cNvSpPr>
+          <p:nvPr isPhoto="0" userDrawn="0">
+            <p:ph sz="half" idx="2" hasCustomPrompt="0"/>
+          </p:nvPr>
+        </p:nvSpPr>
+        <p:spPr bwMode="auto">
+          <a:xfrm>
+            <a:off x="6197599" y="1595438"/>
+            <a:ext cx="5178986" cy="4514849"/>
+          </a:xfrm>
+        </p:spPr>
+        <p:txBody>
+          <a:bodyPr/>
+          <a:lstStyle>
+            <a:lvl1pPr>
+              <a:defRPr sz="2800"/>
+            </a:lvl1pPr>
+            <a:lvl2pPr>
+              <a:defRPr sz="2400"/>
+            </a:lvl2pPr>
+            <a:lvl3pPr>
+              <a:defRPr sz="2000"/>
+            </a:lvl3pPr>
+            <a:lvl4pPr>
+              <a:defRPr sz="1800"/>
+            </a:lvl4pPr>
+            <a:lvl5pPr>
+              <a:defRPr sz="1800"/>
+            </a:lvl5pPr>
+            <a:lvl6pPr>
+              <a:defRPr sz="1800"/>
+            </a:lvl6pPr>
+            <a:lvl7pPr>
+              <a:defRPr sz="1800"/>
+            </a:lvl7pPr>
+            <a:lvl8pPr>
+              <a:defRPr sz="1800"/>
+            </a:lvl8pPr>
+            <a:lvl9pPr>
+              <a:defRPr sz="1800"/>
+            </a:lvl9pPr>
+          </a:lstStyle>
+          <a:p>
+            <a:pPr lvl="0">
+              <a:defRPr/>
+            </a:pPr>
+            <a:r>
+              <a:rPr lang="ru-RU"/>
+              <a:t>Образец текста</a:t>
+            </a:r>
+            <a:endParaRPr/>
+          </a:p>
+          <a:p>
+            <a:pPr lvl="1">
+              <a:defRPr/>
+            </a:pPr>
+            <a:r>
+              <a:rPr lang="ru-RU"/>
+              <a:t>Второй уровень</a:t>
+            </a:r>
+            <a:endParaRPr/>
+          </a:p>
+          <a:p>
+            <a:pPr lvl="2">
+              <a:defRPr/>
+            </a:pPr>
+            <a:r>
+              <a:rPr lang="ru-RU"/>
+              <a:t>Третий уровень</a:t>
+            </a:r>
+            <a:endParaRPr/>
+          </a:p>
+          <a:p>
+            <a:pPr lvl="3">
+              <a:defRPr/>
+            </a:pPr>
+            <a:r>
+              <a:rPr lang="ru-RU"/>
+              <a:t>Четвертый уровень</a:t>
+            </a:r>
+            <a:endParaRPr/>
+          </a:p>
+          <a:p>
+            <a:pPr lvl="4">
+              <a:defRPr/>
+            </a:pPr>
+            <a:r>
+              <a:rPr lang="ru-RU"/>
+              <a:t>Пятый уровень</a:t>
+            </a:r>
+            <a:endParaRPr lang="ru-RU"/>
+          </a:p>
+        </p:txBody>
+      </p:sp>
+      <p:sp>
+        <p:nvSpPr>
+          <p:cNvPr id="5" name="Дата 4" hidden="0"/>
+          <p:cNvSpPr>
+            <a:spLocks noGrp="1"/>
+          </p:cNvSpPr>
+          <p:nvPr isPhoto="0" userDrawn="0">
+            <p:ph type="dt" sz="half" idx="10" hasCustomPrompt="0"/>
           </p:nvPr>
         </p:nvSpPr>
         <p:spPr bwMode="auto"/>
@@ -1186,164 +1510,22 @@
             <a:pPr>
               <a:defRPr/>
             </a:pPr>
-            <a:r>
-              <a:rPr lang="en-US"/>
-              <a:t>Click to edit Master title style</a:t>
-            </a:r>
-            <a:endParaRPr lang="en-US"/>
+            <a:fld id="{B7184183-74E9-4393-9769-E1D9236041BE}" type="datetimeFigureOut">
+              <a:rPr lang="ru-RU"/>
+              <a:t/>
+            </a:fld>
+            <a:endParaRPr lang="ru-RU"/>
           </a:p>
         </p:txBody>
       </p:sp>
       <p:sp>
         <p:nvSpPr>
-          <p:cNvPr id="3" name="Content Placeholder 2" hidden="0"/>
+          <p:cNvPr id="6" name="Нижний колонтитул 5" hidden="0"/>
           <p:cNvSpPr>
             <a:spLocks noGrp="1"/>
           </p:cNvSpPr>
           <p:nvPr isPhoto="0" userDrawn="0">
-            <p:ph sz="half" idx="1" hasCustomPrompt="0"/>
-          </p:nvPr>
-        </p:nvSpPr>
-        <p:spPr bwMode="auto">
-          <a:xfrm>
-            <a:off x="838199" y="1825625"/>
-            <a:ext cx="5181599" cy="4351338"/>
-          </a:xfrm>
-        </p:spPr>
-        <p:txBody>
-          <a:bodyPr/>
-          <a:lstStyle/>
-          <a:p>
-            <a:pPr lvl="0">
-              <a:defRPr/>
-            </a:pPr>
-            <a:r>
-              <a:rPr lang="en-US"/>
-              <a:t>Click to edit Master text styles</a:t>
-            </a:r>
-            <a:endParaRPr/>
-          </a:p>
-          <a:p>
-            <a:pPr lvl="1">
-              <a:defRPr/>
-            </a:pPr>
-            <a:r>
-              <a:rPr lang="en-US"/>
-              <a:t>Second level</a:t>
-            </a:r>
-            <a:endParaRPr/>
-          </a:p>
-          <a:p>
-            <a:pPr lvl="2">
-              <a:defRPr/>
-            </a:pPr>
-            <a:r>
-              <a:rPr lang="en-US"/>
-              <a:t>Third level</a:t>
-            </a:r>
-            <a:endParaRPr/>
-          </a:p>
-          <a:p>
-            <a:pPr lvl="3">
-              <a:defRPr/>
-            </a:pPr>
-            <a:r>
-              <a:rPr lang="en-US"/>
-              <a:t>Fourth level</a:t>
-            </a:r>
-            <a:endParaRPr/>
-          </a:p>
-          <a:p>
-            <a:pPr lvl="4">
-              <a:defRPr/>
-            </a:pPr>
-            <a:r>
-              <a:rPr lang="en-US"/>
-              <a:t>Fifth level</a:t>
-            </a:r>
-            <a:endParaRPr lang="en-US"/>
-          </a:p>
-        </p:txBody>
-      </p:sp>
-      <p:sp>
-        <p:nvSpPr>
-          <p:cNvPr id="4" name="Content Placeholder 3" hidden="0"/>
-          <p:cNvSpPr>
-            <a:spLocks noGrp="1"/>
-          </p:cNvSpPr>
-          <p:nvPr isPhoto="0" userDrawn="0">
-            <p:ph sz="half" idx="2" hasCustomPrompt="0"/>
-          </p:nvPr>
-        </p:nvSpPr>
-        <p:spPr bwMode="auto">
-          <a:xfrm>
-            <a:off x="6172200" y="1825625"/>
-            <a:ext cx="5181599" cy="4351338"/>
-          </a:xfrm>
-        </p:spPr>
-        <p:txBody>
-          <a:bodyPr/>
-          <a:lstStyle/>
-          <a:p>
-            <a:pPr lvl="0">
-              <a:defRPr/>
-            </a:pPr>
-            <a:r>
-              <a:rPr lang="en-US"/>
-              <a:t>Click to edit Master text styles</a:t>
-            </a:r>
-            <a:endParaRPr/>
-          </a:p>
-          <a:p>
-            <a:pPr lvl="1">
-              <a:defRPr/>
-            </a:pPr>
-            <a:r>
-              <a:rPr lang="en-US"/>
-              <a:t>Second level</a:t>
-            </a:r>
-            <a:endParaRPr/>
-          </a:p>
-          <a:p>
-            <a:pPr lvl="2">
-              <a:defRPr/>
-            </a:pPr>
-            <a:r>
-              <a:rPr lang="en-US"/>
-              <a:t>Third level</a:t>
-            </a:r>
-            <a:endParaRPr/>
-          </a:p>
-          <a:p>
-            <a:pPr lvl="3">
-              <a:defRPr/>
-            </a:pPr>
-            <a:r>
-              <a:rPr lang="en-US"/>
-              <a:t>Fourth level</a:t>
-            </a:r>
-            <a:endParaRPr/>
-          </a:p>
-          <a:p>
-            <a:pPr lvl="4">
-              <a:defRPr/>
-            </a:pPr>
-            <a:r>
-              <a:rPr lang="en-US"/>
-              <a:t>Fifth level</a:t>
-            </a:r>
-            <a:endParaRPr lang="en-US"/>
-          </a:p>
-        </p:txBody>
-      </p:sp>
-      <p:sp>
-        <p:nvSpPr>
-          <p:cNvPr id="5" name="Date Placeholder 4" hidden="0"/>
-          <p:cNvSpPr>
-            <a:spLocks noGrp="1"/>
-          </p:cNvSpPr>
-          <p:nvPr isPhoto="0" userDrawn="0">
-            <p:ph type="dt" sz="half" idx="10" hasCustomPrompt="0"/>
+            <p:ph type="ftr" sz="quarter" idx="11" hasCustomPrompt="0"/>
           </p:nvPr>
         </p:nvSpPr>
         <p:spPr bwMode="auto"/>
@@ -1354,7 +1536,29 @@
             <a:pPr>
               <a:defRPr/>
             </a:pPr>
-            <a:fld id="{BCC18F51-09EC-435C-A3BA-64A766E099C0}" type="datetimeFigureOut">
+            <a:endParaRPr lang="ru-RU"/>
+          </a:p>
+        </p:txBody>
+      </p:sp>
+      <p:sp>
+        <p:nvSpPr>
+          <p:cNvPr id="7" name="Номер слайда 6" hidden="0"/>
+          <p:cNvSpPr>
+            <a:spLocks noGrp="1"/>
+          </p:cNvSpPr>
+          <p:nvPr isPhoto="0" userDrawn="0">
+            <p:ph type="sldNum" sz="quarter" idx="12" hasCustomPrompt="0"/>
+          </p:nvPr>
+        </p:nvSpPr>
+        <p:spPr bwMode="auto"/>
+        <p:txBody>
+          <a:bodyPr/>
+          <a:lstStyle/>
+          <a:p>
+            <a:pPr>
+              <a:defRPr/>
+            </a:pPr>
+            <a:fld id="{6A530004-958A-4E15-9840-E9741BECB0F3}" type="slidenum">
               <a:rPr lang="ru-RU"/>
               <a:t/>
             </a:fld>
@@ -1364,12 +1568,12 @@
       </p:sp>
       <p:sp>
         <p:nvSpPr>
-          <p:cNvPr id="6" name="Footer Placeholder 5" hidden="0"/>
+          <p:cNvPr id="8" name="Заголовок 7" hidden="0"/>
           <p:cNvSpPr>
             <a:spLocks noGrp="1"/>
           </p:cNvSpPr>
           <p:nvPr isPhoto="0" userDrawn="0">
-            <p:ph type="ftr" sz="quarter" idx="11" hasCustomPrompt="0"/>
+            <p:ph type="title" hasCustomPrompt="0"/>
           </p:nvPr>
         </p:nvSpPr>
         <p:spPr bwMode="auto"/>
@@ -1380,32 +1584,10 @@
             <a:pPr>
               <a:defRPr/>
             </a:pPr>
-            <a:endParaRPr lang="ru-RU"/>
-          </a:p>
-        </p:txBody>
-      </p:sp>
-      <p:sp>
-        <p:nvSpPr>
-          <p:cNvPr id="7" name="Slide Number Placeholder 6" hidden="0"/>
-          <p:cNvSpPr>
-            <a:spLocks noGrp="1"/>
-          </p:cNvSpPr>
-          <p:nvPr isPhoto="0" userDrawn="0">
-            <p:ph type="sldNum" sz="quarter" idx="12" hasCustomPrompt="0"/>
-          </p:nvPr>
-        </p:nvSpPr>
-        <p:spPr bwMode="auto"/>
-        <p:txBody>
-          <a:bodyPr/>
-          <a:lstStyle/>
-          <a:p>
-            <a:pPr>
-              <a:defRPr/>
-            </a:pPr>
-            <a:fld id="{08395586-F03A-48D1-94DF-16B239DF4FB5}" type="slidenum">
+            <a:r>
               <a:rPr lang="ru-RU"/>
-              <a:t/>
-            </a:fld>
+              <a:t>Образец заголовка</a:t>
+            </a:r>
             <a:endParaRPr lang="ru-RU"/>
           </a:p>
         </p:txBody>
@@ -1437,38 +1619,7 @@
       </p:grpSpPr>
       <p:sp>
         <p:nvSpPr>
-          <p:cNvPr id="2" name="Title 1" hidden="0"/>
-          <p:cNvSpPr>
-            <a:spLocks noGrp="1"/>
-          </p:cNvSpPr>
-          <p:nvPr isPhoto="0" userDrawn="0">
-            <p:ph type="title" hasCustomPrompt="0"/>
-          </p:nvPr>
-        </p:nvSpPr>
-        <p:spPr bwMode="auto">
-          <a:xfrm>
-            <a:off x="839787" y="365125"/>
-            <a:ext cx="10515600" cy="1325562"/>
-          </a:xfrm>
-        </p:spPr>
-        <p:txBody>
-          <a:bodyPr/>
-          <a:lstStyle/>
-          <a:p>
-            <a:pPr>
-              <a:defRPr/>
-            </a:pPr>
-            <a:r>
-              <a:rPr lang="en-US"/>
-              <a:t>Click to edit Master title style</a:t>
-            </a:r>
-            <a:endParaRPr lang="en-US"/>
-          </a:p>
-        </p:txBody>
-      </p:sp>
-      <p:sp>
-        <p:nvSpPr>
-          <p:cNvPr id="3" name="Text Placeholder 2" hidden="0"/>
+          <p:cNvPr id="3" name="Текст 2" hidden="0"/>
           <p:cNvSpPr>
             <a:spLocks noGrp="1"/>
           </p:cNvSpPr>
@@ -1478,8 +1629,8 @@
         </p:nvSpPr>
         <p:spPr bwMode="auto">
           <a:xfrm>
-            <a:off x="839789" y="1681162"/>
-            <a:ext cx="5157786" cy="823911"/>
+            <a:off x="815413" y="1535113"/>
+            <a:ext cx="5181103" cy="639761"/>
           </a:xfrm>
         </p:spPr>
         <p:txBody>
@@ -1487,39 +1638,39 @@
           <a:lstStyle>
             <a:lvl1pPr marL="0" indent="0">
               <a:buNone/>
+              <a:defRPr sz="2400" b="1"/>
+            </a:lvl1pPr>
+            <a:lvl2pPr marL="457200" indent="0">
+              <a:buNone/>
+              <a:defRPr sz="2000" b="1"/>
+            </a:lvl2pPr>
+            <a:lvl3pPr marL="914400" indent="0">
+              <a:buNone/>
               <a:defRPr sz="1800" b="1"/>
-            </a:lvl1pPr>
-            <a:lvl2pPr marL="342900" indent="0">
+            </a:lvl3pPr>
+            <a:lvl4pPr marL="1371600" indent="0">
               <a:buNone/>
-              <a:defRPr sz="1500" b="1"/>
-            </a:lvl2pPr>
-            <a:lvl3pPr marL="685800" indent="0">
+              <a:defRPr sz="1600" b="1"/>
+            </a:lvl4pPr>
+            <a:lvl5pPr marL="1828800" indent="0">
               <a:buNone/>
-              <a:defRPr sz="1350" b="1"/>
-            </a:lvl3pPr>
-            <a:lvl4pPr marL="1028700" indent="0">
+              <a:defRPr sz="1600" b="1"/>
+            </a:lvl5pPr>
+            <a:lvl6pPr marL="2286000" indent="0">
               <a:buNone/>
-              <a:defRPr sz="1200" b="1"/>
-            </a:lvl4pPr>
-            <a:lvl5pPr marL="1371600" indent="0">
+              <a:defRPr sz="1600" b="1"/>
+            </a:lvl6pPr>
+            <a:lvl7pPr marL="2743200" indent="0">
               <a:buNone/>
-              <a:defRPr sz="1200" b="1"/>
-            </a:lvl5pPr>
-            <a:lvl6pPr marL="1714500" indent="0">
+              <a:defRPr sz="1600" b="1"/>
+            </a:lvl7pPr>
+            <a:lvl8pPr marL="3200400" indent="0">
               <a:buNone/>
-              <a:defRPr sz="1200" b="1"/>
-            </a:lvl6pPr>
-            <a:lvl7pPr marL="2057400" indent="0">
+              <a:defRPr sz="1600" b="1"/>
+            </a:lvl8pPr>
+            <a:lvl9pPr marL="3657600" indent="0">
               <a:buNone/>
-              <a:defRPr sz="1200" b="1"/>
-            </a:lvl7pPr>
-            <a:lvl8pPr marL="2400300" indent="0">
-              <a:buNone/>
-              <a:defRPr sz="1200" b="1"/>
-            </a:lvl8pPr>
-            <a:lvl9pPr marL="2743200" indent="0">
-              <a:buNone/>
-              <a:defRPr sz="1200" b="1"/>
+              <a:defRPr sz="1600" b="1"/>
             </a:lvl9pPr>
           </a:lstStyle>
           <a:p>
@@ -1527,8 +1678,8 @@
               <a:defRPr/>
             </a:pPr>
             <a:r>
-              <a:rPr lang="en-US"/>
-              <a:t>Click to edit Master text styles</a:t>
+              <a:rPr lang="ru-RU"/>
+              <a:t>Образец текста</a:t>
             </a:r>
             <a:endParaRPr/>
           </a:p>
@@ -1536,7 +1687,7 @@
       </p:sp>
       <p:sp>
         <p:nvSpPr>
-          <p:cNvPr id="4" name="Content Placeholder 3" hidden="0"/>
+          <p:cNvPr id="4" name="Объект 3" hidden="0"/>
           <p:cNvSpPr>
             <a:spLocks noGrp="1"/>
           </p:cNvSpPr>
@@ -1546,20 +1697,48 @@
         </p:nvSpPr>
         <p:spPr bwMode="auto">
           <a:xfrm>
-            <a:off x="839789" y="2505074"/>
-            <a:ext cx="5157786" cy="3684587"/>
+            <a:off x="815413" y="2174874"/>
+            <a:ext cx="5181103" cy="3951288"/>
           </a:xfrm>
         </p:spPr>
         <p:txBody>
           <a:bodyPr/>
-          <a:lstStyle/>
+          <a:lstStyle>
+            <a:lvl1pPr>
+              <a:defRPr sz="2400"/>
+            </a:lvl1pPr>
+            <a:lvl2pPr>
+              <a:defRPr sz="2000"/>
+            </a:lvl2pPr>
+            <a:lvl3pPr>
+              <a:defRPr sz="1800"/>
+            </a:lvl3pPr>
+            <a:lvl4pPr>
+              <a:defRPr sz="1600"/>
+            </a:lvl4pPr>
+            <a:lvl5pPr>
+              <a:defRPr sz="1600"/>
+            </a:lvl5pPr>
+            <a:lvl6pPr>
+              <a:defRPr sz="1600"/>
+            </a:lvl6pPr>
+            <a:lvl7pPr>
+              <a:defRPr sz="1600"/>
+            </a:lvl7pPr>
+            <a:lvl8pPr>
+              <a:defRPr sz="1600"/>
+            </a:lvl8pPr>
+            <a:lvl9pPr>
+              <a:defRPr sz="1600"/>
+            </a:lvl9pPr>
+          </a:lstStyle>
           <a:p>
             <a:pPr lvl="0">
               <a:defRPr/>
             </a:pPr>
             <a:r>
-              <a:rPr lang="en-US"/>
-              <a:t>Click to edit Master text styles</a:t>
+              <a:rPr lang="ru-RU"/>
+              <a:t>Образец текста</a:t>
             </a:r>
             <a:endParaRPr/>
           </a:p>
@@ -1568,8 +1747,8 @@
               <a:defRPr/>
             </a:pPr>
             <a:r>
-              <a:rPr lang="en-US"/>
-              <a:t>Second level</a:t>
+              <a:rPr lang="ru-RU"/>
+              <a:t>Второй уровень</a:t>
             </a:r>
             <a:endParaRPr/>
           </a:p>
@@ -1578,8 +1757,8 @@
               <a:defRPr/>
             </a:pPr>
             <a:r>
-              <a:rPr lang="en-US"/>
-              <a:t>Third level</a:t>
+              <a:rPr lang="ru-RU"/>
+              <a:t>Третий уровень</a:t>
             </a:r>
             <a:endParaRPr/>
           </a:p>
@@ -1588,8 +1767,8 @@
               <a:defRPr/>
             </a:pPr>
             <a:r>
-              <a:rPr lang="en-US"/>
-              <a:t>Fourth level</a:t>
+              <a:rPr lang="ru-RU"/>
+              <a:t>Четвертый уровень</a:t>
             </a:r>
             <a:endParaRPr/>
           </a:p>
@@ -1598,16 +1777,16 @@
               <a:defRPr/>
             </a:pPr>
             <a:r>
-              <a:rPr lang="en-US"/>
-              <a:t>Fifth level</a:t>
-            </a:r>
-            <a:endParaRPr lang="en-US"/>
+              <a:rPr lang="ru-RU"/>
+              <a:t>Пятый уровень</a:t>
+            </a:r>
+            <a:endParaRPr lang="ru-RU"/>
           </a:p>
         </p:txBody>
       </p:sp>
       <p:sp>
         <p:nvSpPr>
-          <p:cNvPr id="5" name="Text Placeholder 4" hidden="0"/>
+          <p:cNvPr id="5" name="Текст 4" hidden="0"/>
           <p:cNvSpPr>
             <a:spLocks noGrp="1"/>
           </p:cNvSpPr>
@@ -1617,8 +1796,8 @@
         </p:nvSpPr>
         <p:spPr bwMode="auto">
           <a:xfrm>
-            <a:off x="6172200" y="1681162"/>
-            <a:ext cx="5183187" cy="823911"/>
+            <a:off x="6193377" y="1535113"/>
+            <a:ext cx="5183210" cy="639761"/>
           </a:xfrm>
         </p:spPr>
         <p:txBody>
@@ -1626,39 +1805,39 @@
           <a:lstStyle>
             <a:lvl1pPr marL="0" indent="0">
               <a:buNone/>
+              <a:defRPr sz="2400" b="1"/>
+            </a:lvl1pPr>
+            <a:lvl2pPr marL="457200" indent="0">
+              <a:buNone/>
+              <a:defRPr sz="2000" b="1"/>
+            </a:lvl2pPr>
+            <a:lvl3pPr marL="914400" indent="0">
+              <a:buNone/>
               <a:defRPr sz="1800" b="1"/>
-            </a:lvl1pPr>
-            <a:lvl2pPr marL="342900" indent="0">
+            </a:lvl3pPr>
+            <a:lvl4pPr marL="1371600" indent="0">
               <a:buNone/>
-              <a:defRPr sz="1500" b="1"/>
-            </a:lvl2pPr>
-            <a:lvl3pPr marL="685800" indent="0">
+              <a:defRPr sz="1600" b="1"/>
+            </a:lvl4pPr>
+            <a:lvl5pPr marL="1828800" indent="0">
               <a:buNone/>
-              <a:defRPr sz="1350" b="1"/>
-            </a:lvl3pPr>
-            <a:lvl4pPr marL="1028700" indent="0">
+              <a:defRPr sz="1600" b="1"/>
+            </a:lvl5pPr>
+            <a:lvl6pPr marL="2286000" indent="0">
               <a:buNone/>
-              <a:defRPr sz="1200" b="1"/>
-            </a:lvl4pPr>
-            <a:lvl5pPr marL="1371600" indent="0">
+              <a:defRPr sz="1600" b="1"/>
+            </a:lvl6pPr>
+            <a:lvl7pPr marL="2743200" indent="0">
               <a:buNone/>
-              <a:defRPr sz="1200" b="1"/>
-            </a:lvl5pPr>
-            <a:lvl6pPr marL="1714500" indent="0">
+              <a:defRPr sz="1600" b="1"/>
+            </a:lvl7pPr>
+            <a:lvl8pPr marL="3200400" indent="0">
               <a:buNone/>
-              <a:defRPr sz="1200" b="1"/>
-            </a:lvl6pPr>
-            <a:lvl7pPr marL="2057400" indent="0">
+              <a:defRPr sz="1600" b="1"/>
+            </a:lvl8pPr>
+            <a:lvl9pPr marL="3657600" indent="0">
               <a:buNone/>
-              <a:defRPr sz="1200" b="1"/>
-            </a:lvl7pPr>
-            <a:lvl8pPr marL="2400300" indent="0">
-              <a:buNone/>
-              <a:defRPr sz="1200" b="1"/>
-            </a:lvl8pPr>
-            <a:lvl9pPr marL="2743200" indent="0">
-              <a:buNone/>
-              <a:defRPr sz="1200" b="1"/>
+              <a:defRPr sz="1600" b="1"/>
             </a:lvl9pPr>
           </a:lstStyle>
           <a:p>
@@ -1666,8 +1845,8 @@
               <a:defRPr/>
             </a:pPr>
             <a:r>
-              <a:rPr lang="en-US"/>
-              <a:t>Click to edit Master text styles</a:t>
+              <a:rPr lang="ru-RU"/>
+              <a:t>Образец текста</a:t>
             </a:r>
             <a:endParaRPr/>
           </a:p>
@@ -1675,7 +1854,7 @@
       </p:sp>
       <p:sp>
         <p:nvSpPr>
-          <p:cNvPr id="6" name="Content Placeholder 5" hidden="0"/>
+          <p:cNvPr id="6" name="Объект 5" hidden="0"/>
           <p:cNvSpPr>
             <a:spLocks noGrp="1"/>
           </p:cNvSpPr>
@@ -1685,20 +1864,48 @@
         </p:nvSpPr>
         <p:spPr bwMode="auto">
           <a:xfrm>
-            <a:off x="6172200" y="2505074"/>
-            <a:ext cx="5183187" cy="3684587"/>
+            <a:off x="6193377" y="2174874"/>
+            <a:ext cx="5183210" cy="3951288"/>
           </a:xfrm>
         </p:spPr>
         <p:txBody>
           <a:bodyPr/>
-          <a:lstStyle/>
+          <a:lstStyle>
+            <a:lvl1pPr>
+              <a:defRPr sz="2400"/>
+            </a:lvl1pPr>
+            <a:lvl2pPr>
+              <a:defRPr sz="2000"/>
+            </a:lvl2pPr>
+            <a:lvl3pPr>
+              <a:defRPr sz="1800"/>
+            </a:lvl3pPr>
+            <a:lvl4pPr>
+              <a:defRPr sz="1600"/>
+            </a:lvl4pPr>
+            <a:lvl5pPr>
+              <a:defRPr sz="1600"/>
+            </a:lvl5pPr>
+            <a:lvl6pPr>
+              <a:defRPr sz="1600"/>
+            </a:lvl6pPr>
+            <a:lvl7pPr>
+              <a:defRPr sz="1600"/>
+            </a:lvl7pPr>
+            <a:lvl8pPr>
+              <a:defRPr sz="1600"/>
+            </a:lvl8pPr>
+            <a:lvl9pPr>
+              <a:defRPr sz="1600"/>
+            </a:lvl9pPr>
+          </a:lstStyle>
           <a:p>
             <a:pPr lvl="0">
               <a:defRPr/>
             </a:pPr>
             <a:r>
-              <a:rPr lang="en-US"/>
-              <a:t>Click to edit Master text styles</a:t>
+              <a:rPr lang="ru-RU"/>
+              <a:t>Образец текста</a:t>
             </a:r>
             <a:endParaRPr/>
           </a:p>
@@ -1707,8 +1914,8 @@
               <a:defRPr/>
             </a:pPr>
             <a:r>
-              <a:rPr lang="en-US"/>
-              <a:t>Second level</a:t>
+              <a:rPr lang="ru-RU"/>
+              <a:t>Второй уровень</a:t>
             </a:r>
             <a:endParaRPr/>
           </a:p>
@@ -1717,8 +1924,8 @@
               <a:defRPr/>
             </a:pPr>
             <a:r>
-              <a:rPr lang="en-US"/>
-              <a:t>Third level</a:t>
+              <a:rPr lang="ru-RU"/>
+              <a:t>Третий уровень</a:t>
             </a:r>
             <a:endParaRPr/>
           </a:p>
@@ -1727,8 +1934,8 @@
               <a:defRPr/>
             </a:pPr>
             <a:r>
-              <a:rPr lang="en-US"/>
-              <a:t>Fourth level</a:t>
+              <a:rPr lang="ru-RU"/>
+              <a:t>Четвертый уровень</a:t>
             </a:r>
             <a:endParaRPr/>
           </a:p>
@@ -1737,16 +1944,16 @@
               <a:defRPr/>
             </a:pPr>
             <a:r>
-              <a:rPr lang="en-US"/>
-              <a:t>Fifth level</a:t>
-            </a:r>
-            <a:endParaRPr lang="en-US"/>
+              <a:rPr lang="ru-RU"/>
+              <a:t>Пятый уровень</a:t>
+            </a:r>
+            <a:endParaRPr lang="ru-RU"/>
           </a:p>
         </p:txBody>
       </p:sp>
       <p:sp>
         <p:nvSpPr>
-          <p:cNvPr id="7" name="Date Placeholder 6" hidden="0"/>
+          <p:cNvPr id="7" name="Дата 6" hidden="0"/>
           <p:cNvSpPr>
             <a:spLocks noGrp="1"/>
           </p:cNvSpPr>
@@ -1762,7 +1969,7 @@
             <a:pPr>
               <a:defRPr/>
             </a:pPr>
-            <a:fld id="{BCC18F51-09EC-435C-A3BA-64A766E099C0}" type="datetimeFigureOut">
+            <a:fld id="{B7184183-74E9-4393-9769-E1D9236041BE}" type="datetimeFigureOut">
               <a:rPr lang="ru-RU"/>
               <a:t/>
             </a:fld>
@@ -1772,7 +1979,7 @@
       </p:sp>
       <p:sp>
         <p:nvSpPr>
-          <p:cNvPr id="8" name="Footer Placeholder 7" hidden="0"/>
+          <p:cNvPr id="8" name="Нижний колонтитул 7" hidden="0"/>
           <p:cNvSpPr>
             <a:spLocks noGrp="1"/>
           </p:cNvSpPr>
@@ -1794,7 +2001,7 @@
       </p:sp>
       <p:sp>
         <p:nvSpPr>
-          <p:cNvPr id="9" name="Slide Number Placeholder 8" hidden="0"/>
+          <p:cNvPr id="9" name="Номер слайда 8" hidden="0"/>
           <p:cNvSpPr>
             <a:spLocks noGrp="1"/>
           </p:cNvSpPr>
@@ -1810,10 +2017,36 @@
             <a:pPr>
               <a:defRPr/>
             </a:pPr>
-            <a:fld id="{08395586-F03A-48D1-94DF-16B239DF4FB5}" type="slidenum">
+            <a:fld id="{6A530004-958A-4E15-9840-E9741BECB0F3}" type="slidenum">
               <a:rPr lang="ru-RU"/>
               <a:t/>
             </a:fld>
+            <a:endParaRPr lang="ru-RU"/>
+          </a:p>
+        </p:txBody>
+      </p:sp>
+      <p:sp>
+        <p:nvSpPr>
+          <p:cNvPr id="10" name="Заголовок 9" hidden="0"/>
+          <p:cNvSpPr>
+            <a:spLocks noGrp="1"/>
+          </p:cNvSpPr>
+          <p:nvPr isPhoto="0" userDrawn="0">
+            <p:ph type="title" hasCustomPrompt="0"/>
+          </p:nvPr>
+        </p:nvSpPr>
+        <p:spPr bwMode="auto"/>
+        <p:txBody>
+          <a:bodyPr/>
+          <a:lstStyle/>
+          <a:p>
+            <a:pPr>
+              <a:defRPr/>
+            </a:pPr>
+            <a:r>
+              <a:rPr lang="ru-RU"/>
+              <a:t>Образец заголовка</a:t>
+            </a:r>
             <a:endParaRPr lang="ru-RU"/>
           </a:p>
         </p:txBody>
@@ -1845,7 +2078,7 @@
       </p:grpSpPr>
       <p:sp>
         <p:nvSpPr>
-          <p:cNvPr id="2" name="Title 1" hidden="0"/>
+          <p:cNvPr id="2" name="Заголовок 1" hidden="0"/>
           <p:cNvSpPr>
             <a:spLocks noGrp="1"/>
           </p:cNvSpPr>
@@ -1862,16 +2095,16 @@
               <a:defRPr/>
             </a:pPr>
             <a:r>
-              <a:rPr lang="en-US"/>
-              <a:t>Click to edit Master title style</a:t>
-            </a:r>
-            <a:endParaRPr lang="en-US"/>
+              <a:rPr lang="ru-RU"/>
+              <a:t>Образец заголовка</a:t>
+            </a:r>
+            <a:endParaRPr lang="ru-RU"/>
           </a:p>
         </p:txBody>
       </p:sp>
       <p:sp>
         <p:nvSpPr>
-          <p:cNvPr id="3" name="Date Placeholder 2" hidden="0"/>
+          <p:cNvPr id="3" name="Дата 2" hidden="0"/>
           <p:cNvSpPr>
             <a:spLocks noGrp="1"/>
           </p:cNvSpPr>
@@ -1887,7 +2120,7 @@
             <a:pPr>
               <a:defRPr/>
             </a:pPr>
-            <a:fld id="{BCC18F51-09EC-435C-A3BA-64A766E099C0}" type="datetimeFigureOut">
+            <a:fld id="{B7184183-74E9-4393-9769-E1D9236041BE}" type="datetimeFigureOut">
               <a:rPr lang="ru-RU"/>
               <a:t/>
             </a:fld>
@@ -1897,7 +2130,7 @@
       </p:sp>
       <p:sp>
         <p:nvSpPr>
-          <p:cNvPr id="4" name="Footer Placeholder 3" hidden="0"/>
+          <p:cNvPr id="4" name="Нижний колонтитул 3" hidden="0"/>
           <p:cNvSpPr>
             <a:spLocks noGrp="1"/>
           </p:cNvSpPr>
@@ -1919,7 +2152,7 @@
       </p:sp>
       <p:sp>
         <p:nvSpPr>
-          <p:cNvPr id="5" name="Slide Number Placeholder 4" hidden="0"/>
+          <p:cNvPr id="5" name="Номер слайда 4" hidden="0"/>
           <p:cNvSpPr>
             <a:spLocks noGrp="1"/>
           </p:cNvSpPr>
@@ -1935,7 +2168,7 @@
             <a:pPr>
               <a:defRPr/>
             </a:pPr>
-            <a:fld id="{08395586-F03A-48D1-94DF-16B239DF4FB5}" type="slidenum">
+            <a:fld id="{6A530004-958A-4E15-9840-E9741BECB0F3}" type="slidenum">
               <a:rPr lang="ru-RU"/>
               <a:t/>
             </a:fld>
@@ -1970,7 +2203,7 @@
       </p:grpSpPr>
       <p:sp>
         <p:nvSpPr>
-          <p:cNvPr id="2" name="Date Placeholder 1" hidden="0"/>
+          <p:cNvPr id="2" name="Дата 1" hidden="0"/>
           <p:cNvSpPr>
             <a:spLocks noGrp="1"/>
           </p:cNvSpPr>
@@ -1986,7 +2219,7 @@
             <a:pPr>
               <a:defRPr/>
             </a:pPr>
-            <a:fld id="{BCC18F51-09EC-435C-A3BA-64A766E099C0}" type="datetimeFigureOut">
+            <a:fld id="{B7184183-74E9-4393-9769-E1D9236041BE}" type="datetimeFigureOut">
               <a:rPr lang="ru-RU"/>
               <a:t/>
             </a:fld>
@@ -1996,7 +2229,7 @@
       </p:sp>
       <p:sp>
         <p:nvSpPr>
-          <p:cNvPr id="3" name="Footer Placeholder 2" hidden="0"/>
+          <p:cNvPr id="3" name="Нижний колонтитул 2" hidden="0"/>
           <p:cNvSpPr>
             <a:spLocks noGrp="1"/>
           </p:cNvSpPr>
@@ -2018,7 +2251,7 @@
       </p:sp>
       <p:sp>
         <p:nvSpPr>
-          <p:cNvPr id="4" name="Slide Number Placeholder 3" hidden="0"/>
+          <p:cNvPr id="4" name="Номер слайда 3" hidden="0"/>
           <p:cNvSpPr>
             <a:spLocks noGrp="1"/>
           </p:cNvSpPr>
@@ -2034,7 +2267,7 @@
             <a:pPr>
               <a:defRPr/>
             </a:pPr>
-            <a:fld id="{08395586-F03A-48D1-94DF-16B239DF4FB5}" type="slidenum">
+            <a:fld id="{6A530004-958A-4E15-9840-E9741BECB0F3}" type="slidenum">
               <a:rPr lang="ru-RU"/>
               <a:t/>
             </a:fld>
@@ -2069,7 +2302,7 @@
       </p:grpSpPr>
       <p:sp>
         <p:nvSpPr>
-          <p:cNvPr id="2" name="Title 1" hidden="0"/>
+          <p:cNvPr id="2" name="Заголовок 1" hidden="0"/>
           <p:cNvSpPr>
             <a:spLocks noGrp="1"/>
           </p:cNvSpPr>
@@ -2079,15 +2312,15 @@
         </p:nvSpPr>
         <p:spPr bwMode="auto">
           <a:xfrm>
-            <a:off x="839787" y="457200"/>
-            <a:ext cx="3932237" cy="1600200"/>
+            <a:off x="609610" y="273054"/>
+            <a:ext cx="4011084" cy="1162049"/>
           </a:xfrm>
         </p:spPr>
         <p:txBody>
           <a:bodyPr anchor="b"/>
           <a:lstStyle>
-            <a:lvl1pPr>
-              <a:defRPr sz="2400"/>
+            <a:lvl1pPr algn="l">
+              <a:defRPr sz="2000" b="1"/>
             </a:lvl1pPr>
           </a:lstStyle>
           <a:p>
@@ -2095,16 +2328,16 @@
               <a:defRPr/>
             </a:pPr>
             <a:r>
-              <a:rPr lang="en-US"/>
-              <a:t>Click to edit Master title style</a:t>
-            </a:r>
-            <a:endParaRPr lang="en-US"/>
+              <a:rPr lang="ru-RU"/>
+              <a:t>Образец заголовка</a:t>
+            </a:r>
+            <a:endParaRPr lang="ru-RU"/>
           </a:p>
         </p:txBody>
       </p:sp>
       <p:sp>
         <p:nvSpPr>
-          <p:cNvPr id="3" name="Content Placeholder 2" hidden="0"/>
+          <p:cNvPr id="3" name="Объект 2" hidden="0"/>
           <p:cNvSpPr>
             <a:spLocks noGrp="1"/>
           </p:cNvSpPr>
@@ -2114,39 +2347,39 @@
         </p:nvSpPr>
         <p:spPr bwMode="auto">
           <a:xfrm>
-            <a:off x="5183187" y="987425"/>
-            <a:ext cx="6172200" cy="4873625"/>
+            <a:off x="4766732" y="273050"/>
+            <a:ext cx="6815666" cy="5853113"/>
           </a:xfrm>
         </p:spPr>
         <p:txBody>
           <a:bodyPr/>
           <a:lstStyle>
             <a:lvl1pPr>
-              <a:defRPr sz="2400"/>
+              <a:defRPr sz="3200"/>
             </a:lvl1pPr>
             <a:lvl2pPr>
-              <a:defRPr sz="2100"/>
+              <a:defRPr sz="2800"/>
             </a:lvl2pPr>
             <a:lvl3pPr>
-              <a:defRPr sz="1800"/>
+              <a:defRPr sz="2400"/>
             </a:lvl3pPr>
             <a:lvl4pPr>
-              <a:defRPr sz="1500"/>
+              <a:defRPr sz="2000"/>
             </a:lvl4pPr>
             <a:lvl5pPr>
-              <a:defRPr sz="1500"/>
+              <a:defRPr sz="2000"/>
             </a:lvl5pPr>
             <a:lvl6pPr>
-              <a:defRPr sz="1500"/>
+              <a:defRPr sz="2000"/>
             </a:lvl6pPr>
             <a:lvl7pPr>
-              <a:defRPr sz="1500"/>
+              <a:defRPr sz="2000"/>
             </a:lvl7pPr>
             <a:lvl8pPr>
-              <a:defRPr sz="1500"/>
+              <a:defRPr sz="2000"/>
             </a:lvl8pPr>
             <a:lvl9pPr>
-              <a:defRPr sz="1500"/>
+              <a:defRPr sz="2000"/>
             </a:lvl9pPr>
           </a:lstStyle>
           <a:p>
@@ -2154,8 +2387,8 @@
               <a:defRPr/>
             </a:pPr>
             <a:r>
-              <a:rPr lang="en-US"/>
-              <a:t>Click to edit Master text styles</a:t>
+              <a:rPr lang="ru-RU"/>
+              <a:t>Образец текста</a:t>
             </a:r>
             <a:endParaRPr/>
           </a:p>
@@ -2164,8 +2397,8 @@
               <a:defRPr/>
             </a:pPr>
             <a:r>
-              <a:rPr lang="en-US"/>
-              <a:t>Second level</a:t>
+              <a:rPr lang="ru-RU"/>
+              <a:t>Второй уровень</a:t>
             </a:r>
             <a:endParaRPr/>
           </a:p>
@@ -2174,8 +2407,8 @@
               <a:defRPr/>
             </a:pPr>
             <a:r>
-              <a:rPr lang="en-US"/>
-              <a:t>Third level</a:t>
+              <a:rPr lang="ru-RU"/>
+              <a:t>Третий уровень</a:t>
             </a:r>
             <a:endParaRPr/>
           </a:p>
@@ -2184,8 +2417,8 @@
               <a:defRPr/>
             </a:pPr>
             <a:r>
-              <a:rPr lang="en-US"/>
-              <a:t>Fourth level</a:t>
+              <a:rPr lang="ru-RU"/>
+              <a:t>Четвертый уровень</a:t>
             </a:r>
             <a:endParaRPr/>
           </a:p>
@@ -2194,16 +2427,16 @@
               <a:defRPr/>
             </a:pPr>
             <a:r>
-              <a:rPr lang="en-US"/>
-              <a:t>Fifth level</a:t>
-            </a:r>
-            <a:endParaRPr lang="en-US"/>
+              <a:rPr lang="ru-RU"/>
+              <a:t>Пятый уровень</a:t>
+            </a:r>
+            <a:endParaRPr lang="ru-RU"/>
           </a:p>
         </p:txBody>
       </p:sp>
       <p:sp>
         <p:nvSpPr>
-          <p:cNvPr id="4" name="Text Placeholder 3" hidden="0"/>
+          <p:cNvPr id="4" name="Текст 3" hidden="0"/>
           <p:cNvSpPr>
             <a:spLocks noGrp="1"/>
           </p:cNvSpPr>
@@ -2213,8 +2446,8 @@
         </p:nvSpPr>
         <p:spPr bwMode="auto">
           <a:xfrm>
-            <a:off x="839787" y="2057399"/>
-            <a:ext cx="3932237" cy="3811587"/>
+            <a:off x="609610" y="1435103"/>
+            <a:ext cx="4011084" cy="4691063"/>
           </a:xfrm>
         </p:spPr>
         <p:txBody>
@@ -2222,39 +2455,39 @@
           <a:lstStyle>
             <a:lvl1pPr marL="0" indent="0">
               <a:buNone/>
+              <a:defRPr sz="1400"/>
+            </a:lvl1pPr>
+            <a:lvl2pPr marL="457200" indent="0">
+              <a:buNone/>
               <a:defRPr sz="1200"/>
-            </a:lvl1pPr>
-            <a:lvl2pPr marL="342900" indent="0">
+            </a:lvl2pPr>
+            <a:lvl3pPr marL="914400" indent="0">
               <a:buNone/>
-              <a:defRPr sz="1050"/>
-            </a:lvl2pPr>
-            <a:lvl3pPr marL="685800" indent="0">
+              <a:defRPr sz="1000"/>
+            </a:lvl3pPr>
+            <a:lvl4pPr marL="1371600" indent="0">
               <a:buNone/>
               <a:defRPr sz="900"/>
-            </a:lvl3pPr>
-            <a:lvl4pPr marL="1028700" indent="0">
+            </a:lvl4pPr>
+            <a:lvl5pPr marL="1828800" indent="0">
               <a:buNone/>
-              <a:defRPr sz="750"/>
-            </a:lvl4pPr>
-            <a:lvl5pPr marL="1371600" indent="0">
+              <a:defRPr sz="900"/>
+            </a:lvl5pPr>
+            <a:lvl6pPr marL="2286000" indent="0">
               <a:buNone/>
-              <a:defRPr sz="750"/>
-            </a:lvl5pPr>
-            <a:lvl6pPr marL="1714500" indent="0">
+              <a:defRPr sz="900"/>
+            </a:lvl6pPr>
+            <a:lvl7pPr marL="2743200" indent="0">
               <a:buNone/>
-              <a:defRPr sz="750"/>
-            </a:lvl6pPr>
-            <a:lvl7pPr marL="2057400" indent="0">
+              <a:defRPr sz="900"/>
+            </a:lvl7pPr>
+            <a:lvl8pPr marL="3200400" indent="0">
               <a:buNone/>
-              <a:defRPr sz="750"/>
-            </a:lvl7pPr>
-            <a:lvl8pPr marL="2400300" indent="0">
+              <a:defRPr sz="900"/>
+            </a:lvl8pPr>
+            <a:lvl9pPr marL="3657600" indent="0">
               <a:buNone/>
-              <a:defRPr sz="750"/>
-            </a:lvl8pPr>
-            <a:lvl9pPr marL="2743200" indent="0">
-              <a:buNone/>
-              <a:defRPr sz="750"/>
+              <a:defRPr sz="900"/>
             </a:lvl9pPr>
           </a:lstStyle>
           <a:p>
@@ -2262,8 +2495,8 @@
               <a:defRPr/>
             </a:pPr>
             <a:r>
-              <a:rPr lang="en-US"/>
-              <a:t>Click to edit Master text styles</a:t>
+              <a:rPr lang="ru-RU"/>
+              <a:t>Образец текста</a:t>
             </a:r>
             <a:endParaRPr/>
           </a:p>
@@ -2271,7 +2504,7 @@
       </p:sp>
       <p:sp>
         <p:nvSpPr>
-          <p:cNvPr id="5" name="Date Placeholder 4" hidden="0"/>
+          <p:cNvPr id="5" name="Дата 4" hidden="0"/>
           <p:cNvSpPr>
             <a:spLocks noGrp="1"/>
           </p:cNvSpPr>
@@ -2287,7 +2520,7 @@
             <a:pPr>
               <a:defRPr/>
             </a:pPr>
-            <a:fld id="{BCC18F51-09EC-435C-A3BA-64A766E099C0}" type="datetimeFigureOut">
+            <a:fld id="{B7184183-74E9-4393-9769-E1D9236041BE}" type="datetimeFigureOut">
               <a:rPr lang="ru-RU"/>
               <a:t/>
             </a:fld>
@@ -2297,7 +2530,7 @@
       </p:sp>
       <p:sp>
         <p:nvSpPr>
-          <p:cNvPr id="6" name="Footer Placeholder 5" hidden="0"/>
+          <p:cNvPr id="6" name="Нижний колонтитул 5" hidden="0"/>
           <p:cNvSpPr>
             <a:spLocks noGrp="1"/>
           </p:cNvSpPr>
@@ -2319,7 +2552,7 @@
       </p:sp>
       <p:sp>
         <p:nvSpPr>
-          <p:cNvPr id="7" name="Slide Number Placeholder 6" hidden="0"/>
+          <p:cNvPr id="7" name="Номер слайда 6" hidden="0"/>
           <p:cNvSpPr>
             <a:spLocks noGrp="1"/>
           </p:cNvSpPr>
@@ -2335,7 +2568,7 @@
             <a:pPr>
               <a:defRPr/>
             </a:pPr>
-            <a:fld id="{08395586-F03A-48D1-94DF-16B239DF4FB5}" type="slidenum">
+            <a:fld id="{6A530004-958A-4E15-9840-E9741BECB0F3}" type="slidenum">
               <a:rPr lang="ru-RU"/>
               <a:t/>
             </a:fld>
@@ -2370,7 +2603,7 @@
       </p:grpSpPr>
       <p:sp>
         <p:nvSpPr>
-          <p:cNvPr id="2" name="Title 1" hidden="0"/>
+          <p:cNvPr id="2" name="Заголовок 1" hidden="0"/>
           <p:cNvSpPr>
             <a:spLocks noGrp="1"/>
           </p:cNvSpPr>
@@ -2380,15 +2613,15 @@
         </p:nvSpPr>
         <p:spPr bwMode="auto">
           <a:xfrm>
-            <a:off x="839787" y="457200"/>
-            <a:ext cx="3932237" cy="1600200"/>
+            <a:off x="815413" y="4800603"/>
+            <a:ext cx="10561173" cy="566738"/>
           </a:xfrm>
         </p:spPr>
         <p:txBody>
           <a:bodyPr anchor="b"/>
           <a:lstStyle>
-            <a:lvl1pPr>
-              <a:defRPr sz="2400"/>
+            <a:lvl1pPr algn="l">
+              <a:defRPr sz="2000" b="1"/>
             </a:lvl1pPr>
           </a:lstStyle>
           <a:p>
@@ -2396,18 +2629,18 @@
               <a:defRPr/>
             </a:pPr>
             <a:r>
-              <a:rPr lang="en-US"/>
-              <a:t>Click to edit Master title style</a:t>
-            </a:r>
-            <a:endParaRPr lang="en-US"/>
+              <a:rPr lang="ru-RU"/>
+              <a:t>Образец заголовка</a:t>
+            </a:r>
+            <a:endParaRPr lang="ru-RU"/>
           </a:p>
         </p:txBody>
       </p:sp>
       <p:sp>
         <p:nvSpPr>
-          <p:cNvPr id="3" name="Picture Placeholder 2" hidden="0"/>
-          <p:cNvSpPr>
-            <a:spLocks noChangeAspect="1" noGrp="1"/>
+          <p:cNvPr id="3" name="Рисунок 2" hidden="0"/>
+          <p:cNvSpPr>
+            <a:spLocks noGrp="1"/>
           </p:cNvSpPr>
           <p:nvPr isPhoto="0" userDrawn="0">
             <p:ph type="pic" idx="1" hasCustomPrompt="0"/>
@@ -2415,76 +2648,8 @@
         </p:nvSpPr>
         <p:spPr bwMode="auto">
           <a:xfrm>
-            <a:off x="5183187" y="987425"/>
-            <a:ext cx="6172200" cy="4873625"/>
-          </a:xfrm>
-        </p:spPr>
-        <p:txBody>
-          <a:bodyPr anchor="t"/>
-          <a:lstStyle>
-            <a:lvl1pPr marL="0" indent="0">
-              <a:buNone/>
-              <a:defRPr sz="2400"/>
-            </a:lvl1pPr>
-            <a:lvl2pPr marL="342900" indent="0">
-              <a:buNone/>
-              <a:defRPr sz="2100"/>
-            </a:lvl2pPr>
-            <a:lvl3pPr marL="685800" indent="0">
-              <a:buNone/>
-              <a:defRPr sz="1800"/>
-            </a:lvl3pPr>
-            <a:lvl4pPr marL="1028700" indent="0">
-              <a:buNone/>
-              <a:defRPr sz="1500"/>
-            </a:lvl4pPr>
-            <a:lvl5pPr marL="1371600" indent="0">
-              <a:buNone/>
-              <a:defRPr sz="1500"/>
-            </a:lvl5pPr>
-            <a:lvl6pPr marL="1714500" indent="0">
-              <a:buNone/>
-              <a:defRPr sz="1500"/>
-            </a:lvl6pPr>
-            <a:lvl7pPr marL="2057400" indent="0">
-              <a:buNone/>
-              <a:defRPr sz="1500"/>
-            </a:lvl7pPr>
-            <a:lvl8pPr marL="2400300" indent="0">
-              <a:buNone/>
-              <a:defRPr sz="1500"/>
-            </a:lvl8pPr>
-            <a:lvl9pPr marL="2743200" indent="0">
-              <a:buNone/>
-              <a:defRPr sz="1500"/>
-            </a:lvl9pPr>
-          </a:lstStyle>
-          <a:p>
-            <a:pPr>
-              <a:defRPr/>
-            </a:pPr>
-            <a:r>
-              <a:rPr lang="en-US"/>
-              <a:t>Click icon to add picture</a:t>
-            </a:r>
-            <a:endParaRPr lang="en-US"/>
-          </a:p>
-        </p:txBody>
-      </p:sp>
-      <p:sp>
-        <p:nvSpPr>
-          <p:cNvPr id="4" name="Text Placeholder 3" hidden="0"/>
-          <p:cNvSpPr>
-            <a:spLocks noGrp="1"/>
-          </p:cNvSpPr>
-          <p:nvPr isPhoto="0" userDrawn="0">
-            <p:ph type="body" sz="half" idx="2" hasCustomPrompt="0"/>
-          </p:nvPr>
-        </p:nvSpPr>
-        <p:spPr bwMode="auto">
-          <a:xfrm>
-            <a:off x="839787" y="2057399"/>
-            <a:ext cx="3932237" cy="3811587"/>
+            <a:off x="815413" y="612778"/>
+            <a:ext cx="10561173" cy="4114799"/>
           </a:xfrm>
         </p:spPr>
         <p:txBody>
@@ -2492,39 +2657,103 @@
           <a:lstStyle>
             <a:lvl1pPr marL="0" indent="0">
               <a:buNone/>
+              <a:defRPr sz="3200"/>
+            </a:lvl1pPr>
+            <a:lvl2pPr marL="457200" indent="0">
+              <a:buNone/>
+              <a:defRPr sz="2800"/>
+            </a:lvl2pPr>
+            <a:lvl3pPr marL="914400" indent="0">
+              <a:buNone/>
+              <a:defRPr sz="2400"/>
+            </a:lvl3pPr>
+            <a:lvl4pPr marL="1371600" indent="0">
+              <a:buNone/>
+              <a:defRPr sz="2000"/>
+            </a:lvl4pPr>
+            <a:lvl5pPr marL="1828800" indent="0">
+              <a:buNone/>
+              <a:defRPr sz="2000"/>
+            </a:lvl5pPr>
+            <a:lvl6pPr marL="2286000" indent="0">
+              <a:buNone/>
+              <a:defRPr sz="2000"/>
+            </a:lvl6pPr>
+            <a:lvl7pPr marL="2743200" indent="0">
+              <a:buNone/>
+              <a:defRPr sz="2000"/>
+            </a:lvl7pPr>
+            <a:lvl8pPr marL="3200400" indent="0">
+              <a:buNone/>
+              <a:defRPr sz="2000"/>
+            </a:lvl8pPr>
+            <a:lvl9pPr marL="3657600" indent="0">
+              <a:buNone/>
+              <a:defRPr sz="2000"/>
+            </a:lvl9pPr>
+          </a:lstStyle>
+          <a:p>
+            <a:pPr>
+              <a:defRPr/>
+            </a:pPr>
+            <a:endParaRPr lang="ru-RU"/>
+          </a:p>
+        </p:txBody>
+      </p:sp>
+      <p:sp>
+        <p:nvSpPr>
+          <p:cNvPr id="4" name="Текст 3" hidden="0"/>
+          <p:cNvSpPr>
+            <a:spLocks noGrp="1"/>
+          </p:cNvSpPr>
+          <p:nvPr isPhoto="0" userDrawn="0">
+            <p:ph type="body" sz="half" idx="2" hasCustomPrompt="0"/>
+          </p:nvPr>
+        </p:nvSpPr>
+        <p:spPr bwMode="auto">
+          <a:xfrm>
+            <a:off x="815413" y="5367337"/>
+            <a:ext cx="10561173" cy="804862"/>
+          </a:xfrm>
+        </p:spPr>
+        <p:txBody>
+          <a:bodyPr/>
+          <a:lstStyle>
+            <a:lvl1pPr marL="0" indent="0">
+              <a:buNone/>
+              <a:defRPr sz="1400"/>
+            </a:lvl1pPr>
+            <a:lvl2pPr marL="457200" indent="0">
+              <a:buNone/>
               <a:defRPr sz="1200"/>
-            </a:lvl1pPr>
-            <a:lvl2pPr marL="342900" indent="0">
+            </a:lvl2pPr>
+            <a:lvl3pPr marL="914400" indent="0">
               <a:buNone/>
-              <a:defRPr sz="1050"/>
-            </a:lvl2pPr>
-            <a:lvl3pPr marL="685800" indent="0">
+              <a:defRPr sz="1000"/>
+            </a:lvl3pPr>
+            <a:lvl4pPr marL="1371600" indent="0">
               <a:buNone/>
               <a:defRPr sz="900"/>
-            </a:lvl3pPr>
-            <a:lvl4pPr marL="1028700" indent="0">
+            </a:lvl4pPr>
+            <a:lvl5pPr marL="1828800" indent="0">
               <a:buNone/>
-              <a:defRPr sz="750"/>
-            </a:lvl4pPr>
-            <a:lvl5pPr marL="1371600" indent="0">
+              <a:defRPr sz="900"/>
+            </a:lvl5pPr>
+            <a:lvl6pPr marL="2286000" indent="0">
               <a:buNone/>
-              <a:defRPr sz="750"/>
-            </a:lvl5pPr>
-            <a:lvl6pPr marL="1714500" indent="0">
+              <a:defRPr sz="900"/>
+            </a:lvl6pPr>
+            <a:lvl7pPr marL="2743200" indent="0">
               <a:buNone/>
-              <a:defRPr sz="750"/>
-            </a:lvl6pPr>
-            <a:lvl7pPr marL="2057400" indent="0">
+              <a:defRPr sz="900"/>
+            </a:lvl7pPr>
+            <a:lvl8pPr marL="3200400" indent="0">
               <a:buNone/>
-              <a:defRPr sz="750"/>
-            </a:lvl7pPr>
-            <a:lvl8pPr marL="2400300" indent="0">
+              <a:defRPr sz="900"/>
+            </a:lvl8pPr>
+            <a:lvl9pPr marL="3657600" indent="0">
               <a:buNone/>
-              <a:defRPr sz="750"/>
-            </a:lvl8pPr>
-            <a:lvl9pPr marL="2743200" indent="0">
-              <a:buNone/>
-              <a:defRPr sz="750"/>
+              <a:defRPr sz="900"/>
             </a:lvl9pPr>
           </a:lstStyle>
           <a:p>
@@ -2532,8 +2761,8 @@
               <a:defRPr/>
             </a:pPr>
             <a:r>
-              <a:rPr lang="en-US"/>
-              <a:t>Click to edit Master text styles</a:t>
+              <a:rPr lang="ru-RU"/>
+              <a:t>Образец текста</a:t>
             </a:r>
             <a:endParaRPr/>
           </a:p>
@@ -2541,7 +2770,7 @@
       </p:sp>
       <p:sp>
         <p:nvSpPr>
-          <p:cNvPr id="5" name="Date Placeholder 4" hidden="0"/>
+          <p:cNvPr id="5" name="Дата 4" hidden="0"/>
           <p:cNvSpPr>
             <a:spLocks noGrp="1"/>
           </p:cNvSpPr>
@@ -2557,7 +2786,7 @@
             <a:pPr>
               <a:defRPr/>
             </a:pPr>
-            <a:fld id="{BCC18F51-09EC-435C-A3BA-64A766E099C0}" type="datetimeFigureOut">
+            <a:fld id="{B7184183-74E9-4393-9769-E1D9236041BE}" type="datetimeFigureOut">
               <a:rPr lang="ru-RU"/>
               <a:t/>
             </a:fld>
@@ -2567,7 +2796,7 @@
       </p:sp>
       <p:sp>
         <p:nvSpPr>
-          <p:cNvPr id="6" name="Footer Placeholder 5" hidden="0"/>
+          <p:cNvPr id="6" name="Нижний колонтитул 5" hidden="0"/>
           <p:cNvSpPr>
             <a:spLocks noGrp="1"/>
           </p:cNvSpPr>
@@ -2589,7 +2818,7 @@
       </p:sp>
       <p:sp>
         <p:nvSpPr>
-          <p:cNvPr id="7" name="Slide Number Placeholder 6" hidden="0"/>
+          <p:cNvPr id="7" name="Номер слайда 6" hidden="0"/>
           <p:cNvSpPr>
             <a:spLocks noGrp="1"/>
           </p:cNvSpPr>
@@ -2605,7 +2834,7 @@
             <a:pPr>
               <a:defRPr/>
             </a:pPr>
-            <a:fld id="{08395586-F03A-48D1-94DF-16B239DF4FB5}" type="slidenum">
+            <a:fld id="{6A530004-958A-4E15-9840-E9741BECB0F3}" type="slidenum">
               <a:rPr lang="ru-RU"/>
               <a:t/>
             </a:fld>
@@ -2645,7 +2874,2897 @@
       </p:grpSpPr>
       <p:sp>
         <p:nvSpPr>
-          <p:cNvPr id="2" name="Title Placeholder 1" hidden="0"/>
+          <p:cNvPr id="7" name="Shape 1100" hidden="0"/>
+          <p:cNvSpPr>
+            <a:spLocks noChangeArrowheads="1" noGrp="1"/>
+          </p:cNvSpPr>
+          <p:nvPr isPhoto="0" userDrawn="1"/>
+        </p:nvSpPr>
+        <p:spPr bwMode="auto">
+          <a:xfrm>
+            <a:off x="3669" y="270"/>
+            <a:ext cx="12184661" cy="6857460"/>
+          </a:xfrm>
+          <a:custGeom>
+            <a:avLst/>
+            <a:gdLst>
+              <a:gd name="connsiteX0" fmla="*/ 43199 w 43199"/>
+              <a:gd name="connsiteY0" fmla="*/ 23405 h 43200"/>
+              <a:gd name="connsiteX1" fmla="*/ 43199 w 43199"/>
+              <a:gd name="connsiteY1" fmla="*/ 23405 h 43200"/>
+              <a:gd name="connsiteX2" fmla="*/ 41239 w 43199"/>
+              <a:gd name="connsiteY2" fmla="*/ 21600 h 43200"/>
+              <a:gd name="connsiteX3" fmla="*/ 43199 w 43199"/>
+              <a:gd name="connsiteY3" fmla="*/ 19794 h 43200"/>
+              <a:gd name="connsiteX4" fmla="*/ 43199 w 43199"/>
+              <a:gd name="connsiteY4" fmla="*/ 19794 h 43200"/>
+              <a:gd name="connsiteX5" fmla="*/ 43174 w 43199"/>
+              <a:gd name="connsiteY5" fmla="*/ 19794 h 43200"/>
+              <a:gd name="connsiteX6" fmla="*/ 43174 w 43199"/>
+              <a:gd name="connsiteY6" fmla="*/ 0 h 43200"/>
+              <a:gd name="connsiteX7" fmla="*/ 0 w 43199"/>
+              <a:gd name="connsiteY7" fmla="*/ 0 h 43200"/>
+              <a:gd name="connsiteX8" fmla="*/ 0 w 43199"/>
+              <a:gd name="connsiteY8" fmla="*/ 43200 h 43200"/>
+              <a:gd name="connsiteX9" fmla="*/ 43174 w 43199"/>
+              <a:gd name="connsiteY9" fmla="*/ 43200 h 43200"/>
+              <a:gd name="connsiteX10" fmla="*/ 43174 w 43199"/>
+              <a:gd name="connsiteY10" fmla="*/ 23405 h 43200"/>
+              <a:gd name="connsiteX11" fmla="*/ 43174 w 43199"/>
+              <a:gd name="connsiteY11" fmla="*/ 23405 h 43200"/>
+              <a:gd name="connsiteX12" fmla="*/ 43199 w 43199"/>
+              <a:gd name="connsiteY12" fmla="*/ 23405 h 43200"/>
+              <a:gd name="connsiteX0" fmla="*/ 43199 w 43199"/>
+              <a:gd name="connsiteY0" fmla="*/ 23405 h 43200"/>
+              <a:gd name="connsiteX1" fmla="*/ 43199 w 43199"/>
+              <a:gd name="connsiteY1" fmla="*/ 23405 h 43200"/>
+              <a:gd name="connsiteX2" fmla="*/ 43199 w 43199"/>
+              <a:gd name="connsiteY2" fmla="*/ 19794 h 43200"/>
+              <a:gd name="connsiteX3" fmla="*/ 43199 w 43199"/>
+              <a:gd name="connsiteY3" fmla="*/ 19794 h 43200"/>
+              <a:gd name="connsiteX4" fmla="*/ 43174 w 43199"/>
+              <a:gd name="connsiteY4" fmla="*/ 19794 h 43200"/>
+              <a:gd name="connsiteX5" fmla="*/ 43174 w 43199"/>
+              <a:gd name="connsiteY5" fmla="*/ 0 h 43200"/>
+              <a:gd name="connsiteX6" fmla="*/ 0 w 43199"/>
+              <a:gd name="connsiteY6" fmla="*/ 0 h 43200"/>
+              <a:gd name="connsiteX7" fmla="*/ 0 w 43199"/>
+              <a:gd name="connsiteY7" fmla="*/ 43200 h 43200"/>
+              <a:gd name="connsiteX8" fmla="*/ 43174 w 43199"/>
+              <a:gd name="connsiteY8" fmla="*/ 43200 h 43200"/>
+              <a:gd name="connsiteX9" fmla="*/ 43174 w 43199"/>
+              <a:gd name="connsiteY9" fmla="*/ 23405 h 43200"/>
+              <a:gd name="connsiteX10" fmla="*/ 43174 w 43199"/>
+              <a:gd name="connsiteY10" fmla="*/ 23405 h 43200"/>
+              <a:gd name="connsiteX11" fmla="*/ 43199 w 43199"/>
+              <a:gd name="connsiteY11" fmla="*/ 23405 h 43200"/>
+              <a:gd name="connsiteX0" fmla="*/ 43174 w 43199"/>
+              <a:gd name="connsiteY0" fmla="*/ 23405 h 43200"/>
+              <a:gd name="connsiteX1" fmla="*/ 43199 w 43199"/>
+              <a:gd name="connsiteY1" fmla="*/ 23405 h 43200"/>
+              <a:gd name="connsiteX2" fmla="*/ 43199 w 43199"/>
+              <a:gd name="connsiteY2" fmla="*/ 19794 h 43200"/>
+              <a:gd name="connsiteX3" fmla="*/ 43199 w 43199"/>
+              <a:gd name="connsiteY3" fmla="*/ 19794 h 43200"/>
+              <a:gd name="connsiteX4" fmla="*/ 43174 w 43199"/>
+              <a:gd name="connsiteY4" fmla="*/ 19794 h 43200"/>
+              <a:gd name="connsiteX5" fmla="*/ 43174 w 43199"/>
+              <a:gd name="connsiteY5" fmla="*/ 0 h 43200"/>
+              <a:gd name="connsiteX6" fmla="*/ 0 w 43199"/>
+              <a:gd name="connsiteY6" fmla="*/ 0 h 43200"/>
+              <a:gd name="connsiteX7" fmla="*/ 0 w 43199"/>
+              <a:gd name="connsiteY7" fmla="*/ 43200 h 43200"/>
+              <a:gd name="connsiteX8" fmla="*/ 43174 w 43199"/>
+              <a:gd name="connsiteY8" fmla="*/ 43200 h 43200"/>
+              <a:gd name="connsiteX9" fmla="*/ 43174 w 43199"/>
+              <a:gd name="connsiteY9" fmla="*/ 23405 h 43200"/>
+              <a:gd name="connsiteX10" fmla="*/ 43174 w 43199"/>
+              <a:gd name="connsiteY10" fmla="*/ 23405 h 43200"/>
+              <a:gd name="connsiteX0" fmla="*/ 43174 w 43199"/>
+              <a:gd name="connsiteY0" fmla="*/ 23405 h 43200"/>
+              <a:gd name="connsiteX1" fmla="*/ 43199 w 43199"/>
+              <a:gd name="connsiteY1" fmla="*/ 23405 h 43200"/>
+              <a:gd name="connsiteX2" fmla="*/ 43199 w 43199"/>
+              <a:gd name="connsiteY2" fmla="*/ 19794 h 43200"/>
+              <a:gd name="connsiteX3" fmla="*/ 43199 w 43199"/>
+              <a:gd name="connsiteY3" fmla="*/ 19794 h 43200"/>
+              <a:gd name="connsiteX4" fmla="*/ 43174 w 43199"/>
+              <a:gd name="connsiteY4" fmla="*/ 0 h 43200"/>
+              <a:gd name="connsiteX5" fmla="*/ 0 w 43199"/>
+              <a:gd name="connsiteY5" fmla="*/ 0 h 43200"/>
+              <a:gd name="connsiteX6" fmla="*/ 0 w 43199"/>
+              <a:gd name="connsiteY6" fmla="*/ 43200 h 43200"/>
+              <a:gd name="connsiteX7" fmla="*/ 43174 w 43199"/>
+              <a:gd name="connsiteY7" fmla="*/ 43200 h 43200"/>
+              <a:gd name="connsiteX8" fmla="*/ 43174 w 43199"/>
+              <a:gd name="connsiteY8" fmla="*/ 23405 h 43200"/>
+              <a:gd name="connsiteX9" fmla="*/ 43174 w 43199"/>
+              <a:gd name="connsiteY9" fmla="*/ 23405 h 43200"/>
+              <a:gd name="connsiteX0" fmla="*/ 43174 w 43199"/>
+              <a:gd name="connsiteY0" fmla="*/ 23405 h 43200"/>
+              <a:gd name="connsiteX1" fmla="*/ 43199 w 43199"/>
+              <a:gd name="connsiteY1" fmla="*/ 23405 h 43200"/>
+              <a:gd name="connsiteX2" fmla="*/ 43199 w 43199"/>
+              <a:gd name="connsiteY2" fmla="*/ 19794 h 43200"/>
+              <a:gd name="connsiteX3" fmla="*/ 43199 w 43199"/>
+              <a:gd name="connsiteY3" fmla="*/ 19794 h 43200"/>
+              <a:gd name="connsiteX4" fmla="*/ 43174 w 43199"/>
+              <a:gd name="connsiteY4" fmla="*/ 0 h 43200"/>
+              <a:gd name="connsiteX5" fmla="*/ 0 w 43199"/>
+              <a:gd name="connsiteY5" fmla="*/ 0 h 43200"/>
+              <a:gd name="connsiteX6" fmla="*/ 0 w 43199"/>
+              <a:gd name="connsiteY6" fmla="*/ 43200 h 43200"/>
+              <a:gd name="connsiteX7" fmla="*/ 43174 w 43199"/>
+              <a:gd name="connsiteY7" fmla="*/ 43200 h 43200"/>
+              <a:gd name="connsiteX8" fmla="*/ 43174 w 43199"/>
+              <a:gd name="connsiteY8" fmla="*/ 23405 h 43200"/>
+              <a:gd name="connsiteX0" fmla="*/ 43174 w 43199"/>
+              <a:gd name="connsiteY0" fmla="*/ 43200 h 43200"/>
+              <a:gd name="connsiteX1" fmla="*/ 43199 w 43199"/>
+              <a:gd name="connsiteY1" fmla="*/ 23405 h 43200"/>
+              <a:gd name="connsiteX2" fmla="*/ 43199 w 43199"/>
+              <a:gd name="connsiteY2" fmla="*/ 19794 h 43200"/>
+              <a:gd name="connsiteX3" fmla="*/ 43199 w 43199"/>
+              <a:gd name="connsiteY3" fmla="*/ 19794 h 43200"/>
+              <a:gd name="connsiteX4" fmla="*/ 43174 w 43199"/>
+              <a:gd name="connsiteY4" fmla="*/ 0 h 43200"/>
+              <a:gd name="connsiteX5" fmla="*/ 0 w 43199"/>
+              <a:gd name="connsiteY5" fmla="*/ 0 h 43200"/>
+              <a:gd name="connsiteX6" fmla="*/ 0 w 43199"/>
+              <a:gd name="connsiteY6" fmla="*/ 43200 h 43200"/>
+              <a:gd name="connsiteX7" fmla="*/ 43174 w 43199"/>
+              <a:gd name="connsiteY7" fmla="*/ 43200 h 43200"/>
+              <a:gd name="connsiteX0" fmla="*/ 43174 w 43199"/>
+              <a:gd name="connsiteY0" fmla="*/ 43200 h 43200"/>
+              <a:gd name="connsiteX1" fmla="*/ 43199 w 43199"/>
+              <a:gd name="connsiteY1" fmla="*/ 23405 h 43200"/>
+              <a:gd name="connsiteX2" fmla="*/ 43199 w 43199"/>
+              <a:gd name="connsiteY2" fmla="*/ 19794 h 43200"/>
+              <a:gd name="connsiteX3" fmla="*/ 43174 w 43199"/>
+              <a:gd name="connsiteY3" fmla="*/ 0 h 43200"/>
+              <a:gd name="connsiteX4" fmla="*/ 0 w 43199"/>
+              <a:gd name="connsiteY4" fmla="*/ 0 h 43200"/>
+              <a:gd name="connsiteX5" fmla="*/ 0 w 43199"/>
+              <a:gd name="connsiteY5" fmla="*/ 43200 h 43200"/>
+              <a:gd name="connsiteX6" fmla="*/ 43174 w 43199"/>
+              <a:gd name="connsiteY6" fmla="*/ 43200 h 43200"/>
+              <a:gd name="connsiteX0" fmla="*/ 43174 w 46380"/>
+              <a:gd name="connsiteY0" fmla="*/ 43200 h 43200"/>
+              <a:gd name="connsiteX1" fmla="*/ 43199 w 46380"/>
+              <a:gd name="connsiteY1" fmla="*/ 19794 h 43200"/>
+              <a:gd name="connsiteX2" fmla="*/ 43174 w 46380"/>
+              <a:gd name="connsiteY2" fmla="*/ 0 h 43200"/>
+              <a:gd name="connsiteX3" fmla="*/ 0 w 46380"/>
+              <a:gd name="connsiteY3" fmla="*/ 0 h 43200"/>
+              <a:gd name="connsiteX4" fmla="*/ 0 w 46380"/>
+              <a:gd name="connsiteY4" fmla="*/ 43200 h 43200"/>
+              <a:gd name="connsiteX5" fmla="*/ 43174 w 46380"/>
+              <a:gd name="connsiteY5" fmla="*/ 43200 h 43200"/>
+              <a:gd name="connsiteX0" fmla="*/ 43174 w 43199"/>
+              <a:gd name="connsiteY0" fmla="*/ 43200 h 43200"/>
+              <a:gd name="connsiteX1" fmla="*/ 43199 w 43199"/>
+              <a:gd name="connsiteY1" fmla="*/ 19794 h 43200"/>
+              <a:gd name="connsiteX2" fmla="*/ 43174 w 43199"/>
+              <a:gd name="connsiteY2" fmla="*/ 0 h 43200"/>
+              <a:gd name="connsiteX3" fmla="*/ 0 w 43199"/>
+              <a:gd name="connsiteY3" fmla="*/ 0 h 43200"/>
+              <a:gd name="connsiteX4" fmla="*/ 0 w 43199"/>
+              <a:gd name="connsiteY4" fmla="*/ 43200 h 43200"/>
+              <a:gd name="connsiteX5" fmla="*/ 43174 w 43199"/>
+              <a:gd name="connsiteY5" fmla="*/ 43200 h 43200"/>
+              <a:gd name="connsiteX0" fmla="*/ 43174 w 43174"/>
+              <a:gd name="connsiteY0" fmla="*/ 43200 h 43200"/>
+              <a:gd name="connsiteX1" fmla="*/ 43174 w 43174"/>
+              <a:gd name="connsiteY1" fmla="*/ 0 h 43200"/>
+              <a:gd name="connsiteX2" fmla="*/ 0 w 43174"/>
+              <a:gd name="connsiteY2" fmla="*/ 0 h 43200"/>
+              <a:gd name="connsiteX3" fmla="*/ 0 w 43174"/>
+              <a:gd name="connsiteY3" fmla="*/ 43200 h 43200"/>
+              <a:gd name="connsiteX4" fmla="*/ 43174 w 43174"/>
+              <a:gd name="connsiteY4" fmla="*/ 43200 h 43200"/>
+              <a:gd name="connsiteX0" fmla="*/ 43174 w 43174"/>
+              <a:gd name="connsiteY0" fmla="*/ 43200 h 43200"/>
+              <a:gd name="connsiteX1" fmla="*/ 43174 w 43174"/>
+              <a:gd name="connsiteY1" fmla="*/ 0 h 43200"/>
+              <a:gd name="connsiteX2" fmla="*/ 0 w 43174"/>
+              <a:gd name="connsiteY2" fmla="*/ 0 h 43200"/>
+              <a:gd name="connsiteX3" fmla="*/ 0 w 43174"/>
+              <a:gd name="connsiteY3" fmla="*/ 43200 h 43200"/>
+              <a:gd name="connsiteX4" fmla="*/ 43174 w 43174"/>
+              <a:gd name="connsiteY4" fmla="*/ 43200 h 43200"/>
+            </a:gdLst>
+            <a:ahLst/>
+            <a:cxnLst>
+              <a:cxn ang="0">
+                <a:pos x="connsiteX0" y="connsiteY0"/>
+              </a:cxn>
+              <a:cxn ang="0">
+                <a:pos x="connsiteX1" y="connsiteY1"/>
+              </a:cxn>
+              <a:cxn ang="0">
+                <a:pos x="connsiteX2" y="connsiteY2"/>
+              </a:cxn>
+              <a:cxn ang="0">
+                <a:pos x="connsiteX3" y="connsiteY3"/>
+              </a:cxn>
+              <a:cxn ang="0">
+                <a:pos x="connsiteX4" y="connsiteY4"/>
+              </a:cxn>
+            </a:cxnLst>
+            <a:rect l="l" t="t" r="r" b="b"/>
+            <a:pathLst>
+              <a:path w="43174" h="43200" fill="norm" stroke="0" extrusionOk="0">
+                <a:moveTo>
+                  <a:pt x="43174" y="43200"/>
+                </a:moveTo>
+                <a:lnTo>
+                  <a:pt x="43174" y="0"/>
+                </a:lnTo>
+                <a:lnTo>
+                  <a:pt x="0" y="0"/>
+                </a:lnTo>
+                <a:lnTo>
+                  <a:pt x="0" y="43200"/>
+                </a:lnTo>
+                <a:lnTo>
+                  <a:pt x="43174" y="43200"/>
+                </a:lnTo>
+                <a:close/>
+              </a:path>
+            </a:pathLst>
+          </a:custGeom>
+          <a:solidFill>
+            <a:schemeClr val="accent6">
+              <a:lumMod val="20000"/>
+              <a:lumOff val="80000"/>
+            </a:schemeClr>
+          </a:solidFill>
+          <a:ln w="9524">
+            <a:solidFill>
+              <a:srgbClr val="000000"/>
+            </a:solidFill>
+            <a:round/>
+            <a:headEnd/>
+            <a:tailEnd/>
+          </a:ln>
+        </p:spPr>
+      </p:sp>
+      <p:sp>
+        <p:nvSpPr>
+          <p:cNvPr id="8" name="Shape 1103" hidden="0"/>
+          <p:cNvSpPr>
+            <a:spLocks noChangeArrowheads="1" noGrp="1"/>
+          </p:cNvSpPr>
+          <p:nvPr isPhoto="0" userDrawn="1"/>
+        </p:nvSpPr>
+        <p:spPr bwMode="auto">
+          <a:xfrm>
+            <a:off x="183165" y="101751"/>
+            <a:ext cx="7789614" cy="5857890"/>
+          </a:xfrm>
+          <a:custGeom>
+            <a:avLst/>
+            <a:gdLst/>
+            <a:ahLst/>
+            <a:cxnLst/>
+            <a:rect l="l" t="t" r="r" b="b"/>
+            <a:pathLst>
+              <a:path w="43200" h="43200" fill="norm" stroke="0" extrusionOk="0">
+                <a:moveTo>
+                  <a:pt x="43199" y="21599"/>
+                </a:moveTo>
+                <a:lnTo>
+                  <a:pt x="43199" y="21599"/>
+                </a:lnTo>
+                <a:lnTo>
+                  <a:pt x="43199" y="21599"/>
+                </a:lnTo>
+                <a:cubicBezTo>
+                  <a:pt x="43199" y="21599"/>
+                  <a:pt x="43199" y="21599"/>
+                  <a:pt x="43199" y="21599"/>
+                </a:cubicBezTo>
+                <a:lnTo>
+                  <a:pt x="43199" y="21599"/>
+                </a:lnTo>
+                <a:lnTo>
+                  <a:pt x="43199" y="21599"/>
+                </a:lnTo>
+                <a:cubicBezTo>
+                  <a:pt x="43199" y="33449"/>
+                  <a:pt x="33448" y="43199"/>
+                  <a:pt x="21600" y="43199"/>
+                </a:cubicBezTo>
+                <a:lnTo>
+                  <a:pt x="21600" y="43199"/>
+                </a:lnTo>
+                <a:cubicBezTo>
+                  <a:pt x="9749" y="43199"/>
+                  <a:pt x="0" y="33449"/>
+                  <a:pt x="0" y="21599"/>
+                </a:cubicBezTo>
+                <a:lnTo>
+                  <a:pt x="0" y="21599"/>
+                </a:lnTo>
+                <a:cubicBezTo>
+                  <a:pt x="0" y="9750"/>
+                  <a:pt x="9749" y="0"/>
+                  <a:pt x="21600" y="0"/>
+                </a:cubicBezTo>
+                <a:lnTo>
+                  <a:pt x="21600" y="0"/>
+                </a:lnTo>
+                <a:cubicBezTo>
+                  <a:pt x="33448" y="0"/>
+                  <a:pt x="43199" y="9750"/>
+                  <a:pt x="43199" y="21599"/>
+                </a:cubicBezTo>
+              </a:path>
+            </a:pathLst>
+          </a:custGeom>
+          <a:solidFill>
+            <a:srgbClr val="FFFFFF">
+              <a:alpha val="1568"/>
+            </a:srgbClr>
+          </a:solidFill>
+          <a:ln w="9524">
+            <a:solidFill>
+              <a:srgbClr val="000000"/>
+            </a:solidFill>
+            <a:round/>
+            <a:headEnd/>
+            <a:tailEnd/>
+          </a:ln>
+        </p:spPr>
+      </p:sp>
+      <p:sp>
+        <p:nvSpPr>
+          <p:cNvPr id="9" name="Shape 1104" hidden="0"/>
+          <p:cNvSpPr>
+            <a:spLocks noChangeArrowheads="1" noGrp="1"/>
+          </p:cNvSpPr>
+          <p:nvPr isPhoto="0" userDrawn="1"/>
+        </p:nvSpPr>
+        <p:spPr bwMode="auto">
+          <a:xfrm>
+            <a:off x="244971" y="130323"/>
+            <a:ext cx="7610403" cy="5723438"/>
+          </a:xfrm>
+          <a:custGeom>
+            <a:avLst/>
+            <a:gdLst/>
+            <a:ahLst/>
+            <a:cxnLst/>
+            <a:rect l="l" t="t" r="r" b="b"/>
+            <a:pathLst>
+              <a:path w="43200" h="43200" fill="norm" stroke="0" extrusionOk="0">
+                <a:moveTo>
+                  <a:pt x="43200" y="21600"/>
+                </a:moveTo>
+                <a:lnTo>
+                  <a:pt x="43200" y="21600"/>
+                </a:lnTo>
+                <a:lnTo>
+                  <a:pt x="43200" y="21600"/>
+                </a:lnTo>
+                <a:cubicBezTo>
+                  <a:pt x="43200" y="21600"/>
+                  <a:pt x="43200" y="21600"/>
+                  <a:pt x="43200" y="21600"/>
+                </a:cubicBezTo>
+                <a:lnTo>
+                  <a:pt x="43200" y="21600"/>
+                </a:lnTo>
+                <a:lnTo>
+                  <a:pt x="43200" y="21600"/>
+                </a:lnTo>
+                <a:cubicBezTo>
+                  <a:pt x="43200" y="33449"/>
+                  <a:pt x="33450" y="43200"/>
+                  <a:pt x="21600" y="43200"/>
+                </a:cubicBezTo>
+                <a:lnTo>
+                  <a:pt x="21600" y="43200"/>
+                </a:lnTo>
+                <a:cubicBezTo>
+                  <a:pt x="9749" y="43200"/>
+                  <a:pt x="0" y="33449"/>
+                  <a:pt x="0" y="21600"/>
+                </a:cubicBezTo>
+                <a:lnTo>
+                  <a:pt x="0" y="21600"/>
+                </a:lnTo>
+                <a:cubicBezTo>
+                  <a:pt x="0" y="9751"/>
+                  <a:pt x="9749" y="0"/>
+                  <a:pt x="21600" y="0"/>
+                </a:cubicBezTo>
+                <a:lnTo>
+                  <a:pt x="21600" y="0"/>
+                </a:lnTo>
+                <a:cubicBezTo>
+                  <a:pt x="33450" y="0"/>
+                  <a:pt x="43200" y="9750"/>
+                  <a:pt x="43200" y="21600"/>
+                </a:cubicBezTo>
+              </a:path>
+            </a:pathLst>
+          </a:custGeom>
+          <a:solidFill>
+            <a:srgbClr val="FFFFFF">
+              <a:alpha val="3137"/>
+            </a:srgbClr>
+          </a:solidFill>
+          <a:ln w="9524">
+            <a:solidFill>
+              <a:srgbClr val="000000"/>
+            </a:solidFill>
+            <a:round/>
+            <a:headEnd/>
+            <a:tailEnd/>
+          </a:ln>
+        </p:spPr>
+      </p:sp>
+      <p:sp>
+        <p:nvSpPr>
+          <p:cNvPr id="10" name="Shape 1105" hidden="0"/>
+          <p:cNvSpPr>
+            <a:spLocks noChangeArrowheads="1" noGrp="1"/>
+          </p:cNvSpPr>
+          <p:nvPr isPhoto="0" userDrawn="1"/>
+        </p:nvSpPr>
+        <p:spPr bwMode="auto">
+          <a:xfrm>
+            <a:off x="306493" y="159054"/>
+            <a:ext cx="7431757" cy="5588830"/>
+          </a:xfrm>
+          <a:custGeom>
+            <a:avLst/>
+            <a:gdLst/>
+            <a:ahLst/>
+            <a:cxnLst/>
+            <a:rect l="l" t="t" r="r" b="b"/>
+            <a:pathLst>
+              <a:path w="43200" h="43200" fill="norm" stroke="0" extrusionOk="0">
+                <a:moveTo>
+                  <a:pt x="43200" y="21599"/>
+                </a:moveTo>
+                <a:lnTo>
+                  <a:pt x="43200" y="21599"/>
+                </a:lnTo>
+                <a:lnTo>
+                  <a:pt x="43200" y="21599"/>
+                </a:lnTo>
+                <a:cubicBezTo>
+                  <a:pt x="43200" y="21599"/>
+                  <a:pt x="43200" y="21599"/>
+                  <a:pt x="43200" y="21599"/>
+                </a:cubicBezTo>
+                <a:lnTo>
+                  <a:pt x="43200" y="21599"/>
+                </a:lnTo>
+                <a:lnTo>
+                  <a:pt x="43200" y="21599"/>
+                </a:lnTo>
+                <a:cubicBezTo>
+                  <a:pt x="43200" y="33450"/>
+                  <a:pt x="33448" y="43200"/>
+                  <a:pt x="21599" y="43200"/>
+                </a:cubicBezTo>
+                <a:lnTo>
+                  <a:pt x="21599" y="43200"/>
+                </a:lnTo>
+                <a:cubicBezTo>
+                  <a:pt x="9749" y="43200"/>
+                  <a:pt x="0" y="33450"/>
+                  <a:pt x="0" y="21599"/>
+                </a:cubicBezTo>
+                <a:lnTo>
+                  <a:pt x="0" y="21599"/>
+                </a:lnTo>
+                <a:cubicBezTo>
+                  <a:pt x="0" y="9750"/>
+                  <a:pt x="9749" y="0"/>
+                  <a:pt x="21599" y="0"/>
+                </a:cubicBezTo>
+                <a:lnTo>
+                  <a:pt x="21599" y="0"/>
+                </a:lnTo>
+                <a:cubicBezTo>
+                  <a:pt x="33448" y="0"/>
+                  <a:pt x="43200" y="9750"/>
+                  <a:pt x="43200" y="21599"/>
+                </a:cubicBezTo>
+              </a:path>
+            </a:pathLst>
+          </a:custGeom>
+          <a:solidFill>
+            <a:srgbClr val="FFFFFF">
+              <a:alpha val="4705"/>
+            </a:srgbClr>
+          </a:solidFill>
+          <a:ln w="9524">
+            <a:solidFill>
+              <a:srgbClr val="000000"/>
+            </a:solidFill>
+            <a:round/>
+            <a:headEnd/>
+            <a:tailEnd/>
+          </a:ln>
+        </p:spPr>
+      </p:sp>
+      <p:sp>
+        <p:nvSpPr>
+          <p:cNvPr id="11" name="Shape 1106" hidden="0"/>
+          <p:cNvSpPr>
+            <a:spLocks noChangeArrowheads="1" noGrp="1"/>
+          </p:cNvSpPr>
+          <p:nvPr isPhoto="0" userDrawn="1"/>
+        </p:nvSpPr>
+        <p:spPr bwMode="auto">
+          <a:xfrm>
+            <a:off x="368021" y="187787"/>
+            <a:ext cx="7252827" cy="5454378"/>
+          </a:xfrm>
+          <a:custGeom>
+            <a:avLst/>
+            <a:gdLst/>
+            <a:ahLst/>
+            <a:cxnLst/>
+            <a:rect l="l" t="t" r="r" b="b"/>
+            <a:pathLst>
+              <a:path w="43200" h="43200" fill="norm" stroke="0" extrusionOk="0">
+                <a:moveTo>
+                  <a:pt x="43200" y="21599"/>
+                </a:moveTo>
+                <a:lnTo>
+                  <a:pt x="43200" y="21599"/>
+                </a:lnTo>
+                <a:lnTo>
+                  <a:pt x="43200" y="21599"/>
+                </a:lnTo>
+                <a:cubicBezTo>
+                  <a:pt x="43200" y="21599"/>
+                  <a:pt x="43200" y="21599"/>
+                  <a:pt x="43200" y="21599"/>
+                </a:cubicBezTo>
+                <a:lnTo>
+                  <a:pt x="43200" y="21599"/>
+                </a:lnTo>
+                <a:lnTo>
+                  <a:pt x="43200" y="21599"/>
+                </a:lnTo>
+                <a:cubicBezTo>
+                  <a:pt x="43200" y="33447"/>
+                  <a:pt x="33450" y="43200"/>
+                  <a:pt x="21600" y="43200"/>
+                </a:cubicBezTo>
+                <a:lnTo>
+                  <a:pt x="21600" y="43200"/>
+                </a:lnTo>
+                <a:cubicBezTo>
+                  <a:pt x="9750" y="43200"/>
+                  <a:pt x="0" y="33447"/>
+                  <a:pt x="0" y="21599"/>
+                </a:cubicBezTo>
+                <a:lnTo>
+                  <a:pt x="0" y="21599"/>
+                </a:lnTo>
+                <a:cubicBezTo>
+                  <a:pt x="0" y="9749"/>
+                  <a:pt x="9750" y="0"/>
+                  <a:pt x="21600" y="0"/>
+                </a:cubicBezTo>
+                <a:lnTo>
+                  <a:pt x="21600" y="0"/>
+                </a:lnTo>
+                <a:cubicBezTo>
+                  <a:pt x="33450" y="0"/>
+                  <a:pt x="43200" y="9749"/>
+                  <a:pt x="43200" y="21599"/>
+                </a:cubicBezTo>
+              </a:path>
+            </a:pathLst>
+          </a:custGeom>
+          <a:solidFill>
+            <a:srgbClr val="FFFFFF">
+              <a:alpha val="6274"/>
+            </a:srgbClr>
+          </a:solidFill>
+          <a:ln w="9524">
+            <a:solidFill>
+              <a:srgbClr val="000000"/>
+            </a:solidFill>
+            <a:round/>
+            <a:headEnd/>
+            <a:tailEnd/>
+          </a:ln>
+        </p:spPr>
+      </p:sp>
+      <p:sp>
+        <p:nvSpPr>
+          <p:cNvPr id="12" name="Shape 1107" hidden="0"/>
+          <p:cNvSpPr>
+            <a:spLocks noChangeArrowheads="1" noGrp="1"/>
+          </p:cNvSpPr>
+          <p:nvPr isPhoto="0" userDrawn="1"/>
+        </p:nvSpPr>
+        <p:spPr bwMode="auto">
+          <a:xfrm>
+            <a:off x="429541" y="216360"/>
+            <a:ext cx="7074181" cy="5319929"/>
+          </a:xfrm>
+          <a:custGeom>
+            <a:avLst/>
+            <a:gdLst/>
+            <a:ahLst/>
+            <a:cxnLst/>
+            <a:rect l="l" t="t" r="r" b="b"/>
+            <a:pathLst>
+              <a:path w="43200" h="43200" fill="norm" stroke="0" extrusionOk="0">
+                <a:moveTo>
+                  <a:pt x="43200" y="21599"/>
+                </a:moveTo>
+                <a:lnTo>
+                  <a:pt x="43200" y="21599"/>
+                </a:lnTo>
+                <a:lnTo>
+                  <a:pt x="43200" y="21599"/>
+                </a:lnTo>
+                <a:cubicBezTo>
+                  <a:pt x="43200" y="21599"/>
+                  <a:pt x="43200" y="21599"/>
+                  <a:pt x="43200" y="21599"/>
+                </a:cubicBezTo>
+                <a:lnTo>
+                  <a:pt x="43200" y="21599"/>
+                </a:lnTo>
+                <a:lnTo>
+                  <a:pt x="43200" y="21599"/>
+                </a:lnTo>
+                <a:cubicBezTo>
+                  <a:pt x="43200" y="33448"/>
+                  <a:pt x="33448" y="43200"/>
+                  <a:pt x="21600" y="43200"/>
+                </a:cubicBezTo>
+                <a:lnTo>
+                  <a:pt x="21600" y="43200"/>
+                </a:lnTo>
+                <a:cubicBezTo>
+                  <a:pt x="9751" y="43200"/>
+                  <a:pt x="0" y="33448"/>
+                  <a:pt x="0" y="21599"/>
+                </a:cubicBezTo>
+                <a:lnTo>
+                  <a:pt x="0" y="21599"/>
+                </a:lnTo>
+                <a:cubicBezTo>
+                  <a:pt x="0" y="9751"/>
+                  <a:pt x="9751" y="0"/>
+                  <a:pt x="21600" y="0"/>
+                </a:cubicBezTo>
+                <a:lnTo>
+                  <a:pt x="21600" y="0"/>
+                </a:lnTo>
+                <a:cubicBezTo>
+                  <a:pt x="33448" y="0"/>
+                  <a:pt x="43200" y="9751"/>
+                  <a:pt x="43200" y="21599"/>
+                </a:cubicBezTo>
+              </a:path>
+            </a:pathLst>
+          </a:custGeom>
+          <a:solidFill>
+            <a:srgbClr val="FFFFFF">
+              <a:alpha val="7843"/>
+            </a:srgbClr>
+          </a:solidFill>
+          <a:ln w="9524">
+            <a:solidFill>
+              <a:srgbClr val="000000"/>
+            </a:solidFill>
+            <a:round/>
+            <a:headEnd/>
+            <a:tailEnd/>
+          </a:ln>
+        </p:spPr>
+      </p:sp>
+      <p:sp>
+        <p:nvSpPr>
+          <p:cNvPr id="13" name="Shape 1108" hidden="0"/>
+          <p:cNvSpPr>
+            <a:spLocks noChangeArrowheads="1" noGrp="1"/>
+          </p:cNvSpPr>
+          <p:nvPr isPhoto="0" userDrawn="1"/>
+        </p:nvSpPr>
+        <p:spPr bwMode="auto">
+          <a:xfrm>
+            <a:off x="491347" y="245090"/>
+            <a:ext cx="6894970" cy="5185318"/>
+          </a:xfrm>
+          <a:custGeom>
+            <a:avLst/>
+            <a:gdLst/>
+            <a:ahLst/>
+            <a:cxnLst/>
+            <a:rect l="l" t="t" r="r" b="b"/>
+            <a:pathLst>
+              <a:path w="43200" h="43200" fill="norm" stroke="0" extrusionOk="0">
+                <a:moveTo>
+                  <a:pt x="43200" y="21600"/>
+                </a:moveTo>
+                <a:lnTo>
+                  <a:pt x="43200" y="21600"/>
+                </a:lnTo>
+                <a:lnTo>
+                  <a:pt x="43200" y="21600"/>
+                </a:lnTo>
+                <a:cubicBezTo>
+                  <a:pt x="43200" y="21600"/>
+                  <a:pt x="43200" y="21600"/>
+                  <a:pt x="43200" y="21600"/>
+                </a:cubicBezTo>
+                <a:lnTo>
+                  <a:pt x="43200" y="21600"/>
+                </a:lnTo>
+                <a:lnTo>
+                  <a:pt x="43200" y="21600"/>
+                </a:lnTo>
+                <a:cubicBezTo>
+                  <a:pt x="43200" y="33449"/>
+                  <a:pt x="33449" y="43200"/>
+                  <a:pt x="21599" y="43200"/>
+                </a:cubicBezTo>
+                <a:lnTo>
+                  <a:pt x="21599" y="43200"/>
+                </a:lnTo>
+                <a:cubicBezTo>
+                  <a:pt x="9750" y="43200"/>
+                  <a:pt x="0" y="33449"/>
+                  <a:pt x="0" y="21600"/>
+                </a:cubicBezTo>
+                <a:lnTo>
+                  <a:pt x="0" y="21600"/>
+                </a:lnTo>
+                <a:cubicBezTo>
+                  <a:pt x="0" y="9750"/>
+                  <a:pt x="9750" y="0"/>
+                  <a:pt x="21599" y="0"/>
+                </a:cubicBezTo>
+                <a:lnTo>
+                  <a:pt x="21599" y="0"/>
+                </a:lnTo>
+                <a:cubicBezTo>
+                  <a:pt x="33449" y="0"/>
+                  <a:pt x="43200" y="9750"/>
+                  <a:pt x="43200" y="21600"/>
+                </a:cubicBezTo>
+              </a:path>
+            </a:pathLst>
+          </a:custGeom>
+          <a:solidFill>
+            <a:srgbClr val="FFFFFF">
+              <a:alpha val="9411"/>
+            </a:srgbClr>
+          </a:solidFill>
+          <a:ln w="9524">
+            <a:solidFill>
+              <a:srgbClr val="000000"/>
+            </a:solidFill>
+            <a:round/>
+            <a:headEnd/>
+            <a:tailEnd/>
+          </a:ln>
+        </p:spPr>
+      </p:sp>
+      <p:sp>
+        <p:nvSpPr>
+          <p:cNvPr id="14" name="Shape 1109" hidden="0"/>
+          <p:cNvSpPr>
+            <a:spLocks noChangeArrowheads="1" noGrp="1"/>
+          </p:cNvSpPr>
+          <p:nvPr isPhoto="0" userDrawn="1"/>
+        </p:nvSpPr>
+        <p:spPr bwMode="auto">
+          <a:xfrm>
+            <a:off x="552877" y="273821"/>
+            <a:ext cx="6716041" cy="5050710"/>
+          </a:xfrm>
+          <a:custGeom>
+            <a:avLst/>
+            <a:gdLst/>
+            <a:ahLst/>
+            <a:cxnLst/>
+            <a:rect l="l" t="t" r="r" b="b"/>
+            <a:pathLst>
+              <a:path w="43200" h="43200" fill="norm" stroke="0" extrusionOk="0">
+                <a:moveTo>
+                  <a:pt x="43200" y="21600"/>
+                </a:moveTo>
+                <a:lnTo>
+                  <a:pt x="43200" y="21600"/>
+                </a:lnTo>
+                <a:lnTo>
+                  <a:pt x="43200" y="21600"/>
+                </a:lnTo>
+                <a:cubicBezTo>
+                  <a:pt x="43200" y="21600"/>
+                  <a:pt x="43200" y="21600"/>
+                  <a:pt x="43200" y="21600"/>
+                </a:cubicBezTo>
+                <a:lnTo>
+                  <a:pt x="43200" y="21600"/>
+                </a:lnTo>
+                <a:lnTo>
+                  <a:pt x="43200" y="21600"/>
+                </a:lnTo>
+                <a:cubicBezTo>
+                  <a:pt x="43200" y="33448"/>
+                  <a:pt x="33449" y="43199"/>
+                  <a:pt x="21600" y="43199"/>
+                </a:cubicBezTo>
+                <a:lnTo>
+                  <a:pt x="21600" y="43199"/>
+                </a:lnTo>
+                <a:cubicBezTo>
+                  <a:pt x="9750" y="43199"/>
+                  <a:pt x="0" y="33448"/>
+                  <a:pt x="0" y="21600"/>
+                </a:cubicBezTo>
+                <a:lnTo>
+                  <a:pt x="0" y="21600"/>
+                </a:lnTo>
+                <a:cubicBezTo>
+                  <a:pt x="0" y="9748"/>
+                  <a:pt x="9750" y="0"/>
+                  <a:pt x="21600" y="0"/>
+                </a:cubicBezTo>
+                <a:lnTo>
+                  <a:pt x="21600" y="0"/>
+                </a:lnTo>
+                <a:cubicBezTo>
+                  <a:pt x="33449" y="0"/>
+                  <a:pt x="43200" y="9748"/>
+                  <a:pt x="43200" y="21600"/>
+                </a:cubicBezTo>
+              </a:path>
+            </a:pathLst>
+          </a:custGeom>
+          <a:solidFill>
+            <a:srgbClr val="FFFFFF">
+              <a:alpha val="10980"/>
+            </a:srgbClr>
+          </a:solidFill>
+          <a:ln w="9524">
+            <a:solidFill>
+              <a:srgbClr val="000000"/>
+            </a:solidFill>
+            <a:round/>
+            <a:headEnd/>
+            <a:tailEnd/>
+          </a:ln>
+        </p:spPr>
+      </p:sp>
+      <p:sp>
+        <p:nvSpPr>
+          <p:cNvPr id="15" name="Shape 1110" hidden="0"/>
+          <p:cNvSpPr>
+            <a:spLocks noChangeArrowheads="1" noGrp="1"/>
+          </p:cNvSpPr>
+          <p:nvPr isPhoto="0" userDrawn="1"/>
+        </p:nvSpPr>
+        <p:spPr bwMode="auto">
+          <a:xfrm>
+            <a:off x="614397" y="302395"/>
+            <a:ext cx="6537394" cy="4916258"/>
+          </a:xfrm>
+          <a:custGeom>
+            <a:avLst/>
+            <a:gdLst/>
+            <a:ahLst/>
+            <a:cxnLst/>
+            <a:rect l="l" t="t" r="r" b="b"/>
+            <a:pathLst>
+              <a:path w="43200" h="43200" fill="norm" stroke="0" extrusionOk="0">
+                <a:moveTo>
+                  <a:pt x="43199" y="21600"/>
+                </a:moveTo>
+                <a:lnTo>
+                  <a:pt x="43199" y="21600"/>
+                </a:lnTo>
+                <a:lnTo>
+                  <a:pt x="43199" y="21600"/>
+                </a:lnTo>
+                <a:cubicBezTo>
+                  <a:pt x="43199" y="21600"/>
+                  <a:pt x="43199" y="21600"/>
+                  <a:pt x="43199" y="21600"/>
+                </a:cubicBezTo>
+                <a:lnTo>
+                  <a:pt x="43199" y="21600"/>
+                </a:lnTo>
+                <a:lnTo>
+                  <a:pt x="43199" y="21600"/>
+                </a:lnTo>
+                <a:cubicBezTo>
+                  <a:pt x="43199" y="33449"/>
+                  <a:pt x="33449" y="43200"/>
+                  <a:pt x="21600" y="43200"/>
+                </a:cubicBezTo>
+                <a:lnTo>
+                  <a:pt x="21600" y="43200"/>
+                </a:lnTo>
+                <a:cubicBezTo>
+                  <a:pt x="9750" y="43200"/>
+                  <a:pt x="0" y="33449"/>
+                  <a:pt x="0" y="21600"/>
+                </a:cubicBezTo>
+                <a:lnTo>
+                  <a:pt x="0" y="21600"/>
+                </a:lnTo>
+                <a:cubicBezTo>
+                  <a:pt x="0" y="9751"/>
+                  <a:pt x="9750" y="0"/>
+                  <a:pt x="21600" y="0"/>
+                </a:cubicBezTo>
+                <a:lnTo>
+                  <a:pt x="21600" y="0"/>
+                </a:lnTo>
+                <a:cubicBezTo>
+                  <a:pt x="33449" y="0"/>
+                  <a:pt x="43199" y="9751"/>
+                  <a:pt x="43199" y="21600"/>
+                </a:cubicBezTo>
+              </a:path>
+            </a:pathLst>
+          </a:custGeom>
+          <a:solidFill>
+            <a:srgbClr val="FFFFFF">
+              <a:alpha val="12549"/>
+            </a:srgbClr>
+          </a:solidFill>
+          <a:ln w="9524">
+            <a:solidFill>
+              <a:srgbClr val="000000"/>
+            </a:solidFill>
+            <a:round/>
+            <a:headEnd/>
+            <a:tailEnd/>
+          </a:ln>
+        </p:spPr>
+      </p:sp>
+      <p:sp>
+        <p:nvSpPr>
+          <p:cNvPr id="16" name="Shape 1111" hidden="0"/>
+          <p:cNvSpPr>
+            <a:spLocks noChangeArrowheads="1" noGrp="1"/>
+          </p:cNvSpPr>
+          <p:nvPr isPhoto="0" userDrawn="1"/>
+        </p:nvSpPr>
+        <p:spPr bwMode="auto">
+          <a:xfrm>
+            <a:off x="676203" y="331128"/>
+            <a:ext cx="6358183" cy="4781650"/>
+          </a:xfrm>
+          <a:custGeom>
+            <a:avLst/>
+            <a:gdLst/>
+            <a:ahLst/>
+            <a:cxnLst/>
+            <a:rect l="l" t="t" r="r" b="b"/>
+            <a:pathLst>
+              <a:path w="43200" h="43200" fill="norm" stroke="0" extrusionOk="0">
+                <a:moveTo>
+                  <a:pt x="43199" y="21600"/>
+                </a:moveTo>
+                <a:lnTo>
+                  <a:pt x="43199" y="21600"/>
+                </a:lnTo>
+                <a:lnTo>
+                  <a:pt x="43199" y="21600"/>
+                </a:lnTo>
+                <a:cubicBezTo>
+                  <a:pt x="43199" y="21600"/>
+                  <a:pt x="43199" y="21600"/>
+                  <a:pt x="43199" y="21600"/>
+                </a:cubicBezTo>
+                <a:lnTo>
+                  <a:pt x="43199" y="21600"/>
+                </a:lnTo>
+                <a:lnTo>
+                  <a:pt x="43199" y="21600"/>
+                </a:lnTo>
+                <a:cubicBezTo>
+                  <a:pt x="43199" y="33449"/>
+                  <a:pt x="33449" y="43199"/>
+                  <a:pt x="21598" y="43199"/>
+                </a:cubicBezTo>
+                <a:lnTo>
+                  <a:pt x="21598" y="43199"/>
+                </a:lnTo>
+                <a:cubicBezTo>
+                  <a:pt x="9750" y="43199"/>
+                  <a:pt x="0" y="33449"/>
+                  <a:pt x="0" y="21600"/>
+                </a:cubicBezTo>
+                <a:lnTo>
+                  <a:pt x="0" y="21600"/>
+                </a:lnTo>
+                <a:cubicBezTo>
+                  <a:pt x="0" y="9750"/>
+                  <a:pt x="9750" y="0"/>
+                  <a:pt x="21598" y="0"/>
+                </a:cubicBezTo>
+                <a:lnTo>
+                  <a:pt x="21598" y="0"/>
+                </a:lnTo>
+                <a:cubicBezTo>
+                  <a:pt x="33449" y="0"/>
+                  <a:pt x="43199" y="9750"/>
+                  <a:pt x="43199" y="21600"/>
+                </a:cubicBezTo>
+              </a:path>
+            </a:pathLst>
+          </a:custGeom>
+          <a:solidFill>
+            <a:srgbClr val="FFFFFF">
+              <a:alpha val="14117"/>
+            </a:srgbClr>
+          </a:solidFill>
+          <a:ln w="9524">
+            <a:solidFill>
+              <a:srgbClr val="000000"/>
+            </a:solidFill>
+            <a:round/>
+            <a:headEnd/>
+            <a:tailEnd/>
+          </a:ln>
+        </p:spPr>
+      </p:sp>
+      <p:sp>
+        <p:nvSpPr>
+          <p:cNvPr id="17" name="Shape 1112" hidden="0"/>
+          <p:cNvSpPr>
+            <a:spLocks noChangeArrowheads="1" noGrp="1"/>
+          </p:cNvSpPr>
+          <p:nvPr isPhoto="0" userDrawn="1"/>
+        </p:nvSpPr>
+        <p:spPr bwMode="auto">
+          <a:xfrm>
+            <a:off x="737731" y="359857"/>
+            <a:ext cx="6179254" cy="4647039"/>
+          </a:xfrm>
+          <a:custGeom>
+            <a:avLst/>
+            <a:gdLst/>
+            <a:ahLst/>
+            <a:cxnLst/>
+            <a:rect l="l" t="t" r="r" b="b"/>
+            <a:pathLst>
+              <a:path w="43200" h="43200" fill="norm" stroke="0" extrusionOk="0">
+                <a:moveTo>
+                  <a:pt x="43200" y="21600"/>
+                </a:moveTo>
+                <a:lnTo>
+                  <a:pt x="43200" y="21600"/>
+                </a:lnTo>
+                <a:lnTo>
+                  <a:pt x="43200" y="21600"/>
+                </a:lnTo>
+                <a:cubicBezTo>
+                  <a:pt x="43200" y="21600"/>
+                  <a:pt x="43200" y="21600"/>
+                  <a:pt x="43200" y="21600"/>
+                </a:cubicBezTo>
+                <a:lnTo>
+                  <a:pt x="43200" y="21600"/>
+                </a:lnTo>
+                <a:lnTo>
+                  <a:pt x="43200" y="21600"/>
+                </a:lnTo>
+                <a:cubicBezTo>
+                  <a:pt x="43200" y="33449"/>
+                  <a:pt x="33448" y="43199"/>
+                  <a:pt x="21599" y="43199"/>
+                </a:cubicBezTo>
+                <a:lnTo>
+                  <a:pt x="21599" y="43199"/>
+                </a:lnTo>
+                <a:cubicBezTo>
+                  <a:pt x="9750" y="43199"/>
+                  <a:pt x="0" y="33449"/>
+                  <a:pt x="0" y="21600"/>
+                </a:cubicBezTo>
+                <a:lnTo>
+                  <a:pt x="0" y="21600"/>
+                </a:lnTo>
+                <a:cubicBezTo>
+                  <a:pt x="0" y="9751"/>
+                  <a:pt x="9750" y="0"/>
+                  <a:pt x="21599" y="0"/>
+                </a:cubicBezTo>
+                <a:lnTo>
+                  <a:pt x="21599" y="0"/>
+                </a:lnTo>
+                <a:cubicBezTo>
+                  <a:pt x="33448" y="0"/>
+                  <a:pt x="43200" y="9751"/>
+                  <a:pt x="43200" y="21599"/>
+                </a:cubicBezTo>
+              </a:path>
+            </a:pathLst>
+          </a:custGeom>
+          <a:solidFill>
+            <a:srgbClr val="FFFFFF">
+              <a:alpha val="15686"/>
+            </a:srgbClr>
+          </a:solidFill>
+          <a:ln w="9524">
+            <a:solidFill>
+              <a:srgbClr val="000000"/>
+            </a:solidFill>
+            <a:round/>
+            <a:headEnd/>
+            <a:tailEnd/>
+          </a:ln>
+        </p:spPr>
+      </p:sp>
+      <p:sp>
+        <p:nvSpPr>
+          <p:cNvPr id="18" name="Shape 1113" hidden="0"/>
+          <p:cNvSpPr>
+            <a:spLocks noChangeArrowheads="1" noGrp="1"/>
+          </p:cNvSpPr>
+          <p:nvPr isPhoto="0" userDrawn="1"/>
+        </p:nvSpPr>
+        <p:spPr bwMode="auto">
+          <a:xfrm>
+            <a:off x="799253" y="388590"/>
+            <a:ext cx="6000607" cy="4512430"/>
+          </a:xfrm>
+          <a:custGeom>
+            <a:avLst/>
+            <a:gdLst/>
+            <a:ahLst/>
+            <a:cxnLst/>
+            <a:rect l="l" t="t" r="r" b="b"/>
+            <a:pathLst>
+              <a:path w="43200" h="43200" fill="norm" stroke="0" extrusionOk="0">
+                <a:moveTo>
+                  <a:pt x="43200" y="21599"/>
+                </a:moveTo>
+                <a:lnTo>
+                  <a:pt x="43200" y="21599"/>
+                </a:lnTo>
+                <a:lnTo>
+                  <a:pt x="43200" y="21599"/>
+                </a:lnTo>
+                <a:cubicBezTo>
+                  <a:pt x="43200" y="21599"/>
+                  <a:pt x="43200" y="21599"/>
+                  <a:pt x="43200" y="21599"/>
+                </a:cubicBezTo>
+                <a:lnTo>
+                  <a:pt x="43200" y="21599"/>
+                </a:lnTo>
+                <a:lnTo>
+                  <a:pt x="43200" y="21599"/>
+                </a:lnTo>
+                <a:cubicBezTo>
+                  <a:pt x="43200" y="33449"/>
+                  <a:pt x="33449" y="43200"/>
+                  <a:pt x="21600" y="43200"/>
+                </a:cubicBezTo>
+                <a:lnTo>
+                  <a:pt x="21600" y="43200"/>
+                </a:lnTo>
+                <a:cubicBezTo>
+                  <a:pt x="9750" y="43200"/>
+                  <a:pt x="0" y="33449"/>
+                  <a:pt x="0" y="21599"/>
+                </a:cubicBezTo>
+                <a:lnTo>
+                  <a:pt x="0" y="21599"/>
+                </a:lnTo>
+                <a:cubicBezTo>
+                  <a:pt x="0" y="9749"/>
+                  <a:pt x="9750" y="0"/>
+                  <a:pt x="21600" y="0"/>
+                </a:cubicBezTo>
+                <a:lnTo>
+                  <a:pt x="21600" y="0"/>
+                </a:lnTo>
+                <a:cubicBezTo>
+                  <a:pt x="33449" y="0"/>
+                  <a:pt x="43200" y="9749"/>
+                  <a:pt x="43200" y="21599"/>
+                </a:cubicBezTo>
+              </a:path>
+            </a:pathLst>
+          </a:custGeom>
+          <a:solidFill>
+            <a:srgbClr val="FFFFFF">
+              <a:alpha val="17647"/>
+            </a:srgbClr>
+          </a:solidFill>
+          <a:ln w="9524">
+            <a:solidFill>
+              <a:srgbClr val="000000"/>
+            </a:solidFill>
+            <a:round/>
+            <a:headEnd/>
+            <a:tailEnd/>
+          </a:ln>
+        </p:spPr>
+      </p:sp>
+      <p:sp>
+        <p:nvSpPr>
+          <p:cNvPr id="19" name="Shape 1114" hidden="0"/>
+          <p:cNvSpPr>
+            <a:spLocks noChangeArrowheads="1" noGrp="1"/>
+          </p:cNvSpPr>
+          <p:nvPr isPhoto="0" userDrawn="1"/>
+        </p:nvSpPr>
+        <p:spPr bwMode="auto">
+          <a:xfrm>
+            <a:off x="860777" y="417163"/>
+            <a:ext cx="5821679" cy="4377979"/>
+          </a:xfrm>
+          <a:custGeom>
+            <a:avLst/>
+            <a:gdLst/>
+            <a:ahLst/>
+            <a:cxnLst/>
+            <a:rect l="l" t="t" r="r" b="b"/>
+            <a:pathLst>
+              <a:path w="43200" h="43200" fill="norm" stroke="0" extrusionOk="0">
+                <a:moveTo>
+                  <a:pt x="43200" y="21600"/>
+                </a:moveTo>
+                <a:lnTo>
+                  <a:pt x="43200" y="21600"/>
+                </a:lnTo>
+                <a:lnTo>
+                  <a:pt x="43200" y="21600"/>
+                </a:lnTo>
+                <a:cubicBezTo>
+                  <a:pt x="43200" y="21600"/>
+                  <a:pt x="43200" y="21600"/>
+                  <a:pt x="43200" y="21600"/>
+                </a:cubicBezTo>
+                <a:lnTo>
+                  <a:pt x="43200" y="21600"/>
+                </a:lnTo>
+                <a:lnTo>
+                  <a:pt x="43200" y="21600"/>
+                </a:lnTo>
+                <a:cubicBezTo>
+                  <a:pt x="43200" y="33449"/>
+                  <a:pt x="33449" y="43200"/>
+                  <a:pt x="21599" y="43200"/>
+                </a:cubicBezTo>
+                <a:lnTo>
+                  <a:pt x="21599" y="43200"/>
+                </a:lnTo>
+                <a:cubicBezTo>
+                  <a:pt x="9750" y="43200"/>
+                  <a:pt x="0" y="33449"/>
+                  <a:pt x="0" y="21600"/>
+                </a:cubicBezTo>
+                <a:lnTo>
+                  <a:pt x="0" y="21600"/>
+                </a:lnTo>
+                <a:cubicBezTo>
+                  <a:pt x="0" y="9750"/>
+                  <a:pt x="9750" y="0"/>
+                  <a:pt x="21599" y="0"/>
+                </a:cubicBezTo>
+                <a:lnTo>
+                  <a:pt x="21599" y="0"/>
+                </a:lnTo>
+                <a:cubicBezTo>
+                  <a:pt x="33449" y="0"/>
+                  <a:pt x="43200" y="9750"/>
+                  <a:pt x="43200" y="21600"/>
+                </a:cubicBezTo>
+              </a:path>
+            </a:pathLst>
+          </a:custGeom>
+          <a:solidFill>
+            <a:srgbClr val="FFFFFF">
+              <a:alpha val="19215"/>
+            </a:srgbClr>
+          </a:solidFill>
+          <a:ln w="9524">
+            <a:solidFill>
+              <a:srgbClr val="000000"/>
+            </a:solidFill>
+            <a:round/>
+            <a:headEnd/>
+            <a:tailEnd/>
+          </a:ln>
+        </p:spPr>
+      </p:sp>
+      <p:sp>
+        <p:nvSpPr>
+          <p:cNvPr id="20" name="Shape 1115" hidden="0"/>
+          <p:cNvSpPr>
+            <a:spLocks noChangeArrowheads="1" noGrp="1"/>
+          </p:cNvSpPr>
+          <p:nvPr isPhoto="0" userDrawn="1"/>
+        </p:nvSpPr>
+        <p:spPr bwMode="auto">
+          <a:xfrm>
+            <a:off x="922587" y="445894"/>
+            <a:ext cx="5642750" cy="4243529"/>
+          </a:xfrm>
+          <a:custGeom>
+            <a:avLst/>
+            <a:gdLst/>
+            <a:ahLst/>
+            <a:cxnLst/>
+            <a:rect l="l" t="t" r="r" b="b"/>
+            <a:pathLst>
+              <a:path w="43200" h="43200" fill="norm" stroke="0" extrusionOk="0">
+                <a:moveTo>
+                  <a:pt x="43200" y="21599"/>
+                </a:moveTo>
+                <a:lnTo>
+                  <a:pt x="43200" y="21599"/>
+                </a:lnTo>
+                <a:lnTo>
+                  <a:pt x="43200" y="21599"/>
+                </a:lnTo>
+                <a:cubicBezTo>
+                  <a:pt x="43200" y="21599"/>
+                  <a:pt x="43200" y="21599"/>
+                  <a:pt x="43200" y="21599"/>
+                </a:cubicBezTo>
+                <a:lnTo>
+                  <a:pt x="43200" y="21599"/>
+                </a:lnTo>
+                <a:lnTo>
+                  <a:pt x="43200" y="21599"/>
+                </a:lnTo>
+                <a:cubicBezTo>
+                  <a:pt x="43200" y="33449"/>
+                  <a:pt x="33448" y="43200"/>
+                  <a:pt x="21600" y="43200"/>
+                </a:cubicBezTo>
+                <a:lnTo>
+                  <a:pt x="21600" y="43200"/>
+                </a:lnTo>
+                <a:cubicBezTo>
+                  <a:pt x="9748" y="43200"/>
+                  <a:pt x="0" y="33449"/>
+                  <a:pt x="0" y="21599"/>
+                </a:cubicBezTo>
+                <a:lnTo>
+                  <a:pt x="0" y="21599"/>
+                </a:lnTo>
+                <a:cubicBezTo>
+                  <a:pt x="0" y="9750"/>
+                  <a:pt x="9748" y="0"/>
+                  <a:pt x="21600" y="0"/>
+                </a:cubicBezTo>
+                <a:lnTo>
+                  <a:pt x="21600" y="0"/>
+                </a:lnTo>
+                <a:cubicBezTo>
+                  <a:pt x="33448" y="0"/>
+                  <a:pt x="43200" y="9750"/>
+                  <a:pt x="43200" y="21599"/>
+                </a:cubicBezTo>
+              </a:path>
+            </a:pathLst>
+          </a:custGeom>
+          <a:solidFill>
+            <a:srgbClr val="FFFFFF">
+              <a:alpha val="20784"/>
+            </a:srgbClr>
+          </a:solidFill>
+          <a:ln w="9524">
+            <a:solidFill>
+              <a:srgbClr val="000000"/>
+            </a:solidFill>
+            <a:round/>
+            <a:headEnd/>
+            <a:tailEnd/>
+          </a:ln>
+        </p:spPr>
+      </p:sp>
+      <p:sp>
+        <p:nvSpPr>
+          <p:cNvPr id="21" name="Shape 1116" hidden="0"/>
+          <p:cNvSpPr>
+            <a:spLocks noChangeArrowheads="1" noGrp="1"/>
+          </p:cNvSpPr>
+          <p:nvPr isPhoto="0" userDrawn="1"/>
+        </p:nvSpPr>
+        <p:spPr bwMode="auto">
+          <a:xfrm>
+            <a:off x="984107" y="474624"/>
+            <a:ext cx="5463821" cy="4108919"/>
+          </a:xfrm>
+          <a:custGeom>
+            <a:avLst/>
+            <a:gdLst/>
+            <a:ahLst/>
+            <a:cxnLst/>
+            <a:rect l="l" t="t" r="r" b="b"/>
+            <a:pathLst>
+              <a:path w="43200" h="43200" fill="norm" stroke="0" extrusionOk="0">
+                <a:moveTo>
+                  <a:pt x="43199" y="21599"/>
+                </a:moveTo>
+                <a:lnTo>
+                  <a:pt x="43199" y="21599"/>
+                </a:lnTo>
+                <a:lnTo>
+                  <a:pt x="43199" y="21599"/>
+                </a:lnTo>
+                <a:cubicBezTo>
+                  <a:pt x="43199" y="21599"/>
+                  <a:pt x="43199" y="21599"/>
+                  <a:pt x="43199" y="21599"/>
+                </a:cubicBezTo>
+                <a:lnTo>
+                  <a:pt x="43199" y="21599"/>
+                </a:lnTo>
+                <a:lnTo>
+                  <a:pt x="43199" y="21599"/>
+                </a:lnTo>
+                <a:cubicBezTo>
+                  <a:pt x="43199" y="33448"/>
+                  <a:pt x="33448" y="43200"/>
+                  <a:pt x="21599" y="43200"/>
+                </a:cubicBezTo>
+                <a:lnTo>
+                  <a:pt x="21599" y="43200"/>
+                </a:lnTo>
+                <a:cubicBezTo>
+                  <a:pt x="9750" y="43200"/>
+                  <a:pt x="0" y="33448"/>
+                  <a:pt x="0" y="21599"/>
+                </a:cubicBezTo>
+                <a:lnTo>
+                  <a:pt x="0" y="21599"/>
+                </a:lnTo>
+                <a:cubicBezTo>
+                  <a:pt x="0" y="9749"/>
+                  <a:pt x="9750" y="0"/>
+                  <a:pt x="21599" y="0"/>
+                </a:cubicBezTo>
+                <a:lnTo>
+                  <a:pt x="21599" y="0"/>
+                </a:lnTo>
+                <a:cubicBezTo>
+                  <a:pt x="33448" y="0"/>
+                  <a:pt x="43199" y="9749"/>
+                  <a:pt x="43199" y="21599"/>
+                </a:cubicBezTo>
+              </a:path>
+            </a:pathLst>
+          </a:custGeom>
+          <a:solidFill>
+            <a:srgbClr val="FFFFFF">
+              <a:alpha val="22352"/>
+            </a:srgbClr>
+          </a:solidFill>
+          <a:ln w="9524">
+            <a:solidFill>
+              <a:srgbClr val="000000"/>
+            </a:solidFill>
+            <a:round/>
+            <a:headEnd/>
+            <a:tailEnd/>
+          </a:ln>
+        </p:spPr>
+      </p:sp>
+      <p:sp>
+        <p:nvSpPr>
+          <p:cNvPr id="22" name="Shape 1117" hidden="0"/>
+          <p:cNvSpPr>
+            <a:spLocks noChangeArrowheads="1" noGrp="1"/>
+          </p:cNvSpPr>
+          <p:nvPr isPhoto="0" userDrawn="1"/>
+        </p:nvSpPr>
+        <p:spPr bwMode="auto">
+          <a:xfrm>
+            <a:off x="1045633" y="503197"/>
+            <a:ext cx="5284893" cy="3974469"/>
+          </a:xfrm>
+          <a:custGeom>
+            <a:avLst/>
+            <a:gdLst/>
+            <a:ahLst/>
+            <a:cxnLst/>
+            <a:rect l="l" t="t" r="r" b="b"/>
+            <a:pathLst>
+              <a:path w="43200" h="43200" fill="norm" stroke="0" extrusionOk="0">
+                <a:moveTo>
+                  <a:pt x="43200" y="21599"/>
+                </a:moveTo>
+                <a:lnTo>
+                  <a:pt x="43200" y="21599"/>
+                </a:lnTo>
+                <a:lnTo>
+                  <a:pt x="43200" y="21599"/>
+                </a:lnTo>
+                <a:cubicBezTo>
+                  <a:pt x="43200" y="21599"/>
+                  <a:pt x="43200" y="21599"/>
+                  <a:pt x="43200" y="21599"/>
+                </a:cubicBezTo>
+                <a:lnTo>
+                  <a:pt x="43200" y="21599"/>
+                </a:lnTo>
+                <a:lnTo>
+                  <a:pt x="43200" y="21599"/>
+                </a:lnTo>
+                <a:cubicBezTo>
+                  <a:pt x="43200" y="33449"/>
+                  <a:pt x="33450" y="43200"/>
+                  <a:pt x="21599" y="43200"/>
+                </a:cubicBezTo>
+                <a:lnTo>
+                  <a:pt x="21599" y="43200"/>
+                </a:lnTo>
+                <a:cubicBezTo>
+                  <a:pt x="9751" y="43200"/>
+                  <a:pt x="0" y="33449"/>
+                  <a:pt x="0" y="21599"/>
+                </a:cubicBezTo>
+                <a:lnTo>
+                  <a:pt x="0" y="21599"/>
+                </a:lnTo>
+                <a:cubicBezTo>
+                  <a:pt x="0" y="9750"/>
+                  <a:pt x="9751" y="0"/>
+                  <a:pt x="21599" y="0"/>
+                </a:cubicBezTo>
+                <a:lnTo>
+                  <a:pt x="21599" y="0"/>
+                </a:lnTo>
+                <a:cubicBezTo>
+                  <a:pt x="33450" y="0"/>
+                  <a:pt x="43200" y="9750"/>
+                  <a:pt x="43200" y="21599"/>
+                </a:cubicBezTo>
+              </a:path>
+            </a:pathLst>
+          </a:custGeom>
+          <a:solidFill>
+            <a:srgbClr val="FFFFFF">
+              <a:alpha val="23921"/>
+            </a:srgbClr>
+          </a:solidFill>
+          <a:ln w="9524">
+            <a:solidFill>
+              <a:srgbClr val="000000"/>
+            </a:solidFill>
+            <a:round/>
+            <a:headEnd/>
+            <a:tailEnd/>
+          </a:ln>
+        </p:spPr>
+      </p:sp>
+      <p:sp>
+        <p:nvSpPr>
+          <p:cNvPr id="23" name="Shape 1118" hidden="0"/>
+          <p:cNvSpPr>
+            <a:spLocks noChangeArrowheads="1" noGrp="1"/>
+          </p:cNvSpPr>
+          <p:nvPr isPhoto="0" userDrawn="1"/>
+        </p:nvSpPr>
+        <p:spPr bwMode="auto">
+          <a:xfrm>
+            <a:off x="1107443" y="531930"/>
+            <a:ext cx="5105963" cy="3839859"/>
+          </a:xfrm>
+          <a:custGeom>
+            <a:avLst/>
+            <a:gdLst/>
+            <a:ahLst/>
+            <a:cxnLst/>
+            <a:rect l="l" t="t" r="r" b="b"/>
+            <a:pathLst>
+              <a:path w="43200" h="43200" fill="norm" stroke="0" extrusionOk="0">
+                <a:moveTo>
+                  <a:pt x="43200" y="21600"/>
+                </a:moveTo>
+                <a:lnTo>
+                  <a:pt x="43200" y="21600"/>
+                </a:lnTo>
+                <a:lnTo>
+                  <a:pt x="43200" y="21600"/>
+                </a:lnTo>
+                <a:cubicBezTo>
+                  <a:pt x="43200" y="21600"/>
+                  <a:pt x="43200" y="21600"/>
+                  <a:pt x="43200" y="21600"/>
+                </a:cubicBezTo>
+                <a:lnTo>
+                  <a:pt x="43200" y="21600"/>
+                </a:lnTo>
+                <a:lnTo>
+                  <a:pt x="43200" y="21600"/>
+                </a:lnTo>
+                <a:cubicBezTo>
+                  <a:pt x="43200" y="33449"/>
+                  <a:pt x="33448" y="43200"/>
+                  <a:pt x="21599" y="43200"/>
+                </a:cubicBezTo>
+                <a:lnTo>
+                  <a:pt x="21599" y="43200"/>
+                </a:lnTo>
+                <a:cubicBezTo>
+                  <a:pt x="9749" y="43200"/>
+                  <a:pt x="0" y="33449"/>
+                  <a:pt x="0" y="21600"/>
+                </a:cubicBezTo>
+                <a:lnTo>
+                  <a:pt x="0" y="21600"/>
+                </a:lnTo>
+                <a:cubicBezTo>
+                  <a:pt x="0" y="9750"/>
+                  <a:pt x="9749" y="0"/>
+                  <a:pt x="21599" y="0"/>
+                </a:cubicBezTo>
+                <a:lnTo>
+                  <a:pt x="21599" y="0"/>
+                </a:lnTo>
+                <a:cubicBezTo>
+                  <a:pt x="33448" y="0"/>
+                  <a:pt x="43200" y="9750"/>
+                  <a:pt x="43200" y="21600"/>
+                </a:cubicBezTo>
+              </a:path>
+            </a:pathLst>
+          </a:custGeom>
+          <a:solidFill>
+            <a:srgbClr val="FFFFFF">
+              <a:alpha val="25490"/>
+            </a:srgbClr>
+          </a:solidFill>
+          <a:ln w="9524">
+            <a:solidFill>
+              <a:srgbClr val="000000"/>
+            </a:solidFill>
+            <a:round/>
+            <a:headEnd/>
+            <a:tailEnd/>
+          </a:ln>
+        </p:spPr>
+      </p:sp>
+      <p:sp>
+        <p:nvSpPr>
+          <p:cNvPr id="24" name="Shape 1119" hidden="0"/>
+          <p:cNvSpPr>
+            <a:spLocks noChangeArrowheads="1" noGrp="1"/>
+          </p:cNvSpPr>
+          <p:nvPr isPhoto="0" userDrawn="1"/>
+        </p:nvSpPr>
+        <p:spPr bwMode="auto">
+          <a:xfrm>
+            <a:off x="1168963" y="560659"/>
+            <a:ext cx="4927034" cy="3705250"/>
+          </a:xfrm>
+          <a:custGeom>
+            <a:avLst/>
+            <a:gdLst/>
+            <a:ahLst/>
+            <a:cxnLst/>
+            <a:rect l="l" t="t" r="r" b="b"/>
+            <a:pathLst>
+              <a:path w="43200" h="43200" fill="norm" stroke="0" extrusionOk="0">
+                <a:moveTo>
+                  <a:pt x="43200" y="21600"/>
+                </a:moveTo>
+                <a:lnTo>
+                  <a:pt x="43200" y="21600"/>
+                </a:lnTo>
+                <a:lnTo>
+                  <a:pt x="43200" y="21600"/>
+                </a:lnTo>
+                <a:cubicBezTo>
+                  <a:pt x="43200" y="21600"/>
+                  <a:pt x="43200" y="21600"/>
+                  <a:pt x="43200" y="21600"/>
+                </a:cubicBezTo>
+                <a:lnTo>
+                  <a:pt x="43200" y="21600"/>
+                </a:lnTo>
+                <a:lnTo>
+                  <a:pt x="43200" y="21600"/>
+                </a:lnTo>
+                <a:cubicBezTo>
+                  <a:pt x="43200" y="33448"/>
+                  <a:pt x="33450" y="43200"/>
+                  <a:pt x="21600" y="43200"/>
+                </a:cubicBezTo>
+                <a:lnTo>
+                  <a:pt x="21600" y="43200"/>
+                </a:lnTo>
+                <a:cubicBezTo>
+                  <a:pt x="9749" y="43200"/>
+                  <a:pt x="0" y="33448"/>
+                  <a:pt x="0" y="21600"/>
+                </a:cubicBezTo>
+                <a:lnTo>
+                  <a:pt x="0" y="21600"/>
+                </a:lnTo>
+                <a:cubicBezTo>
+                  <a:pt x="0" y="9749"/>
+                  <a:pt x="9749" y="0"/>
+                  <a:pt x="21600" y="0"/>
+                </a:cubicBezTo>
+                <a:lnTo>
+                  <a:pt x="21600" y="0"/>
+                </a:lnTo>
+                <a:cubicBezTo>
+                  <a:pt x="33450" y="0"/>
+                  <a:pt x="43200" y="9749"/>
+                  <a:pt x="43200" y="21600"/>
+                </a:cubicBezTo>
+              </a:path>
+            </a:pathLst>
+          </a:custGeom>
+          <a:solidFill>
+            <a:srgbClr val="FFFFFF">
+              <a:alpha val="27058"/>
+            </a:srgbClr>
+          </a:solidFill>
+          <a:ln w="9524">
+            <a:solidFill>
+              <a:srgbClr val="000000"/>
+            </a:solidFill>
+            <a:round/>
+            <a:headEnd/>
+            <a:tailEnd/>
+          </a:ln>
+        </p:spPr>
+      </p:sp>
+      <p:sp>
+        <p:nvSpPr>
+          <p:cNvPr id="25" name="Shape 1120" hidden="0"/>
+          <p:cNvSpPr>
+            <a:spLocks noChangeArrowheads="1" noGrp="1"/>
+          </p:cNvSpPr>
+          <p:nvPr isPhoto="0" userDrawn="1"/>
+        </p:nvSpPr>
+        <p:spPr bwMode="auto">
+          <a:xfrm>
+            <a:off x="2023254" y="5083093"/>
+            <a:ext cx="1181945" cy="888929"/>
+          </a:xfrm>
+          <a:custGeom>
+            <a:avLst/>
+            <a:gdLst/>
+            <a:ahLst/>
+            <a:cxnLst/>
+            <a:rect l="l" t="t" r="r" b="b"/>
+            <a:pathLst>
+              <a:path w="43200" h="43200" fill="norm" stroke="0" extrusionOk="0">
+                <a:moveTo>
+                  <a:pt x="21600" y="0"/>
+                </a:moveTo>
+                <a:lnTo>
+                  <a:pt x="21600" y="0"/>
+                </a:lnTo>
+                <a:cubicBezTo>
+                  <a:pt x="33534" y="0"/>
+                  <a:pt x="43200" y="9673"/>
+                  <a:pt x="43200" y="21599"/>
+                </a:cubicBezTo>
+                <a:lnTo>
+                  <a:pt x="43200" y="21599"/>
+                </a:lnTo>
+                <a:cubicBezTo>
+                  <a:pt x="43200" y="33533"/>
+                  <a:pt x="33534" y="43200"/>
+                  <a:pt x="21600" y="43200"/>
+                </a:cubicBezTo>
+                <a:lnTo>
+                  <a:pt x="21600" y="43200"/>
+                </a:lnTo>
+                <a:cubicBezTo>
+                  <a:pt x="9665" y="43200"/>
+                  <a:pt x="0" y="33533"/>
+                  <a:pt x="0" y="21599"/>
+                </a:cubicBezTo>
+                <a:lnTo>
+                  <a:pt x="0" y="21599"/>
+                </a:lnTo>
+                <a:cubicBezTo>
+                  <a:pt x="0" y="9673"/>
+                  <a:pt x="9665" y="0"/>
+                  <a:pt x="21600" y="0"/>
+                </a:cubicBezTo>
+                <a:close/>
+              </a:path>
+            </a:pathLst>
+          </a:custGeom>
+          <a:solidFill>
+            <a:srgbClr val="FFFFFF">
+              <a:alpha val="11764"/>
+            </a:srgbClr>
+          </a:solidFill>
+          <a:ln w="9524">
+            <a:solidFill>
+              <a:srgbClr val="000000"/>
+            </a:solidFill>
+            <a:round/>
+            <a:headEnd/>
+            <a:tailEnd/>
+          </a:ln>
+        </p:spPr>
+      </p:sp>
+      <p:sp>
+        <p:nvSpPr>
+          <p:cNvPr id="26" name="Shape 1121" hidden="0"/>
+          <p:cNvSpPr>
+            <a:spLocks noChangeArrowheads="1" noGrp="1"/>
+          </p:cNvSpPr>
+          <p:nvPr isPhoto="0" userDrawn="1"/>
+        </p:nvSpPr>
+        <p:spPr bwMode="auto">
+          <a:xfrm>
+            <a:off x="2851007" y="4515765"/>
+            <a:ext cx="1869157" cy="1405620"/>
+          </a:xfrm>
+          <a:custGeom>
+            <a:avLst/>
+            <a:gdLst/>
+            <a:ahLst/>
+            <a:cxnLst/>
+            <a:rect l="l" t="t" r="r" b="b"/>
+            <a:pathLst>
+              <a:path w="43200" h="43200" fill="norm" stroke="0" extrusionOk="0">
+                <a:moveTo>
+                  <a:pt x="21596" y="0"/>
+                </a:moveTo>
+                <a:lnTo>
+                  <a:pt x="21596" y="0"/>
+                </a:lnTo>
+                <a:cubicBezTo>
+                  <a:pt x="33526" y="0"/>
+                  <a:pt x="43200" y="9669"/>
+                  <a:pt x="43200" y="21601"/>
+                </a:cubicBezTo>
+                <a:lnTo>
+                  <a:pt x="43200" y="21601"/>
+                </a:lnTo>
+                <a:cubicBezTo>
+                  <a:pt x="43200" y="33530"/>
+                  <a:pt x="33526" y="43200"/>
+                  <a:pt x="21596" y="43200"/>
+                </a:cubicBezTo>
+                <a:lnTo>
+                  <a:pt x="21596" y="43200"/>
+                </a:lnTo>
+                <a:cubicBezTo>
+                  <a:pt x="9673" y="43200"/>
+                  <a:pt x="0" y="33530"/>
+                  <a:pt x="0" y="21601"/>
+                </a:cubicBezTo>
+                <a:lnTo>
+                  <a:pt x="0" y="21601"/>
+                </a:lnTo>
+                <a:cubicBezTo>
+                  <a:pt x="0" y="9669"/>
+                  <a:pt x="9673" y="0"/>
+                  <a:pt x="21596" y="0"/>
+                </a:cubicBezTo>
+                <a:close/>
+              </a:path>
+            </a:pathLst>
+          </a:custGeom>
+          <a:solidFill>
+            <a:srgbClr val="FFFFFF">
+              <a:alpha val="14509"/>
+            </a:srgbClr>
+          </a:solidFill>
+          <a:ln w="9524">
+            <a:solidFill>
+              <a:srgbClr val="000000"/>
+            </a:solidFill>
+            <a:round/>
+            <a:headEnd/>
+            <a:tailEnd/>
+          </a:ln>
+        </p:spPr>
+      </p:sp>
+      <p:sp>
+        <p:nvSpPr>
+          <p:cNvPr id="29" name="Shape 1124" hidden="0"/>
+          <p:cNvSpPr>
+            <a:spLocks noChangeArrowheads="1" noGrp="1"/>
+          </p:cNvSpPr>
+          <p:nvPr isPhoto="0" userDrawn="1"/>
+        </p:nvSpPr>
+        <p:spPr bwMode="auto">
+          <a:xfrm>
+            <a:off x="3037839" y="4457826"/>
+            <a:ext cx="835941" cy="628758"/>
+          </a:xfrm>
+          <a:custGeom>
+            <a:avLst/>
+            <a:gdLst/>
+            <a:ahLst/>
+            <a:cxnLst/>
+            <a:rect l="l" t="t" r="r" b="b"/>
+            <a:pathLst>
+              <a:path w="43200" h="43200" fill="norm" stroke="0" extrusionOk="0">
+                <a:moveTo>
+                  <a:pt x="21600" y="0"/>
+                </a:moveTo>
+                <a:lnTo>
+                  <a:pt x="21600" y="0"/>
+                </a:lnTo>
+                <a:cubicBezTo>
+                  <a:pt x="33530" y="0"/>
+                  <a:pt x="43200" y="9672"/>
+                  <a:pt x="43200" y="21604"/>
+                </a:cubicBezTo>
+                <a:lnTo>
+                  <a:pt x="43200" y="21604"/>
+                </a:lnTo>
+                <a:cubicBezTo>
+                  <a:pt x="43200" y="33525"/>
+                  <a:pt x="33530" y="43200"/>
+                  <a:pt x="21600" y="43200"/>
+                </a:cubicBezTo>
+                <a:lnTo>
+                  <a:pt x="21600" y="43200"/>
+                </a:lnTo>
+                <a:cubicBezTo>
+                  <a:pt x="9669" y="43200"/>
+                  <a:pt x="0" y="33525"/>
+                  <a:pt x="0" y="21604"/>
+                </a:cubicBezTo>
+                <a:lnTo>
+                  <a:pt x="0" y="21604"/>
+                </a:lnTo>
+                <a:cubicBezTo>
+                  <a:pt x="0" y="9672"/>
+                  <a:pt x="9669" y="0"/>
+                  <a:pt x="21600" y="0"/>
+                </a:cubicBezTo>
+                <a:close/>
+              </a:path>
+            </a:pathLst>
+          </a:custGeom>
+          <a:solidFill>
+            <a:srgbClr val="FFFFFF">
+              <a:alpha val="784"/>
+            </a:srgbClr>
+          </a:solidFill>
+          <a:ln w="9524">
+            <a:solidFill>
+              <a:srgbClr val="000000"/>
+            </a:solidFill>
+            <a:round/>
+            <a:headEnd/>
+            <a:tailEnd/>
+          </a:ln>
+        </p:spPr>
+      </p:sp>
+      <p:sp>
+        <p:nvSpPr>
+          <p:cNvPr id="30" name="Shape 1125" hidden="0"/>
+          <p:cNvSpPr>
+            <a:spLocks noChangeArrowheads="1" noGrp="1"/>
+          </p:cNvSpPr>
+          <p:nvPr isPhoto="0" userDrawn="1"/>
+        </p:nvSpPr>
+        <p:spPr bwMode="auto">
+          <a:xfrm>
+            <a:off x="1015999" y="4613071"/>
+            <a:ext cx="685800" cy="515578"/>
+          </a:xfrm>
+          <a:custGeom>
+            <a:avLst/>
+            <a:gdLst/>
+            <a:ahLst/>
+            <a:cxnLst/>
+            <a:rect l="l" t="t" r="r" b="b"/>
+            <a:pathLst>
+              <a:path w="43200" h="43200" fill="norm" stroke="0" extrusionOk="0">
+                <a:moveTo>
+                  <a:pt x="21599" y="0"/>
+                </a:moveTo>
+                <a:lnTo>
+                  <a:pt x="21599" y="0"/>
+                </a:lnTo>
+                <a:cubicBezTo>
+                  <a:pt x="33527" y="0"/>
+                  <a:pt x="43200" y="9668"/>
+                  <a:pt x="43200" y="21599"/>
+                </a:cubicBezTo>
+                <a:lnTo>
+                  <a:pt x="43200" y="21599"/>
+                </a:lnTo>
+                <a:cubicBezTo>
+                  <a:pt x="43200" y="33530"/>
+                  <a:pt x="33527" y="43200"/>
+                  <a:pt x="21599" y="43200"/>
+                </a:cubicBezTo>
+                <a:lnTo>
+                  <a:pt x="21599" y="43200"/>
+                </a:lnTo>
+                <a:cubicBezTo>
+                  <a:pt x="9671" y="43200"/>
+                  <a:pt x="0" y="33530"/>
+                  <a:pt x="0" y="21599"/>
+                </a:cubicBezTo>
+                <a:lnTo>
+                  <a:pt x="0" y="21599"/>
+                </a:lnTo>
+                <a:cubicBezTo>
+                  <a:pt x="0" y="9668"/>
+                  <a:pt x="9671" y="0"/>
+                  <a:pt x="21599" y="0"/>
+                </a:cubicBezTo>
+                <a:close/>
+              </a:path>
+            </a:pathLst>
+          </a:custGeom>
+          <a:solidFill>
+            <a:srgbClr val="FFFFFF">
+              <a:alpha val="45098"/>
+            </a:srgbClr>
+          </a:solidFill>
+          <a:ln w="9524">
+            <a:solidFill>
+              <a:srgbClr val="000000"/>
+            </a:solidFill>
+            <a:round/>
+            <a:headEnd/>
+            <a:tailEnd/>
+          </a:ln>
+        </p:spPr>
+      </p:sp>
+      <p:sp>
+        <p:nvSpPr>
+          <p:cNvPr id="43" name="Shape 1138" hidden="0"/>
+          <p:cNvSpPr>
+            <a:spLocks noChangeArrowheads="1" noGrp="1"/>
+          </p:cNvSpPr>
+          <p:nvPr isPhoto="0" userDrawn="1"/>
+        </p:nvSpPr>
+        <p:spPr bwMode="auto">
+          <a:xfrm>
+            <a:off x="2311403" y="4372901"/>
+            <a:ext cx="796430" cy="598915"/>
+          </a:xfrm>
+          <a:custGeom>
+            <a:avLst/>
+            <a:gdLst/>
+            <a:ahLst/>
+            <a:cxnLst/>
+            <a:rect l="l" t="t" r="r" b="b"/>
+            <a:pathLst>
+              <a:path w="43200" h="43200" fill="norm" stroke="0" extrusionOk="0">
+                <a:moveTo>
+                  <a:pt x="21600" y="0"/>
+                </a:moveTo>
+                <a:lnTo>
+                  <a:pt x="21600" y="0"/>
+                </a:lnTo>
+                <a:cubicBezTo>
+                  <a:pt x="33525" y="0"/>
+                  <a:pt x="43200" y="9675"/>
+                  <a:pt x="43200" y="21594"/>
+                </a:cubicBezTo>
+                <a:lnTo>
+                  <a:pt x="43200" y="21594"/>
+                </a:lnTo>
+                <a:cubicBezTo>
+                  <a:pt x="43200" y="33524"/>
+                  <a:pt x="33525" y="43200"/>
+                  <a:pt x="21600" y="43200"/>
+                </a:cubicBezTo>
+                <a:lnTo>
+                  <a:pt x="21600" y="43200"/>
+                </a:lnTo>
+                <a:cubicBezTo>
+                  <a:pt x="9674" y="43200"/>
+                  <a:pt x="0" y="33524"/>
+                  <a:pt x="0" y="21594"/>
+                </a:cubicBezTo>
+                <a:lnTo>
+                  <a:pt x="0" y="21594"/>
+                </a:lnTo>
+                <a:cubicBezTo>
+                  <a:pt x="0" y="9675"/>
+                  <a:pt x="9674" y="0"/>
+                  <a:pt x="21600" y="0"/>
+                </a:cubicBezTo>
+                <a:close/>
+              </a:path>
+            </a:pathLst>
+          </a:custGeom>
+          <a:solidFill>
+            <a:srgbClr val="FFFFFF">
+              <a:alpha val="7843"/>
+            </a:srgbClr>
+          </a:solidFill>
+          <a:ln w="9524">
+            <a:solidFill>
+              <a:srgbClr val="000000"/>
+            </a:solidFill>
+            <a:round/>
+            <a:headEnd/>
+            <a:tailEnd/>
+          </a:ln>
+        </p:spPr>
+      </p:sp>
+      <p:sp>
+        <p:nvSpPr>
+          <p:cNvPr id="44" name="Shape 1139" hidden="0"/>
+          <p:cNvSpPr>
+            <a:spLocks noChangeArrowheads="1" noGrp="1"/>
+          </p:cNvSpPr>
+          <p:nvPr isPhoto="0" userDrawn="1"/>
+        </p:nvSpPr>
+        <p:spPr bwMode="auto">
+          <a:xfrm>
+            <a:off x="1648463" y="4729109"/>
+            <a:ext cx="755507" cy="568121"/>
+          </a:xfrm>
+          <a:custGeom>
+            <a:avLst/>
+            <a:gdLst/>
+            <a:ahLst/>
+            <a:cxnLst/>
+            <a:rect l="l" t="t" r="r" b="b"/>
+            <a:pathLst>
+              <a:path w="43200" h="43200" fill="norm" stroke="0" extrusionOk="0">
+                <a:moveTo>
+                  <a:pt x="21608" y="0"/>
+                </a:moveTo>
+                <a:lnTo>
+                  <a:pt x="21608" y="0"/>
+                </a:lnTo>
+                <a:cubicBezTo>
+                  <a:pt x="33533" y="0"/>
+                  <a:pt x="43200" y="9668"/>
+                  <a:pt x="43200" y="21593"/>
+                </a:cubicBezTo>
+                <a:lnTo>
+                  <a:pt x="43200" y="21593"/>
+                </a:lnTo>
+                <a:cubicBezTo>
+                  <a:pt x="43200" y="33519"/>
+                  <a:pt x="33533" y="43200"/>
+                  <a:pt x="21608" y="43200"/>
+                </a:cubicBezTo>
+                <a:lnTo>
+                  <a:pt x="21608" y="43200"/>
+                </a:lnTo>
+                <a:cubicBezTo>
+                  <a:pt x="9682" y="43200"/>
+                  <a:pt x="0" y="33519"/>
+                  <a:pt x="0" y="21593"/>
+                </a:cubicBezTo>
+                <a:lnTo>
+                  <a:pt x="0" y="21593"/>
+                </a:lnTo>
+                <a:cubicBezTo>
+                  <a:pt x="0" y="9668"/>
+                  <a:pt x="9682" y="0"/>
+                  <a:pt x="21608" y="0"/>
+                </a:cubicBezTo>
+                <a:close/>
+              </a:path>
+            </a:pathLst>
+          </a:custGeom>
+          <a:solidFill>
+            <a:srgbClr val="FFFFFF">
+              <a:alpha val="24705"/>
+            </a:srgbClr>
+          </a:solidFill>
+          <a:ln w="9524">
+            <a:solidFill>
+              <a:srgbClr val="000000"/>
+            </a:solidFill>
+            <a:round/>
+            <a:headEnd/>
+            <a:tailEnd/>
+          </a:ln>
+        </p:spPr>
+      </p:sp>
+      <p:sp>
+        <p:nvSpPr>
+          <p:cNvPr id="45" name="Shape 1140" hidden="0"/>
+          <p:cNvSpPr>
+            <a:spLocks noChangeArrowheads="1" noGrp="1"/>
+          </p:cNvSpPr>
+          <p:nvPr isPhoto="0" userDrawn="1"/>
+        </p:nvSpPr>
+        <p:spPr bwMode="auto">
+          <a:xfrm>
+            <a:off x="1506501" y="5387076"/>
+            <a:ext cx="753250" cy="566374"/>
+          </a:xfrm>
+          <a:custGeom>
+            <a:avLst/>
+            <a:gdLst/>
+            <a:ahLst/>
+            <a:cxnLst/>
+            <a:rect l="l" t="t" r="r" b="b"/>
+            <a:pathLst>
+              <a:path w="43200" h="43200" fill="norm" stroke="0" extrusionOk="0">
+                <a:moveTo>
+                  <a:pt x="21607" y="0"/>
+                </a:moveTo>
+                <a:lnTo>
+                  <a:pt x="21607" y="0"/>
+                </a:lnTo>
+                <a:cubicBezTo>
+                  <a:pt x="33536" y="0"/>
+                  <a:pt x="43200" y="9673"/>
+                  <a:pt x="43200" y="21599"/>
+                </a:cubicBezTo>
+                <a:lnTo>
+                  <a:pt x="43200" y="21599"/>
+                </a:lnTo>
+                <a:cubicBezTo>
+                  <a:pt x="43200" y="33526"/>
+                  <a:pt x="33536" y="43200"/>
+                  <a:pt x="21607" y="43200"/>
+                </a:cubicBezTo>
+                <a:lnTo>
+                  <a:pt x="21607" y="43200"/>
+                </a:lnTo>
+                <a:cubicBezTo>
+                  <a:pt x="9679" y="43200"/>
+                  <a:pt x="0" y="33526"/>
+                  <a:pt x="0" y="21599"/>
+                </a:cubicBezTo>
+                <a:lnTo>
+                  <a:pt x="0" y="21599"/>
+                </a:lnTo>
+                <a:cubicBezTo>
+                  <a:pt x="0" y="9673"/>
+                  <a:pt x="9679" y="0"/>
+                  <a:pt x="21607" y="0"/>
+                </a:cubicBezTo>
+                <a:close/>
+              </a:path>
+            </a:pathLst>
+          </a:custGeom>
+          <a:solidFill>
+            <a:srgbClr val="FFFFFF">
+              <a:alpha val="32549"/>
+            </a:srgbClr>
+          </a:solidFill>
+          <a:ln w="9524">
+            <a:solidFill>
+              <a:srgbClr val="000000"/>
+            </a:solidFill>
+            <a:round/>
+            <a:headEnd/>
+            <a:tailEnd/>
+          </a:ln>
+        </p:spPr>
+      </p:sp>
+      <p:sp>
+        <p:nvSpPr>
+          <p:cNvPr id="46" name="Shape 1141" hidden="0"/>
+          <p:cNvSpPr>
+            <a:spLocks noChangeArrowheads="1" noGrp="1"/>
+          </p:cNvSpPr>
+          <p:nvPr isPhoto="0" userDrawn="1"/>
+        </p:nvSpPr>
+        <p:spPr bwMode="auto">
+          <a:xfrm>
+            <a:off x="2370101" y="5855034"/>
+            <a:ext cx="893514" cy="671935"/>
+          </a:xfrm>
+          <a:custGeom>
+            <a:avLst/>
+            <a:gdLst/>
+            <a:ahLst/>
+            <a:cxnLst/>
+            <a:rect l="l" t="t" r="r" b="b"/>
+            <a:pathLst>
+              <a:path w="43200" h="43200" fill="norm" stroke="0" extrusionOk="0">
+                <a:moveTo>
+                  <a:pt x="21600" y="0"/>
+                </a:moveTo>
+                <a:lnTo>
+                  <a:pt x="21600" y="0"/>
+                </a:lnTo>
+                <a:cubicBezTo>
+                  <a:pt x="33525" y="0"/>
+                  <a:pt x="43200" y="9674"/>
+                  <a:pt x="43200" y="21605"/>
+                </a:cubicBezTo>
+                <a:lnTo>
+                  <a:pt x="43200" y="21605"/>
+                </a:lnTo>
+                <a:cubicBezTo>
+                  <a:pt x="43200" y="33535"/>
+                  <a:pt x="33525" y="43200"/>
+                  <a:pt x="21600" y="43200"/>
+                </a:cubicBezTo>
+                <a:lnTo>
+                  <a:pt x="21600" y="43200"/>
+                </a:lnTo>
+                <a:cubicBezTo>
+                  <a:pt x="9674" y="43200"/>
+                  <a:pt x="0" y="33535"/>
+                  <a:pt x="0" y="21605"/>
+                </a:cubicBezTo>
+                <a:lnTo>
+                  <a:pt x="0" y="21605"/>
+                </a:lnTo>
+                <a:cubicBezTo>
+                  <a:pt x="0" y="9674"/>
+                  <a:pt x="9674" y="0"/>
+                  <a:pt x="21600" y="0"/>
+                </a:cubicBezTo>
+                <a:close/>
+              </a:path>
+            </a:pathLst>
+          </a:custGeom>
+          <a:solidFill>
+            <a:srgbClr val="FFFFFF">
+              <a:alpha val="7058"/>
+            </a:srgbClr>
+          </a:solidFill>
+          <a:ln w="9524">
+            <a:solidFill>
+              <a:srgbClr val="000000"/>
+            </a:solidFill>
+            <a:round/>
+            <a:headEnd/>
+            <a:tailEnd/>
+          </a:ln>
+        </p:spPr>
+      </p:sp>
+      <p:sp>
+        <p:nvSpPr>
+          <p:cNvPr id="47" name="Shape 1142" hidden="0"/>
+          <p:cNvSpPr>
+            <a:spLocks noChangeArrowheads="1" noGrp="1"/>
+          </p:cNvSpPr>
+          <p:nvPr isPhoto="0" userDrawn="1"/>
+        </p:nvSpPr>
+        <p:spPr bwMode="auto">
+          <a:xfrm>
+            <a:off x="2241977" y="6244482"/>
+            <a:ext cx="688339" cy="517801"/>
+          </a:xfrm>
+          <a:custGeom>
+            <a:avLst/>
+            <a:gdLst/>
+            <a:ahLst/>
+            <a:cxnLst/>
+            <a:rect l="l" t="t" r="r" b="b"/>
+            <a:pathLst>
+              <a:path w="43200" h="43200" fill="norm" stroke="0" extrusionOk="0">
+                <a:moveTo>
+                  <a:pt x="21591" y="0"/>
+                </a:moveTo>
+                <a:lnTo>
+                  <a:pt x="21591" y="0"/>
+                </a:lnTo>
+                <a:cubicBezTo>
+                  <a:pt x="33528" y="0"/>
+                  <a:pt x="43198" y="9667"/>
+                  <a:pt x="43198" y="21600"/>
+                </a:cubicBezTo>
+                <a:lnTo>
+                  <a:pt x="43198" y="21600"/>
+                </a:lnTo>
+                <a:cubicBezTo>
+                  <a:pt x="43198" y="33519"/>
+                  <a:pt x="33528" y="43200"/>
+                  <a:pt x="21591" y="43200"/>
+                </a:cubicBezTo>
+                <a:lnTo>
+                  <a:pt x="21591" y="43200"/>
+                </a:lnTo>
+                <a:cubicBezTo>
+                  <a:pt x="9670" y="43200"/>
+                  <a:pt x="0" y="33519"/>
+                  <a:pt x="0" y="21600"/>
+                </a:cubicBezTo>
+                <a:lnTo>
+                  <a:pt x="0" y="21600"/>
+                </a:lnTo>
+                <a:cubicBezTo>
+                  <a:pt x="0" y="9667"/>
+                  <a:pt x="9670" y="0"/>
+                  <a:pt x="21591" y="0"/>
+                </a:cubicBezTo>
+                <a:close/>
+              </a:path>
+            </a:pathLst>
+          </a:custGeom>
+          <a:solidFill>
+            <a:srgbClr val="FFFFFF">
+              <a:alpha val="30979"/>
+            </a:srgbClr>
+          </a:solidFill>
+          <a:ln w="9524">
+            <a:solidFill>
+              <a:srgbClr val="000000"/>
+            </a:solidFill>
+            <a:round/>
+            <a:headEnd/>
+            <a:tailEnd/>
+          </a:ln>
+        </p:spPr>
+      </p:sp>
+      <p:sp>
+        <p:nvSpPr>
+          <p:cNvPr id="48" name="Shape 1143" hidden="0"/>
+          <p:cNvSpPr>
+            <a:spLocks noChangeArrowheads="1" noGrp="1"/>
+          </p:cNvSpPr>
+          <p:nvPr isPhoto="0" userDrawn="1"/>
+        </p:nvSpPr>
+        <p:spPr bwMode="auto">
+          <a:xfrm>
+            <a:off x="3596921" y="5964721"/>
+            <a:ext cx="726439" cy="546215"/>
+          </a:xfrm>
+          <a:custGeom>
+            <a:avLst/>
+            <a:gdLst/>
+            <a:ahLst/>
+            <a:cxnLst/>
+            <a:rect l="l" t="t" r="r" b="b"/>
+            <a:pathLst>
+              <a:path w="43200" h="43200" fill="norm" stroke="0" extrusionOk="0">
+                <a:moveTo>
+                  <a:pt x="21599" y="0"/>
+                </a:moveTo>
+                <a:lnTo>
+                  <a:pt x="21599" y="0"/>
+                </a:lnTo>
+                <a:cubicBezTo>
+                  <a:pt x="33531" y="0"/>
+                  <a:pt x="43200" y="9666"/>
+                  <a:pt x="43200" y="21605"/>
+                </a:cubicBezTo>
+                <a:lnTo>
+                  <a:pt x="43200" y="21605"/>
+                </a:lnTo>
+                <a:cubicBezTo>
+                  <a:pt x="43200" y="33533"/>
+                  <a:pt x="33531" y="43200"/>
+                  <a:pt x="21599" y="43200"/>
+                </a:cubicBezTo>
+                <a:lnTo>
+                  <a:pt x="21599" y="43200"/>
+                </a:lnTo>
+                <a:cubicBezTo>
+                  <a:pt x="9666" y="43200"/>
+                  <a:pt x="0" y="33533"/>
+                  <a:pt x="0" y="21605"/>
+                </a:cubicBezTo>
+                <a:lnTo>
+                  <a:pt x="0" y="21605"/>
+                </a:lnTo>
+                <a:cubicBezTo>
+                  <a:pt x="0" y="9666"/>
+                  <a:pt x="9666" y="0"/>
+                  <a:pt x="21599" y="0"/>
+                </a:cubicBezTo>
+                <a:close/>
+              </a:path>
+            </a:pathLst>
+          </a:custGeom>
+          <a:solidFill>
+            <a:srgbClr val="FFFFFF">
+              <a:alpha val="67450"/>
+            </a:srgbClr>
+          </a:solidFill>
+          <a:ln w="9524">
+            <a:solidFill>
+              <a:srgbClr val="000000"/>
+            </a:solidFill>
+            <a:round/>
+            <a:headEnd/>
+            <a:tailEnd/>
+          </a:ln>
+        </p:spPr>
+      </p:sp>
+      <p:sp>
+        <p:nvSpPr>
+          <p:cNvPr id="49" name="Shape 1144" hidden="0"/>
+          <p:cNvSpPr>
+            <a:spLocks noChangeArrowheads="1" noGrp="1"/>
+          </p:cNvSpPr>
+          <p:nvPr isPhoto="0" userDrawn="1"/>
+        </p:nvSpPr>
+        <p:spPr bwMode="auto">
+          <a:xfrm>
+            <a:off x="3037843" y="5578670"/>
+            <a:ext cx="977899" cy="735271"/>
+          </a:xfrm>
+          <a:custGeom>
+            <a:avLst/>
+            <a:gdLst/>
+            <a:ahLst/>
+            <a:cxnLst/>
+            <a:rect l="l" t="t" r="r" b="b"/>
+            <a:pathLst>
+              <a:path w="43200" h="43200" fill="norm" stroke="0" extrusionOk="0">
+                <a:moveTo>
+                  <a:pt x="21606" y="0"/>
+                </a:moveTo>
+                <a:lnTo>
+                  <a:pt x="21606" y="0"/>
+                </a:lnTo>
+                <a:cubicBezTo>
+                  <a:pt x="33524" y="0"/>
+                  <a:pt x="43200" y="9671"/>
+                  <a:pt x="43200" y="21599"/>
+                </a:cubicBezTo>
+                <a:lnTo>
+                  <a:pt x="43200" y="21599"/>
+                </a:lnTo>
+                <a:cubicBezTo>
+                  <a:pt x="43200" y="33528"/>
+                  <a:pt x="33524" y="43200"/>
+                  <a:pt x="21606" y="43200"/>
+                </a:cubicBezTo>
+                <a:lnTo>
+                  <a:pt x="21606" y="43200"/>
+                </a:lnTo>
+                <a:cubicBezTo>
+                  <a:pt x="9674" y="43200"/>
+                  <a:pt x="0" y="33528"/>
+                  <a:pt x="0" y="21599"/>
+                </a:cubicBezTo>
+                <a:lnTo>
+                  <a:pt x="0" y="21599"/>
+                </a:lnTo>
+                <a:cubicBezTo>
+                  <a:pt x="0" y="9671"/>
+                  <a:pt x="9674" y="0"/>
+                  <a:pt x="21606" y="0"/>
+                </a:cubicBezTo>
+                <a:close/>
+              </a:path>
+            </a:pathLst>
+          </a:custGeom>
+          <a:solidFill>
+            <a:srgbClr val="FFFFFF">
+              <a:alpha val="31372"/>
+            </a:srgbClr>
+          </a:solidFill>
+          <a:ln w="9524">
+            <a:solidFill>
+              <a:srgbClr val="000000"/>
+            </a:solidFill>
+            <a:round/>
+            <a:headEnd/>
+            <a:tailEnd/>
+          </a:ln>
+        </p:spPr>
+      </p:sp>
+      <p:sp>
+        <p:nvSpPr>
+          <p:cNvPr id="52" name="Shape 1147" hidden="0"/>
+          <p:cNvSpPr>
+            <a:spLocks noChangeArrowheads="1" noGrp="1"/>
+          </p:cNvSpPr>
+          <p:nvPr isPhoto="0" userDrawn="1"/>
+        </p:nvSpPr>
+        <p:spPr bwMode="auto">
+          <a:xfrm>
+            <a:off x="2609712" y="36827"/>
+            <a:ext cx="752403" cy="565898"/>
+          </a:xfrm>
+          <a:custGeom>
+            <a:avLst/>
+            <a:gdLst/>
+            <a:ahLst/>
+            <a:cxnLst/>
+            <a:rect l="l" t="t" r="r" b="b"/>
+            <a:pathLst>
+              <a:path w="43200" h="43200" fill="norm" stroke="0" extrusionOk="0">
+                <a:moveTo>
+                  <a:pt x="21600" y="0"/>
+                </a:moveTo>
+                <a:lnTo>
+                  <a:pt x="21600" y="0"/>
+                </a:lnTo>
+                <a:cubicBezTo>
+                  <a:pt x="33541" y="0"/>
+                  <a:pt x="43200" y="9670"/>
+                  <a:pt x="43200" y="21593"/>
+                </a:cubicBezTo>
+                <a:lnTo>
+                  <a:pt x="43200" y="21593"/>
+                </a:lnTo>
+                <a:cubicBezTo>
+                  <a:pt x="43200" y="33529"/>
+                  <a:pt x="33541" y="43200"/>
+                  <a:pt x="21600" y="43200"/>
+                </a:cubicBezTo>
+                <a:lnTo>
+                  <a:pt x="21600" y="43200"/>
+                </a:lnTo>
+                <a:cubicBezTo>
+                  <a:pt x="9673" y="43200"/>
+                  <a:pt x="0" y="33529"/>
+                  <a:pt x="0" y="21593"/>
+                </a:cubicBezTo>
+                <a:lnTo>
+                  <a:pt x="0" y="21593"/>
+                </a:lnTo>
+                <a:cubicBezTo>
+                  <a:pt x="0" y="9670"/>
+                  <a:pt x="9673" y="0"/>
+                  <a:pt x="21600" y="0"/>
+                </a:cubicBezTo>
+                <a:close/>
+              </a:path>
+            </a:pathLst>
+          </a:custGeom>
+          <a:solidFill>
+            <a:srgbClr val="FFFFFF">
+              <a:alpha val="14509"/>
+            </a:srgbClr>
+          </a:solidFill>
+          <a:ln w="9524">
+            <a:solidFill>
+              <a:srgbClr val="000000"/>
+            </a:solidFill>
+            <a:round/>
+            <a:headEnd/>
+            <a:tailEnd/>
+          </a:ln>
+        </p:spPr>
+      </p:sp>
+      <p:sp>
+        <p:nvSpPr>
+          <p:cNvPr id="53" name="Shape 1148" hidden="0"/>
+          <p:cNvSpPr>
+            <a:spLocks noChangeArrowheads="1" noGrp="1"/>
+          </p:cNvSpPr>
+          <p:nvPr isPhoto="0" userDrawn="1"/>
+        </p:nvSpPr>
+        <p:spPr bwMode="auto">
+          <a:xfrm>
+            <a:off x="2272174" y="35715"/>
+            <a:ext cx="748734" cy="563041"/>
+          </a:xfrm>
+          <a:custGeom>
+            <a:avLst/>
+            <a:gdLst/>
+            <a:ahLst/>
+            <a:cxnLst/>
+            <a:rect l="l" t="t" r="r" b="b"/>
+            <a:pathLst>
+              <a:path w="43200" h="43200" fill="norm" stroke="0" extrusionOk="0">
+                <a:moveTo>
+                  <a:pt x="21608" y="0"/>
+                </a:moveTo>
+                <a:lnTo>
+                  <a:pt x="21608" y="0"/>
+                </a:lnTo>
+                <a:cubicBezTo>
+                  <a:pt x="33527" y="0"/>
+                  <a:pt x="43200" y="9670"/>
+                  <a:pt x="43200" y="21593"/>
+                </a:cubicBezTo>
+                <a:lnTo>
+                  <a:pt x="43200" y="21593"/>
+                </a:lnTo>
+                <a:cubicBezTo>
+                  <a:pt x="43200" y="33529"/>
+                  <a:pt x="33527" y="43200"/>
+                  <a:pt x="21608" y="43200"/>
+                </a:cubicBezTo>
+                <a:lnTo>
+                  <a:pt x="21608" y="43200"/>
+                </a:lnTo>
+                <a:cubicBezTo>
+                  <a:pt x="9672" y="43200"/>
+                  <a:pt x="0" y="33529"/>
+                  <a:pt x="0" y="21593"/>
+                </a:cubicBezTo>
+                <a:lnTo>
+                  <a:pt x="0" y="21593"/>
+                </a:lnTo>
+                <a:cubicBezTo>
+                  <a:pt x="0" y="9670"/>
+                  <a:pt x="9672" y="0"/>
+                  <a:pt x="21608" y="0"/>
+                </a:cubicBezTo>
+                <a:close/>
+              </a:path>
+            </a:pathLst>
+          </a:custGeom>
+          <a:solidFill>
+            <a:srgbClr val="FFFFFF">
+              <a:alpha val="16470"/>
+            </a:srgbClr>
+          </a:solidFill>
+          <a:ln w="9524">
+            <a:solidFill>
+              <a:srgbClr val="000000"/>
+            </a:solidFill>
+            <a:round/>
+            <a:headEnd/>
+            <a:tailEnd/>
+          </a:ln>
+        </p:spPr>
+      </p:sp>
+      <p:sp>
+        <p:nvSpPr>
+          <p:cNvPr id="3" name="Текст 2" hidden="0"/>
+          <p:cNvSpPr>
+            <a:spLocks noGrp="1"/>
+          </p:cNvSpPr>
+          <p:nvPr isPhoto="0" userDrawn="0">
+            <p:ph type="body" idx="1" hasCustomPrompt="0"/>
+          </p:nvPr>
+        </p:nvSpPr>
+        <p:spPr bwMode="auto">
+          <a:xfrm>
+            <a:off x="799253" y="1600203"/>
+            <a:ext cx="10577333" cy="4525962"/>
+          </a:xfrm>
+          <a:prstGeom prst="rect">
+            <a:avLst/>
+          </a:prstGeom>
+        </p:spPr>
+        <p:txBody>
+          <a:bodyPr vert="horz" lIns="91440" tIns="45720" rIns="91440" bIns="45720" rtlCol="0">
+            <a:normAutofit/>
+          </a:bodyPr>
+          <a:lstStyle/>
+          <a:p>
+            <a:pPr lvl="0">
+              <a:defRPr/>
+            </a:pPr>
+            <a:r>
+              <a:rPr lang="ru-RU"/>
+              <a:t>Образец текста</a:t>
+            </a:r>
+            <a:endParaRPr/>
+          </a:p>
+          <a:p>
+            <a:pPr lvl="1">
+              <a:defRPr/>
+            </a:pPr>
+            <a:r>
+              <a:rPr lang="ru-RU"/>
+              <a:t>Второй уровень</a:t>
+            </a:r>
+            <a:endParaRPr/>
+          </a:p>
+          <a:p>
+            <a:pPr lvl="2">
+              <a:defRPr/>
+            </a:pPr>
+            <a:r>
+              <a:rPr lang="ru-RU"/>
+              <a:t>Третий уровень</a:t>
+            </a:r>
+            <a:endParaRPr/>
+          </a:p>
+          <a:p>
+            <a:pPr lvl="3">
+              <a:defRPr/>
+            </a:pPr>
+            <a:r>
+              <a:rPr lang="ru-RU"/>
+              <a:t>Четвертый уровень</a:t>
+            </a:r>
+            <a:endParaRPr/>
+          </a:p>
+          <a:p>
+            <a:pPr lvl="4">
+              <a:defRPr/>
+            </a:pPr>
+            <a:r>
+              <a:rPr lang="ru-RU"/>
+              <a:t>Пятый уровень</a:t>
+            </a:r>
+            <a:endParaRPr lang="ru-RU"/>
+          </a:p>
+        </p:txBody>
+      </p:sp>
+      <p:sp>
+        <p:nvSpPr>
+          <p:cNvPr id="4" name="Дата 3" hidden="0"/>
+          <p:cNvSpPr>
+            <a:spLocks noGrp="1"/>
+          </p:cNvSpPr>
+          <p:nvPr isPhoto="0" userDrawn="0">
+            <p:ph type="dt" sz="half" idx="2" hasCustomPrompt="0"/>
+          </p:nvPr>
+        </p:nvSpPr>
+        <p:spPr bwMode="auto">
+          <a:xfrm>
+            <a:off x="815413" y="6356353"/>
+            <a:ext cx="2844799" cy="365125"/>
+          </a:xfrm>
+          <a:prstGeom prst="rect">
+            <a:avLst/>
+          </a:prstGeom>
+        </p:spPr>
+        <p:txBody>
+          <a:bodyPr vert="horz" lIns="91440" tIns="45720" rIns="91440" bIns="45720" rtlCol="0" anchor="ctr"/>
+          <a:lstStyle>
+            <a:lvl1pPr algn="l">
+              <a:defRPr sz="1200">
+                <a:solidFill>
+                  <a:schemeClr val="accent6">
+                    <a:lumMod val="50000"/>
+                  </a:schemeClr>
+                </a:solidFill>
+                <a:latin typeface="+mn-lt"/>
+              </a:defRPr>
+            </a:lvl1pPr>
+          </a:lstStyle>
+          <a:p>
+            <a:pPr>
+              <a:defRPr/>
+            </a:pPr>
+            <a:fld id="{B7184183-74E9-4393-9769-E1D9236041BE}" type="datetimeFigureOut">
+              <a:rPr lang="ru-RU"/>
+              <a:t/>
+            </a:fld>
+            <a:endParaRPr lang="ru-RU"/>
+          </a:p>
+        </p:txBody>
+      </p:sp>
+      <p:sp>
+        <p:nvSpPr>
+          <p:cNvPr id="5" name="Нижний колонтитул 4" hidden="0"/>
+          <p:cNvSpPr>
+            <a:spLocks noGrp="1"/>
+          </p:cNvSpPr>
+          <p:nvPr isPhoto="0" userDrawn="0">
+            <p:ph type="ftr" sz="quarter" idx="3" hasCustomPrompt="0"/>
+          </p:nvPr>
+        </p:nvSpPr>
+        <p:spPr bwMode="auto">
+          <a:xfrm>
+            <a:off x="4165599" y="6356353"/>
+            <a:ext cx="3860799" cy="365125"/>
+          </a:xfrm>
+          <a:prstGeom prst="rect">
+            <a:avLst/>
+          </a:prstGeom>
+        </p:spPr>
+        <p:txBody>
+          <a:bodyPr vert="horz" lIns="91440" tIns="45720" rIns="91440" bIns="45720" rtlCol="0" anchor="ctr"/>
+          <a:lstStyle>
+            <a:lvl1pPr algn="ctr">
+              <a:defRPr sz="1200">
+                <a:solidFill>
+                  <a:schemeClr val="accent6">
+                    <a:lumMod val="50000"/>
+                  </a:schemeClr>
+                </a:solidFill>
+                <a:latin typeface="+mn-lt"/>
+              </a:defRPr>
+            </a:lvl1pPr>
+          </a:lstStyle>
+          <a:p>
+            <a:pPr>
+              <a:defRPr/>
+            </a:pPr>
+            <a:endParaRPr lang="ru-RU"/>
+          </a:p>
+        </p:txBody>
+      </p:sp>
+      <p:sp>
+        <p:nvSpPr>
+          <p:cNvPr id="2" name="Заголовок 1" hidden="0"/>
           <p:cNvSpPr>
             <a:spLocks noGrp="1"/>
           </p:cNvSpPr>
@@ -2655,8 +5774,8 @@
         </p:nvSpPr>
         <p:spPr bwMode="auto">
           <a:xfrm>
-            <a:off x="838199" y="365125"/>
-            <a:ext cx="10515600" cy="1325562"/>
+            <a:off x="787829" y="274638"/>
+            <a:ext cx="10588757" cy="1143000"/>
           </a:xfrm>
           <a:prstGeom prst="rect">
             <a:avLst/>
@@ -2672,176 +5791,16 @@
               <a:defRPr/>
             </a:pPr>
             <a:r>
-              <a:rPr lang="en-US"/>
-              <a:t>Click to edit Master title style</a:t>
-            </a:r>
-            <a:endParaRPr lang="en-US"/>
+              <a:rPr lang="ru-RU"/>
+              <a:t>Образец заголовка</a:t>
+            </a:r>
+            <a:endParaRPr lang="ru-RU"/>
           </a:p>
         </p:txBody>
       </p:sp>
       <p:sp>
         <p:nvSpPr>
-          <p:cNvPr id="3" name="Text Placeholder 2" hidden="0"/>
-          <p:cNvSpPr>
-            <a:spLocks noGrp="1"/>
-          </p:cNvSpPr>
-          <p:nvPr isPhoto="0" userDrawn="0">
-            <p:ph type="body" idx="1" hasCustomPrompt="0"/>
-          </p:nvPr>
-        </p:nvSpPr>
-        <p:spPr bwMode="auto">
-          <a:xfrm>
-            <a:off x="838199" y="1825625"/>
-            <a:ext cx="10515600" cy="4351338"/>
-          </a:xfrm>
-          <a:prstGeom prst="rect">
-            <a:avLst/>
-          </a:prstGeom>
-        </p:spPr>
-        <p:txBody>
-          <a:bodyPr vert="horz" lIns="91440" tIns="45720" rIns="91440" bIns="45720" rtlCol="0">
-            <a:normAutofit/>
-          </a:bodyPr>
-          <a:lstStyle/>
-          <a:p>
-            <a:pPr lvl="0">
-              <a:defRPr/>
-            </a:pPr>
-            <a:r>
-              <a:rPr lang="en-US"/>
-              <a:t>Click to edit Master text styles</a:t>
-            </a:r>
-            <a:endParaRPr/>
-          </a:p>
-          <a:p>
-            <a:pPr lvl="1">
-              <a:defRPr/>
-            </a:pPr>
-            <a:r>
-              <a:rPr lang="en-US"/>
-              <a:t>Second level</a:t>
-            </a:r>
-            <a:endParaRPr/>
-          </a:p>
-          <a:p>
-            <a:pPr lvl="2">
-              <a:defRPr/>
-            </a:pPr>
-            <a:r>
-              <a:rPr lang="en-US"/>
-              <a:t>Third level</a:t>
-            </a:r>
-            <a:endParaRPr/>
-          </a:p>
-          <a:p>
-            <a:pPr lvl="3">
-              <a:defRPr/>
-            </a:pPr>
-            <a:r>
-              <a:rPr lang="en-US"/>
-              <a:t>Fourth level</a:t>
-            </a:r>
-            <a:endParaRPr/>
-          </a:p>
-          <a:p>
-            <a:pPr lvl="4">
-              <a:defRPr/>
-            </a:pPr>
-            <a:r>
-              <a:rPr lang="en-US"/>
-              <a:t>Fifth level</a:t>
-            </a:r>
-            <a:endParaRPr lang="en-US"/>
-          </a:p>
-        </p:txBody>
-      </p:sp>
-      <p:sp>
-        <p:nvSpPr>
-          <p:cNvPr id="4" name="Date Placeholder 3" hidden="0"/>
-          <p:cNvSpPr>
-            <a:spLocks noGrp="1"/>
-          </p:cNvSpPr>
-          <p:nvPr isPhoto="0" userDrawn="0">
-            <p:ph type="dt" sz="half" idx="2" hasCustomPrompt="0"/>
-          </p:nvPr>
-        </p:nvSpPr>
-        <p:spPr bwMode="auto">
-          <a:xfrm>
-            <a:off x="838199" y="6356350"/>
-            <a:ext cx="2743200" cy="365125"/>
-          </a:xfrm>
-          <a:prstGeom prst="rect">
-            <a:avLst/>
-          </a:prstGeom>
-        </p:spPr>
-        <p:txBody>
-          <a:bodyPr vert="horz" lIns="91440" tIns="45720" rIns="91440" bIns="45720" rtlCol="0" anchor="ctr"/>
-          <a:lstStyle>
-            <a:lvl1pPr algn="l">
-              <a:defRPr sz="900">
-                <a:solidFill>
-                  <a:schemeClr val="tx1">
-                    <a:tint val="75000"/>
-                  </a:schemeClr>
-                </a:solidFill>
-              </a:defRPr>
-            </a:lvl1pPr>
-          </a:lstStyle>
-          <a:p>
-            <a:pPr>
-              <a:defRPr/>
-            </a:pPr>
-            <a:fld id="{BCC18F51-09EC-435C-A3BA-64A766E099C0}" type="datetimeFigureOut">
-              <a:rPr lang="ru-RU"/>
-              <a:t/>
-            </a:fld>
-            <a:endParaRPr lang="ru-RU"/>
-          </a:p>
-        </p:txBody>
-      </p:sp>
-      <p:sp>
-        <p:nvSpPr>
-          <p:cNvPr id="5" name="Footer Placeholder 4" hidden="0"/>
-          <p:cNvSpPr>
-            <a:spLocks noGrp="1"/>
-          </p:cNvSpPr>
-          <p:nvPr isPhoto="0" userDrawn="0">
-            <p:ph type="ftr" sz="quarter" idx="3" hasCustomPrompt="0"/>
-          </p:nvPr>
-        </p:nvSpPr>
-        <p:spPr bwMode="auto">
-          <a:xfrm>
-            <a:off x="4038599" y="6356350"/>
-            <a:ext cx="4114800" cy="365125"/>
-          </a:xfrm>
-          <a:prstGeom prst="rect">
-            <a:avLst/>
-          </a:prstGeom>
-        </p:spPr>
-        <p:txBody>
-          <a:bodyPr vert="horz" lIns="91440" tIns="45720" rIns="91440" bIns="45720" rtlCol="0" anchor="ctr"/>
-          <a:lstStyle>
-            <a:lvl1pPr algn="ctr">
-              <a:defRPr sz="900">
-                <a:solidFill>
-                  <a:schemeClr val="tx1">
-                    <a:tint val="75000"/>
-                  </a:schemeClr>
-                </a:solidFill>
-              </a:defRPr>
-            </a:lvl1pPr>
-          </a:lstStyle>
-          <a:p>
-            <a:pPr>
-              <a:defRPr/>
-            </a:pPr>
-            <a:endParaRPr lang="ru-RU"/>
-          </a:p>
-        </p:txBody>
-      </p:sp>
-      <p:sp>
-        <p:nvSpPr>
-          <p:cNvPr id="6" name="Slide Number Placeholder 5" hidden="0"/>
+          <p:cNvPr id="6" name="Номер слайда 5" hidden="0"/>
           <p:cNvSpPr>
             <a:spLocks noGrp="1"/>
           </p:cNvSpPr>
@@ -2851,8 +5810,8 @@
         </p:nvSpPr>
         <p:spPr bwMode="auto">
           <a:xfrm>
-            <a:off x="8610599" y="6356350"/>
-            <a:ext cx="2743200" cy="365125"/>
+            <a:off x="8592277" y="6356353"/>
+            <a:ext cx="2784309" cy="365125"/>
           </a:xfrm>
           <a:prstGeom prst="rect">
             <a:avLst/>
@@ -2862,12 +5821,13 @@
           <a:bodyPr vert="horz" lIns="91440" tIns="45720" rIns="91440" bIns="45720" rtlCol="0" anchor="ctr"/>
           <a:lstStyle>
             <a:lvl1pPr algn="r">
-              <a:defRPr sz="900">
+              <a:defRPr sz="1200">
                 <a:solidFill>
-                  <a:schemeClr val="tx1">
-                    <a:tint val="75000"/>
+                  <a:schemeClr val="accent6">
+                    <a:lumMod val="50000"/>
                   </a:schemeClr>
                 </a:solidFill>
+                <a:latin typeface="+mn-lt"/>
               </a:defRPr>
             </a:lvl1pPr>
           </a:lstStyle>
@@ -2875,7 +5835,7 @@
             <a:pPr>
               <a:defRPr/>
             </a:pPr>
-            <a:fld id="{08395586-F03A-48D1-94DF-16B239DF4FB5}" type="slidenum">
+            <a:fld id="{6A530004-958A-4E15-9840-E9741BECB0F3}" type="slidenum">
               <a:rPr lang="ru-RU"/>
               <a:t/>
             </a:fld>
@@ -2902,125 +5862,116 @@
   <p:hf dt="0" ftr="0" hdr="0" sldNum="0"/>
   <p:txStyles>
     <p:titleStyle>
-      <a:lvl1pPr algn="l" defTabSz="685800">
-        <a:lnSpc>
-          <a:spcPct val="90000"/>
-        </a:lnSpc>
+      <a:lvl1pPr algn="ctr" defTabSz="914400">
         <a:spcBef>
           <a:spcPts val="0"/>
         </a:spcBef>
         <a:buNone/>
-        <a:defRPr sz="3300">
+        <a:defRPr sz="4400" b="1">
           <a:solidFill>
-            <a:schemeClr val="tx1"/>
+            <a:schemeClr val="accent6">
+              <a:lumMod val="50000"/>
+            </a:schemeClr>
           </a:solidFill>
           <a:latin typeface="+mj-lt"/>
           <a:ea typeface="+mj-ea"/>
-          <a:cs typeface="+mj-cs"/>
+          <a:cs typeface="Arial"/>
         </a:defRPr>
       </a:lvl1pPr>
     </p:titleStyle>
     <p:bodyStyle>
-      <a:lvl1pPr marL="171450" indent="-171450" algn="l" defTabSz="685800">
-        <a:lnSpc>
-          <a:spcPct val="90000"/>
-        </a:lnSpc>
+      <a:lvl1pPr marL="342900" indent="-342900" algn="l" defTabSz="914400">
         <a:spcBef>
-          <a:spcPts val="749"/>
+          <a:spcPts val="0"/>
         </a:spcBef>
         <a:buFont typeface="Arial"/>
         <a:buChar char="•"/>
-        <a:defRPr sz="2100">
+        <a:defRPr sz="3200">
           <a:solidFill>
-            <a:schemeClr val="tx1"/>
+            <a:schemeClr val="accent6">
+              <a:lumMod val="50000"/>
+            </a:schemeClr>
           </a:solidFill>
           <a:latin typeface="+mn-lt"/>
           <a:ea typeface="+mn-ea"/>
           <a:cs typeface="+mn-cs"/>
         </a:defRPr>
       </a:lvl1pPr>
-      <a:lvl2pPr marL="514350" indent="-171450" algn="l" defTabSz="685800">
-        <a:lnSpc>
-          <a:spcPct val="90000"/>
-        </a:lnSpc>
+      <a:lvl2pPr marL="742950" indent="-285750" algn="l" defTabSz="914400">
         <a:spcBef>
-          <a:spcPts val="374"/>
+          <a:spcPts val="0"/>
         </a:spcBef>
         <a:buFont typeface="Arial"/>
-        <a:buChar char="•"/>
-        <a:defRPr sz="1800">
+        <a:buChar char="–"/>
+        <a:defRPr sz="2800">
           <a:solidFill>
-            <a:schemeClr val="tx1"/>
+            <a:schemeClr val="accent6">
+              <a:lumMod val="50000"/>
+            </a:schemeClr>
           </a:solidFill>
           <a:latin typeface="+mn-lt"/>
           <a:ea typeface="+mn-ea"/>
           <a:cs typeface="+mn-cs"/>
         </a:defRPr>
       </a:lvl2pPr>
-      <a:lvl3pPr marL="857250" indent="-171450" algn="l" defTabSz="685800">
-        <a:lnSpc>
-          <a:spcPct val="90000"/>
-        </a:lnSpc>
+      <a:lvl3pPr marL="1143000" indent="-228600" algn="l" defTabSz="914400">
         <a:spcBef>
-          <a:spcPts val="374"/>
+          <a:spcPts val="0"/>
         </a:spcBef>
         <a:buFont typeface="Arial"/>
         <a:buChar char="•"/>
-        <a:defRPr sz="1500">
+        <a:defRPr sz="2400">
           <a:solidFill>
-            <a:schemeClr val="tx1"/>
+            <a:schemeClr val="accent6">
+              <a:lumMod val="50000"/>
+            </a:schemeClr>
           </a:solidFill>
           <a:latin typeface="+mn-lt"/>
           <a:ea typeface="+mn-ea"/>
           <a:cs typeface="+mn-cs"/>
         </a:defRPr>
       </a:lvl3pPr>
-      <a:lvl4pPr marL="1200150" indent="-171450" algn="l" defTabSz="685800">
-        <a:lnSpc>
-          <a:spcPct val="90000"/>
-        </a:lnSpc>
+      <a:lvl4pPr marL="1600200" indent="-228600" algn="l" defTabSz="914400">
         <a:spcBef>
-          <a:spcPts val="374"/>
+          <a:spcPts val="0"/>
         </a:spcBef>
         <a:buFont typeface="Arial"/>
-        <a:buChar char="•"/>
-        <a:defRPr sz="1350">
+        <a:buChar char="–"/>
+        <a:defRPr sz="2000">
           <a:solidFill>
-            <a:schemeClr val="tx1"/>
+            <a:schemeClr val="accent6">
+              <a:lumMod val="50000"/>
+            </a:schemeClr>
           </a:solidFill>
           <a:latin typeface="+mn-lt"/>
           <a:ea typeface="+mn-ea"/>
           <a:cs typeface="+mn-cs"/>
         </a:defRPr>
       </a:lvl4pPr>
-      <a:lvl5pPr marL="1543050" indent="-171450" algn="l" defTabSz="685800">
-        <a:lnSpc>
-          <a:spcPct val="90000"/>
-        </a:lnSpc>
+      <a:lvl5pPr marL="2057400" indent="-228600" algn="l" defTabSz="914400">
         <a:spcBef>
-          <a:spcPts val="374"/>
+          <a:spcPts val="0"/>
         </a:spcBef>
         <a:buFont typeface="Arial"/>
-        <a:buChar char="•"/>
-        <a:defRPr sz="1350">
+        <a:buChar char="»"/>
+        <a:defRPr sz="2000">
           <a:solidFill>
-            <a:schemeClr val="tx1"/>
+            <a:schemeClr val="accent6">
+              <a:lumMod val="50000"/>
+            </a:schemeClr>
           </a:solidFill>
           <a:latin typeface="+mn-lt"/>
           <a:ea typeface="+mn-ea"/>
           <a:cs typeface="+mn-cs"/>
         </a:defRPr>
       </a:lvl5pPr>
-      <a:lvl6pPr marL="1885950" indent="-171450" algn="l" defTabSz="685800">
-        <a:lnSpc>
-          <a:spcPct val="90000"/>
-        </a:lnSpc>
+      <a:lvl6pPr marL="2514599" indent="-228600" algn="l" defTabSz="914400">
         <a:spcBef>
-          <a:spcPts val="374"/>
+          <a:spcPts val="0"/>
         </a:spcBef>
         <a:buFont typeface="Arial"/>
         <a:buChar char="•"/>
-        <a:defRPr sz="1350">
+        <a:defRPr sz="2000">
           <a:solidFill>
             <a:schemeClr val="tx1"/>
           </a:solidFill>
@@ -3029,16 +5980,13 @@
           <a:cs typeface="+mn-cs"/>
         </a:defRPr>
       </a:lvl6pPr>
-      <a:lvl7pPr marL="2228850" indent="-171450" algn="l" defTabSz="685800">
-        <a:lnSpc>
-          <a:spcPct val="90000"/>
-        </a:lnSpc>
+      <a:lvl7pPr marL="2971800" indent="-228600" algn="l" defTabSz="914400">
         <a:spcBef>
-          <a:spcPts val="374"/>
+          <a:spcPts val="0"/>
         </a:spcBef>
         <a:buFont typeface="Arial"/>
         <a:buChar char="•"/>
-        <a:defRPr sz="1350">
+        <a:defRPr sz="2000">
           <a:solidFill>
             <a:schemeClr val="tx1"/>
           </a:solidFill>
@@ -3047,16 +5995,13 @@
           <a:cs typeface="+mn-cs"/>
         </a:defRPr>
       </a:lvl7pPr>
-      <a:lvl8pPr marL="2571750" indent="-171450" algn="l" defTabSz="685800">
-        <a:lnSpc>
-          <a:spcPct val="90000"/>
-        </a:lnSpc>
+      <a:lvl8pPr marL="3429000" indent="-228600" algn="l" defTabSz="914400">
         <a:spcBef>
-          <a:spcPts val="374"/>
+          <a:spcPts val="0"/>
         </a:spcBef>
         <a:buFont typeface="Arial"/>
         <a:buChar char="•"/>
-        <a:defRPr sz="1350">
+        <a:defRPr sz="2000">
           <a:solidFill>
             <a:schemeClr val="tx1"/>
           </a:solidFill>
@@ -3065,16 +6010,13 @@
           <a:cs typeface="+mn-cs"/>
         </a:defRPr>
       </a:lvl8pPr>
-      <a:lvl9pPr marL="2914650" indent="-171450" algn="l" defTabSz="685800">
-        <a:lnSpc>
-          <a:spcPct val="90000"/>
-        </a:lnSpc>
+      <a:lvl9pPr marL="3886200" indent="-228600" algn="l" defTabSz="914400">
         <a:spcBef>
-          <a:spcPts val="374"/>
+          <a:spcPts val="0"/>
         </a:spcBef>
         <a:buFont typeface="Arial"/>
         <a:buChar char="•"/>
-        <a:defRPr sz="1350">
+        <a:defRPr sz="2000">
           <a:solidFill>
             <a:schemeClr val="tx1"/>
           </a:solidFill>
@@ -3086,10 +6028,10 @@
     </p:bodyStyle>
     <p:otherStyle>
       <a:defPPr>
-        <a:defRPr lang="en-US"/>
+        <a:defRPr lang="ru-RU"/>
       </a:defPPr>
-      <a:lvl1pPr marL="0" algn="l" defTabSz="685800">
-        <a:defRPr sz="1350">
+      <a:lvl1pPr marL="0" algn="l" defTabSz="914400">
+        <a:defRPr sz="1800">
           <a:solidFill>
             <a:schemeClr val="tx1"/>
           </a:solidFill>
@@ -3098,8 +6040,8 @@
           <a:cs typeface="+mn-cs"/>
         </a:defRPr>
       </a:lvl1pPr>
-      <a:lvl2pPr marL="342900" algn="l" defTabSz="685800">
-        <a:defRPr sz="1350">
+      <a:lvl2pPr marL="457200" algn="l" defTabSz="914400">
+        <a:defRPr sz="1800">
           <a:solidFill>
             <a:schemeClr val="tx1"/>
           </a:solidFill>
@@ -3108,8 +6050,8 @@
           <a:cs typeface="+mn-cs"/>
         </a:defRPr>
       </a:lvl2pPr>
-      <a:lvl3pPr marL="685800" algn="l" defTabSz="685800">
-        <a:defRPr sz="1350">
+      <a:lvl3pPr marL="914400" algn="l" defTabSz="914400">
+        <a:defRPr sz="1800">
           <a:solidFill>
             <a:schemeClr val="tx1"/>
           </a:solidFill>
@@ -3118,8 +6060,8 @@
           <a:cs typeface="+mn-cs"/>
         </a:defRPr>
       </a:lvl3pPr>
-      <a:lvl4pPr marL="1028700" algn="l" defTabSz="685800">
-        <a:defRPr sz="1350">
+      <a:lvl4pPr marL="1371600" algn="l" defTabSz="914400">
+        <a:defRPr sz="1800">
           <a:solidFill>
             <a:schemeClr val="tx1"/>
           </a:solidFill>
@@ -3128,8 +6070,8 @@
           <a:cs typeface="+mn-cs"/>
         </a:defRPr>
       </a:lvl4pPr>
-      <a:lvl5pPr marL="1371600" algn="l" defTabSz="685800">
-        <a:defRPr sz="1350">
+      <a:lvl5pPr marL="1828800" algn="l" defTabSz="914400">
+        <a:defRPr sz="1800">
           <a:solidFill>
             <a:schemeClr val="tx1"/>
           </a:solidFill>
@@ -3138,8 +6080,8 @@
           <a:cs typeface="+mn-cs"/>
         </a:defRPr>
       </a:lvl5pPr>
-      <a:lvl6pPr marL="1714500" algn="l" defTabSz="685800">
-        <a:defRPr sz="1350">
+      <a:lvl6pPr marL="2286000" algn="l" defTabSz="914400">
+        <a:defRPr sz="1800">
           <a:solidFill>
             <a:schemeClr val="tx1"/>
           </a:solidFill>
@@ -3148,8 +6090,8 @@
           <a:cs typeface="+mn-cs"/>
         </a:defRPr>
       </a:lvl6pPr>
-      <a:lvl7pPr marL="2057400" algn="l" defTabSz="685800">
-        <a:defRPr sz="1350">
+      <a:lvl7pPr marL="2743200" algn="l" defTabSz="914400">
+        <a:defRPr sz="1800">
           <a:solidFill>
             <a:schemeClr val="tx1"/>
           </a:solidFill>
@@ -3158,8 +6100,8 @@
           <a:cs typeface="+mn-cs"/>
         </a:defRPr>
       </a:lvl7pPr>
-      <a:lvl8pPr marL="2400300" algn="l" defTabSz="685800">
-        <a:defRPr sz="1350">
+      <a:lvl8pPr marL="3200400" algn="l" defTabSz="914400">
+        <a:defRPr sz="1800">
           <a:solidFill>
             <a:schemeClr val="tx1"/>
           </a:solidFill>
@@ -3168,8 +6110,8 @@
           <a:cs typeface="+mn-cs"/>
         </a:defRPr>
       </a:lvl8pPr>
-      <a:lvl9pPr marL="2743200" algn="l" defTabSz="685800">
-        <a:defRPr sz="1350">
+      <a:lvl9pPr marL="3657600" algn="l" defTabSz="914400">
+        <a:defRPr sz="1800">
           <a:solidFill>
             <a:schemeClr val="tx1"/>
           </a:solidFill>
@@ -3212,13 +6154,13 @@
         </p:nvSpPr>
         <p:spPr bwMode="auto">
           <a:xfrm flipH="0" flipV="0">
-            <a:off x="1523999" y="1014412"/>
-            <a:ext cx="9144000" cy="1247775"/>
+            <a:off x="1523998" y="1014411"/>
+            <a:ext cx="6549657" cy="1247774"/>
           </a:xfrm>
         </p:spPr>
         <p:txBody>
           <a:bodyPr vertOverflow="overflow" horzOverflow="clip" vert="horz" wrap="square" lIns="91440" tIns="45720" rIns="91440" bIns="45720" numCol="1" spcCol="0" rtlCol="0" fromWordArt="0" anchor="b" anchorCtr="0" forceAA="0" upright="0" compatLnSpc="0">
-            <a:normAutofit/>
+            <a:normAutofit fontScale="90000" lnSpcReduction="2000"/>
           </a:bodyPr>
           <a:lstStyle/>
           <a:p>
@@ -3227,6 +6169,11 @@
             </a:pPr>
             <a:r>
               <a:rPr lang="pt-BR" sz="3600">
+                <a:solidFill>
+                  <a:schemeClr val="accent6">
+                    <a:lumMod val="50000"/>
+                  </a:schemeClr>
+                </a:solidFill>
                 <a:latin typeface="Open Sans"/>
                 <a:ea typeface="Open Sans"/>
                 <a:cs typeface="Open Sans"/>
@@ -3234,9 +6181,11 @@
               <a:t>Aplicações do </a:t>
             </a:r>
             <a:r>
-              <a:rPr lang="pt-BR" sz="3600" b="0" i="1" u="none" strike="noStrike" cap="none" spc="0">
+              <a:rPr lang="pt-BR" sz="3600" b="1" i="1" u="none" strike="noStrike" cap="none" spc="0">
                 <a:solidFill>
-                  <a:schemeClr val="tx1"/>
+                  <a:schemeClr val="accent6">
+                    <a:lumMod val="50000"/>
+                  </a:schemeClr>
                 </a:solidFill>
                 <a:latin typeface="Open Sans"/>
                 <a:ea typeface="Open Sans"/>
@@ -3245,18 +6194,38 @@
               <a:t>framework </a:t>
             </a:r>
             <a:r>
-              <a:rPr lang="pt-BR" sz="3600" b="0" i="1" u="none" strike="noStrike" cap="none" spc="0">
+              <a:rPr lang="pt-BR" sz="3600" b="1" i="1" u="none" strike="noStrike" cap="none" spc="0">
                 <a:solidFill>
-                  <a:schemeClr val="tx1"/>
+                  <a:schemeClr val="accent6">
+                    <a:lumMod val="50000"/>
+                  </a:schemeClr>
                 </a:solidFill>
                 <a:latin typeface="Open Sans"/>
                 <a:ea typeface="Open Sans"/>
                 <a:cs typeface="Open Sans"/>
               </a:rPr>
-              <a:t>Jest </a:t>
+              <a:t>Jest</a:t>
+            </a:r>
+            <a:r>
+              <a:rPr lang="pt-BR" sz="3600" b="0" i="1" u="none" strike="noStrike" cap="none" spc="0">
+                <a:solidFill>
+                  <a:schemeClr val="accent6">
+                    <a:lumMod val="50000"/>
+                  </a:schemeClr>
+                </a:solidFill>
+                <a:latin typeface="Open Sans"/>
+                <a:ea typeface="Open Sans"/>
+                <a:cs typeface="Open Sans"/>
+              </a:rPr>
+              <a:t> </a:t>
             </a:r>
             <a:r>
               <a:rPr lang="pt-BR" sz="3600" i="0">
+                <a:solidFill>
+                  <a:schemeClr val="accent6">
+                    <a:lumMod val="50000"/>
+                  </a:schemeClr>
+                </a:solidFill>
                 <a:latin typeface="Open Sans"/>
                 <a:ea typeface="Open Sans"/>
                 <a:cs typeface="Open Sans"/>
@@ -3265,21 +6234,75 @@
             </a:r>
             <a:r>
               <a:rPr lang="pt-BR" sz="3600" i="1">
+                <a:solidFill>
+                  <a:schemeClr val="accent6">
+                    <a:lumMod val="50000"/>
+                  </a:schemeClr>
+                </a:solidFill>
                 <a:latin typeface="Open Sans"/>
                 <a:ea typeface="Open Sans"/>
                 <a:cs typeface="Open Sans"/>
               </a:rPr>
-              <a:t>unit testing</a:t>
-            </a:r>
-            <a:r>
-              <a:rPr lang="pt-BR" sz="3600" i="0">
+              <a:t>unit </a:t>
+            </a:r>
+            <a:r>
+              <a:rPr lang="pt-BR" sz="3600" i="1">
+                <a:solidFill>
+                  <a:schemeClr val="accent6">
+                    <a:lumMod val="50000"/>
+                  </a:schemeClr>
+                </a:solidFill>
                 <a:latin typeface="Open Sans"/>
                 <a:ea typeface="Open Sans"/>
                 <a:cs typeface="Open Sans"/>
               </a:rPr>
-              <a:t> em Javascript</a:t>
+              <a:t>testing</a:t>
+            </a:r>
+            <a:r>
+              <a:rPr lang="pt-BR" sz="3600" i="1">
+                <a:solidFill>
+                  <a:schemeClr val="accent6">
+                    <a:lumMod val="50000"/>
+                  </a:schemeClr>
+                </a:solidFill>
+                <a:latin typeface="Open Sans"/>
+                <a:ea typeface="Open Sans"/>
+                <a:cs typeface="Open Sans"/>
+              </a:rPr>
+              <a:t> </a:t>
+            </a:r>
+            <a:r>
+              <a:rPr lang="pt-BR" sz="3600" i="0">
+                <a:solidFill>
+                  <a:schemeClr val="accent6">
+                    <a:lumMod val="50000"/>
+                  </a:schemeClr>
+                </a:solidFill>
+                <a:latin typeface="Open Sans"/>
+                <a:ea typeface="Open Sans"/>
+                <a:cs typeface="Open Sans"/>
+              </a:rPr>
+              <a:t>em </a:t>
+            </a:r>
+            <a:r>
+              <a:rPr lang="pt-BR" sz="3600" i="1">
+                <a:solidFill>
+                  <a:schemeClr val="accent6">
+                    <a:lumMod val="50000"/>
+                  </a:schemeClr>
+                </a:solidFill>
+                <a:latin typeface="Open Sans"/>
+                <a:ea typeface="Open Sans"/>
+                <a:cs typeface="Open Sans"/>
+              </a:rPr>
+              <a:t>Javascript</a:t>
             </a:r>
             <a:endParaRPr sz="3600" i="0">
+              <a:solidFill>
+                <a:schemeClr val="accent6">
+                  <a:lumMod val="50000"/>
+                </a:schemeClr>
+              </a:solidFill>
               <a:latin typeface="Open Sans"/>
               <a:ea typeface="Open Sans"/>
               <a:cs typeface="Open Sans"/>
@@ -3297,6 +6320,80 @@
             <p:ph type="subTitle" idx="1" hasCustomPrompt="0"/>
           </p:nvPr>
         </p:nvSpPr>
+        <p:spPr bwMode="auto">
+          <a:xfrm flipH="0" flipV="0">
+            <a:off x="8692781" y="2597939"/>
+            <a:ext cx="3500437" cy="1661581"/>
+          </a:xfrm>
+        </p:spPr>
+        <p:txBody>
+          <a:bodyPr/>
+          <a:lstStyle/>
+          <a:p>
+            <a:pPr marL="0" indent="0">
+              <a:buFont typeface="Arial"/>
+              <a:buNone/>
+              <a:defRPr/>
+            </a:pPr>
+            <a:r>
+              <a:rPr lang="pt-BR" sz="1600" b="1">
+                <a:latin typeface="Open Sans"/>
+                <a:ea typeface="Open Sans"/>
+                <a:cs typeface="Open Sans"/>
+              </a:rPr>
+              <a:t>Mateus Mendonça Dias Rezende</a:t>
+            </a:r>
+            <a:endParaRPr sz="1600" b="1">
+              <a:latin typeface="Open Sans"/>
+              <a:ea typeface="Open Sans"/>
+              <a:cs typeface="Open Sans"/>
+            </a:endParaRPr>
+          </a:p>
+        </p:txBody>
+      </p:sp>
+    </p:spTree>
+  </p:cSld>
+  <p:clrMapOvr>
+    <a:masterClrMapping/>
+  </p:clrMapOvr>
+  <mc:AlternateContent xmlns:mc="http://schemas.openxmlformats.org/markup-compatibility/2006">
+    <mc:Choice xmlns:p14="http://schemas.microsoft.com/office/powerpoint/2010/main" Requires="p14">
+      <p:transition p14:dur="2000" advClick="1"/>
+    </mc:Choice>
+    <mc:Fallback>
+      <p:transition advClick="1"/>
+    </mc:Fallback>
+  </mc:AlternateContent>
+</p:sld>
+</file>
+
+<file path=ppt/slides/slide10.xml><?xml version="1.0" encoding="utf-8"?>
+<p:sld xmlns:a="http://schemas.openxmlformats.org/drawingml/2006/main" xmlns:r="http://schemas.openxmlformats.org/officeDocument/2006/relationships" xmlns:p="http://schemas.openxmlformats.org/presentationml/2006/main" xmlns:m="http://schemas.openxmlformats.org/officeDocument/2006/math" xmlns:w="http://schemas.openxmlformats.org/wordprocessingml/2006/main" showMasterPhAnim="0" show="1">
+  <p:cSld name="">
+    <p:spTree>
+      <p:nvGrpSpPr>
+        <p:cNvPr id="1" name="" hidden="0"/>
+        <p:cNvGrpSpPr/>
+        <p:nvPr isPhoto="0" userDrawn="0"/>
+      </p:nvGrpSpPr>
+      <p:grpSpPr bwMode="auto">
+        <a:xfrm>
+          <a:off x="0" y="0"/>
+          <a:ext cx="0" cy="0"/>
+          <a:chOff x="0" y="0"/>
+          <a:chExt cx="0" cy="0"/>
+        </a:xfrm>
+      </p:grpSpPr>
+      <p:sp>
+        <p:nvSpPr>
+          <p:cNvPr id="1382817542" name="Title 1" hidden="0"/>
+          <p:cNvSpPr>
+            <a:spLocks noGrp="1"/>
+          </p:cNvSpPr>
+          <p:nvPr isPhoto="0" userDrawn="0">
+            <p:ph type="title" hasCustomPrompt="0"/>
+          </p:nvPr>
+        </p:nvSpPr>
         <p:spPr bwMode="auto"/>
         <p:txBody>
           <a:bodyPr/>
@@ -3305,39 +6402,29 @@
             <a:pPr>
               <a:defRPr/>
             </a:pPr>
-            <a:endParaRPr sz="1800" b="1">
-              <a:latin typeface="Open Sans"/>
-              <a:ea typeface="Open Sans"/>
-              <a:cs typeface="Open Sans"/>
-            </a:endParaRPr>
-          </a:p>
+            <a:endParaRPr/>
+          </a:p>
+        </p:txBody>
+      </p:sp>
+      <p:sp>
+        <p:nvSpPr>
+          <p:cNvPr id="211061388" name="Content Placeholder 2" hidden="0"/>
+          <p:cNvSpPr>
+            <a:spLocks noGrp="1"/>
+          </p:cNvSpPr>
+          <p:nvPr isPhoto="0" userDrawn="0">
+            <p:ph idx="1" hasCustomPrompt="0"/>
+          </p:nvPr>
+        </p:nvSpPr>
+        <p:spPr bwMode="auto"/>
+        <p:txBody>
+          <a:bodyPr/>
+          <a:lstStyle/>
           <a:p>
             <a:pPr>
               <a:defRPr/>
             </a:pPr>
-            <a:endParaRPr sz="1800" b="1">
-              <a:latin typeface="Open Sans"/>
-              <a:ea typeface="Open Sans"/>
-              <a:cs typeface="Open Sans"/>
-            </a:endParaRPr>
-          </a:p>
-          <a:p>
-            <a:pPr>
-              <a:defRPr/>
-            </a:pPr>
-            <a:r>
-              <a:rPr lang="pt-BR" sz="1800" b="1">
-                <a:latin typeface="Open Sans"/>
-                <a:ea typeface="Open Sans"/>
-                <a:cs typeface="Open Sans"/>
-              </a:rPr>
-              <a:t>Estudante: Mateus Mendonça Dias Rezende</a:t>
-            </a:r>
-            <a:endParaRPr sz="1800" b="1">
-              <a:latin typeface="Open Sans"/>
-              <a:ea typeface="Open Sans"/>
-              <a:cs typeface="Open Sans"/>
-            </a:endParaRPr>
+            <a:endParaRPr/>
           </a:p>
         </p:txBody>
       </p:sp>
@@ -3398,7 +6485,23 @@
                 <a:ea typeface="Open Sans"/>
                 <a:cs typeface="Open Sans"/>
               </a:rPr>
-              <a:t>Por quê Jest?</a:t>
+              <a:t>Por quê </a:t>
+            </a:r>
+            <a:r>
+              <a:rPr sz="3600" i="1">
+                <a:latin typeface="Open Sans"/>
+                <a:ea typeface="Open Sans"/>
+                <a:cs typeface="Open Sans"/>
+              </a:rPr>
+              <a:t>Jest</a:t>
+            </a:r>
+            <a:r>
+              <a:rPr sz="3600">
+                <a:latin typeface="Open Sans"/>
+                <a:ea typeface="Open Sans"/>
+                <a:cs typeface="Open Sans"/>
+              </a:rPr>
+              <a:t>?</a:t>
             </a:r>
             <a:endParaRPr sz="3600">
               <a:latin typeface="Open Sans"/>
@@ -3678,7 +6781,7 @@
                 <a:ea typeface="Open Sans"/>
                 <a:cs typeface="Open Sans"/>
               </a:rPr>
-              <a:t>Variações </a:t>
+              <a:t>Suporte para </a:t>
             </a:r>
             <a:r>
               <a:rPr sz="1800" b="1" i="1">
@@ -3686,15 +6789,7 @@
                 <a:ea typeface="Open Sans"/>
                 <a:cs typeface="Open Sans"/>
               </a:rPr>
-              <a:t>Typescript </a:t>
-            </a:r>
-            <a:r>
-              <a:rPr sz="1800" b="1">
-                <a:latin typeface="Open Sans"/>
-                <a:ea typeface="Open Sans"/>
-                <a:cs typeface="Open Sans"/>
-              </a:rPr>
-              <a:t>dos casos acima</a:t>
+              <a:t>Typescript</a:t>
             </a:r>
             <a:endParaRPr sz="1800" b="1">
               <a:latin typeface="Open Sans"/>
@@ -3712,8 +6807,8 @@
         </p:nvSpPr>
         <p:spPr bwMode="auto">
           <a:xfrm>
-            <a:off x="14941109" y="3656964"/>
-            <a:ext cx="255348" cy="365795"/>
+            <a:off x="14941108" y="3656963"/>
+            <a:ext cx="255672" cy="365795"/>
           </a:xfrm>
         </p:spPr>
         <p:txBody>
@@ -3770,6 +6865,11 @@
 <file path=ppt/slides/slide3.xml><?xml version="1.0" encoding="utf-8"?>
 <p:sld xmlns:a="http://schemas.openxmlformats.org/drawingml/2006/main" xmlns:r="http://schemas.openxmlformats.org/officeDocument/2006/relationships" xmlns:p="http://schemas.openxmlformats.org/presentationml/2006/main" xmlns:m="http://schemas.openxmlformats.org/officeDocument/2006/math" xmlns:w="http://schemas.openxmlformats.org/wordprocessingml/2006/main" showMasterPhAnim="0" show="1">
   <p:cSld name="">
+    <p:bg>
+      <p:bgPr shadeToTitle="0">
+        <a:noFill/>
+      </p:bgPr>
+    </p:bg>
     <p:spTree>
       <p:nvGrpSpPr>
         <p:cNvPr id="1" name="" hidden="0"/>
@@ -3792,8 +6892,8 @@
         </p:nvSpPr>
         <p:spPr bwMode="auto">
           <a:xfrm flipH="0" flipV="0">
-            <a:off x="-25968417" y="-4083199"/>
-            <a:ext cx="46223" cy="365795"/>
+            <a:off x="-25968416" y="-4083198"/>
+            <a:ext cx="46546" cy="365795"/>
           </a:xfrm>
         </p:spPr>
         <p:txBody>
@@ -3809,9 +6909,103 @@
           </a:p>
         </p:txBody>
       </p:sp>
+      <p:sp>
+        <p:nvSpPr>
+          <p:cNvPr id="1187828023" name="Title 1" hidden="0"/>
+          <p:cNvSpPr>
+            <a:spLocks noGrp="1"/>
+          </p:cNvSpPr>
+          <p:nvPr isPhoto="0" userDrawn="0">
+            <p:ph type="title" hasCustomPrompt="0"/>
+          </p:nvPr>
+        </p:nvSpPr>
+        <p:spPr bwMode="auto"/>
+        <p:txBody>
+          <a:bodyPr/>
+          <a:lstStyle/>
+          <a:p>
+            <a:pPr>
+              <a:defRPr/>
+            </a:pPr>
+            <a:r>
+              <a:rPr sz="3600" i="1">
+                <a:latin typeface="Open Sans"/>
+                <a:ea typeface="Open Sans"/>
+                <a:cs typeface="Open Sans"/>
+              </a:rPr>
+              <a:t>Jest </a:t>
+            </a:r>
+            <a:r>
+              <a:rPr sz="3600">
+                <a:latin typeface="Open Sans"/>
+                <a:ea typeface="Open Sans"/>
+                <a:cs typeface="Open Sans"/>
+              </a:rPr>
+              <a:t>agora faz parte da </a:t>
+            </a:r>
+            <a:r>
+              <a:rPr sz="3600" i="1">
+                <a:latin typeface="Open Sans"/>
+                <a:ea typeface="Open Sans"/>
+                <a:cs typeface="Open Sans"/>
+              </a:rPr>
+              <a:t>OpenJS</a:t>
+            </a:r>
+            <a:endParaRPr sz="3600">
+              <a:latin typeface="Open Sans"/>
+              <a:ea typeface="Open Sans"/>
+              <a:cs typeface="Open Sans"/>
+            </a:endParaRPr>
+          </a:p>
+        </p:txBody>
+      </p:sp>
+      <p:sp>
+        <p:nvSpPr>
+          <p:cNvPr id="1776595132" name="Content Placeholder 2" hidden="0"/>
+          <p:cNvSpPr>
+            <a:spLocks noGrp="1"/>
+          </p:cNvSpPr>
+          <p:nvPr isPhoto="0" userDrawn="0">
+            <p:ph idx="1" hasCustomPrompt="0"/>
+          </p:nvPr>
+        </p:nvSpPr>
+        <p:spPr bwMode="auto">
+          <a:xfrm flipH="0" flipV="0">
+            <a:off x="838198" y="3730284"/>
+            <a:ext cx="10515600" cy="2710312"/>
+          </a:xfrm>
+        </p:spPr>
+        <p:txBody>
+          <a:bodyPr/>
+          <a:lstStyle/>
+          <a:p>
+            <a:pPr marL="0" indent="0">
+              <a:lnSpc>
+                <a:spcPct val="114999"/>
+              </a:lnSpc>
+              <a:buFont typeface="Arial"/>
+              <a:buNone/>
+              <a:defRPr/>
+            </a:pPr>
+            <a:r>
+              <a:rPr sz="2400">
+                <a:latin typeface="Open Sans"/>
+                <a:ea typeface="Open Sans"/>
+                <a:cs typeface="Open Sans"/>
+              </a:rPr>
+              <a:t>    Desde o dia 11/05/22, o projeto Jest deixou de fazer parte da Meta e se tornou propriedade da fundação OpenJS, como projeto de Impacto.</a:t>
+            </a:r>
+            <a:endParaRPr sz="2400">
+              <a:latin typeface="Open Sans"/>
+              <a:ea typeface="Open Sans"/>
+              <a:cs typeface="Open Sans"/>
+            </a:endParaRPr>
+          </a:p>
+        </p:txBody>
+      </p:sp>
       <p:pic>
         <p:nvPicPr>
-          <p:cNvPr id="411135350" name="" hidden="0"/>
+          <p:cNvPr id="1351487167" name="" hidden="0"/>
           <p:cNvPicPr>
             <a:picLocks noChangeAspect="1"/>
           </p:cNvPicPr>
@@ -3823,92 +7017,14 @@
         </p:blipFill>
         <p:spPr bwMode="auto">
           <a:xfrm flipH="0" flipV="0">
-            <a:off x="133134" y="1825624"/>
-            <a:ext cx="11925731" cy="1904659"/>
+            <a:off x="685992" y="2096866"/>
+            <a:ext cx="10690593" cy="1104946"/>
           </a:xfrm>
           <a:prstGeom prst="rect">
             <a:avLst/>
           </a:prstGeom>
         </p:spPr>
       </p:pic>
-      <p:sp>
-        <p:nvSpPr>
-          <p:cNvPr id="1187828023" name="Title 1" hidden="0"/>
-          <p:cNvSpPr>
-            <a:spLocks noGrp="1"/>
-          </p:cNvSpPr>
-          <p:nvPr isPhoto="0" userDrawn="0">
-            <p:ph type="title" hasCustomPrompt="0"/>
-          </p:nvPr>
-        </p:nvSpPr>
-        <p:spPr bwMode="auto"/>
-        <p:txBody>
-          <a:bodyPr/>
-          <a:lstStyle/>
-          <a:p>
-            <a:pPr>
-              <a:defRPr/>
-            </a:pPr>
-            <a:r>
-              <a:rPr sz="3600">
-                <a:latin typeface="Open Sans"/>
-                <a:ea typeface="Open Sans"/>
-                <a:cs typeface="Open Sans"/>
-              </a:rPr>
-              <a:t>Jest agora faz parte da OpenJS</a:t>
-            </a:r>
-            <a:endParaRPr sz="3600">
-              <a:latin typeface="Open Sans"/>
-              <a:ea typeface="Open Sans"/>
-              <a:cs typeface="Open Sans"/>
-            </a:endParaRPr>
-          </a:p>
-        </p:txBody>
-      </p:sp>
-      <p:sp>
-        <p:nvSpPr>
-          <p:cNvPr id="1776595132" name="Content Placeholder 2" hidden="0"/>
-          <p:cNvSpPr>
-            <a:spLocks noGrp="1"/>
-          </p:cNvSpPr>
-          <p:nvPr isPhoto="0" userDrawn="0">
-            <p:ph idx="1" hasCustomPrompt="0"/>
-          </p:nvPr>
-        </p:nvSpPr>
-        <p:spPr bwMode="auto">
-          <a:xfrm flipH="0" flipV="0">
-            <a:off x="838199" y="3730284"/>
-            <a:ext cx="10515600" cy="2710313"/>
-          </a:xfrm>
-        </p:spPr>
-        <p:txBody>
-          <a:bodyPr/>
-          <a:lstStyle/>
-          <a:p>
-            <a:pPr marL="0" indent="0">
-              <a:lnSpc>
-                <a:spcPct val="114999"/>
-              </a:lnSpc>
-              <a:buFont typeface="Arial"/>
-              <a:buNone/>
-              <a:defRPr/>
-            </a:pPr>
-            <a:r>
-              <a:rPr sz="2400">
-                <a:latin typeface="Open Sans"/>
-                <a:ea typeface="Open Sans"/>
-                <a:cs typeface="Open Sans"/>
-              </a:rPr>
-              <a:t>    Desde o dia 11/05/22, o projeto Jest deixou de fazer parte da Meta e se tornou propriedade da fundação OpenJS, como projeto de Impacto.</a:t>
-            </a:r>
-            <a:endParaRPr sz="2400">
-              <a:latin typeface="Open Sans"/>
-              <a:ea typeface="Open Sans"/>
-              <a:cs typeface="Open Sans"/>
-            </a:endParaRPr>
-          </a:p>
-        </p:txBody>
-      </p:sp>
     </p:spTree>
   </p:cSld>
   <p:clrMapOvr>
@@ -3944,7 +7060,7 @@
       </p:grpSpPr>
       <p:sp>
         <p:nvSpPr>
-          <p:cNvPr id="2020141032" name="Title 1" hidden="0"/>
+          <p:cNvPr id="992974298" name="Title 1" hidden="0"/>
           <p:cNvSpPr>
             <a:spLocks noGrp="1"/>
           </p:cNvSpPr>
@@ -3960,18 +7076,263 @@
             <a:pPr>
               <a:defRPr/>
             </a:pPr>
-            <a:endParaRPr/>
+            <a:r>
+              <a:rPr sz="3600">
+                <a:latin typeface="Open Sans"/>
+                <a:ea typeface="Open Sans"/>
+                <a:cs typeface="Open Sans"/>
+              </a:rPr>
+              <a:t>Como são os testes usando </a:t>
+            </a:r>
+            <a:r>
+              <a:rPr sz="3600" i="1">
+                <a:latin typeface="Open Sans"/>
+                <a:ea typeface="Open Sans"/>
+                <a:cs typeface="Open Sans"/>
+              </a:rPr>
+              <a:t>Jest</a:t>
+            </a:r>
+            <a:r>
+              <a:rPr sz="3600">
+                <a:latin typeface="Open Sans"/>
+                <a:ea typeface="Open Sans"/>
+                <a:cs typeface="Open Sans"/>
+              </a:rPr>
+              <a:t>?</a:t>
+            </a:r>
+            <a:endParaRPr sz="3600">
+              <a:latin typeface="Open Sans"/>
+              <a:ea typeface="Open Sans"/>
+              <a:cs typeface="Open Sans"/>
+            </a:endParaRPr>
           </a:p>
         </p:txBody>
       </p:sp>
       <p:sp>
         <p:nvSpPr>
-          <p:cNvPr id="1787050604" name="Content Placeholder 2" hidden="0"/>
+          <p:cNvPr id="572286433" name="Content Placeholder 2" hidden="0"/>
           <p:cNvSpPr>
             <a:spLocks noGrp="1"/>
           </p:cNvSpPr>
           <p:nvPr isPhoto="0" userDrawn="0">
             <p:ph idx="1" hasCustomPrompt="0"/>
+          </p:nvPr>
+        </p:nvSpPr>
+        <p:spPr bwMode="auto"/>
+        <p:txBody>
+          <a:bodyPr vertOverflow="overflow" horzOverflow="clip" vert="horz" wrap="square" lIns="91440" tIns="45720" rIns="91440" bIns="45720" numCol="1" spcCol="0" rtlCol="0" fromWordArt="0" anchor="t" anchorCtr="0" forceAA="0" upright="0" compatLnSpc="0">
+            <a:normAutofit fontScale="75000" lnSpcReduction="5000"/>
+          </a:bodyPr>
+          <a:lstStyle/>
+          <a:p>
+            <a:pPr>
+              <a:defRPr/>
+            </a:pPr>
+            <a:r>
+              <a:rPr/>
+              <a:t>  A forma mais comum de declarar um teste é através de </a:t>
+            </a:r>
+            <a:r>
+              <a:rPr i="1"/>
+              <a:t>callbacks</a:t>
+            </a:r>
+            <a:r>
+              <a:rPr/>
+              <a:t>, da forma:</a:t>
+            </a:r>
+            <a:endParaRPr/>
+          </a:p>
+          <a:p>
+            <a:pPr>
+              <a:defRPr/>
+            </a:pPr>
+            <a:endParaRPr/>
+          </a:p>
+          <a:p>
+            <a:pPr>
+              <a:defRPr/>
+            </a:pPr>
+            <a:endParaRPr/>
+          </a:p>
+          <a:p>
+            <a:pPr>
+              <a:defRPr/>
+            </a:pPr>
+            <a:endParaRPr/>
+          </a:p>
+          <a:p>
+            <a:pPr>
+              <a:defRPr/>
+            </a:pPr>
+            <a:endParaRPr/>
+          </a:p>
+          <a:p>
+            <a:pPr>
+              <a:defRPr/>
+            </a:pPr>
+            <a:endParaRPr/>
+          </a:p>
+          <a:p>
+            <a:pPr>
+              <a:defRPr/>
+            </a:pPr>
+            <a:endParaRPr/>
+          </a:p>
+          <a:p>
+            <a:pPr lvl="1">
+              <a:buFont typeface="Arial"/>
+              <a:buChar char="•"/>
+              <a:defRPr/>
+            </a:pPr>
+            <a:r>
+              <a:rPr/>
+              <a:t>  Dentro das chamadas de função, podem ser feitas várias verificações utilizando todos os recursos da linguagem: </a:t>
+            </a:r>
+            <a:r>
+              <a:rPr i="1"/>
+              <a:t>loops</a:t>
+            </a:r>
+            <a:r>
+              <a:rPr/>
+              <a:t>, uso de bibliotecas de terceiros, etc.</a:t>
+            </a:r>
+            <a:endParaRPr/>
+          </a:p>
+          <a:p>
+            <a:pPr lvl="1">
+              <a:buFont typeface="Arial"/>
+              <a:buChar char="•"/>
+              <a:defRPr/>
+            </a:pPr>
+            <a:endParaRPr/>
+          </a:p>
+          <a:p>
+            <a:pPr lvl="1">
+              <a:buFont typeface="Arial"/>
+              <a:buChar char="•"/>
+              <a:defRPr/>
+            </a:pPr>
+            <a:r>
+              <a:rPr/>
+              <a:t>  O escopo das funções anônimas garante que os testes serão isolados entre si.</a:t>
+            </a:r>
+            <a:endParaRPr/>
+          </a:p>
+        </p:txBody>
+      </p:sp>
+      <p:sp>
+        <p:nvSpPr>
+          <p:cNvPr id="2120093347" name="" hidden="0"/>
+          <p:cNvSpPr/>
+          <p:nvPr isPhoto="0" userDrawn="0"/>
+        </p:nvSpPr>
+        <p:spPr bwMode="auto">
+          <a:xfrm flipH="0" flipV="0">
+            <a:off x="8667406" y="5811166"/>
+            <a:ext cx="246166" cy="365795"/>
+          </a:xfrm>
+        </p:spPr>
+        <p:txBody>
+          <a:bodyPr rot="0" spcFirstLastPara="0" vertOverflow="overflow" horzOverflow="clip" vert="horz" wrap="square" lIns="91440" tIns="45720" rIns="91440" bIns="45720" numCol="1" spcCol="0" rtlCol="0" fromWordArt="0" anchor="t" anchorCtr="0" forceAA="0" upright="0" compatLnSpc="1">
+            <a:prstTxWarp prst="textNoShape"/>
+            <a:spAutoFit/>
+          </a:bodyPr>
+          <a:p>
+            <a:pPr>
+              <a:defRPr/>
+            </a:pPr>
+            <a:endParaRPr/>
+          </a:p>
+        </p:txBody>
+      </p:sp>
+      <p:pic>
+        <p:nvPicPr>
+          <p:cNvPr id="233326476" name="" hidden="0"/>
+          <p:cNvPicPr>
+            <a:picLocks noChangeAspect="1"/>
+          </p:cNvPicPr>
+          <p:nvPr isPhoto="0" userDrawn="0"/>
+        </p:nvPicPr>
+        <p:blipFill>
+          <a:blip r:embed="rId2"/>
+          <a:stretch/>
+        </p:blipFill>
+        <p:spPr bwMode="auto">
+          <a:xfrm flipH="0" flipV="0">
+            <a:off x="3344823" y="2383498"/>
+            <a:ext cx="6292060" cy="1721412"/>
+          </a:xfrm>
+          <a:prstGeom prst="rect">
+            <a:avLst/>
+          </a:prstGeom>
+        </p:spPr>
+      </p:pic>
+      <p:sp>
+        <p:nvSpPr>
+          <p:cNvPr id="2115757576" name="" hidden="0"/>
+          <p:cNvSpPr/>
+          <p:nvPr isPhoto="0" userDrawn="0"/>
+        </p:nvSpPr>
+        <p:spPr bwMode="auto">
+          <a:xfrm flipH="0" flipV="0">
+            <a:off x="8566974" y="7344339"/>
+            <a:ext cx="201187" cy="365795"/>
+          </a:xfrm>
+        </p:spPr>
+        <p:txBody>
+          <a:bodyPr rot="0" spcFirstLastPara="0" vertOverflow="overflow" horzOverflow="clip" vert="horz" wrap="square" lIns="91440" tIns="45720" rIns="91440" bIns="45720" numCol="1" spcCol="0" rtlCol="0" fromWordArt="0" anchor="t" anchorCtr="0" forceAA="0" upright="0" compatLnSpc="1">
+            <a:prstTxWarp prst="textNoShape"/>
+            <a:spAutoFit/>
+          </a:bodyPr>
+          <a:p>
+            <a:pPr>
+              <a:defRPr/>
+            </a:pPr>
+            <a:endParaRPr/>
+          </a:p>
+        </p:txBody>
+      </p:sp>
+    </p:spTree>
+  </p:cSld>
+  <p:clrMapOvr>
+    <a:masterClrMapping/>
+  </p:clrMapOvr>
+  <mc:AlternateContent xmlns:mc="http://schemas.openxmlformats.org/markup-compatibility/2006">
+    <mc:Choice xmlns:p14="http://schemas.microsoft.com/office/powerpoint/2010/main" Requires="p14">
+      <p:transition p14:dur="2000" advClick="1"/>
+    </mc:Choice>
+    <mc:Fallback>
+      <p:transition advClick="1"/>
+    </mc:Fallback>
+  </mc:AlternateContent>
+</p:sld>
+</file>
+
+<file path=ppt/slides/slide5.xml><?xml version="1.0" encoding="utf-8"?>
+<p:sld xmlns:a="http://schemas.openxmlformats.org/drawingml/2006/main" xmlns:r="http://schemas.openxmlformats.org/officeDocument/2006/relationships" xmlns:p="http://schemas.openxmlformats.org/presentationml/2006/main" xmlns:m="http://schemas.openxmlformats.org/officeDocument/2006/math" xmlns:w="http://schemas.openxmlformats.org/wordprocessingml/2006/main" showMasterPhAnim="0" show="1">
+  <p:cSld name="">
+    <p:spTree>
+      <p:nvGrpSpPr>
+        <p:cNvPr id="1" name="" hidden="0"/>
+        <p:cNvGrpSpPr/>
+        <p:nvPr isPhoto="0" userDrawn="0"/>
+      </p:nvGrpSpPr>
+      <p:grpSpPr bwMode="auto">
+        <a:xfrm>
+          <a:off x="0" y="0"/>
+          <a:ext cx="0" cy="0"/>
+          <a:chOff x="0" y="0"/>
+          <a:chExt cx="0" cy="0"/>
+        </a:xfrm>
+      </p:grpSpPr>
+      <p:sp>
+        <p:nvSpPr>
+          <p:cNvPr id="1285090121" name="Title 1" hidden="0"/>
+          <p:cNvSpPr>
+            <a:spLocks noGrp="1"/>
+          </p:cNvSpPr>
+          <p:nvPr isPhoto="0" userDrawn="0">
+            <p:ph type="title" hasCustomPrompt="0"/>
           </p:nvPr>
         </p:nvSpPr>
         <p:spPr bwMode="auto"/>
@@ -3982,10 +7343,1380 @@
             <a:pPr>
               <a:defRPr/>
             </a:pPr>
+            <a:r>
+              <a:rPr i="1"/>
+              <a:t>Matchers </a:t>
+            </a:r>
+            <a:r>
+              <a:rPr/>
+              <a:t>comuns</a:t>
+            </a:r>
             <a:endParaRPr/>
           </a:p>
         </p:txBody>
       </p:sp>
+      <p:sp>
+        <p:nvSpPr>
+          <p:cNvPr id="1819936130" name="Content Placeholder 2" hidden="0"/>
+          <p:cNvSpPr>
+            <a:spLocks noGrp="1"/>
+          </p:cNvSpPr>
+          <p:nvPr isPhoto="0" userDrawn="0">
+            <p:ph idx="1" hasCustomPrompt="0"/>
+          </p:nvPr>
+        </p:nvSpPr>
+        <p:spPr bwMode="auto"/>
+        <p:txBody>
+          <a:bodyPr/>
+          <a:lstStyle/>
+          <a:p>
+            <a:pPr>
+              <a:defRPr/>
+            </a:pPr>
+            <a:r>
+              <a:rPr sz="2400">
+                <a:latin typeface="Open Sans"/>
+                <a:ea typeface="Open Sans"/>
+                <a:cs typeface="Open Sans"/>
+              </a:rPr>
+              <a:t>  Assim como no </a:t>
+            </a:r>
+            <a:r>
+              <a:rPr sz="2400" i="1">
+                <a:latin typeface="Open Sans"/>
+                <a:ea typeface="Open Sans"/>
+                <a:cs typeface="Open Sans"/>
+              </a:rPr>
+              <a:t>JUnit</a:t>
+            </a:r>
+            <a:r>
+              <a:rPr sz="2400">
+                <a:latin typeface="Open Sans"/>
+                <a:ea typeface="Open Sans"/>
+                <a:cs typeface="Open Sans"/>
+              </a:rPr>
+              <a:t>, existem diversas verificações que definem o valor de retorno do teste:</a:t>
+            </a:r>
+            <a:endParaRPr sz="2400">
+              <a:latin typeface="Open Sans"/>
+              <a:ea typeface="Open Sans"/>
+              <a:cs typeface="Open Sans"/>
+            </a:endParaRPr>
+          </a:p>
+          <a:p>
+            <a:pPr>
+              <a:defRPr/>
+            </a:pPr>
+            <a:endParaRPr sz="2400">
+              <a:latin typeface="Open Sans"/>
+              <a:ea typeface="Open Sans"/>
+              <a:cs typeface="Open Sans"/>
+            </a:endParaRPr>
+          </a:p>
+          <a:p>
+            <a:pPr marL="457200" lvl="1" indent="0" algn="ctr">
+              <a:buFont typeface="Courier New"/>
+              <a:buNone/>
+              <a:defRPr/>
+            </a:pPr>
+            <a:r>
+              <a:rPr sz="2400">
+                <a:latin typeface="Open Sans"/>
+                <a:ea typeface="Open Sans"/>
+                <a:cs typeface="Open Sans"/>
+              </a:rPr>
+              <a:t>Por exemplo: </a:t>
+            </a:r>
+            <a:r>
+              <a:rPr sz="2400" i="1">
+                <a:latin typeface="Open Sans"/>
+                <a:ea typeface="Open Sans"/>
+                <a:cs typeface="Open Sans"/>
+              </a:rPr>
+              <a:t>expect.toBe</a:t>
+            </a:r>
+            <a:r>
+              <a:rPr sz="2400">
+                <a:latin typeface="Open Sans"/>
+                <a:ea typeface="Open Sans"/>
+                <a:cs typeface="Open Sans"/>
+              </a:rPr>
+              <a:t> checa por uma correspondência exata:</a:t>
+            </a:r>
+            <a:endParaRPr sz="2400">
+              <a:latin typeface="Open Sans"/>
+              <a:ea typeface="Open Sans"/>
+              <a:cs typeface="Open Sans"/>
+            </a:endParaRPr>
+          </a:p>
+        </p:txBody>
+      </p:sp>
+      <p:sp>
+        <p:nvSpPr>
+          <p:cNvPr id="1126102005" name="" hidden="0"/>
+          <p:cNvSpPr/>
+          <p:nvPr isPhoto="0" userDrawn="0"/>
+        </p:nvSpPr>
+        <p:spPr bwMode="auto">
+          <a:xfrm>
+            <a:off x="5968559" y="3291840"/>
+            <a:ext cx="254916" cy="365795"/>
+          </a:xfrm>
+        </p:spPr>
+        <p:txBody>
+          <a:bodyPr rot="0" spcFirstLastPara="0" vertOverflow="overflow" horzOverflow="clip" vert="horz" wrap="square" lIns="91440" tIns="45720" rIns="91440" bIns="45720" numCol="1" spcCol="0" rtlCol="0" fromWordArt="0" anchor="t" anchorCtr="0" forceAA="0" upright="0" compatLnSpc="1">
+            <a:prstTxWarp prst="textNoShape"/>
+            <a:spAutoFit/>
+          </a:bodyPr>
+          <a:p>
+            <a:pPr>
+              <a:defRPr/>
+            </a:pPr>
+            <a:endParaRPr/>
+          </a:p>
+        </p:txBody>
+      </p:sp>
+      <p:pic>
+        <p:nvPicPr>
+          <p:cNvPr id="13294463" name="" hidden="0"/>
+          <p:cNvPicPr>
+            <a:picLocks noChangeAspect="1"/>
+          </p:cNvPicPr>
+          <p:nvPr isPhoto="0" userDrawn="0"/>
+        </p:nvPicPr>
+        <p:blipFill>
+          <a:blip r:embed="rId2"/>
+          <a:stretch/>
+        </p:blipFill>
+        <p:spPr bwMode="auto">
+          <a:xfrm>
+            <a:off x="2151538" y="3926416"/>
+            <a:ext cx="8143875" cy="2543175"/>
+          </a:xfrm>
+          <a:prstGeom prst="rect">
+            <a:avLst/>
+          </a:prstGeom>
+        </p:spPr>
+      </p:pic>
+    </p:spTree>
+  </p:cSld>
+  <p:clrMapOvr>
+    <a:masterClrMapping/>
+  </p:clrMapOvr>
+  <mc:AlternateContent xmlns:mc="http://schemas.openxmlformats.org/markup-compatibility/2006">
+    <mc:Choice xmlns:p14="http://schemas.microsoft.com/office/powerpoint/2010/main" Requires="p14">
+      <p:transition p14:dur="2000" advClick="1"/>
+    </mc:Choice>
+    <mc:Fallback>
+      <p:transition advClick="1"/>
+    </mc:Fallback>
+  </mc:AlternateContent>
+</p:sld>
+</file>
+
+<file path=ppt/slides/slide6.xml><?xml version="1.0" encoding="utf-8"?>
+<p:sld xmlns:a="http://schemas.openxmlformats.org/drawingml/2006/main" xmlns:r="http://schemas.openxmlformats.org/officeDocument/2006/relationships" xmlns:p="http://schemas.openxmlformats.org/presentationml/2006/main" xmlns:m="http://schemas.openxmlformats.org/officeDocument/2006/math" xmlns:w="http://schemas.openxmlformats.org/wordprocessingml/2006/main" showMasterPhAnim="0" show="1">
+  <p:cSld name="">
+    <p:spTree>
+      <p:nvGrpSpPr>
+        <p:cNvPr id="1" name="" hidden="0"/>
+        <p:cNvGrpSpPr/>
+        <p:nvPr isPhoto="0" userDrawn="0"/>
+      </p:nvGrpSpPr>
+      <p:grpSpPr bwMode="auto">
+        <a:xfrm>
+          <a:off x="0" y="0"/>
+          <a:ext cx="0" cy="0"/>
+          <a:chOff x="0" y="0"/>
+          <a:chExt cx="0" cy="0"/>
+        </a:xfrm>
+      </p:grpSpPr>
+      <p:sp>
+        <p:nvSpPr>
+          <p:cNvPr id="233720102" name="Объект 2" hidden="0"/>
+          <p:cNvSpPr>
+            <a:spLocks noGrp="1"/>
+          </p:cNvSpPr>
+          <p:nvPr isPhoto="0" userDrawn="0">
+            <p:ph idx="1" hasCustomPrompt="0"/>
+          </p:nvPr>
+        </p:nvSpPr>
+        <p:spPr bwMode="auto">
+          <a:xfrm flipH="0" flipV="0">
+            <a:off x="799253" y="814916"/>
+            <a:ext cx="10577333" cy="5311249"/>
+          </a:xfrm>
+        </p:spPr>
+        <p:txBody>
+          <a:bodyPr vertOverflow="overflow" horzOverflow="clip" vert="horz" wrap="square" lIns="91440" tIns="45720" rIns="91440" bIns="45720" numCol="1" spcCol="0" rtlCol="0" fromWordArt="0" anchor="t" anchorCtr="0" forceAA="0" upright="0" compatLnSpc="0">
+            <a:normAutofit fontScale="95000" lnSpcReduction="1000"/>
+          </a:bodyPr>
+          <a:lstStyle/>
+          <a:p>
+            <a:pPr>
+              <a:defRPr/>
+            </a:pPr>
+            <a:r>
+              <a:rPr sz="2800" b="1">
+                <a:solidFill>
+                  <a:schemeClr val="accent6">
+                    <a:lumMod val="50000"/>
+                  </a:schemeClr>
+                </a:solidFill>
+                <a:latin typeface="Open Sans"/>
+                <a:ea typeface="Open Sans"/>
+                <a:cs typeface="Open Sans"/>
+              </a:rPr>
+              <a:t>expect:</a:t>
+            </a:r>
+            <a:endParaRPr sz="2800" b="1">
+              <a:solidFill>
+                <a:schemeClr val="accent6">
+                  <a:lumMod val="50000"/>
+                </a:schemeClr>
+              </a:solidFill>
+              <a:latin typeface="Open Sans"/>
+              <a:ea typeface="Open Sans"/>
+              <a:cs typeface="Open Sans"/>
+            </a:endParaRPr>
+          </a:p>
+          <a:p>
+            <a:pPr lvl="1">
+              <a:lnSpc>
+                <a:spcPct val="114999"/>
+              </a:lnSpc>
+              <a:buFont typeface="Courier New"/>
+              <a:buChar char="o"/>
+              <a:defRPr/>
+            </a:pPr>
+            <a:r>
+              <a:rPr sz="2000">
+                <a:solidFill>
+                  <a:schemeClr val="accent6">
+                    <a:lumMod val="50000"/>
+                  </a:schemeClr>
+                </a:solidFill>
+                <a:latin typeface="Open Sans"/>
+                <a:ea typeface="Open Sans"/>
+                <a:cs typeface="Open Sans"/>
+              </a:rPr>
+              <a:t>toEqual(objeto), para correspondências recursivas</a:t>
+            </a:r>
+            <a:endParaRPr sz="2000">
+              <a:solidFill>
+                <a:schemeClr val="accent6">
+                  <a:lumMod val="50000"/>
+                </a:schemeClr>
+              </a:solidFill>
+              <a:latin typeface="Open Sans"/>
+              <a:ea typeface="Open Sans"/>
+              <a:cs typeface="Open Sans"/>
+            </a:endParaRPr>
+          </a:p>
+          <a:p>
+            <a:pPr lvl="1">
+              <a:lnSpc>
+                <a:spcPct val="114999"/>
+              </a:lnSpc>
+              <a:buFont typeface="Courier New"/>
+              <a:buChar char="o"/>
+              <a:defRPr/>
+            </a:pPr>
+            <a:r>
+              <a:rPr sz="2000">
+                <a:solidFill>
+                  <a:schemeClr val="accent6">
+                    <a:lumMod val="50000"/>
+                  </a:schemeClr>
+                </a:solidFill>
+                <a:latin typeface="Open Sans"/>
+                <a:ea typeface="Open Sans"/>
+                <a:cs typeface="Open Sans"/>
+              </a:rPr>
+              <a:t>toBeNull()</a:t>
+            </a:r>
+            <a:endParaRPr sz="2000">
+              <a:solidFill>
+                <a:schemeClr val="accent6">
+                  <a:lumMod val="50000"/>
+                </a:schemeClr>
+              </a:solidFill>
+              <a:latin typeface="Open Sans"/>
+              <a:ea typeface="Open Sans"/>
+              <a:cs typeface="Open Sans"/>
+            </a:endParaRPr>
+          </a:p>
+          <a:p>
+            <a:pPr lvl="1">
+              <a:lnSpc>
+                <a:spcPct val="114999"/>
+              </a:lnSpc>
+              <a:buFont typeface="Courier New"/>
+              <a:buChar char="o"/>
+              <a:defRPr/>
+            </a:pPr>
+            <a:r>
+              <a:rPr sz="2000">
+                <a:solidFill>
+                  <a:schemeClr val="accent6">
+                    <a:lumMod val="50000"/>
+                  </a:schemeClr>
+                </a:solidFill>
+                <a:latin typeface="Open Sans"/>
+                <a:ea typeface="Open Sans"/>
+                <a:cs typeface="Open Sans"/>
+              </a:rPr>
+              <a:t>toBeUndefined()</a:t>
+            </a:r>
+            <a:endParaRPr sz="2000">
+              <a:solidFill>
+                <a:schemeClr val="accent6">
+                  <a:lumMod val="50000"/>
+                </a:schemeClr>
+              </a:solidFill>
+              <a:latin typeface="Open Sans"/>
+              <a:ea typeface="Open Sans"/>
+              <a:cs typeface="Open Sans"/>
+            </a:endParaRPr>
+          </a:p>
+          <a:p>
+            <a:pPr lvl="1">
+              <a:lnSpc>
+                <a:spcPct val="114999"/>
+              </a:lnSpc>
+              <a:buFont typeface="Courier New"/>
+              <a:buChar char="o"/>
+              <a:defRPr/>
+            </a:pPr>
+            <a:r>
+              <a:rPr sz="2000">
+                <a:solidFill>
+                  <a:schemeClr val="accent6">
+                    <a:lumMod val="50000"/>
+                  </a:schemeClr>
+                </a:solidFill>
+                <a:latin typeface="Open Sans"/>
+                <a:ea typeface="Open Sans"/>
+                <a:cs typeface="Open Sans"/>
+              </a:rPr>
+              <a:t>toBeGreaterThan(número)</a:t>
+            </a:r>
+            <a:endParaRPr sz="2000">
+              <a:solidFill>
+                <a:schemeClr val="accent6">
+                  <a:lumMod val="50000"/>
+                </a:schemeClr>
+              </a:solidFill>
+              <a:latin typeface="Open Sans"/>
+              <a:ea typeface="Open Sans"/>
+              <a:cs typeface="Open Sans"/>
+            </a:endParaRPr>
+          </a:p>
+          <a:p>
+            <a:pPr lvl="1">
+              <a:lnSpc>
+                <a:spcPct val="114999"/>
+              </a:lnSpc>
+              <a:buFont typeface="Courier New"/>
+              <a:buChar char="o"/>
+              <a:defRPr/>
+            </a:pPr>
+            <a:r>
+              <a:rPr sz="2000" b="0" i="0" u="none">
+                <a:solidFill>
+                  <a:schemeClr val="accent6">
+                    <a:lumMod val="50000"/>
+                  </a:schemeClr>
+                </a:solidFill>
+                <a:latin typeface="Open Sans"/>
+                <a:ea typeface="Open Sans"/>
+                <a:cs typeface="Open Sans"/>
+              </a:rPr>
+              <a:t>toBeGreaterThanOrEqual</a:t>
+            </a:r>
+            <a:r>
+              <a:rPr sz="2000">
+                <a:solidFill>
+                  <a:schemeClr val="accent6">
+                    <a:lumMod val="50000"/>
+                  </a:schemeClr>
+                </a:solidFill>
+                <a:latin typeface="Open Sans"/>
+                <a:ea typeface="Open Sans"/>
+                <a:cs typeface="Open Sans"/>
+              </a:rPr>
+              <a:t>(número)</a:t>
+            </a:r>
+            <a:endParaRPr sz="2000">
+              <a:solidFill>
+                <a:schemeClr val="accent6">
+                  <a:lumMod val="50000"/>
+                </a:schemeClr>
+              </a:solidFill>
+              <a:latin typeface="Open Sans"/>
+              <a:ea typeface="Open Sans"/>
+              <a:cs typeface="Open Sans"/>
+            </a:endParaRPr>
+          </a:p>
+          <a:p>
+            <a:pPr lvl="1">
+              <a:lnSpc>
+                <a:spcPct val="114999"/>
+              </a:lnSpc>
+              <a:buFont typeface="Courier New"/>
+              <a:buChar char="o"/>
+              <a:defRPr/>
+            </a:pPr>
+            <a:r>
+              <a:rPr sz="2000" b="0" i="0" u="none">
+                <a:solidFill>
+                  <a:schemeClr val="accent6">
+                    <a:lumMod val="50000"/>
+                  </a:schemeClr>
+                </a:solidFill>
+                <a:latin typeface="Open Sans"/>
+                <a:ea typeface="Open Sans"/>
+                <a:cs typeface="Open Sans"/>
+              </a:rPr>
+              <a:t>toBeLessThan</a:t>
+            </a:r>
+            <a:r>
+              <a:rPr lang="pt-BR" sz="2000" b="0" i="0" u="none" strike="noStrike" cap="none" spc="0">
+                <a:solidFill>
+                  <a:schemeClr val="accent6">
+                    <a:lumMod val="50000"/>
+                  </a:schemeClr>
+                </a:solidFill>
+                <a:latin typeface="Open Sans"/>
+                <a:ea typeface="Open Sans"/>
+                <a:cs typeface="Open Sans"/>
+              </a:rPr>
+              <a:t>(número)</a:t>
+            </a:r>
+            <a:endParaRPr sz="2000" b="0" i="0" u="none">
+              <a:solidFill>
+                <a:schemeClr val="accent6">
+                  <a:lumMod val="50000"/>
+                </a:schemeClr>
+              </a:solidFill>
+              <a:latin typeface="Open Sans"/>
+              <a:ea typeface="Open Sans"/>
+              <a:cs typeface="Open Sans"/>
+            </a:endParaRPr>
+          </a:p>
+          <a:p>
+            <a:pPr lvl="1">
+              <a:lnSpc>
+                <a:spcPct val="114999"/>
+              </a:lnSpc>
+              <a:buFont typeface="Courier New"/>
+              <a:buChar char="o"/>
+              <a:defRPr/>
+            </a:pPr>
+            <a:r>
+              <a:rPr sz="2000" b="0" i="0" u="none">
+                <a:solidFill>
+                  <a:schemeClr val="accent6">
+                    <a:lumMod val="50000"/>
+                  </a:schemeClr>
+                </a:solidFill>
+                <a:latin typeface="Open Sans"/>
+                <a:ea typeface="Open Sans"/>
+                <a:cs typeface="Open Sans"/>
+              </a:rPr>
+              <a:t>toBeLessThanOrEqual</a:t>
+            </a:r>
+            <a:r>
+              <a:rPr lang="pt-BR" sz="2000" b="0" i="0" u="none" strike="noStrike" cap="none" spc="0">
+                <a:solidFill>
+                  <a:schemeClr val="accent6">
+                    <a:lumMod val="50000"/>
+                  </a:schemeClr>
+                </a:solidFill>
+                <a:latin typeface="Open Sans"/>
+                <a:ea typeface="Open Sans"/>
+                <a:cs typeface="Open Sans"/>
+              </a:rPr>
+              <a:t>(número)</a:t>
+            </a:r>
+            <a:endParaRPr sz="2000" b="0" i="0" u="none">
+              <a:solidFill>
+                <a:schemeClr val="accent6">
+                  <a:lumMod val="50000"/>
+                </a:schemeClr>
+              </a:solidFill>
+              <a:latin typeface="Open Sans"/>
+              <a:ea typeface="Open Sans"/>
+              <a:cs typeface="Open Sans"/>
+            </a:endParaRPr>
+          </a:p>
+          <a:p>
+            <a:pPr lvl="1">
+              <a:lnSpc>
+                <a:spcPct val="114999"/>
+              </a:lnSpc>
+              <a:buFont typeface="Courier New"/>
+              <a:buChar char="o"/>
+              <a:defRPr/>
+            </a:pPr>
+            <a:r>
+              <a:rPr sz="2000" b="0" i="0" u="none">
+                <a:solidFill>
+                  <a:schemeClr val="accent6">
+                    <a:lumMod val="50000"/>
+                  </a:schemeClr>
+                </a:solidFill>
+                <a:latin typeface="Open Sans"/>
+                <a:ea typeface="Open Sans"/>
+                <a:cs typeface="Open Sans"/>
+              </a:rPr>
+              <a:t>toBeCloseTo</a:t>
+            </a:r>
+            <a:r>
+              <a:rPr lang="pt-BR" sz="2000" b="0" i="0" u="none" strike="noStrike" cap="none" spc="0">
+                <a:solidFill>
+                  <a:schemeClr val="accent6">
+                    <a:lumMod val="50000"/>
+                  </a:schemeClr>
+                </a:solidFill>
+                <a:latin typeface="Open Sans"/>
+                <a:ea typeface="Open Sans"/>
+                <a:cs typeface="Open Sans"/>
+              </a:rPr>
+              <a:t>(número, número_de_digitos)</a:t>
+            </a:r>
+            <a:r>
+              <a:rPr sz="2000" b="0" i="0" u="none">
+                <a:solidFill>
+                  <a:schemeClr val="accent6">
+                    <a:lumMod val="50000"/>
+                  </a:schemeClr>
+                </a:solidFill>
+                <a:latin typeface="Open Sans"/>
+                <a:ea typeface="Open Sans"/>
+                <a:cs typeface="Open Sans"/>
+              </a:rPr>
+              <a:t>, para valores próximos e ponto flutuante</a:t>
+            </a:r>
+            <a:endParaRPr sz="2000" b="0" i="0" u="none">
+              <a:solidFill>
+                <a:schemeClr val="accent6">
+                  <a:lumMod val="50000"/>
+                </a:schemeClr>
+              </a:solidFill>
+              <a:latin typeface="Open Sans"/>
+              <a:ea typeface="Open Sans"/>
+              <a:cs typeface="Open Sans"/>
+            </a:endParaRPr>
+          </a:p>
+          <a:p>
+            <a:pPr lvl="1">
+              <a:lnSpc>
+                <a:spcPct val="114999"/>
+              </a:lnSpc>
+              <a:buFont typeface="Courier New"/>
+              <a:buChar char="o"/>
+              <a:defRPr/>
+            </a:pPr>
+            <a:r>
+              <a:rPr sz="2000" b="0" i="0" u="none">
+                <a:solidFill>
+                  <a:schemeClr val="accent6">
+                    <a:lumMod val="50000"/>
+                  </a:schemeClr>
+                </a:solidFill>
+                <a:latin typeface="Open Sans"/>
+                <a:ea typeface="Open Sans"/>
+                <a:cs typeface="Open Sans"/>
+              </a:rPr>
+              <a:t>toMatch(regex)</a:t>
+            </a:r>
+            <a:r>
+              <a:rPr sz="2000" b="0" i="0" u="none">
+                <a:solidFill>
+                  <a:schemeClr val="accent6">
+                    <a:lumMod val="50000"/>
+                  </a:schemeClr>
+                </a:solidFill>
+                <a:latin typeface="Open Sans"/>
+                <a:ea typeface="Open Sans"/>
+                <a:cs typeface="Open Sans"/>
+              </a:rPr>
+              <a:t>, para Strings</a:t>
+            </a:r>
+            <a:endParaRPr sz="2000" b="0" i="0" u="none">
+              <a:solidFill>
+                <a:schemeClr val="accent6">
+                  <a:lumMod val="50000"/>
+                </a:schemeClr>
+              </a:solidFill>
+              <a:latin typeface="Open Sans"/>
+              <a:ea typeface="Open Sans"/>
+              <a:cs typeface="Open Sans"/>
+            </a:endParaRPr>
+          </a:p>
+          <a:p>
+            <a:pPr lvl="1">
+              <a:lnSpc>
+                <a:spcPct val="114999"/>
+              </a:lnSpc>
+              <a:buFont typeface="Courier New"/>
+              <a:buChar char="o"/>
+              <a:defRPr/>
+            </a:pPr>
+            <a:r>
+              <a:rPr sz="2000" b="0" i="0" u="none">
+                <a:solidFill>
+                  <a:schemeClr val="accent6">
+                    <a:lumMod val="50000"/>
+                  </a:schemeClr>
+                </a:solidFill>
+                <a:latin typeface="Open Sans"/>
+                <a:ea typeface="Open Sans"/>
+                <a:cs typeface="Open Sans"/>
+              </a:rPr>
+              <a:t>toContain(item)</a:t>
+            </a:r>
+            <a:r>
+              <a:rPr sz="2000" b="0" i="0" u="none">
+                <a:solidFill>
+                  <a:schemeClr val="accent6">
+                    <a:lumMod val="50000"/>
+                  </a:schemeClr>
+                </a:solidFill>
+                <a:latin typeface="Open Sans"/>
+                <a:ea typeface="Open Sans"/>
+                <a:cs typeface="Open Sans"/>
+              </a:rPr>
+              <a:t>, para objetos iteráveis (arrays, conjuntos, etc.)</a:t>
+            </a:r>
+            <a:endParaRPr sz="2000" b="0" i="0" u="none">
+              <a:solidFill>
+                <a:schemeClr val="accent6">
+                  <a:lumMod val="50000"/>
+                </a:schemeClr>
+              </a:solidFill>
+              <a:latin typeface="Open Sans"/>
+              <a:ea typeface="Open Sans"/>
+              <a:cs typeface="Open Sans"/>
+            </a:endParaRPr>
+          </a:p>
+          <a:p>
+            <a:pPr lvl="1">
+              <a:lnSpc>
+                <a:spcPct val="114999"/>
+              </a:lnSpc>
+              <a:buFont typeface="Courier New"/>
+              <a:buChar char="o"/>
+              <a:defRPr/>
+            </a:pPr>
+            <a:r>
+              <a:rPr sz="2000" b="0" i="0" u="none">
+                <a:solidFill>
+                  <a:schemeClr val="accent6">
+                    <a:lumMod val="50000"/>
+                  </a:schemeClr>
+                </a:solidFill>
+                <a:latin typeface="Open Sans"/>
+                <a:ea typeface="Open Sans"/>
+                <a:cs typeface="Open Sans"/>
+              </a:rPr>
+              <a:t>toThrow()</a:t>
+            </a:r>
+            <a:r>
+              <a:rPr lang="pt-BR" sz="2000" b="0" i="0" u="none" strike="noStrike" cap="none" spc="0">
+                <a:solidFill>
+                  <a:schemeClr val="accent6">
+                    <a:lumMod val="50000"/>
+                  </a:schemeClr>
+                </a:solidFill>
+                <a:latin typeface="Open Sans"/>
+                <a:ea typeface="Open Sans"/>
+                <a:cs typeface="Open Sans"/>
+              </a:rPr>
+              <a:t>, para entradas que devem retornar algum erro</a:t>
+            </a:r>
+            <a:endParaRPr lang="pt-BR" sz="2000" b="0" i="0" u="none" strike="noStrike" cap="none" spc="0">
+              <a:solidFill>
+                <a:schemeClr val="accent6">
+                  <a:lumMod val="50000"/>
+                </a:schemeClr>
+              </a:solidFill>
+              <a:latin typeface="Open Sans"/>
+              <a:ea typeface="Open Sans"/>
+              <a:cs typeface="Open Sans"/>
+            </a:endParaRPr>
+          </a:p>
+          <a:p>
+            <a:pPr lvl="1">
+              <a:lnSpc>
+                <a:spcPct val="114999"/>
+              </a:lnSpc>
+              <a:buFont typeface="Courier New"/>
+              <a:buChar char="o"/>
+              <a:defRPr/>
+            </a:pPr>
+            <a:r>
+              <a:rPr sz="2000" b="0" i="0" u="none">
+                <a:solidFill>
+                  <a:schemeClr val="accent6">
+                    <a:lumMod val="50000"/>
+                  </a:schemeClr>
+                </a:solidFill>
+                <a:latin typeface="Open Sans"/>
+                <a:ea typeface="Open Sans"/>
+                <a:cs typeface="Open Sans"/>
+              </a:rPr>
+              <a:t>toThrow(exception)</a:t>
+            </a:r>
+            <a:r>
+              <a:rPr lang="pt-BR" sz="2000" b="0" i="0" u="none" strike="noStrike" cap="none" spc="0">
+                <a:solidFill>
+                  <a:schemeClr val="accent6">
+                    <a:lumMod val="50000"/>
+                  </a:schemeClr>
+                </a:solidFill>
+                <a:latin typeface="Open Sans"/>
+                <a:ea typeface="Open Sans"/>
+                <a:cs typeface="Open Sans"/>
+              </a:rPr>
+              <a:t>, para </a:t>
+            </a:r>
+            <a:r>
+              <a:rPr lang="pt-BR" sz="2000" b="0" i="0" u="none" strike="noStrike" cap="none" spc="0">
+                <a:solidFill>
+                  <a:schemeClr val="accent6">
+                    <a:lumMod val="50000"/>
+                  </a:schemeClr>
+                </a:solidFill>
+                <a:latin typeface="Open Sans"/>
+                <a:ea typeface="Open Sans"/>
+                <a:cs typeface="Open Sans"/>
+              </a:rPr>
+              <a:t>entradas que devem retornar um erro específico</a:t>
+            </a:r>
+            <a:endParaRPr lang="pt-BR" sz="2000" b="0" i="0" u="none" strike="noStrike" cap="none" spc="0">
+              <a:solidFill>
+                <a:schemeClr val="accent6">
+                  <a:lumMod val="50000"/>
+                </a:schemeClr>
+              </a:solidFill>
+              <a:latin typeface="Open Sans"/>
+              <a:ea typeface="Open Sans"/>
+              <a:cs typeface="Open Sans"/>
+            </a:endParaRPr>
+          </a:p>
+          <a:p>
+            <a:pPr lvl="1">
+              <a:lnSpc>
+                <a:spcPct val="114999"/>
+              </a:lnSpc>
+              <a:buFont typeface="Arial"/>
+              <a:buChar char="•"/>
+              <a:defRPr/>
+            </a:pPr>
+            <a:endParaRPr sz="2000" b="0" i="0" u="none">
+              <a:solidFill>
+                <a:schemeClr val="accent6">
+                  <a:lumMod val="50000"/>
+                </a:schemeClr>
+              </a:solidFill>
+              <a:latin typeface="Open Sans"/>
+              <a:ea typeface="Open Sans"/>
+              <a:cs typeface="Open Sans"/>
+            </a:endParaRPr>
+          </a:p>
+          <a:p>
+            <a:pPr lvl="1">
+              <a:lnSpc>
+                <a:spcPct val="114999"/>
+              </a:lnSpc>
+              <a:buFont typeface="Arial"/>
+              <a:buChar char="•"/>
+              <a:defRPr/>
+            </a:pPr>
+            <a:r>
+              <a:rPr lang="pt-BR" sz="2000" b="0" i="0" u="none" strike="noStrike" cap="none" spc="0">
+                <a:solidFill>
+                  <a:schemeClr val="accent6">
+                    <a:lumMod val="50000"/>
+                  </a:schemeClr>
+                </a:solidFill>
+                <a:latin typeface="Open Sans"/>
+                <a:ea typeface="Open Sans"/>
+                <a:cs typeface="Open Sans"/>
+              </a:rPr>
+              <a:t>[...] e vários outros testes</a:t>
+            </a:r>
+            <a:endParaRPr sz="2000" b="0" i="0" u="none">
+              <a:solidFill>
+                <a:schemeClr val="accent6">
+                  <a:lumMod val="50000"/>
+                </a:schemeClr>
+              </a:solidFill>
+              <a:latin typeface="Open Sans"/>
+              <a:ea typeface="Open Sans"/>
+              <a:cs typeface="Open Sans"/>
+            </a:endParaRPr>
+          </a:p>
+        </p:txBody>
+      </p:sp>
+    </p:spTree>
+  </p:cSld>
+  <p:clrMapOvr>
+    <a:masterClrMapping/>
+  </p:clrMapOvr>
+  <mc:AlternateContent xmlns:mc="http://schemas.openxmlformats.org/markup-compatibility/2006">
+    <mc:Choice xmlns:p14="http://schemas.microsoft.com/office/powerpoint/2010/main" Requires="p14">
+      <p:transition p14:dur="2000" advClick="1"/>
+    </mc:Choice>
+    <mc:Fallback>
+      <p:transition advClick="1"/>
+    </mc:Fallback>
+  </mc:AlternateContent>
+</p:sld>
+</file>
+
+<file path=ppt/slides/slide7.xml><?xml version="1.0" encoding="utf-8"?>
+<p:sld xmlns:a="http://schemas.openxmlformats.org/drawingml/2006/main" xmlns:r="http://schemas.openxmlformats.org/officeDocument/2006/relationships" xmlns:p="http://schemas.openxmlformats.org/presentationml/2006/main" xmlns:m="http://schemas.openxmlformats.org/officeDocument/2006/math" xmlns:w="http://schemas.openxmlformats.org/wordprocessingml/2006/main" showMasterPhAnim="0" show="1">
+  <p:cSld name="">
+    <p:spTree>
+      <p:nvGrpSpPr>
+        <p:cNvPr id="1" name="" hidden="0"/>
+        <p:cNvGrpSpPr/>
+        <p:nvPr isPhoto="0" userDrawn="0"/>
+      </p:nvGrpSpPr>
+      <p:grpSpPr bwMode="auto">
+        <a:xfrm>
+          <a:off x="0" y="0"/>
+          <a:ext cx="0" cy="0"/>
+          <a:chOff x="0" y="0"/>
+          <a:chExt cx="0" cy="0"/>
+        </a:xfrm>
+      </p:grpSpPr>
+      <p:sp>
+        <p:nvSpPr>
+          <p:cNvPr id="1331718822" name="Заголовок 1" hidden="0"/>
+          <p:cNvSpPr>
+            <a:spLocks noGrp="1"/>
+          </p:cNvSpPr>
+          <p:nvPr isPhoto="0" userDrawn="0">
+            <p:ph type="title" hasCustomPrompt="0"/>
+          </p:nvPr>
+        </p:nvSpPr>
+        <p:spPr bwMode="auto"/>
+        <p:txBody>
+          <a:bodyPr/>
+          <a:lstStyle/>
+          <a:p>
+            <a:pPr>
+              <a:defRPr/>
+            </a:pPr>
+            <a:r>
+              <a:rPr sz="3600">
+                <a:latin typeface="Open Sans"/>
+                <a:ea typeface="Open Sans"/>
+                <a:cs typeface="Open Sans"/>
+              </a:rPr>
+              <a:t>Integração com Editores de texto</a:t>
+            </a:r>
+            <a:endParaRPr sz="3600">
+              <a:latin typeface="Open Sans"/>
+              <a:ea typeface="Open Sans"/>
+              <a:cs typeface="Open Sans"/>
+            </a:endParaRPr>
+          </a:p>
+        </p:txBody>
+      </p:sp>
+      <p:sp>
+        <p:nvSpPr>
+          <p:cNvPr id="1028451592" name="Объект 2" hidden="0"/>
+          <p:cNvSpPr>
+            <a:spLocks noGrp="1"/>
+          </p:cNvSpPr>
+          <p:nvPr isPhoto="0" userDrawn="0">
+            <p:ph idx="1" hasCustomPrompt="0"/>
+          </p:nvPr>
+        </p:nvSpPr>
+        <p:spPr bwMode="auto"/>
+        <p:txBody>
+          <a:bodyPr/>
+          <a:lstStyle/>
+          <a:p>
+            <a:pPr>
+              <a:defRPr/>
+            </a:pPr>
+            <a:r>
+              <a:rPr sz="2600">
+                <a:latin typeface="Open Sans"/>
+                <a:ea typeface="Open Sans"/>
+                <a:cs typeface="Open Sans"/>
+              </a:rPr>
+              <a:t>  O </a:t>
+            </a:r>
+            <a:r>
+              <a:rPr sz="2600">
+                <a:latin typeface="Open Sans"/>
+                <a:ea typeface="Open Sans"/>
+                <a:cs typeface="Open Sans"/>
+              </a:rPr>
+              <a:t>Jest</a:t>
+            </a:r>
+            <a:r>
+              <a:rPr sz="2600">
+                <a:latin typeface="Open Sans"/>
+                <a:ea typeface="Open Sans"/>
+                <a:cs typeface="Open Sans"/>
+              </a:rPr>
+              <a:t>, por estar disponível como um pacote </a:t>
+            </a:r>
+            <a:r>
+              <a:rPr sz="2600" i="1">
+                <a:latin typeface="Open Sans"/>
+                <a:ea typeface="Open Sans"/>
+                <a:cs typeface="Open Sans"/>
+              </a:rPr>
+              <a:t>Node.js</a:t>
+            </a:r>
+            <a:r>
+              <a:rPr sz="2600">
+                <a:latin typeface="Open Sans"/>
+                <a:ea typeface="Open Sans"/>
+                <a:cs typeface="Open Sans"/>
+              </a:rPr>
+              <a:t>, pode ser utilizado diretamente pelo terminal, ou pelo próprio editor de texto ou IDE:</a:t>
+            </a:r>
+            <a:endParaRPr sz="2600">
+              <a:latin typeface="Open Sans"/>
+              <a:ea typeface="Open Sans"/>
+              <a:cs typeface="Open Sans"/>
+            </a:endParaRPr>
+          </a:p>
+          <a:p>
+            <a:pPr>
+              <a:defRPr/>
+            </a:pPr>
+            <a:endParaRPr sz="2600">
+              <a:latin typeface="Open Sans"/>
+              <a:ea typeface="Open Sans"/>
+              <a:cs typeface="Open Sans"/>
+            </a:endParaRPr>
+          </a:p>
+          <a:p>
+            <a:pPr lvl="1">
+              <a:defRPr/>
+            </a:pPr>
+            <a:endParaRPr sz="2600">
+              <a:latin typeface="Open Sans"/>
+              <a:ea typeface="Open Sans"/>
+              <a:cs typeface="Open Sans"/>
+            </a:endParaRPr>
+          </a:p>
+        </p:txBody>
+      </p:sp>
+      <p:sp>
+        <p:nvSpPr>
+          <p:cNvPr id="1576023807" name="" hidden="0"/>
+          <p:cNvSpPr/>
+          <p:nvPr isPhoto="0" userDrawn="0"/>
+        </p:nvSpPr>
+        <p:spPr bwMode="auto">
+          <a:xfrm flipH="0" flipV="0">
+            <a:off x="5161119" y="5614738"/>
+            <a:ext cx="176672" cy="365795"/>
+          </a:xfrm>
+        </p:spPr>
+        <p:txBody>
+          <a:bodyPr rot="0" spcFirstLastPara="0" vertOverflow="overflow" horzOverflow="clip" vert="horz" wrap="square" lIns="91440" tIns="45720" rIns="91440" bIns="45720" numCol="1" spcCol="0" rtlCol="0" fromWordArt="0" anchor="t" anchorCtr="0" forceAA="0" upright="0" compatLnSpc="1">
+            <a:prstTxWarp prst="textNoShape"/>
+            <a:spAutoFit/>
+          </a:bodyPr>
+          <a:p>
+            <a:pPr>
+              <a:defRPr/>
+            </a:pPr>
+            <a:endParaRPr/>
+          </a:p>
+        </p:txBody>
+      </p:sp>
+      <p:pic>
+        <p:nvPicPr>
+          <p:cNvPr id="523232936" name="" hidden="0"/>
+          <p:cNvPicPr>
+            <a:picLocks noChangeAspect="1"/>
+          </p:cNvPicPr>
+          <p:nvPr isPhoto="0" userDrawn="0"/>
+        </p:nvPicPr>
+        <p:blipFill>
+          <a:blip r:embed="rId2"/>
+          <a:stretch/>
+        </p:blipFill>
+        <p:spPr bwMode="auto">
+          <a:xfrm flipH="0" flipV="0">
+            <a:off x="1179077" y="3531252"/>
+            <a:ext cx="5024996" cy="3070831"/>
+          </a:xfrm>
+          <a:prstGeom prst="rect">
+            <a:avLst/>
+          </a:prstGeom>
+        </p:spPr>
+      </p:pic>
+      <p:sp>
+        <p:nvSpPr>
+          <p:cNvPr id="1831891566" name="" hidden="0"/>
+          <p:cNvSpPr/>
+          <p:nvPr isPhoto="0" userDrawn="0"/>
+        </p:nvSpPr>
+        <p:spPr bwMode="auto">
+          <a:xfrm flipH="0" flipV="0">
+            <a:off x="10677973" y="4554621"/>
+            <a:ext cx="165497" cy="365795"/>
+          </a:xfrm>
+        </p:spPr>
+        <p:txBody>
+          <a:bodyPr rot="0" spcFirstLastPara="0" vertOverflow="overflow" horzOverflow="clip" vert="horz" wrap="square" lIns="91440" tIns="45720" rIns="91440" bIns="45720" numCol="1" spcCol="0" rtlCol="0" fromWordArt="0" anchor="t" anchorCtr="0" forceAA="0" upright="0" compatLnSpc="1">
+            <a:prstTxWarp prst="textNoShape"/>
+            <a:spAutoFit/>
+          </a:bodyPr>
+          <a:p>
+            <a:pPr>
+              <a:defRPr/>
+            </a:pPr>
+            <a:endParaRPr/>
+          </a:p>
+        </p:txBody>
+      </p:sp>
+      <p:pic>
+        <p:nvPicPr>
+          <p:cNvPr id="129321866" name="" hidden="0"/>
+          <p:cNvPicPr>
+            <a:picLocks noChangeAspect="1"/>
+          </p:cNvPicPr>
+          <p:nvPr isPhoto="0" userDrawn="0"/>
+        </p:nvPicPr>
+        <p:blipFill>
+          <a:blip r:embed="rId3"/>
+          <a:stretch/>
+        </p:blipFill>
+        <p:spPr bwMode="auto">
+          <a:xfrm flipH="0" flipV="0">
+            <a:off x="6401119" y="2631195"/>
+            <a:ext cx="4276853" cy="3970888"/>
+          </a:xfrm>
+          <a:prstGeom prst="rect">
+            <a:avLst/>
+          </a:prstGeom>
+        </p:spPr>
+      </p:pic>
+    </p:spTree>
+  </p:cSld>
+  <p:clrMapOvr>
+    <a:masterClrMapping/>
+  </p:clrMapOvr>
+  <mc:AlternateContent xmlns:mc="http://schemas.openxmlformats.org/markup-compatibility/2006">
+    <mc:Choice xmlns:p14="http://schemas.microsoft.com/office/powerpoint/2010/main" Requires="p14">
+      <p:transition p14:dur="2000" advClick="1"/>
+    </mc:Choice>
+    <mc:Fallback>
+      <p:transition advClick="1"/>
+    </mc:Fallback>
+  </mc:AlternateContent>
+</p:sld>
+</file>
+
+<file path=ppt/slides/slide8.xml><?xml version="1.0" encoding="utf-8"?>
+<p:sld xmlns:a="http://schemas.openxmlformats.org/drawingml/2006/main" xmlns:r="http://schemas.openxmlformats.org/officeDocument/2006/relationships" xmlns:p="http://schemas.openxmlformats.org/presentationml/2006/main" xmlns:m="http://schemas.openxmlformats.org/officeDocument/2006/math" xmlns:w="http://schemas.openxmlformats.org/wordprocessingml/2006/main" showMasterPhAnim="0" show="1">
+  <p:cSld name="">
+    <p:spTree>
+      <p:nvGrpSpPr>
+        <p:cNvPr id="1" name="" hidden="0"/>
+        <p:cNvGrpSpPr/>
+        <p:nvPr isPhoto="0" userDrawn="0"/>
+      </p:nvGrpSpPr>
+      <p:grpSpPr bwMode="auto">
+        <a:xfrm>
+          <a:off x="0" y="0"/>
+          <a:ext cx="0" cy="0"/>
+          <a:chOff x="0" y="0"/>
+          <a:chExt cx="0" cy="0"/>
+        </a:xfrm>
+      </p:grpSpPr>
+      <p:sp>
+        <p:nvSpPr>
+          <p:cNvPr id="1621196291" name="Заголовок 1" hidden="0"/>
+          <p:cNvSpPr>
+            <a:spLocks noGrp="1"/>
+          </p:cNvSpPr>
+          <p:nvPr isPhoto="0" userDrawn="0">
+            <p:ph type="title" hasCustomPrompt="0"/>
+          </p:nvPr>
+        </p:nvSpPr>
+        <p:spPr bwMode="auto"/>
+        <p:txBody>
+          <a:bodyPr/>
+          <a:lstStyle/>
+          <a:p>
+            <a:pPr>
+              <a:defRPr/>
+            </a:pPr>
+            <a:r>
+              <a:rPr sz="3600">
+                <a:latin typeface="Open Sans"/>
+                <a:ea typeface="Open Sans"/>
+                <a:cs typeface="Open Sans"/>
+              </a:rPr>
+              <a:t>A controvérsia do </a:t>
+            </a:r>
+            <a:r>
+              <a:rPr sz="3600" i="1">
+                <a:latin typeface="Open Sans"/>
+                <a:ea typeface="Open Sans"/>
+                <a:cs typeface="Open Sans"/>
+              </a:rPr>
+              <a:t>Test coverage 100%</a:t>
+            </a:r>
+            <a:endParaRPr sz="3600">
+              <a:latin typeface="Open Sans"/>
+              <a:ea typeface="Open Sans"/>
+              <a:cs typeface="Open Sans"/>
+            </a:endParaRPr>
+          </a:p>
+        </p:txBody>
+      </p:sp>
+      <p:sp>
+        <p:nvSpPr>
+          <p:cNvPr id="539396903" name="Объект 2" hidden="0"/>
+          <p:cNvSpPr>
+            <a:spLocks noGrp="1"/>
+          </p:cNvSpPr>
+          <p:nvPr isPhoto="0" userDrawn="0">
+            <p:ph idx="1" hasCustomPrompt="0"/>
+          </p:nvPr>
+        </p:nvSpPr>
+        <p:spPr bwMode="auto"/>
+        <p:txBody>
+          <a:bodyPr/>
+          <a:lstStyle/>
+          <a:p>
+            <a:pPr>
+              <a:defRPr/>
+            </a:pPr>
+            <a:r>
+              <a:rPr sz="2400">
+                <a:latin typeface="Open Sans"/>
+                <a:ea typeface="Open Sans"/>
+                <a:cs typeface="Open Sans"/>
+              </a:rPr>
+              <a:t>  Além de ser fácil de configurar, em alguns casos dispensando qualquer configuração, o </a:t>
+            </a:r>
+            <a:r>
+              <a:rPr sz="2400" i="1">
+                <a:latin typeface="Open Sans"/>
+                <a:ea typeface="Open Sans"/>
+                <a:cs typeface="Open Sans"/>
+              </a:rPr>
+              <a:t>Jest </a:t>
+            </a:r>
+            <a:r>
+              <a:rPr sz="2400">
+                <a:latin typeface="Open Sans"/>
+                <a:ea typeface="Open Sans"/>
+                <a:cs typeface="Open Sans"/>
+              </a:rPr>
+              <a:t>gera um relatório da taxa de código testada no projeto atual:</a:t>
+            </a:r>
+            <a:endParaRPr sz="2400">
+              <a:latin typeface="Open Sans"/>
+              <a:ea typeface="Open Sans"/>
+              <a:cs typeface="Open Sans"/>
+            </a:endParaRPr>
+          </a:p>
+        </p:txBody>
+      </p:sp>
+      <p:sp>
+        <p:nvSpPr>
+          <p:cNvPr id="980160898" name="" hidden="0"/>
+          <p:cNvSpPr/>
+          <p:nvPr isPhoto="0" userDrawn="0"/>
+        </p:nvSpPr>
+        <p:spPr bwMode="auto">
+          <a:xfrm flipH="0" flipV="0">
+            <a:off x="6403914" y="4696806"/>
+            <a:ext cx="147716" cy="365795"/>
+          </a:xfrm>
+        </p:spPr>
+        <p:txBody>
+          <a:bodyPr rot="0" spcFirstLastPara="0" vertOverflow="overflow" horzOverflow="clip" vert="horz" wrap="square" lIns="91440" tIns="45720" rIns="91440" bIns="45720" numCol="1" spcCol="0" rtlCol="0" fromWordArt="0" anchor="t" anchorCtr="0" forceAA="0" upright="0" compatLnSpc="1">
+            <a:prstTxWarp prst="textNoShape"/>
+            <a:spAutoFit/>
+          </a:bodyPr>
+          <a:p>
+            <a:pPr>
+              <a:defRPr/>
+            </a:pPr>
+            <a:endParaRPr/>
+          </a:p>
+        </p:txBody>
+      </p:sp>
+      <p:pic>
+        <p:nvPicPr>
+          <p:cNvPr id="1664038464" name="" hidden="0"/>
+          <p:cNvPicPr>
+            <a:picLocks noChangeAspect="1"/>
+          </p:cNvPicPr>
+          <p:nvPr isPhoto="0" userDrawn="0"/>
+        </p:nvPicPr>
+        <p:blipFill>
+          <a:blip r:embed="rId2"/>
+          <a:srcRect l="0" t="0" r="0" b="39465"/>
+          <a:stretch/>
+        </p:blipFill>
+        <p:spPr bwMode="auto">
+          <a:xfrm flipH="0" flipV="0">
+            <a:off x="1323938" y="2922823"/>
+            <a:ext cx="9527963" cy="3750391"/>
+          </a:xfrm>
+          <a:prstGeom prst="rect">
+            <a:avLst/>
+          </a:prstGeom>
+        </p:spPr>
+      </p:pic>
+    </p:spTree>
+  </p:cSld>
+  <p:clrMapOvr>
+    <a:masterClrMapping/>
+  </p:clrMapOvr>
+  <mc:AlternateContent xmlns:mc="http://schemas.openxmlformats.org/markup-compatibility/2006">
+    <mc:Choice xmlns:p14="http://schemas.microsoft.com/office/powerpoint/2010/main" Requires="p14">
+      <p:transition p14:dur="2000" advClick="1"/>
+    </mc:Choice>
+    <mc:Fallback>
+      <p:transition advClick="1"/>
+    </mc:Fallback>
+  </mc:AlternateContent>
+</p:sld>
+</file>
+
+<file path=ppt/slides/slide9.xml><?xml version="1.0" encoding="utf-8"?>
+<p:sld xmlns:a="http://schemas.openxmlformats.org/drawingml/2006/main" xmlns:r="http://schemas.openxmlformats.org/officeDocument/2006/relationships" xmlns:p="http://schemas.openxmlformats.org/presentationml/2006/main" xmlns:m="http://schemas.openxmlformats.org/officeDocument/2006/math" xmlns:w="http://schemas.openxmlformats.org/wordprocessingml/2006/main" showMasterPhAnim="0" show="1">
+  <p:cSld name="">
+    <p:spTree>
+      <p:nvGrpSpPr>
+        <p:cNvPr id="1" name="" hidden="0"/>
+        <p:cNvGrpSpPr/>
+        <p:nvPr isPhoto="0" userDrawn="0"/>
+      </p:nvGrpSpPr>
+      <p:grpSpPr bwMode="auto">
+        <a:xfrm>
+          <a:off x="0" y="0"/>
+          <a:ext cx="0" cy="0"/>
+          <a:chOff x="0" y="0"/>
+          <a:chExt cx="0" cy="0"/>
+        </a:xfrm>
+      </p:grpSpPr>
+      <p:sp>
+        <p:nvSpPr>
+          <p:cNvPr id="2020141032" name="Title 1" hidden="0"/>
+          <p:cNvSpPr>
+            <a:spLocks noGrp="1"/>
+          </p:cNvSpPr>
+          <p:nvPr isPhoto="0" userDrawn="0">
+            <p:ph type="title" hasCustomPrompt="0"/>
+          </p:nvPr>
+        </p:nvSpPr>
+        <p:spPr bwMode="auto"/>
+        <p:txBody>
+          <a:bodyPr/>
+          <a:lstStyle/>
+          <a:p>
+            <a:pPr>
+              <a:defRPr/>
+            </a:pPr>
+            <a:r>
+              <a:rPr sz="3600">
+                <a:latin typeface="Open Sans"/>
+                <a:ea typeface="Open Sans"/>
+                <a:cs typeface="Open Sans"/>
+              </a:rPr>
+              <a:t>Caso de uso: função de estimativa do cosseno</a:t>
+            </a:r>
+            <a:endParaRPr sz="3600">
+              <a:latin typeface="Open Sans"/>
+              <a:ea typeface="Open Sans"/>
+              <a:cs typeface="Open Sans"/>
+            </a:endParaRPr>
+          </a:p>
+        </p:txBody>
+      </p:sp>
+      <p:pic>
+        <p:nvPicPr>
+          <p:cNvPr id="80607870" name="" hidden="0"/>
+          <p:cNvPicPr>
+            <a:picLocks noChangeAspect="1"/>
+          </p:cNvPicPr>
+          <p:nvPr isPhoto="0" userDrawn="0"/>
+        </p:nvPicPr>
+        <p:blipFill>
+          <a:blip r:embed="rId2"/>
+          <a:stretch/>
+        </p:blipFill>
+        <p:spPr bwMode="auto">
+          <a:xfrm flipH="0" flipV="0">
+            <a:off x="838198" y="1925146"/>
+            <a:ext cx="4264033" cy="3805650"/>
+          </a:xfrm>
+          <a:prstGeom prst="rect">
+            <a:avLst/>
+          </a:prstGeom>
+        </p:spPr>
+      </p:pic>
+      <p:sp>
+        <p:nvSpPr>
+          <p:cNvPr id="1768136172" name="" hidden="0"/>
+          <p:cNvSpPr/>
+          <p:nvPr isPhoto="0" userDrawn="0"/>
+        </p:nvSpPr>
+        <p:spPr bwMode="auto">
+          <a:xfrm flipH="0" flipV="0">
+            <a:off x="9901638" y="5147194"/>
+            <a:ext cx="206317" cy="365795"/>
+          </a:xfrm>
+        </p:spPr>
+        <p:txBody>
+          <a:bodyPr rot="0" spcFirstLastPara="0" vertOverflow="overflow" horzOverflow="clip" vert="horz" wrap="square" lIns="91440" tIns="45720" rIns="91440" bIns="45720" numCol="1" spcCol="0" rtlCol="0" fromWordArt="0" anchor="t" anchorCtr="0" forceAA="0" upright="0" compatLnSpc="1">
+            <a:prstTxWarp prst="textNoShape"/>
+            <a:spAutoFit/>
+          </a:bodyPr>
+          <a:p>
+            <a:pPr>
+              <a:defRPr/>
+            </a:pPr>
+            <a:endParaRPr/>
+          </a:p>
+        </p:txBody>
+      </p:sp>
+      <p:pic>
+        <p:nvPicPr>
+          <p:cNvPr id="1364049794" name="" hidden="0"/>
+          <p:cNvPicPr>
+            <a:picLocks noChangeAspect="1"/>
+          </p:cNvPicPr>
+          <p:nvPr isPhoto="0" userDrawn="0"/>
+        </p:nvPicPr>
+        <p:blipFill>
+          <a:blip r:embed="rId3"/>
+          <a:stretch/>
+        </p:blipFill>
+        <p:spPr bwMode="auto">
+          <a:xfrm flipH="0" flipV="0">
+            <a:off x="5333998" y="2442997"/>
+            <a:ext cx="6093884" cy="2769947"/>
+          </a:xfrm>
+          <a:prstGeom prst="rect">
+            <a:avLst/>
+          </a:prstGeom>
+        </p:spPr>
+      </p:pic>
     </p:spTree>
   </p:cSld>
   <p:clrMapOvr>
@@ -4003,44 +8734,44 @@
 </file>
 
 <file path=ppt/theme/theme1.xml><?xml version="1.0" encoding="utf-8"?>
-<a:theme xmlns:a="http://schemas.openxmlformats.org/drawingml/2006/main" xmlns:r="http://schemas.openxmlformats.org/officeDocument/2006/relationships" xmlns:p="http://schemas.openxmlformats.org/presentationml/2006/main" name="Blank">
+<a:theme xmlns:a="http://schemas.openxmlformats.org/drawingml/2006/main" xmlns:r="http://schemas.openxmlformats.org/officeDocument/2006/relationships" xmlns:p="http://schemas.openxmlformats.org/presentationml/2006/main" name="Official">
   <a:themeElements>
-    <a:clrScheme name="Office Theme">
+    <a:clrScheme name="Official">
       <a:dk1>
-        <a:sysClr val="windowText" lastClr="000000"/>
+        <a:srgbClr val="000000"/>
       </a:dk1>
       <a:lt1>
-        <a:sysClr val="window" lastClr="FFFFFF"/>
+        <a:srgbClr val="FFFFFF"/>
       </a:lt1>
       <a:dk2>
-        <a:srgbClr val="44546A"/>
+        <a:srgbClr val="434342"/>
       </a:dk2>
       <a:lt2>
-        <a:srgbClr val="E7E6E6"/>
+        <a:srgbClr val="CDD7D9"/>
       </a:lt2>
       <a:accent1>
-        <a:srgbClr val="5B9BD5"/>
+        <a:srgbClr val="797B7E"/>
       </a:accent1>
       <a:accent2>
-        <a:srgbClr val="ED7D31"/>
+        <a:srgbClr val="F96A1B"/>
       </a:accent2>
       <a:accent3>
-        <a:srgbClr val="A5A5A5"/>
+        <a:srgbClr val="08A1D9"/>
       </a:accent3>
       <a:accent4>
-        <a:srgbClr val="FFC000"/>
+        <a:srgbClr val="7C984A"/>
       </a:accent4>
       <a:accent5>
-        <a:srgbClr val="4472C4"/>
+        <a:srgbClr val="C2AD8D"/>
       </a:accent5>
       <a:accent6>
-        <a:srgbClr val="70AD47"/>
+        <a:srgbClr val="506E94"/>
       </a:accent6>
       <a:hlink>
-        <a:srgbClr val="0563C1"/>
+        <a:srgbClr val="5F5F5F"/>
       </a:hlink>
       <a:folHlink>
-        <a:srgbClr val="954F72"/>
+        <a:srgbClr val="969696"/>
       </a:folHlink>
     </a:clrScheme>
     <a:fontScheme name="">
@@ -4055,7 +8786,7 @@
         <a:cs typeface="Arial"/>
       </a:minorFont>
     </a:fontScheme>
-    <a:fmtScheme name="Office Theme">
+    <a:fmtScheme name="Стандартная">
       <a:fillStyleLst>
         <a:solidFill>
           <a:schemeClr val="phClr"/>
@@ -4064,76 +8795,70 @@
           <a:gsLst>
             <a:gs pos="0">
               <a:schemeClr val="phClr">
-                <a:lumMod val="110000"/>
-                <a:satMod val="105000"/>
-                <a:tint val="67000"/>
+                <a:tint val="50000"/>
+                <a:satMod val="300000"/>
               </a:schemeClr>
             </a:gs>
-            <a:gs pos="50000">
+            <a:gs pos="35000">
               <a:schemeClr val="phClr">
-                <a:lumMod val="105000"/>
-                <a:satMod val="103000"/>
-                <a:tint val="73000"/>
+                <a:tint val="37000"/>
+                <a:satMod val="300000"/>
               </a:schemeClr>
             </a:gs>
             <a:gs pos="100000">
               <a:schemeClr val="phClr">
-                <a:lumMod val="105000"/>
-                <a:satMod val="109000"/>
-                <a:tint val="81000"/>
+                <a:tint val="15000"/>
+                <a:satMod val="350000"/>
               </a:schemeClr>
             </a:gs>
           </a:gsLst>
-          <a:lin ang="5400000" scaled="0"/>
+          <a:lin ang="16200000" scaled="1"/>
         </a:gradFill>
         <a:gradFill>
           <a:gsLst>
             <a:gs pos="0">
               <a:schemeClr val="phClr">
-                <a:satMod val="103000"/>
-                <a:lumMod val="102000"/>
-                <a:tint val="94000"/>
+                <a:shade val="51000"/>
+                <a:satMod val="130000"/>
               </a:schemeClr>
             </a:gs>
-            <a:gs pos="50000">
+            <a:gs pos="80000">
               <a:schemeClr val="phClr">
-                <a:satMod val="110000"/>
-                <a:lumMod val="100000"/>
-                <a:shade val="100000"/>
+                <a:shade val="93000"/>
+                <a:satMod val="130000"/>
               </a:schemeClr>
             </a:gs>
             <a:gs pos="100000">
               <a:schemeClr val="phClr">
-                <a:lumMod val="99000"/>
-                <a:satMod val="120000"/>
-                <a:shade val="78000"/>
+                <a:shade val="94000"/>
+                <a:satMod val="135000"/>
               </a:schemeClr>
             </a:gs>
           </a:gsLst>
-          <a:lin ang="5400000" scaled="0"/>
+          <a:lin ang="16200000" scaled="0"/>
         </a:gradFill>
       </a:fillStyleLst>
       <a:lnStyleLst>
-        <a:ln w="6350" cap="flat" cmpd="sng" algn="ctr">
+        <a:ln w="9525" cap="flat" cmpd="sng" algn="ctr">
+          <a:solidFill>
+            <a:schemeClr val="phClr">
+              <a:shade val="95000"/>
+              <a:satMod val="105000"/>
+            </a:schemeClr>
+          </a:solidFill>
+          <a:prstDash val="solid"/>
+        </a:ln>
+        <a:ln w="25400" cap="flat" cmpd="sng" algn="ctr">
           <a:solidFill>
             <a:schemeClr val="phClr"/>
           </a:solidFill>
           <a:prstDash val="solid"/>
-          <a:miter/>
         </a:ln>
-        <a:ln w="12700" cap="flat" cmpd="sng" algn="ctr">
+        <a:ln w="38100" cap="flat" cmpd="sng" algn="ctr">
           <a:solidFill>
             <a:schemeClr val="phClr"/>
           </a:solidFill>
           <a:prstDash val="solid"/>
-          <a:miter/>
-        </a:ln>
-        <a:ln w="19050" cap="flat" cmpd="sng" algn="ctr">
-          <a:solidFill>
-            <a:schemeClr val="phClr"/>
-          </a:solidFill>
-          <a:prstDash val="solid"/>
-          <a:miter/>
         </a:ln>
       </a:lnStyleLst>
       <a:effectStyleLst>
@@ -4169,38 +8894,46 @@
         <a:solidFill>
           <a:schemeClr val="phClr"/>
         </a:solidFill>
-        <a:solidFill>
-          <a:schemeClr val="phClr">
-            <a:tint val="95000"/>
-            <a:satMod val="170000"/>
-          </a:schemeClr>
-        </a:solidFill>
         <a:gradFill>
           <a:gsLst>
             <a:gs pos="0">
               <a:schemeClr val="phClr">
-                <a:tint val="93000"/>
-                <a:satMod val="150000"/>
-                <a:shade val="98000"/>
-                <a:lumMod val="102000"/>
+                <a:tint val="40000"/>
+                <a:satMod val="350000"/>
               </a:schemeClr>
             </a:gs>
-            <a:gs pos="50000">
+            <a:gs pos="40000">
               <a:schemeClr val="phClr">
-                <a:tint val="98000"/>
-                <a:satMod val="130000"/>
-                <a:shade val="90000"/>
-                <a:lumMod val="103000"/>
+                <a:tint val="45000"/>
+                <a:shade val="99000"/>
+                <a:satMod val="350000"/>
               </a:schemeClr>
             </a:gs>
             <a:gs pos="100000">
               <a:schemeClr val="phClr">
-                <a:shade val="63000"/>
-                <a:satMod val="120000"/>
+                <a:shade val="20000"/>
+                <a:satMod val="255000"/>
               </a:schemeClr>
             </a:gs>
           </a:gsLst>
-          <a:lin ang="5400000" scaled="0"/>
+          <a:path path="circle"/>
+        </a:gradFill>
+        <a:gradFill>
+          <a:gsLst>
+            <a:gs pos="0">
+              <a:schemeClr val="phClr">
+                <a:tint val="80000"/>
+                <a:satMod val="300000"/>
+              </a:schemeClr>
+            </a:gs>
+            <a:gs pos="100000">
+              <a:schemeClr val="phClr">
+                <a:shade val="30000"/>
+                <a:satMod val="200000"/>
+              </a:schemeClr>
+            </a:gs>
+          </a:gsLst>
+          <a:path path="circle"/>
         </a:gradFill>
       </a:bgFillStyleLst>
     </a:fmtScheme>

--- a/doc/presentation.pptx
+++ b/doc/presentation.pptx
@@ -15,6 +15,12 @@
     <p:sldId id="263" r:id="rId10"/>
     <p:sldId id="264" r:id="rId11"/>
     <p:sldId id="265" r:id="rId12"/>
+    <p:sldId id="266" r:id="rId13"/>
+    <p:sldId id="267" r:id="rId14"/>
+    <p:sldId id="268" r:id="rId15"/>
+    <p:sldId id="269" r:id="rId16"/>
+    <p:sldId id="270" r:id="rId17"/>
+    <p:sldId id="271" r:id="rId18"/>
   </p:sldIdLst>
   <p:sldSz cx="12192000" cy="6858000"/>
   <p:notesSz cx="12192000" cy="6858000"/>
@@ -144,7 +150,7 @@
         <p:spPr bwMode="auto">
           <a:xfrm>
             <a:off x="8220990" y="1"/>
-            <a:ext cx="3971006" cy="6857460"/>
+            <a:ext cx="3971005" cy="6857460"/>
           </a:xfrm>
           <a:custGeom>
             <a:avLst/>
@@ -4284,7 +4290,7 @@
         <p:spPr bwMode="auto">
           <a:xfrm>
             <a:off x="984107" y="474624"/>
-            <a:ext cx="5463821" cy="4108919"/>
+            <a:ext cx="5463821" cy="4108918"/>
           </a:xfrm>
           <a:custGeom>
             <a:avLst/>
@@ -4371,7 +4377,7 @@
         </p:nvSpPr>
         <p:spPr bwMode="auto">
           <a:xfrm>
-            <a:off x="1045633" y="503197"/>
+            <a:off x="1045632" y="503197"/>
             <a:ext cx="5284893" cy="3974469"/>
           </a:xfrm>
           <a:custGeom>
@@ -5010,7 +5016,7 @@
         </p:nvSpPr>
         <p:spPr bwMode="auto">
           <a:xfrm>
-            <a:off x="1648463" y="4729109"/>
+            <a:off x="1648462" y="4729109"/>
             <a:ext cx="755507" cy="568121"/>
           </a:xfrm>
           <a:custGeom>
@@ -5161,7 +5167,7 @@
         <p:spPr bwMode="auto">
           <a:xfrm>
             <a:off x="2370101" y="5855034"/>
-            <a:ext cx="893514" cy="671935"/>
+            <a:ext cx="893513" cy="671935"/>
           </a:xfrm>
           <a:custGeom>
             <a:avLst/>
@@ -5310,7 +5316,7 @@
         </p:nvSpPr>
         <p:spPr bwMode="auto">
           <a:xfrm>
-            <a:off x="3596921" y="5964721"/>
+            <a:off x="3596920" y="5964721"/>
             <a:ext cx="726439" cy="546215"/>
           </a:xfrm>
           <a:custGeom>
@@ -5385,7 +5391,7 @@
         </p:nvSpPr>
         <p:spPr bwMode="auto">
           <a:xfrm>
-            <a:off x="3037843" y="5578670"/>
+            <a:off x="3037843" y="5578669"/>
             <a:ext cx="977899" cy="735271"/>
           </a:xfrm>
           <a:custGeom>
@@ -5689,7 +5695,7 @@
         <p:spPr bwMode="auto">
           <a:xfrm>
             <a:off x="815413" y="6356353"/>
-            <a:ext cx="2844799" cy="365125"/>
+            <a:ext cx="2844798" cy="365125"/>
           </a:xfrm>
           <a:prstGeom prst="rect">
             <a:avLst/>
@@ -6386,7 +6392,7 @@
       </p:grpSpPr>
       <p:sp>
         <p:nvSpPr>
-          <p:cNvPr id="1382817542" name="Title 1" hidden="0"/>
+          <p:cNvPr id="752571783" name="Заголовок 1" hidden="0"/>
           <p:cNvSpPr>
             <a:spLocks noGrp="1"/>
           </p:cNvSpPr>
@@ -6402,18 +6408,226 @@
             <a:pPr>
               <a:defRPr/>
             </a:pPr>
-            <a:endParaRPr/>
+            <a:r>
+              <a:rPr sz="3600">
+                <a:latin typeface="Open Sans"/>
+                <a:ea typeface="Open Sans"/>
+                <a:cs typeface="Open Sans"/>
+              </a:rPr>
+              <a:t>Desvantagens</a:t>
+            </a:r>
+            <a:endParaRPr sz="3600">
+              <a:latin typeface="Open Sans"/>
+              <a:ea typeface="Open Sans"/>
+              <a:cs typeface="Open Sans"/>
+            </a:endParaRPr>
           </a:p>
         </p:txBody>
       </p:sp>
       <p:sp>
         <p:nvSpPr>
-          <p:cNvPr id="211061388" name="Content Placeholder 2" hidden="0"/>
+          <p:cNvPr id="1769214598" name="Объект 2" hidden="0"/>
           <p:cNvSpPr>
             <a:spLocks noGrp="1"/>
           </p:cNvSpPr>
           <p:nvPr isPhoto="0" userDrawn="0">
             <p:ph idx="1" hasCustomPrompt="0"/>
+          </p:nvPr>
+        </p:nvSpPr>
+        <p:spPr bwMode="auto">
+          <a:xfrm flipH="0" flipV="0">
+            <a:off x="799252" y="1600202"/>
+            <a:ext cx="10577332" cy="5374034"/>
+          </a:xfrm>
+        </p:spPr>
+        <p:txBody>
+          <a:bodyPr vertOverflow="overflow" horzOverflow="clip" vert="horz" wrap="square" lIns="91440" tIns="45720" rIns="91440" bIns="45720" numCol="1" spcCol="0" rtlCol="0" fromWordArt="0" anchor="t" anchorCtr="0" forceAA="0" upright="0" compatLnSpc="0">
+            <a:normAutofit/>
+          </a:bodyPr>
+          <a:lstStyle/>
+          <a:p>
+            <a:pPr>
+              <a:defRPr/>
+            </a:pPr>
+            <a:r>
+              <a:rPr lang="pt-BR" sz="2800" b="0" i="0" u="none" strike="noStrike" cap="none" spc="0">
+                <a:solidFill>
+                  <a:schemeClr val="accent6">
+                    <a:lumMod val="50000"/>
+                  </a:schemeClr>
+                </a:solidFill>
+                <a:latin typeface="Open Sans"/>
+                <a:ea typeface="Open Sans"/>
+                <a:cs typeface="Open Sans"/>
+              </a:rPr>
+              <a:t>  Sensação de falsa segurança, visto que testes unitários não garantem que o código testado funciona, nem que é eficiente e muito menos que faz sentido</a:t>
+            </a:r>
+            <a:endParaRPr sz="2800" b="0" i="0" u="none" strike="noStrike" cap="none" spc="0">
+              <a:solidFill>
+                <a:schemeClr val="accent6">
+                  <a:lumMod val="50000"/>
+                </a:schemeClr>
+              </a:solidFill>
+              <a:latin typeface="Open Sans"/>
+              <a:ea typeface="Open Sans"/>
+              <a:cs typeface="Open Sans"/>
+            </a:endParaRPr>
+          </a:p>
+          <a:p>
+            <a:pPr>
+              <a:defRPr/>
+            </a:pPr>
+            <a:endParaRPr sz="2800" b="0" i="0" u="none" strike="noStrike" cap="none" spc="0">
+              <a:solidFill>
+                <a:schemeClr val="accent6">
+                  <a:lumMod val="50000"/>
+                </a:schemeClr>
+              </a:solidFill>
+              <a:latin typeface="Open Sans"/>
+              <a:ea typeface="Open Sans"/>
+              <a:cs typeface="Open Sans"/>
+            </a:endParaRPr>
+          </a:p>
+          <a:p>
+            <a:pPr>
+              <a:defRPr/>
+            </a:pPr>
+            <a:r>
+              <a:rPr lang="pt-BR" sz="2800" b="0" i="0" u="none" strike="noStrike" cap="none" spc="0">
+                <a:solidFill>
+                  <a:schemeClr val="accent6">
+                    <a:lumMod val="50000"/>
+                  </a:schemeClr>
+                </a:solidFill>
+                <a:latin typeface="Open Sans"/>
+                <a:ea typeface="Open Sans"/>
+                <a:cs typeface="Open Sans"/>
+              </a:rPr>
+              <a:t>  Mais tempo gasto escrevendo testes redundantes/desnecessários só para completar 100%</a:t>
+            </a:r>
+            <a:endParaRPr sz="2800" b="0" i="0" u="none" strike="noStrike" cap="none" spc="0">
+              <a:solidFill>
+                <a:schemeClr val="accent6">
+                  <a:lumMod val="50000"/>
+                </a:schemeClr>
+              </a:solidFill>
+              <a:latin typeface="Open Sans"/>
+              <a:ea typeface="Open Sans"/>
+              <a:cs typeface="Open Sans"/>
+            </a:endParaRPr>
+          </a:p>
+          <a:p>
+            <a:pPr>
+              <a:defRPr/>
+            </a:pPr>
+            <a:endParaRPr sz="2800" b="0" i="0" u="none" strike="noStrike" cap="none" spc="0">
+              <a:solidFill>
+                <a:schemeClr val="accent6">
+                  <a:lumMod val="50000"/>
+                </a:schemeClr>
+              </a:solidFill>
+              <a:latin typeface="Open Sans"/>
+              <a:ea typeface="Open Sans"/>
+              <a:cs typeface="Open Sans"/>
+            </a:endParaRPr>
+          </a:p>
+          <a:p>
+            <a:pPr>
+              <a:defRPr/>
+            </a:pPr>
+            <a:r>
+              <a:rPr lang="pt-BR" sz="2800" b="0" i="0" u="none" strike="noStrike" cap="none" spc="0">
+                <a:solidFill>
+                  <a:schemeClr val="accent6">
+                    <a:lumMod val="50000"/>
+                  </a:schemeClr>
+                </a:solidFill>
+                <a:latin typeface="Open Sans"/>
+                <a:ea typeface="Open Sans"/>
+                <a:cs typeface="Open Sans"/>
+              </a:rPr>
+              <a:t>  Ter </a:t>
+            </a:r>
+            <a:r>
+              <a:rPr lang="pt-BR" sz="2800" b="1" i="0" u="none" strike="noStrike" cap="none" spc="0">
+                <a:solidFill>
+                  <a:schemeClr val="accent6">
+                    <a:lumMod val="50000"/>
+                  </a:schemeClr>
+                </a:solidFill>
+                <a:latin typeface="Open Sans"/>
+                <a:ea typeface="Open Sans"/>
+                <a:cs typeface="Open Sans"/>
+              </a:rPr>
+              <a:t>bons</a:t>
+            </a:r>
+            <a:r>
+              <a:rPr lang="pt-BR" sz="2800" b="0" i="0" u="none" strike="noStrike" cap="none" spc="0">
+                <a:solidFill>
+                  <a:schemeClr val="accent6">
+                    <a:lumMod val="50000"/>
+                  </a:schemeClr>
+                </a:solidFill>
+                <a:latin typeface="Open Sans"/>
+                <a:ea typeface="Open Sans"/>
+                <a:cs typeface="Open Sans"/>
+              </a:rPr>
+              <a:t> testes unitários concentrados em funcionalidades mais complexas é melhor do que testes simples em todo o projeto</a:t>
+            </a:r>
+            <a:endParaRPr sz="2800" b="0" i="0" u="none" strike="noStrike" cap="none" spc="0">
+              <a:solidFill>
+                <a:schemeClr val="accent6">
+                  <a:lumMod val="50000"/>
+                </a:schemeClr>
+              </a:solidFill>
+              <a:latin typeface="Open Sans"/>
+              <a:ea typeface="Open Sans"/>
+              <a:cs typeface="Open Sans"/>
+            </a:endParaRPr>
+          </a:p>
+        </p:txBody>
+      </p:sp>
+    </p:spTree>
+  </p:cSld>
+  <p:clrMapOvr>
+    <a:masterClrMapping/>
+  </p:clrMapOvr>
+  <mc:AlternateContent xmlns:mc="http://schemas.openxmlformats.org/markup-compatibility/2006">
+    <mc:Choice xmlns:p14="http://schemas.microsoft.com/office/powerpoint/2010/main" Requires="p14">
+      <p:transition p14:dur="2000" advClick="1"/>
+    </mc:Choice>
+    <mc:Fallback>
+      <p:transition advClick="1"/>
+    </mc:Fallback>
+  </mc:AlternateContent>
+</p:sld>
+</file>
+
+<file path=ppt/slides/slide11.xml><?xml version="1.0" encoding="utf-8"?>
+<p:sld xmlns:a="http://schemas.openxmlformats.org/drawingml/2006/main" xmlns:r="http://schemas.openxmlformats.org/officeDocument/2006/relationships" xmlns:p="http://schemas.openxmlformats.org/presentationml/2006/main" xmlns:m="http://schemas.openxmlformats.org/officeDocument/2006/math" xmlns:w="http://schemas.openxmlformats.org/wordprocessingml/2006/main" showMasterPhAnim="0" show="1">
+  <p:cSld name="">
+    <p:spTree>
+      <p:nvGrpSpPr>
+        <p:cNvPr id="1" name="" hidden="0"/>
+        <p:cNvGrpSpPr/>
+        <p:nvPr isPhoto="0" userDrawn="0"/>
+      </p:nvGrpSpPr>
+      <p:grpSpPr bwMode="auto">
+        <a:xfrm>
+          <a:off x="0" y="0"/>
+          <a:ext cx="0" cy="0"/>
+          <a:chOff x="0" y="0"/>
+          <a:chExt cx="0" cy="0"/>
+        </a:xfrm>
+      </p:grpSpPr>
+      <p:sp>
+        <p:nvSpPr>
+          <p:cNvPr id="810379564" name="Заголовок 1" hidden="0"/>
+          <p:cNvSpPr>
+            <a:spLocks noGrp="1"/>
+          </p:cNvSpPr>
+          <p:nvPr isPhoto="0" userDrawn="0">
+            <p:ph type="title" hasCustomPrompt="0"/>
           </p:nvPr>
         </p:nvSpPr>
         <p:spPr bwMode="auto"/>
@@ -6424,7 +6638,1495 @@
             <a:pPr>
               <a:defRPr/>
             </a:pPr>
+            <a:r>
+              <a:rPr sz="3600">
+                <a:latin typeface="Open Sans"/>
+                <a:ea typeface="Open Sans"/>
+                <a:cs typeface="Open Sans"/>
+              </a:rPr>
+              <a:t>Afinal, o que são bons testes unitários?</a:t>
+            </a:r>
+            <a:endParaRPr sz="3600">
+              <a:latin typeface="Open Sans"/>
+              <a:ea typeface="Open Sans"/>
+              <a:cs typeface="Open Sans"/>
+            </a:endParaRPr>
+          </a:p>
+        </p:txBody>
+      </p:sp>
+      <p:sp>
+        <p:nvSpPr>
+          <p:cNvPr id="1219449697" name="Объект 2" hidden="0"/>
+          <p:cNvSpPr>
+            <a:spLocks noGrp="1"/>
+          </p:cNvSpPr>
+          <p:nvPr isPhoto="0" userDrawn="0">
+            <p:ph idx="1" hasCustomPrompt="0"/>
+          </p:nvPr>
+        </p:nvSpPr>
+        <p:spPr bwMode="auto">
+          <a:xfrm flipH="0" flipV="0">
+            <a:off x="799251" y="1600201"/>
+            <a:ext cx="10981622" cy="5924547"/>
+          </a:xfrm>
+        </p:spPr>
+        <p:txBody>
+          <a:bodyPr vertOverflow="overflow" horzOverflow="clip" vert="horz" wrap="square" lIns="91440" tIns="45720" rIns="91440" bIns="45720" numCol="1" spcCol="0" rtlCol="0" fromWordArt="0" anchor="t" anchorCtr="0" forceAA="0" upright="0" compatLnSpc="0">
+            <a:normAutofit/>
+          </a:bodyPr>
+          <a:lstStyle/>
+          <a:p>
+            <a:pPr>
+              <a:lnSpc>
+                <a:spcPct val="150000"/>
+              </a:lnSpc>
+              <a:defRPr/>
+            </a:pPr>
+            <a:r>
+              <a:rPr lang="pt-BR" sz="2800" b="0" i="0" u="none" strike="noStrike" cap="none" spc="0">
+                <a:solidFill>
+                  <a:schemeClr val="accent6">
+                    <a:lumMod val="50000"/>
+                  </a:schemeClr>
+                </a:solidFill>
+                <a:latin typeface="Open Sans"/>
+                <a:ea typeface="Open Sans"/>
+                <a:cs typeface="Open Sans"/>
+              </a:rPr>
+              <a:t>Bons testes unitários devem:</a:t>
+            </a:r>
+            <a:endParaRPr lang="pt-BR" sz="2800" b="0" i="0" u="none" strike="noStrike" cap="none" spc="0">
+              <a:solidFill>
+                <a:schemeClr val="accent6">
+                  <a:lumMod val="50000"/>
+                </a:schemeClr>
+              </a:solidFill>
+              <a:latin typeface="Open Sans"/>
+              <a:ea typeface="Open Sans"/>
+              <a:cs typeface="Open Sans"/>
+            </a:endParaRPr>
+          </a:p>
+          <a:p>
+            <a:pPr lvl="1">
+              <a:lnSpc>
+                <a:spcPct val="150000"/>
+              </a:lnSpc>
+              <a:buFont typeface="Courier New"/>
+              <a:buChar char="o"/>
+              <a:defRPr/>
+            </a:pPr>
+            <a:r>
+              <a:rPr lang="pt-BR" sz="2000" b="0" i="0" u="none" strike="noStrike" cap="none" spc="0">
+                <a:solidFill>
+                  <a:schemeClr val="accent6">
+                    <a:lumMod val="50000"/>
+                  </a:schemeClr>
+                </a:solidFill>
+                <a:latin typeface="Open Sans"/>
+                <a:ea typeface="Open Sans"/>
+                <a:cs typeface="Open Sans"/>
+              </a:rPr>
+              <a:t>Ser isolados (funções puras, portanto, sem efeitos colaterais);</a:t>
+            </a:r>
+            <a:endParaRPr sz="2000" b="0" i="0" u="none" strike="noStrike" cap="none" spc="0">
+              <a:solidFill>
+                <a:schemeClr val="accent6">
+                  <a:lumMod val="50000"/>
+                </a:schemeClr>
+              </a:solidFill>
+              <a:latin typeface="Open Sans"/>
+              <a:ea typeface="Open Sans"/>
+              <a:cs typeface="Open Sans"/>
+            </a:endParaRPr>
+          </a:p>
+          <a:p>
+            <a:pPr lvl="1">
+              <a:lnSpc>
+                <a:spcPct val="150000"/>
+              </a:lnSpc>
+              <a:buFont typeface="Courier New"/>
+              <a:buChar char="o"/>
+              <a:defRPr/>
+            </a:pPr>
+            <a:r>
+              <a:rPr lang="pt-BR" sz="2000" b="0" i="0" u="none" strike="noStrike" cap="none" spc="0">
+                <a:solidFill>
+                  <a:schemeClr val="accent6">
+                    <a:lumMod val="50000"/>
+                  </a:schemeClr>
+                </a:solidFill>
+                <a:latin typeface="Open Sans"/>
+                <a:ea typeface="Open Sans"/>
+                <a:cs typeface="Open Sans"/>
+              </a:rPr>
+              <a:t>Ser determinísticos (sempre retornam o mesmo resultado, portanto não podem conter valores pseudoaleatórios ou que dependam da data, acesso a disco, requisições </a:t>
+            </a:r>
+            <a:r>
+              <a:rPr lang="pt-BR" sz="2000" b="0" i="1" u="none" strike="noStrike" cap="none" spc="0">
+                <a:solidFill>
+                  <a:schemeClr val="accent6">
+                    <a:lumMod val="50000"/>
+                  </a:schemeClr>
+                </a:solidFill>
+                <a:latin typeface="Open Sans"/>
+                <a:ea typeface="Open Sans"/>
+                <a:cs typeface="Open Sans"/>
+              </a:rPr>
+              <a:t>HTTP</a:t>
+            </a:r>
+            <a:r>
+              <a:rPr lang="pt-BR" sz="2000" b="0" i="0" u="none" strike="noStrike" cap="none" spc="0">
+                <a:solidFill>
+                  <a:schemeClr val="accent6">
+                    <a:lumMod val="50000"/>
+                  </a:schemeClr>
+                </a:solidFill>
+                <a:latin typeface="Open Sans"/>
+                <a:ea typeface="Open Sans"/>
+                <a:cs typeface="Open Sans"/>
+              </a:rPr>
+              <a:t>, etc.);</a:t>
+            </a:r>
+            <a:endParaRPr sz="2000" b="0" i="0" u="none" strike="noStrike" cap="none" spc="0">
+              <a:solidFill>
+                <a:schemeClr val="accent6">
+                  <a:lumMod val="50000"/>
+                </a:schemeClr>
+              </a:solidFill>
+              <a:latin typeface="Open Sans"/>
+              <a:ea typeface="Open Sans"/>
+              <a:cs typeface="Open Sans"/>
+            </a:endParaRPr>
+          </a:p>
+          <a:p>
+            <a:pPr lvl="1">
+              <a:lnSpc>
+                <a:spcPct val="150000"/>
+              </a:lnSpc>
+              <a:buFont typeface="Courier New"/>
+              <a:buChar char="o"/>
+              <a:defRPr/>
+            </a:pPr>
+            <a:r>
+              <a:rPr lang="pt-BR" sz="2000" b="0" i="0" u="none" strike="noStrike" cap="none" spc="0">
+                <a:solidFill>
+                  <a:schemeClr val="accent6">
+                    <a:lumMod val="50000"/>
+                  </a:schemeClr>
+                </a:solidFill>
+                <a:latin typeface="Open Sans"/>
+                <a:ea typeface="Open Sans"/>
+                <a:cs typeface="Open Sans"/>
+              </a:rPr>
+              <a:t>Ignorar a implementação das funções/métodos/classes que testam, separando-a da tarefa que estes devem realizar;</a:t>
+            </a:r>
+            <a:endParaRPr sz="2000" b="0" i="0" u="none" strike="noStrike" cap="none" spc="0">
+              <a:solidFill>
+                <a:schemeClr val="accent6">
+                  <a:lumMod val="50000"/>
+                </a:schemeClr>
+              </a:solidFill>
+              <a:latin typeface="Open Sans"/>
+              <a:ea typeface="Open Sans"/>
+              <a:cs typeface="Open Sans"/>
+            </a:endParaRPr>
+          </a:p>
+          <a:p>
+            <a:pPr lvl="1">
+              <a:lnSpc>
+                <a:spcPct val="150000"/>
+              </a:lnSpc>
+              <a:buFont typeface="Courier New"/>
+              <a:buChar char="o"/>
+              <a:defRPr/>
+            </a:pPr>
+            <a:r>
+              <a:rPr lang="pt-BR" sz="2000" b="0" i="0" u="none" strike="noStrike" cap="none" spc="0">
+                <a:solidFill>
+                  <a:schemeClr val="accent6">
+                    <a:lumMod val="50000"/>
+                  </a:schemeClr>
+                </a:solidFill>
+                <a:latin typeface="Open Sans"/>
+                <a:ea typeface="Open Sans"/>
+                <a:cs typeface="Open Sans"/>
+              </a:rPr>
+              <a:t>Ser específicos (testam um único caso ou um conjunto de casos semelhantes);</a:t>
+            </a:r>
+            <a:endParaRPr sz="2000" b="0" i="0" u="none" strike="noStrike" cap="none" spc="0">
+              <a:solidFill>
+                <a:schemeClr val="accent6">
+                  <a:lumMod val="50000"/>
+                </a:schemeClr>
+              </a:solidFill>
+              <a:latin typeface="Open Sans"/>
+              <a:ea typeface="Open Sans"/>
+              <a:cs typeface="Open Sans"/>
+            </a:endParaRPr>
+          </a:p>
+          <a:p>
+            <a:pPr lvl="1">
+              <a:lnSpc>
+                <a:spcPct val="150000"/>
+              </a:lnSpc>
+              <a:buFont typeface="Courier New"/>
+              <a:buChar char="o"/>
+              <a:defRPr/>
+            </a:pPr>
+            <a:r>
+              <a:rPr lang="pt-BR" sz="2000" b="0" i="0" u="none" strike="noStrike" cap="none" spc="0">
+                <a:solidFill>
+                  <a:schemeClr val="accent6">
+                    <a:lumMod val="50000"/>
+                  </a:schemeClr>
+                </a:solidFill>
+                <a:latin typeface="Open Sans"/>
+                <a:ea typeface="Open Sans"/>
+                <a:cs typeface="Open Sans"/>
+              </a:rPr>
+              <a:t>Incluir casos triviais e valores inesperados (</a:t>
+            </a:r>
+            <a:r>
+              <a:rPr lang="pt-BR" sz="2000" b="0" i="1" u="none" strike="noStrike" cap="none" spc="0">
+                <a:solidFill>
+                  <a:schemeClr val="accent6">
+                    <a:lumMod val="50000"/>
+                  </a:schemeClr>
+                </a:solidFill>
+                <a:latin typeface="Open Sans"/>
+                <a:ea typeface="Open Sans"/>
+                <a:cs typeface="Open Sans"/>
+              </a:rPr>
+              <a:t>null</a:t>
+            </a:r>
+            <a:r>
+              <a:rPr lang="pt-BR" sz="2000" b="0" i="0" u="none" strike="noStrike" cap="none" spc="0">
+                <a:solidFill>
+                  <a:schemeClr val="accent6">
+                    <a:lumMod val="50000"/>
+                  </a:schemeClr>
+                </a:solidFill>
+                <a:latin typeface="Open Sans"/>
+                <a:ea typeface="Open Sans"/>
+                <a:cs typeface="Open Sans"/>
+              </a:rPr>
+              <a:t>, </a:t>
+            </a:r>
+            <a:r>
+              <a:rPr lang="pt-BR" sz="2000" b="0" i="1" u="none" strike="noStrike" cap="none" spc="0">
+                <a:solidFill>
+                  <a:schemeClr val="accent6">
+                    <a:lumMod val="50000"/>
+                  </a:schemeClr>
+                </a:solidFill>
+                <a:latin typeface="Open Sans"/>
+                <a:ea typeface="Open Sans"/>
+                <a:cs typeface="Open Sans"/>
+              </a:rPr>
+              <a:t>undefined</a:t>
+            </a:r>
+            <a:r>
+              <a:rPr lang="pt-BR" sz="2000" b="0" i="0" u="none" strike="noStrike" cap="none" spc="0">
+                <a:solidFill>
+                  <a:schemeClr val="accent6">
+                    <a:lumMod val="50000"/>
+                  </a:schemeClr>
+                </a:solidFill>
+                <a:latin typeface="Open Sans"/>
+                <a:ea typeface="Open Sans"/>
+                <a:cs typeface="Open Sans"/>
+              </a:rPr>
+              <a:t>, tipos não permitidos, etc.);</a:t>
+            </a:r>
+            <a:endParaRPr sz="2000" b="0" i="0" u="none" strike="noStrike" cap="none" spc="0">
+              <a:solidFill>
+                <a:schemeClr val="accent6">
+                  <a:lumMod val="50000"/>
+                </a:schemeClr>
+              </a:solidFill>
+              <a:latin typeface="Open Sans"/>
+              <a:ea typeface="Open Sans"/>
+              <a:cs typeface="Open Sans"/>
+            </a:endParaRPr>
+          </a:p>
+          <a:p>
+            <a:pPr lvl="1">
+              <a:lnSpc>
+                <a:spcPct val="150000"/>
+              </a:lnSpc>
+              <a:buFont typeface="Courier New"/>
+              <a:buChar char="o"/>
+              <a:defRPr/>
+            </a:pPr>
+            <a:r>
+              <a:rPr lang="pt-BR" sz="2000" b="0" i="0" u="none" strike="noStrike" cap="none" spc="0">
+                <a:solidFill>
+                  <a:schemeClr val="accent6">
+                    <a:lumMod val="50000"/>
+                  </a:schemeClr>
+                </a:solidFill>
+                <a:latin typeface="Open Sans"/>
+                <a:ea typeface="Open Sans"/>
+                <a:cs typeface="Open Sans"/>
+              </a:rPr>
+              <a:t>Ter nomes intuitivos, que implicam qual caso é testado;</a:t>
+            </a:r>
+            <a:endParaRPr sz="2000" b="0" i="0" u="none" strike="noStrike" cap="none" spc="0">
+              <a:solidFill>
+                <a:schemeClr val="accent6">
+                  <a:lumMod val="50000"/>
+                </a:schemeClr>
+              </a:solidFill>
+              <a:latin typeface="Open Sans"/>
+              <a:ea typeface="Open Sans"/>
+              <a:cs typeface="Open Sans"/>
+            </a:endParaRPr>
+          </a:p>
+        </p:txBody>
+      </p:sp>
+    </p:spTree>
+  </p:cSld>
+  <p:clrMapOvr>
+    <a:masterClrMapping/>
+  </p:clrMapOvr>
+  <mc:AlternateContent xmlns:mc="http://schemas.openxmlformats.org/markup-compatibility/2006">
+    <mc:Choice xmlns:p14="http://schemas.microsoft.com/office/powerpoint/2010/main" Requires="p14">
+      <p:transition p14:dur="2000" advClick="1"/>
+    </mc:Choice>
+    <mc:Fallback>
+      <p:transition advClick="1"/>
+    </mc:Fallback>
+  </mc:AlternateContent>
+</p:sld>
+</file>
+
+<file path=ppt/slides/slide12.xml><?xml version="1.0" encoding="utf-8"?>
+<p:sld xmlns:a="http://schemas.openxmlformats.org/drawingml/2006/main" xmlns:r="http://schemas.openxmlformats.org/officeDocument/2006/relationships" xmlns:p="http://schemas.openxmlformats.org/presentationml/2006/main" xmlns:m="http://schemas.openxmlformats.org/officeDocument/2006/math" xmlns:w="http://schemas.openxmlformats.org/wordprocessingml/2006/main" showMasterPhAnim="0" show="1">
+  <p:cSld name="">
+    <p:spTree>
+      <p:nvGrpSpPr>
+        <p:cNvPr id="1" name="" hidden="0"/>
+        <p:cNvGrpSpPr/>
+        <p:nvPr isPhoto="0" userDrawn="0"/>
+      </p:nvGrpSpPr>
+      <p:grpSpPr bwMode="auto">
+        <a:xfrm>
+          <a:off x="0" y="0"/>
+          <a:ext cx="0" cy="0"/>
+          <a:chOff x="0" y="0"/>
+          <a:chExt cx="0" cy="0"/>
+        </a:xfrm>
+      </p:grpSpPr>
+      <p:sp>
+        <p:nvSpPr>
+          <p:cNvPr id="818330037" name="Заголовок 1" hidden="0"/>
+          <p:cNvSpPr>
+            <a:spLocks noGrp="1"/>
+          </p:cNvSpPr>
+          <p:nvPr isPhoto="0" userDrawn="0">
+            <p:ph type="title" hasCustomPrompt="0"/>
+          </p:nvPr>
+        </p:nvSpPr>
+        <p:spPr bwMode="auto"/>
+        <p:txBody>
+          <a:bodyPr vertOverflow="overflow" horzOverflow="clip" vert="horz" wrap="square" lIns="91440" tIns="45720" rIns="91440" bIns="45720" numCol="1" spcCol="0" rtlCol="0" fromWordArt="0" anchor="ctr" anchorCtr="0" forceAA="0" upright="0" compatLnSpc="0">
+            <a:normAutofit/>
+          </a:bodyPr>
+          <a:lstStyle/>
+          <a:p>
+            <a:pPr>
+              <a:defRPr/>
+            </a:pPr>
+            <a:r>
+              <a:rPr lang="pt-BR" sz="3600" b="1" i="0" u="none" strike="noStrike" cap="none" spc="0">
+                <a:solidFill>
+                  <a:schemeClr val="accent6">
+                    <a:lumMod val="50000"/>
+                  </a:schemeClr>
+                </a:solidFill>
+                <a:latin typeface="Open Sans"/>
+                <a:ea typeface="Open Sans"/>
+                <a:cs typeface="Open Sans"/>
+              </a:rPr>
+              <a:t>Caso de uso: função de estimativa do cosseno</a:t>
+            </a:r>
+            <a:endParaRPr sz="3600"/>
+          </a:p>
+        </p:txBody>
+      </p:sp>
+      <p:sp>
+        <p:nvSpPr>
+          <p:cNvPr id="374214829" name="" hidden="0"/>
+          <p:cNvSpPr/>
+          <p:nvPr isPhoto="0" userDrawn="0"/>
+        </p:nvSpPr>
+        <p:spPr bwMode="auto">
+          <a:xfrm flipH="0" flipV="0">
+            <a:off x="9090537" y="5422856"/>
+            <a:ext cx="363429" cy="365795"/>
+          </a:xfrm>
+        </p:spPr>
+        <p:txBody>
+          <a:bodyPr rot="0" spcFirstLastPara="0" vertOverflow="overflow" horzOverflow="clip" vert="horz" wrap="square" lIns="91440" tIns="45720" rIns="91440" bIns="45720" numCol="1" spcCol="0" rtlCol="0" fromWordArt="0" anchor="t" anchorCtr="0" forceAA="0" upright="0" compatLnSpc="1">
+            <a:prstTxWarp prst="textNoShape"/>
+            <a:spAutoFit/>
+          </a:bodyPr>
+          <a:p>
+            <a:pPr>
+              <a:defRPr/>
+            </a:pPr>
             <a:endParaRPr/>
+          </a:p>
+        </p:txBody>
+      </p:sp>
+      <p:sp>
+        <p:nvSpPr>
+          <p:cNvPr id="1814826076" name="" hidden="0"/>
+          <p:cNvSpPr/>
+          <p:nvPr isPhoto="0" userDrawn="0"/>
+        </p:nvSpPr>
+        <p:spPr bwMode="auto">
+          <a:xfrm>
+            <a:off x="9207077" y="5422856"/>
+            <a:ext cx="254916" cy="365795"/>
+          </a:xfrm>
+        </p:spPr>
+        <p:txBody>
+          <a:bodyPr rot="0" spcFirstLastPara="0" vertOverflow="overflow" horzOverflow="clip" vert="horz" wrap="square" lIns="91440" tIns="45720" rIns="91440" bIns="45720" numCol="1" spcCol="0" rtlCol="0" fromWordArt="0" anchor="t" anchorCtr="0" forceAA="0" upright="0" compatLnSpc="1">
+            <a:prstTxWarp prst="textNoShape"/>
+            <a:spAutoFit/>
+          </a:bodyPr>
+          <a:p>
+            <a:pPr>
+              <a:defRPr/>
+            </a:pPr>
+            <a:endParaRPr/>
+          </a:p>
+        </p:txBody>
+      </p:sp>
+      <p:pic>
+        <p:nvPicPr>
+          <p:cNvPr id="1659850761" name="" hidden="0"/>
+          <p:cNvPicPr>
+            <a:picLocks noChangeAspect="1"/>
+          </p:cNvPicPr>
+          <p:nvPr isPhoto="0" userDrawn="0"/>
+        </p:nvPicPr>
+        <p:blipFill>
+          <a:blip r:embed="rId2"/>
+          <a:stretch/>
+        </p:blipFill>
+        <p:spPr bwMode="auto">
+          <a:xfrm flipH="0" flipV="0">
+            <a:off x="2072348" y="2203452"/>
+            <a:ext cx="8031141" cy="4617906"/>
+          </a:xfrm>
+          <a:prstGeom prst="rect">
+            <a:avLst/>
+          </a:prstGeom>
+        </p:spPr>
+      </p:pic>
+      <p:pic>
+        <p:nvPicPr>
+          <p:cNvPr id="569962058" name="" hidden="0"/>
+          <p:cNvPicPr>
+            <a:picLocks noChangeAspect="1"/>
+          </p:cNvPicPr>
+          <p:nvPr isPhoto="0" userDrawn="0"/>
+        </p:nvPicPr>
+        <p:blipFill>
+          <a:blip r:embed="rId3"/>
+          <a:stretch/>
+        </p:blipFill>
+        <p:spPr bwMode="auto">
+          <a:xfrm flipH="0" flipV="0">
+            <a:off x="3235303" y="1691318"/>
+            <a:ext cx="5924147" cy="1024268"/>
+          </a:xfrm>
+          <a:prstGeom prst="rect">
+            <a:avLst/>
+          </a:prstGeom>
+        </p:spPr>
+      </p:pic>
+    </p:spTree>
+  </p:cSld>
+  <p:clrMapOvr>
+    <a:masterClrMapping/>
+  </p:clrMapOvr>
+  <mc:AlternateContent xmlns:mc="http://schemas.openxmlformats.org/markup-compatibility/2006">
+    <mc:Choice xmlns:p14="http://schemas.microsoft.com/office/powerpoint/2010/main" Requires="p14">
+      <p:transition p14:dur="2000" advClick="1"/>
+    </mc:Choice>
+    <mc:Fallback>
+      <p:transition advClick="1"/>
+    </mc:Fallback>
+  </mc:AlternateContent>
+</p:sld>
+</file>
+
+<file path=ppt/slides/slide13.xml><?xml version="1.0" encoding="utf-8"?>
+<p:sld xmlns:a="http://schemas.openxmlformats.org/drawingml/2006/main" xmlns:r="http://schemas.openxmlformats.org/officeDocument/2006/relationships" xmlns:p="http://schemas.openxmlformats.org/presentationml/2006/main" xmlns:m="http://schemas.openxmlformats.org/officeDocument/2006/math" xmlns:w="http://schemas.openxmlformats.org/wordprocessingml/2006/main" showMasterPhAnim="0" show="1">
+  <p:cSld name="">
+    <p:spTree>
+      <p:nvGrpSpPr>
+        <p:cNvPr id="1" name="" hidden="0"/>
+        <p:cNvGrpSpPr/>
+        <p:nvPr isPhoto="0" userDrawn="0"/>
+      </p:nvGrpSpPr>
+      <p:grpSpPr bwMode="auto">
+        <a:xfrm>
+          <a:off x="0" y="0"/>
+          <a:ext cx="0" cy="0"/>
+          <a:chOff x="0" y="0"/>
+          <a:chExt cx="0" cy="0"/>
+        </a:xfrm>
+      </p:grpSpPr>
+      <p:sp>
+        <p:nvSpPr>
+          <p:cNvPr id="1076741524" name="Заголовок 1" hidden="0"/>
+          <p:cNvSpPr>
+            <a:spLocks noGrp="1"/>
+          </p:cNvSpPr>
+          <p:nvPr isPhoto="0" userDrawn="0">
+            <p:ph type="title" hasCustomPrompt="0"/>
+          </p:nvPr>
+        </p:nvSpPr>
+        <p:spPr bwMode="auto"/>
+        <p:txBody>
+          <a:bodyPr vertOverflow="overflow" horzOverflow="clip" vert="horz" wrap="square" lIns="91440" tIns="45720" rIns="91440" bIns="45720" numCol="1" spcCol="0" rtlCol="0" fromWordArt="0" anchor="ctr" anchorCtr="0" forceAA="0" upright="0" compatLnSpc="0">
+            <a:normAutofit/>
+          </a:bodyPr>
+          <a:lstStyle/>
+          <a:p>
+            <a:pPr>
+              <a:defRPr/>
+            </a:pPr>
+            <a:r>
+              <a:rPr lang="pt-BR" sz="3600" b="1" i="0" u="none" strike="noStrike" cap="none" spc="0">
+                <a:solidFill>
+                  <a:schemeClr val="accent6">
+                    <a:lumMod val="50000"/>
+                  </a:schemeClr>
+                </a:solidFill>
+                <a:latin typeface="Open Sans"/>
+                <a:ea typeface="Open Sans"/>
+                <a:cs typeface="Open Sans"/>
+              </a:rPr>
+              <a:t>Caso de uso: função de estimativa do cosseno</a:t>
+            </a:r>
+            <a:endParaRPr sz="3600"/>
+          </a:p>
+        </p:txBody>
+      </p:sp>
+      <p:sp>
+        <p:nvSpPr>
+          <p:cNvPr id="1808334947" name="" hidden="0"/>
+          <p:cNvSpPr/>
+          <p:nvPr isPhoto="0" userDrawn="0"/>
+        </p:nvSpPr>
+        <p:spPr bwMode="auto">
+          <a:xfrm flipH="0" flipV="0">
+            <a:off x="9090536" y="5422855"/>
+            <a:ext cx="363429" cy="365794"/>
+          </a:xfrm>
+        </p:spPr>
+        <p:txBody>
+          <a:bodyPr rot="0" spcFirstLastPara="0" vertOverflow="overflow" horzOverflow="clip" vert="horz" wrap="square" lIns="91440" tIns="45720" rIns="91440" bIns="45720" numCol="1" spcCol="0" rtlCol="0" fromWordArt="0" anchor="t" anchorCtr="0" forceAA="0" upright="0" compatLnSpc="1">
+            <a:prstTxWarp prst="textNoShape"/>
+            <a:spAutoFit/>
+          </a:bodyPr>
+          <a:p>
+            <a:pPr>
+              <a:defRPr/>
+            </a:pPr>
+            <a:endParaRPr/>
+          </a:p>
+        </p:txBody>
+      </p:sp>
+      <p:sp>
+        <p:nvSpPr>
+          <p:cNvPr id="252204593" name="" hidden="0"/>
+          <p:cNvSpPr/>
+          <p:nvPr isPhoto="0" userDrawn="0"/>
+        </p:nvSpPr>
+        <p:spPr bwMode="auto">
+          <a:xfrm>
+            <a:off x="9207076" y="5422855"/>
+            <a:ext cx="254916" cy="365794"/>
+          </a:xfrm>
+        </p:spPr>
+        <p:txBody>
+          <a:bodyPr rot="0" spcFirstLastPara="0" vertOverflow="overflow" horzOverflow="clip" vert="horz" wrap="square" lIns="91440" tIns="45720" rIns="91440" bIns="45720" numCol="1" spcCol="0" rtlCol="0" fromWordArt="0" anchor="t" anchorCtr="0" forceAA="0" upright="0" compatLnSpc="1">
+            <a:prstTxWarp prst="textNoShape"/>
+            <a:spAutoFit/>
+          </a:bodyPr>
+          <a:p>
+            <a:pPr>
+              <a:defRPr/>
+            </a:pPr>
+            <a:endParaRPr/>
+          </a:p>
+        </p:txBody>
+      </p:sp>
+      <p:sp>
+        <p:nvSpPr>
+          <p:cNvPr id="650376836" name="" hidden="0"/>
+          <p:cNvSpPr txBox="1"/>
+          <p:nvPr isPhoto="0" userDrawn="0"/>
+        </p:nvSpPr>
+        <p:spPr bwMode="auto">
+          <a:xfrm flipH="0" flipV="0">
+            <a:off x="676703" y="1417637"/>
+            <a:ext cx="10589188" cy="701075"/>
+          </a:xfrm>
+          <a:prstGeom prst="rect">
+            <a:avLst/>
+          </a:prstGeom>
+          <a:noFill/>
+        </p:spPr>
+        <p:txBody>
+          <a:bodyPr vertOverflow="overflow" horzOverflow="clip" vert="horz" wrap="square" lIns="91440" tIns="45720" rIns="91440" bIns="45720" numCol="1" spcCol="0" rtlCol="0" fromWordArt="0" anchor="t" anchorCtr="0" forceAA="0" upright="0" compatLnSpc="0">
+            <a:spAutoFit/>
+          </a:bodyPr>
+          <a:p>
+            <a:pPr marL="327936" indent="-327936">
+              <a:buFont typeface="Arial"/>
+              <a:buChar char="•"/>
+              <a:defRPr/>
+            </a:pPr>
+            <a:r>
+              <a:rPr sz="2000">
+                <a:solidFill>
+                  <a:schemeClr val="accent6">
+                    <a:lumMod val="50000"/>
+                  </a:schemeClr>
+                </a:solidFill>
+                <a:latin typeface="Open Sans"/>
+                <a:ea typeface="Open Sans"/>
+                <a:cs typeface="Open Sans"/>
+              </a:rPr>
+              <a:t>Dada a função cosseno, independente de qual seja a implementação, podemos fazer as seguintes verificações:</a:t>
+            </a:r>
+            <a:endParaRPr sz="2000">
+              <a:solidFill>
+                <a:schemeClr val="accent6">
+                  <a:lumMod val="50000"/>
+                </a:schemeClr>
+              </a:solidFill>
+              <a:latin typeface="Open Sans"/>
+              <a:ea typeface="Open Sans"/>
+              <a:cs typeface="Open Sans"/>
+            </a:endParaRPr>
+          </a:p>
+        </p:txBody>
+      </p:sp>
+      <p:pic>
+        <p:nvPicPr>
+          <p:cNvPr id="613367563" name="" hidden="0"/>
+          <p:cNvPicPr>
+            <a:picLocks noChangeAspect="1"/>
+          </p:cNvPicPr>
+          <p:nvPr isPhoto="0" userDrawn="0"/>
+        </p:nvPicPr>
+        <p:blipFill>
+          <a:blip r:embed="rId2"/>
+          <a:srcRect l="0" t="0" r="0" b="28325"/>
+          <a:stretch/>
+        </p:blipFill>
+        <p:spPr bwMode="auto">
+          <a:xfrm flipH="0" flipV="0">
+            <a:off x="2161082" y="2515588"/>
+            <a:ext cx="7842249" cy="3896377"/>
+          </a:xfrm>
+          <a:prstGeom prst="rect">
+            <a:avLst/>
+          </a:prstGeom>
+        </p:spPr>
+      </p:pic>
+    </p:spTree>
+  </p:cSld>
+  <p:clrMapOvr>
+    <a:masterClrMapping/>
+  </p:clrMapOvr>
+  <mc:AlternateContent xmlns:mc="http://schemas.openxmlformats.org/markup-compatibility/2006">
+    <mc:Choice xmlns:p14="http://schemas.microsoft.com/office/powerpoint/2010/main" Requires="p14">
+      <p:transition p14:dur="2000" advClick="1"/>
+    </mc:Choice>
+    <mc:Fallback>
+      <p:transition advClick="1"/>
+    </mc:Fallback>
+  </mc:AlternateContent>
+</p:sld>
+</file>
+
+<file path=ppt/slides/slide14.xml><?xml version="1.0" encoding="utf-8"?>
+<p:sld xmlns:a="http://schemas.openxmlformats.org/drawingml/2006/main" xmlns:r="http://schemas.openxmlformats.org/officeDocument/2006/relationships" xmlns:p="http://schemas.openxmlformats.org/presentationml/2006/main" xmlns:m="http://schemas.openxmlformats.org/officeDocument/2006/math" xmlns:w="http://schemas.openxmlformats.org/wordprocessingml/2006/main" showMasterPhAnim="0" show="1">
+  <p:cSld name="">
+    <p:spTree>
+      <p:nvGrpSpPr>
+        <p:cNvPr id="1" name="" hidden="0"/>
+        <p:cNvGrpSpPr/>
+        <p:nvPr isPhoto="0" userDrawn="0"/>
+      </p:nvGrpSpPr>
+      <p:grpSpPr bwMode="auto">
+        <a:xfrm>
+          <a:off x="0" y="0"/>
+          <a:ext cx="0" cy="0"/>
+          <a:chOff x="0" y="0"/>
+          <a:chExt cx="0" cy="0"/>
+        </a:xfrm>
+      </p:grpSpPr>
+      <p:sp>
+        <p:nvSpPr>
+          <p:cNvPr id="2020141032" name="Title 1" hidden="0"/>
+          <p:cNvSpPr>
+            <a:spLocks noGrp="1"/>
+          </p:cNvSpPr>
+          <p:nvPr isPhoto="0" userDrawn="0">
+            <p:ph type="title" hasCustomPrompt="0"/>
+          </p:nvPr>
+        </p:nvSpPr>
+        <p:spPr bwMode="auto"/>
+        <p:txBody>
+          <a:bodyPr/>
+          <a:lstStyle/>
+          <a:p>
+            <a:pPr>
+              <a:defRPr/>
+            </a:pPr>
+            <a:r>
+              <a:rPr sz="3600">
+                <a:latin typeface="Open Sans"/>
+                <a:ea typeface="Open Sans"/>
+                <a:cs typeface="Open Sans"/>
+              </a:rPr>
+              <a:t>Caso de uso: função de estimativa do cosseno</a:t>
+            </a:r>
+            <a:endParaRPr sz="3600">
+              <a:latin typeface="Open Sans"/>
+              <a:ea typeface="Open Sans"/>
+              <a:cs typeface="Open Sans"/>
+            </a:endParaRPr>
+          </a:p>
+        </p:txBody>
+      </p:sp>
+      <p:pic>
+        <p:nvPicPr>
+          <p:cNvPr id="80607870" name="" hidden="0"/>
+          <p:cNvPicPr>
+            <a:picLocks noChangeAspect="1"/>
+          </p:cNvPicPr>
+          <p:nvPr isPhoto="0" userDrawn="0"/>
+        </p:nvPicPr>
+        <p:blipFill>
+          <a:blip r:embed="rId2"/>
+          <a:stretch/>
+        </p:blipFill>
+        <p:spPr bwMode="auto">
+          <a:xfrm flipH="0" flipV="0">
+            <a:off x="787828" y="1925145"/>
+            <a:ext cx="4264033" cy="3805650"/>
+          </a:xfrm>
+          <a:prstGeom prst="rect">
+            <a:avLst/>
+          </a:prstGeom>
+        </p:spPr>
+      </p:pic>
+      <p:sp>
+        <p:nvSpPr>
+          <p:cNvPr id="1768136172" name="" hidden="0"/>
+          <p:cNvSpPr/>
+          <p:nvPr isPhoto="0" userDrawn="0"/>
+        </p:nvSpPr>
+        <p:spPr bwMode="auto">
+          <a:xfrm flipH="0" flipV="0">
+            <a:off x="9901638" y="5147194"/>
+            <a:ext cx="206317" cy="365795"/>
+          </a:xfrm>
+        </p:spPr>
+        <p:txBody>
+          <a:bodyPr rot="0" spcFirstLastPara="0" vertOverflow="overflow" horzOverflow="clip" vert="horz" wrap="square" lIns="91440" tIns="45720" rIns="91440" bIns="45720" numCol="1" spcCol="0" rtlCol="0" fromWordArt="0" anchor="t" anchorCtr="0" forceAA="0" upright="0" compatLnSpc="1">
+            <a:prstTxWarp prst="textNoShape"/>
+            <a:spAutoFit/>
+          </a:bodyPr>
+          <a:p>
+            <a:pPr>
+              <a:defRPr/>
+            </a:pPr>
+            <a:endParaRPr/>
+          </a:p>
+        </p:txBody>
+      </p:sp>
+      <p:pic>
+        <p:nvPicPr>
+          <p:cNvPr id="1364049794" name="" hidden="0"/>
+          <p:cNvPicPr>
+            <a:picLocks noChangeAspect="1"/>
+          </p:cNvPicPr>
+          <p:nvPr isPhoto="0" userDrawn="0"/>
+        </p:nvPicPr>
+        <p:blipFill>
+          <a:blip r:embed="rId3"/>
+          <a:stretch/>
+        </p:blipFill>
+        <p:spPr bwMode="auto">
+          <a:xfrm flipH="0" flipV="0">
+            <a:off x="5270497" y="2442996"/>
+            <a:ext cx="6753983" cy="3069991"/>
+          </a:xfrm>
+          <a:prstGeom prst="rect">
+            <a:avLst/>
+          </a:prstGeom>
+        </p:spPr>
+      </p:pic>
+    </p:spTree>
+  </p:cSld>
+  <p:clrMapOvr>
+    <a:masterClrMapping/>
+  </p:clrMapOvr>
+  <mc:AlternateContent xmlns:mc="http://schemas.openxmlformats.org/markup-compatibility/2006">
+    <mc:Choice xmlns:p14="http://schemas.microsoft.com/office/powerpoint/2010/main" Requires="p14">
+      <p:transition p14:dur="2000" advClick="1"/>
+    </mc:Choice>
+    <mc:Fallback>
+      <p:transition advClick="1"/>
+    </mc:Fallback>
+  </mc:AlternateContent>
+</p:sld>
+</file>
+
+<file path=ppt/slides/slide15.xml><?xml version="1.0" encoding="utf-8"?>
+<p:sld xmlns:a="http://schemas.openxmlformats.org/drawingml/2006/main" xmlns:r="http://schemas.openxmlformats.org/officeDocument/2006/relationships" xmlns:p="http://schemas.openxmlformats.org/presentationml/2006/main" xmlns:m="http://schemas.openxmlformats.org/officeDocument/2006/math" xmlns:w="http://schemas.openxmlformats.org/wordprocessingml/2006/main" showMasterPhAnim="0" show="1">
+  <p:cSld name="">
+    <p:spTree>
+      <p:nvGrpSpPr>
+        <p:cNvPr id="1" name="" hidden="0"/>
+        <p:cNvGrpSpPr/>
+        <p:nvPr isPhoto="0" userDrawn="0"/>
+      </p:nvGrpSpPr>
+      <p:grpSpPr bwMode="auto">
+        <a:xfrm>
+          <a:off x="0" y="0"/>
+          <a:ext cx="0" cy="0"/>
+          <a:chOff x="0" y="0"/>
+          <a:chExt cx="0" cy="0"/>
+        </a:xfrm>
+      </p:grpSpPr>
+      <p:sp>
+        <p:nvSpPr>
+          <p:cNvPr id="1239307601" name="Заголовок 1" hidden="0"/>
+          <p:cNvSpPr>
+            <a:spLocks noGrp="1"/>
+          </p:cNvSpPr>
+          <p:nvPr isPhoto="0" userDrawn="0">
+            <p:ph type="title" hasCustomPrompt="0"/>
+          </p:nvPr>
+        </p:nvSpPr>
+        <p:spPr bwMode="auto"/>
+        <p:txBody>
+          <a:bodyPr/>
+          <a:lstStyle/>
+          <a:p>
+            <a:pPr>
+              <a:defRPr/>
+            </a:pPr>
+            <a:r>
+              <a:rPr sz="3600">
+                <a:latin typeface="Open Sans"/>
+                <a:ea typeface="Open Sans"/>
+                <a:cs typeface="Open Sans"/>
+              </a:rPr>
+              <a:t>Futuro do </a:t>
+            </a:r>
+            <a:r>
+              <a:rPr sz="3600" i="1">
+                <a:latin typeface="Open Sans"/>
+                <a:ea typeface="Open Sans"/>
+                <a:cs typeface="Open Sans"/>
+              </a:rPr>
+              <a:t>Jest </a:t>
+            </a:r>
+            <a:endParaRPr sz="3600">
+              <a:latin typeface="Open Sans"/>
+              <a:ea typeface="Open Sans"/>
+              <a:cs typeface="Open Sans"/>
+            </a:endParaRPr>
+          </a:p>
+        </p:txBody>
+      </p:sp>
+      <p:sp>
+        <p:nvSpPr>
+          <p:cNvPr id="525804214" name="Объект 2" hidden="0"/>
+          <p:cNvSpPr>
+            <a:spLocks noGrp="1"/>
+          </p:cNvSpPr>
+          <p:nvPr isPhoto="0" userDrawn="0">
+            <p:ph idx="1" hasCustomPrompt="0"/>
+          </p:nvPr>
+        </p:nvSpPr>
+        <p:spPr bwMode="auto">
+          <a:xfrm flipH="0" flipV="0">
+            <a:off x="799250" y="1600200"/>
+            <a:ext cx="10981621" cy="5924547"/>
+          </a:xfrm>
+        </p:spPr>
+        <p:txBody>
+          <a:bodyPr vertOverflow="overflow" horzOverflow="clip" vert="horz" wrap="square" lIns="91440" tIns="45720" rIns="91440" bIns="45720" numCol="1" spcCol="0" rtlCol="0" fromWordArt="0" anchor="t" anchorCtr="0" forceAA="0" upright="0" compatLnSpc="0">
+            <a:normAutofit/>
+          </a:bodyPr>
+          <a:lstStyle/>
+          <a:p>
+            <a:pPr>
+              <a:defRPr/>
+            </a:pPr>
+            <a:r>
+              <a:rPr sz="2600">
+                <a:latin typeface="Open Sans"/>
+                <a:ea typeface="Open Sans"/>
+                <a:cs typeface="Open Sans"/>
+              </a:rPr>
+              <a:t>  Com uma comunidade ativa, o </a:t>
+            </a:r>
+            <a:r>
+              <a:rPr sz="2600" i="1">
+                <a:latin typeface="Open Sans"/>
+                <a:ea typeface="Open Sans"/>
+                <a:cs typeface="Open Sans"/>
+              </a:rPr>
+              <a:t>Jest </a:t>
+            </a:r>
+            <a:r>
+              <a:rPr sz="2600">
+                <a:latin typeface="Open Sans"/>
+                <a:ea typeface="Open Sans"/>
+                <a:cs typeface="Open Sans"/>
+              </a:rPr>
+              <a:t>tende a permanecer como uma confiável alternativa de </a:t>
+            </a:r>
+            <a:r>
+              <a:rPr sz="2600" i="1">
+                <a:latin typeface="Open Sans"/>
+                <a:ea typeface="Open Sans"/>
+                <a:cs typeface="Open Sans"/>
+              </a:rPr>
+              <a:t>framework </a:t>
+            </a:r>
+            <a:r>
+              <a:rPr sz="2600">
+                <a:latin typeface="Open Sans"/>
+                <a:ea typeface="Open Sans"/>
+                <a:cs typeface="Open Sans"/>
+              </a:rPr>
+              <a:t>de testes unitários em </a:t>
+            </a:r>
+            <a:r>
+              <a:rPr sz="2600" i="1">
+                <a:latin typeface="Open Sans"/>
+                <a:ea typeface="Open Sans"/>
+                <a:cs typeface="Open Sans"/>
+              </a:rPr>
+              <a:t>Javascript</a:t>
+            </a:r>
+            <a:r>
+              <a:rPr sz="2600">
+                <a:latin typeface="Open Sans"/>
+                <a:ea typeface="Open Sans"/>
+                <a:cs typeface="Open Sans"/>
+              </a:rPr>
+              <a:t>.</a:t>
+            </a:r>
+            <a:endParaRPr sz="2600">
+              <a:latin typeface="Open Sans"/>
+              <a:ea typeface="Open Sans"/>
+              <a:cs typeface="Open Sans"/>
+            </a:endParaRPr>
+          </a:p>
+          <a:p>
+            <a:pPr>
+              <a:defRPr/>
+            </a:pPr>
+            <a:endParaRPr sz="2600">
+              <a:latin typeface="Open Sans"/>
+              <a:ea typeface="Open Sans"/>
+              <a:cs typeface="Open Sans"/>
+            </a:endParaRPr>
+          </a:p>
+          <a:p>
+            <a:pPr>
+              <a:defRPr/>
+            </a:pPr>
+            <a:r>
+              <a:rPr sz="2600">
+                <a:latin typeface="Open Sans"/>
+                <a:ea typeface="Open Sans"/>
+                <a:cs typeface="Open Sans"/>
+              </a:rPr>
+              <a:t>  O </a:t>
+            </a:r>
+            <a:r>
+              <a:rPr sz="2600" i="1">
+                <a:latin typeface="Open Sans"/>
+                <a:ea typeface="Open Sans"/>
+                <a:cs typeface="Open Sans"/>
+              </a:rPr>
+              <a:t>framework </a:t>
+            </a:r>
+            <a:r>
+              <a:rPr sz="2600">
+                <a:latin typeface="Open Sans"/>
+                <a:ea typeface="Open Sans"/>
+                <a:cs typeface="Open Sans"/>
+              </a:rPr>
+              <a:t>tende a dar suporte às soluções que venham a surgir, como já acontece nas integrações com bibliotecas </a:t>
+            </a:r>
+            <a:r>
+              <a:rPr sz="2600" i="1">
+                <a:latin typeface="Open Sans"/>
+                <a:ea typeface="Open Sans"/>
+                <a:cs typeface="Open Sans"/>
+              </a:rPr>
+              <a:t>UI </a:t>
+            </a:r>
+            <a:r>
+              <a:rPr sz="2600">
+                <a:latin typeface="Open Sans"/>
+                <a:ea typeface="Open Sans"/>
+                <a:cs typeface="Open Sans"/>
+              </a:rPr>
+              <a:t>e no suporte a </a:t>
+            </a:r>
+            <a:r>
+              <a:rPr sz="2600" i="1">
+                <a:latin typeface="Open Sans"/>
+                <a:ea typeface="Open Sans"/>
+                <a:cs typeface="Open Sans"/>
+              </a:rPr>
+              <a:t>Babel</a:t>
+            </a:r>
+            <a:r>
+              <a:rPr sz="2600">
+                <a:latin typeface="Open Sans"/>
+                <a:ea typeface="Open Sans"/>
+                <a:cs typeface="Open Sans"/>
+              </a:rPr>
+              <a:t>/</a:t>
+            </a:r>
+            <a:r>
+              <a:rPr sz="2600" i="1">
+                <a:latin typeface="Open Sans"/>
+                <a:ea typeface="Open Sans"/>
+                <a:cs typeface="Open Sans"/>
+              </a:rPr>
+              <a:t>Typescript</a:t>
+            </a:r>
+            <a:r>
+              <a:rPr sz="2600">
+                <a:latin typeface="Open Sans"/>
+                <a:ea typeface="Open Sans"/>
+                <a:cs typeface="Open Sans"/>
+              </a:rPr>
+              <a:t>.</a:t>
+            </a:r>
+            <a:endParaRPr sz="2600">
+              <a:latin typeface="Open Sans"/>
+              <a:ea typeface="Open Sans"/>
+              <a:cs typeface="Open Sans"/>
+            </a:endParaRPr>
+          </a:p>
+          <a:p>
+            <a:pPr>
+              <a:defRPr/>
+            </a:pPr>
+            <a:endParaRPr sz="2600">
+              <a:latin typeface="Open Sans"/>
+              <a:ea typeface="Open Sans"/>
+              <a:cs typeface="Open Sans"/>
+            </a:endParaRPr>
+          </a:p>
+          <a:p>
+            <a:pPr>
+              <a:defRPr/>
+            </a:pPr>
+            <a:r>
+              <a:rPr sz="2600">
+                <a:latin typeface="Open Sans"/>
+                <a:ea typeface="Open Sans"/>
+                <a:cs typeface="Open Sans"/>
+              </a:rPr>
+              <a:t>  Por já ser utilizado em diversas aplicações grandes que estão em produção, vagas que buscam desenvolvedores que tenham familiaridade com </a:t>
+            </a:r>
+            <a:r>
+              <a:rPr sz="2600" i="1">
+                <a:latin typeface="Open Sans"/>
+                <a:ea typeface="Open Sans"/>
+                <a:cs typeface="Open Sans"/>
+              </a:rPr>
+              <a:t>Jest </a:t>
+            </a:r>
+            <a:r>
+              <a:rPr sz="2600">
+                <a:latin typeface="Open Sans"/>
+                <a:ea typeface="Open Sans"/>
+                <a:cs typeface="Open Sans"/>
+              </a:rPr>
+              <a:t>tende a aumentar.  Além disso, esta demanda já existe, tanto tendo tal habilidade como requisito quanto como atributo desejável.</a:t>
+            </a:r>
+            <a:endParaRPr sz="2600">
+              <a:latin typeface="Open Sans"/>
+              <a:ea typeface="Open Sans"/>
+              <a:cs typeface="Open Sans"/>
+            </a:endParaRPr>
+          </a:p>
+        </p:txBody>
+      </p:sp>
+    </p:spTree>
+  </p:cSld>
+  <p:clrMapOvr>
+    <a:masterClrMapping/>
+  </p:clrMapOvr>
+  <mc:AlternateContent xmlns:mc="http://schemas.openxmlformats.org/markup-compatibility/2006">
+    <mc:Choice xmlns:p14="http://schemas.microsoft.com/office/powerpoint/2010/main" Requires="p14">
+      <p:transition p14:dur="2000" advClick="1"/>
+    </mc:Choice>
+    <mc:Fallback>
+      <p:transition advClick="1"/>
+    </mc:Fallback>
+  </mc:AlternateContent>
+</p:sld>
+</file>
+
+<file path=ppt/slides/slide16.xml><?xml version="1.0" encoding="utf-8"?>
+<p:sld xmlns:a="http://schemas.openxmlformats.org/drawingml/2006/main" xmlns:r="http://schemas.openxmlformats.org/officeDocument/2006/relationships" xmlns:p="http://schemas.openxmlformats.org/presentationml/2006/main" xmlns:m="http://schemas.openxmlformats.org/officeDocument/2006/math" xmlns:w="http://schemas.openxmlformats.org/wordprocessingml/2006/main" showMasterPhAnim="0" show="1">
+  <p:cSld name="">
+    <p:spTree>
+      <p:nvGrpSpPr>
+        <p:cNvPr id="1" name="" hidden="0"/>
+        <p:cNvGrpSpPr/>
+        <p:nvPr isPhoto="0" userDrawn="0"/>
+      </p:nvGrpSpPr>
+      <p:grpSpPr bwMode="auto">
+        <a:xfrm>
+          <a:off x="0" y="0"/>
+          <a:ext cx="0" cy="0"/>
+          <a:chOff x="0" y="0"/>
+          <a:chExt cx="0" cy="0"/>
+        </a:xfrm>
+      </p:grpSpPr>
+      <p:sp>
+        <p:nvSpPr>
+          <p:cNvPr id="1382817542" name="Title 1" hidden="0"/>
+          <p:cNvSpPr>
+            <a:spLocks noGrp="1"/>
+          </p:cNvSpPr>
+          <p:nvPr isPhoto="0" userDrawn="0">
+            <p:ph type="title" hasCustomPrompt="0"/>
+          </p:nvPr>
+        </p:nvSpPr>
+        <p:spPr bwMode="auto"/>
+        <p:txBody>
+          <a:bodyPr/>
+          <a:lstStyle/>
+          <a:p>
+            <a:pPr>
+              <a:defRPr/>
+            </a:pPr>
+            <a:r>
+              <a:rPr sz="3600">
+                <a:latin typeface="Open Sans"/>
+                <a:ea typeface="Open Sans"/>
+                <a:cs typeface="Open Sans"/>
+              </a:rPr>
+              <a:t>Referências</a:t>
+            </a:r>
+            <a:endParaRPr sz="3600">
+              <a:latin typeface="Open Sans"/>
+              <a:ea typeface="Open Sans"/>
+              <a:cs typeface="Open Sans"/>
+            </a:endParaRPr>
+          </a:p>
+        </p:txBody>
+      </p:sp>
+      <p:sp>
+        <p:nvSpPr>
+          <p:cNvPr id="211061388" name="Content Placeholder 2" hidden="0"/>
+          <p:cNvSpPr>
+            <a:spLocks noGrp="1"/>
+          </p:cNvSpPr>
+          <p:nvPr isPhoto="0" userDrawn="0">
+            <p:ph idx="1" hasCustomPrompt="0"/>
+          </p:nvPr>
+        </p:nvSpPr>
+        <p:spPr bwMode="auto">
+          <a:xfrm flipH="0" flipV="0">
+            <a:off x="382624" y="1600202"/>
+            <a:ext cx="11699874" cy="4525961"/>
+          </a:xfrm>
+        </p:spPr>
+        <p:txBody>
+          <a:bodyPr/>
+          <a:lstStyle/>
+          <a:p>
+            <a:pPr>
+              <a:defRPr/>
+            </a:pPr>
+            <a:r>
+              <a:rPr sz="2000" b="0" i="1" u="none">
+                <a:solidFill>
+                  <a:schemeClr val="accent6">
+                    <a:lumMod val="50000"/>
+                  </a:schemeClr>
+                </a:solidFill>
+                <a:latin typeface="Open Sans"/>
+                <a:ea typeface="Open Sans"/>
+                <a:cs typeface="Open Sans"/>
+              </a:rPr>
+              <a:t>Jest Team. Jest Docs</a:t>
+            </a:r>
+            <a:r>
+              <a:rPr sz="2000" b="0" i="0" u="none">
+                <a:solidFill>
+                  <a:schemeClr val="accent6">
+                    <a:lumMod val="50000"/>
+                  </a:schemeClr>
+                </a:solidFill>
+                <a:latin typeface="Open Sans"/>
+                <a:ea typeface="Open Sans"/>
+                <a:cs typeface="Open Sans"/>
+              </a:rPr>
+              <a:t>: </a:t>
+            </a:r>
+            <a:r>
+              <a:rPr sz="2000" b="0" i="1" u="none">
+                <a:solidFill>
+                  <a:schemeClr val="accent6">
+                    <a:lumMod val="50000"/>
+                  </a:schemeClr>
+                </a:solidFill>
+                <a:latin typeface="Open Sans"/>
+                <a:ea typeface="Open Sans"/>
+                <a:cs typeface="Open Sans"/>
+              </a:rPr>
+              <a:t>Getting Started.</a:t>
+            </a:r>
+            <a:r>
+              <a:rPr sz="2000" b="0" i="0" u="none">
+                <a:solidFill>
+                  <a:schemeClr val="accent6">
+                    <a:lumMod val="50000"/>
+                  </a:schemeClr>
+                </a:solidFill>
+                <a:latin typeface="Open Sans"/>
+                <a:ea typeface="Open Sans"/>
+                <a:cs typeface="Open Sans"/>
+              </a:rPr>
+              <a:t> 28.1. 2022. Disponível em: </a:t>
+            </a:r>
+            <a:r>
+              <a:rPr sz="2000" b="0" i="0" u="none">
+                <a:solidFill>
+                  <a:schemeClr val="accent6">
+                    <a:lumMod val="50000"/>
+                  </a:schemeClr>
+                </a:solidFill>
+                <a:latin typeface="Open Sans"/>
+                <a:ea typeface="Open Sans"/>
+                <a:cs typeface="Open Sans"/>
+              </a:rPr>
+              <a:t>&lt;</a:t>
+            </a:r>
+            <a:r>
+              <a:rPr lang="pt-BR" sz="2000" b="1" i="0" u="none" strike="noStrike" cap="none" spc="0">
+                <a:solidFill>
+                  <a:schemeClr val="accent6">
+                    <a:lumMod val="50000"/>
+                  </a:schemeClr>
+                </a:solidFill>
+                <a:latin typeface="Open Sans"/>
+                <a:ea typeface="Open Sans"/>
+                <a:cs typeface="Open Sans"/>
+              </a:rPr>
+              <a:t>https://jestjs.io/docs/getting-started</a:t>
+            </a:r>
+            <a:r>
+              <a:rPr lang="pt-BR" sz="2000" b="0" i="0" u="none" strike="noStrike" cap="none" spc="0">
+                <a:solidFill>
+                  <a:schemeClr val="accent6">
+                    <a:lumMod val="50000"/>
+                  </a:schemeClr>
+                </a:solidFill>
+                <a:latin typeface="Open Sans"/>
+                <a:ea typeface="Open Sans"/>
+                <a:cs typeface="Open Sans"/>
+              </a:rPr>
+              <a:t>&gt;</a:t>
+            </a:r>
+            <a:r>
+              <a:rPr sz="2000" b="0" i="0" u="none">
+                <a:solidFill>
+                  <a:schemeClr val="accent6">
+                    <a:lumMod val="50000"/>
+                  </a:schemeClr>
+                </a:solidFill>
+                <a:latin typeface="Open Sans"/>
+                <a:ea typeface="Open Sans"/>
+                <a:cs typeface="Open Sans"/>
+              </a:rPr>
+              <a:t>. Acesso em: 08 jun. 2022.</a:t>
+            </a:r>
+            <a:endParaRPr sz="2000">
+              <a:solidFill>
+                <a:schemeClr val="accent6">
+                  <a:lumMod val="50000"/>
+                </a:schemeClr>
+              </a:solidFill>
+              <a:latin typeface="Open Sans"/>
+              <a:ea typeface="Open Sans"/>
+              <a:cs typeface="Open Sans"/>
+            </a:endParaRPr>
+          </a:p>
+          <a:p>
+            <a:pPr>
+              <a:defRPr/>
+            </a:pPr>
+            <a:endParaRPr sz="2000">
+              <a:solidFill>
+                <a:schemeClr val="accent6">
+                  <a:lumMod val="50000"/>
+                </a:schemeClr>
+              </a:solidFill>
+              <a:latin typeface="Open Sans"/>
+              <a:ea typeface="Open Sans"/>
+              <a:cs typeface="Open Sans"/>
+            </a:endParaRPr>
+          </a:p>
+          <a:p>
+            <a:pPr>
+              <a:defRPr/>
+            </a:pPr>
+            <a:endParaRPr sz="2000">
+              <a:solidFill>
+                <a:schemeClr val="accent6">
+                  <a:lumMod val="50000"/>
+                </a:schemeClr>
+              </a:solidFill>
+              <a:latin typeface="Open Sans"/>
+              <a:ea typeface="Open Sans"/>
+              <a:cs typeface="Open Sans"/>
+            </a:endParaRPr>
+          </a:p>
+          <a:p>
+            <a:pPr>
+              <a:defRPr/>
+            </a:pPr>
+            <a:r>
+              <a:rPr sz="2000">
+                <a:solidFill>
+                  <a:schemeClr val="accent6">
+                    <a:lumMod val="50000"/>
+                  </a:schemeClr>
+                </a:solidFill>
+                <a:latin typeface="Open Sans"/>
+                <a:ea typeface="Open Sans"/>
+                <a:cs typeface="Open Sans"/>
+              </a:rPr>
+              <a:t>P</a:t>
+            </a:r>
+            <a:r>
+              <a:rPr sz="2000" u="none">
+                <a:solidFill>
+                  <a:schemeClr val="accent6">
+                    <a:lumMod val="50000"/>
+                  </a:schemeClr>
+                </a:solidFill>
+                <a:latin typeface="Open Sans"/>
+                <a:ea typeface="Open Sans"/>
+                <a:cs typeface="Open Sans"/>
+              </a:rPr>
+              <a:t>edro Lopes. </a:t>
+            </a:r>
+            <a:r>
+              <a:rPr sz="2000">
+                <a:latin typeface="Open Sans"/>
+                <a:ea typeface="Open Sans"/>
+                <a:cs typeface="Open Sans"/>
+              </a:rPr>
+              <a:t>Sobre Desenvolvimentos em Séries de Potências, Séries de Taylor e Fórmula de Taylor</a:t>
+            </a:r>
+            <a:r>
+              <a:rPr sz="2000" u="none">
+                <a:solidFill>
+                  <a:schemeClr val="accent6">
+                    <a:lumMod val="50000"/>
+                  </a:schemeClr>
+                </a:solidFill>
+                <a:latin typeface="Open Sans"/>
+                <a:ea typeface="Open Sans"/>
+                <a:cs typeface="Open Sans"/>
+              </a:rPr>
+              <a:t>. Única. 2006. Disponível em: </a:t>
+            </a:r>
+            <a:r>
+              <a:rPr sz="2000" u="none">
+                <a:solidFill>
+                  <a:schemeClr val="accent6">
+                    <a:lumMod val="50000"/>
+                  </a:schemeClr>
+                </a:solidFill>
+                <a:latin typeface="Open Sans"/>
+                <a:ea typeface="Open Sans"/>
+                <a:cs typeface="Open Sans"/>
+              </a:rPr>
+              <a:t>&lt;</a:t>
+            </a:r>
+            <a:r>
+              <a:rPr lang="pt-BR" sz="2000" b="1" i="0" u="none" strike="noStrike" cap="none" spc="0">
+                <a:solidFill>
+                  <a:schemeClr val="accent6">
+                    <a:lumMod val="50000"/>
+                  </a:schemeClr>
+                </a:solidFill>
+                <a:latin typeface="Open Sans"/>
+                <a:ea typeface="Open Sans"/>
+                <a:cs typeface="Open Sans"/>
+              </a:rPr>
+              <a:t>https://www.math.tecnico.ulisboa.pt/~pelopes/taylor05.pdf</a:t>
+            </a:r>
+            <a:r>
+              <a:rPr lang="pt-BR" sz="2000" b="0" i="0" u="none" strike="noStrike" cap="none" spc="0">
+                <a:solidFill>
+                  <a:schemeClr val="accent6">
+                    <a:lumMod val="50000"/>
+                  </a:schemeClr>
+                </a:solidFill>
+                <a:latin typeface="Open Sans"/>
+                <a:ea typeface="Open Sans"/>
+                <a:cs typeface="Open Sans"/>
+              </a:rPr>
+              <a:t>&gt;</a:t>
+            </a:r>
+            <a:r>
+              <a:rPr lang="pt-BR" sz="2000" b="0" i="0" u="none" strike="noStrike" cap="none" spc="0">
+                <a:solidFill>
+                  <a:schemeClr val="accent6">
+                    <a:lumMod val="50000"/>
+                  </a:schemeClr>
+                </a:solidFill>
+                <a:latin typeface="Open Sans"/>
+                <a:ea typeface="Open Sans"/>
+                <a:cs typeface="Open Sans"/>
+              </a:rPr>
+              <a:t>. Acesso em: 10 jun. 2022.</a:t>
+            </a:r>
+            <a:endParaRPr sz="2000" u="none">
+              <a:solidFill>
+                <a:schemeClr val="accent6">
+                  <a:lumMod val="50000"/>
+                </a:schemeClr>
+              </a:solidFill>
+              <a:latin typeface="Open Sans"/>
+              <a:ea typeface="Open Sans"/>
+              <a:cs typeface="Open Sans"/>
+            </a:endParaRPr>
           </a:p>
         </p:txBody>
       </p:sp>
@@ -6599,7 +8301,7 @@
           <a:p>
             <a:pPr>
               <a:lnSpc>
-                <a:spcPct val="114999"/>
+                <a:spcPct val="150000"/>
               </a:lnSpc>
               <a:defRPr/>
             </a:pPr>
@@ -6636,7 +8338,7 @@
           <a:p>
             <a:pPr lvl="1">
               <a:lnSpc>
-                <a:spcPct val="114999"/>
+                <a:spcPct val="150000"/>
               </a:lnSpc>
               <a:buFont typeface="Courier New"/>
               <a:buChar char="o"/>
@@ -6659,7 +8361,7 @@
           <a:p>
             <a:pPr lvl="1">
               <a:lnSpc>
-                <a:spcPct val="114999"/>
+                <a:spcPct val="150000"/>
               </a:lnSpc>
               <a:buFont typeface="Courier New"/>
               <a:buChar char="o"/>
@@ -6714,7 +8416,7 @@
           <a:p>
             <a:pPr lvl="1">
               <a:lnSpc>
-                <a:spcPct val="114999"/>
+                <a:spcPct val="150000"/>
               </a:lnSpc>
               <a:buFont typeface="Courier New"/>
               <a:buChar char="o"/>
@@ -6769,7 +8471,7 @@
           <a:p>
             <a:pPr lvl="1">
               <a:lnSpc>
-                <a:spcPct val="114999"/>
+                <a:spcPct val="150000"/>
               </a:lnSpc>
               <a:buFont typeface="Courier New"/>
               <a:buChar char="o"/>
@@ -7543,13 +9245,13 @@
         </p:nvSpPr>
         <p:spPr bwMode="auto">
           <a:xfrm flipH="0" flipV="0">
-            <a:off x="799253" y="814916"/>
-            <a:ext cx="10577333" cy="5311249"/>
+            <a:off x="799252" y="814915"/>
+            <a:ext cx="10577332" cy="6344708"/>
           </a:xfrm>
         </p:spPr>
         <p:txBody>
           <a:bodyPr vertOverflow="overflow" horzOverflow="clip" vert="horz" wrap="square" lIns="91440" tIns="45720" rIns="91440" bIns="45720" numCol="1" spcCol="0" rtlCol="0" fromWordArt="0" anchor="t" anchorCtr="0" forceAA="0" upright="0" compatLnSpc="0">
-            <a:normAutofit fontScale="95000" lnSpcReduction="1000"/>
+            <a:normAutofit/>
           </a:bodyPr>
           <a:lstStyle/>
           <a:p>
@@ -7583,14 +9285,14 @@
           <a:p>
             <a:pPr lvl="1">
               <a:lnSpc>
-                <a:spcPct val="114999"/>
+                <a:spcPct val="150000"/>
               </a:lnSpc>
               <a:buFont typeface="Courier New"/>
               <a:buChar char="o"/>
               <a:defRPr/>
             </a:pPr>
             <a:r>
-              <a:rPr sz="2000">
+              <a:rPr sz="1800">
                 <a:solidFill>
                   <a:schemeClr val="accent6">
                     <a:lumMod val="50000"/>
@@ -7602,7 +9304,7 @@
               </a:rPr>
               <a:t>toEqual(objeto), para correspondências recursivas</a:t>
             </a:r>
-            <a:endParaRPr sz="2000">
+            <a:endParaRPr sz="1800">
               <a:solidFill>
                 <a:schemeClr val="accent6">
                   <a:lumMod val="50000"/>
@@ -7616,14 +9318,14 @@
           <a:p>
             <a:pPr lvl="1">
               <a:lnSpc>
-                <a:spcPct val="114999"/>
+                <a:spcPct val="150000"/>
               </a:lnSpc>
               <a:buFont typeface="Courier New"/>
               <a:buChar char="o"/>
               <a:defRPr/>
             </a:pPr>
             <a:r>
-              <a:rPr sz="2000">
+              <a:rPr sz="1800">
                 <a:solidFill>
                   <a:schemeClr val="accent6">
                     <a:lumMod val="50000"/>
@@ -7635,7 +9337,7 @@
               </a:rPr>
               <a:t>toBeNull()</a:t>
             </a:r>
-            <a:endParaRPr sz="2000">
+            <a:endParaRPr sz="1800">
               <a:solidFill>
                 <a:schemeClr val="accent6">
                   <a:lumMod val="50000"/>
@@ -7649,14 +9351,14 @@
           <a:p>
             <a:pPr lvl="1">
               <a:lnSpc>
-                <a:spcPct val="114999"/>
+                <a:spcPct val="150000"/>
               </a:lnSpc>
               <a:buFont typeface="Courier New"/>
               <a:buChar char="o"/>
               <a:defRPr/>
             </a:pPr>
             <a:r>
-              <a:rPr sz="2000">
+              <a:rPr sz="1800">
                 <a:solidFill>
                   <a:schemeClr val="accent6">
                     <a:lumMod val="50000"/>
@@ -7668,7 +9370,7 @@
               </a:rPr>
               <a:t>toBeUndefined()</a:t>
             </a:r>
-            <a:endParaRPr sz="2000">
+            <a:endParaRPr sz="1800">
               <a:solidFill>
                 <a:schemeClr val="accent6">
                   <a:lumMod val="50000"/>
@@ -7682,14 +9384,14 @@
           <a:p>
             <a:pPr lvl="1">
               <a:lnSpc>
-                <a:spcPct val="114999"/>
+                <a:spcPct val="150000"/>
               </a:lnSpc>
               <a:buFont typeface="Courier New"/>
               <a:buChar char="o"/>
               <a:defRPr/>
             </a:pPr>
             <a:r>
-              <a:rPr sz="2000">
+              <a:rPr sz="1800">
                 <a:solidFill>
                   <a:schemeClr val="accent6">
                     <a:lumMod val="50000"/>
@@ -7701,7 +9403,7 @@
               </a:rPr>
               <a:t>toBeGreaterThan(número)</a:t>
             </a:r>
-            <a:endParaRPr sz="2000">
+            <a:endParaRPr sz="1800">
               <a:solidFill>
                 <a:schemeClr val="accent6">
                   <a:lumMod val="50000"/>
@@ -7715,14 +9417,14 @@
           <a:p>
             <a:pPr lvl="1">
               <a:lnSpc>
-                <a:spcPct val="114999"/>
+                <a:spcPct val="150000"/>
               </a:lnSpc>
               <a:buFont typeface="Courier New"/>
               <a:buChar char="o"/>
               <a:defRPr/>
             </a:pPr>
             <a:r>
-              <a:rPr sz="2000" b="0" i="0" u="none">
+              <a:rPr sz="1800" b="0" i="0" u="none">
                 <a:solidFill>
                   <a:schemeClr val="accent6">
                     <a:lumMod val="50000"/>
@@ -7735,7 +9437,7 @@
               <a:t>toBeGreaterThanOrEqual</a:t>
             </a:r>
             <a:r>
-              <a:rPr sz="2000">
+              <a:rPr sz="1800">
                 <a:solidFill>
                   <a:schemeClr val="accent6">
                     <a:lumMod val="50000"/>
@@ -7747,7 +9449,7 @@
               </a:rPr>
               <a:t>(número)</a:t>
             </a:r>
-            <a:endParaRPr sz="2000">
+            <a:endParaRPr sz="1800">
               <a:solidFill>
                 <a:schemeClr val="accent6">
                   <a:lumMod val="50000"/>
@@ -7761,14 +9463,14 @@
           <a:p>
             <a:pPr lvl="1">
               <a:lnSpc>
-                <a:spcPct val="114999"/>
+                <a:spcPct val="150000"/>
               </a:lnSpc>
               <a:buFont typeface="Courier New"/>
               <a:buChar char="o"/>
               <a:defRPr/>
             </a:pPr>
             <a:r>
-              <a:rPr sz="2000" b="0" i="0" u="none">
+              <a:rPr sz="1800" b="0" i="0" u="none">
                 <a:solidFill>
                   <a:schemeClr val="accent6">
                     <a:lumMod val="50000"/>
@@ -7781,7 +9483,7 @@
               <a:t>toBeLessThan</a:t>
             </a:r>
             <a:r>
-              <a:rPr lang="pt-BR" sz="2000" b="0" i="0" u="none" strike="noStrike" cap="none" spc="0">
+              <a:rPr lang="pt-BR" sz="1800" b="0" i="0" u="none" strike="noStrike" cap="none" spc="0">
                 <a:solidFill>
                   <a:schemeClr val="accent6">
                     <a:lumMod val="50000"/>
@@ -7793,7 +9495,7 @@
               </a:rPr>
               <a:t>(número)</a:t>
             </a:r>
-            <a:endParaRPr sz="2000" b="0" i="0" u="none">
+            <a:endParaRPr sz="1800" b="0" i="0" u="none">
               <a:solidFill>
                 <a:schemeClr val="accent6">
                   <a:lumMod val="50000"/>
@@ -7807,14 +9509,14 @@
           <a:p>
             <a:pPr lvl="1">
               <a:lnSpc>
-                <a:spcPct val="114999"/>
+                <a:spcPct val="150000"/>
               </a:lnSpc>
               <a:buFont typeface="Courier New"/>
               <a:buChar char="o"/>
               <a:defRPr/>
             </a:pPr>
             <a:r>
-              <a:rPr sz="2000" b="0" i="0" u="none">
+              <a:rPr sz="1800" b="0" i="0" u="none">
                 <a:solidFill>
                   <a:schemeClr val="accent6">
                     <a:lumMod val="50000"/>
@@ -7827,7 +9529,7 @@
               <a:t>toBeLessThanOrEqual</a:t>
             </a:r>
             <a:r>
-              <a:rPr lang="pt-BR" sz="2000" b="0" i="0" u="none" strike="noStrike" cap="none" spc="0">
+              <a:rPr lang="pt-BR" sz="1800" b="0" i="0" u="none" strike="noStrike" cap="none" spc="0">
                 <a:solidFill>
                   <a:schemeClr val="accent6">
                     <a:lumMod val="50000"/>
@@ -7839,7 +9541,7 @@
               </a:rPr>
               <a:t>(número)</a:t>
             </a:r>
-            <a:endParaRPr sz="2000" b="0" i="0" u="none">
+            <a:endParaRPr sz="1800" b="0" i="0" u="none">
               <a:solidFill>
                 <a:schemeClr val="accent6">
                   <a:lumMod val="50000"/>
@@ -7853,14 +9555,14 @@
           <a:p>
             <a:pPr lvl="1">
               <a:lnSpc>
-                <a:spcPct val="114999"/>
+                <a:spcPct val="150000"/>
               </a:lnSpc>
               <a:buFont typeface="Courier New"/>
               <a:buChar char="o"/>
               <a:defRPr/>
             </a:pPr>
             <a:r>
-              <a:rPr sz="2000" b="0" i="0" u="none">
+              <a:rPr sz="1800" b="0" i="0" u="none">
                 <a:solidFill>
                   <a:schemeClr val="accent6">
                     <a:lumMod val="50000"/>
@@ -7873,7 +9575,7 @@
               <a:t>toBeCloseTo</a:t>
             </a:r>
             <a:r>
-              <a:rPr lang="pt-BR" sz="2000" b="0" i="0" u="none" strike="noStrike" cap="none" spc="0">
+              <a:rPr lang="pt-BR" sz="1800" b="0" i="0" u="none" strike="noStrike" cap="none" spc="0">
                 <a:solidFill>
                   <a:schemeClr val="accent6">
                     <a:lumMod val="50000"/>
@@ -7886,7 +9588,7 @@
               <a:t>(número, número_de_digitos)</a:t>
             </a:r>
             <a:r>
-              <a:rPr sz="2000" b="0" i="0" u="none">
+              <a:rPr sz="1800" b="0" i="0" u="none">
                 <a:solidFill>
                   <a:schemeClr val="accent6">
                     <a:lumMod val="50000"/>
@@ -7898,7 +9600,7 @@
               </a:rPr>
               <a:t>, para valores próximos e ponto flutuante</a:t>
             </a:r>
-            <a:endParaRPr sz="2000" b="0" i="0" u="none">
+            <a:endParaRPr sz="1800" b="0" i="0" u="none">
               <a:solidFill>
                 <a:schemeClr val="accent6">
                   <a:lumMod val="50000"/>
@@ -7912,14 +9614,14 @@
           <a:p>
             <a:pPr lvl="1">
               <a:lnSpc>
-                <a:spcPct val="114999"/>
+                <a:spcPct val="150000"/>
               </a:lnSpc>
               <a:buFont typeface="Courier New"/>
               <a:buChar char="o"/>
               <a:defRPr/>
             </a:pPr>
             <a:r>
-              <a:rPr sz="2000" b="0" i="0" u="none">
+              <a:rPr sz="1800" b="0" i="0" u="none">
                 <a:solidFill>
                   <a:schemeClr val="accent6">
                     <a:lumMod val="50000"/>
@@ -7932,7 +9634,7 @@
               <a:t>toMatch(regex)</a:t>
             </a:r>
             <a:r>
-              <a:rPr sz="2000" b="0" i="0" u="none">
+              <a:rPr sz="1800" b="0" i="0" u="none">
                 <a:solidFill>
                   <a:schemeClr val="accent6">
                     <a:lumMod val="50000"/>
@@ -7944,7 +9646,7 @@
               </a:rPr>
               <a:t>, para Strings</a:t>
             </a:r>
-            <a:endParaRPr sz="2000" b="0" i="0" u="none">
+            <a:endParaRPr sz="1800" b="0" i="0" u="none">
               <a:solidFill>
                 <a:schemeClr val="accent6">
                   <a:lumMod val="50000"/>
@@ -7958,14 +9660,14 @@
           <a:p>
             <a:pPr lvl="1">
               <a:lnSpc>
-                <a:spcPct val="114999"/>
+                <a:spcPct val="150000"/>
               </a:lnSpc>
               <a:buFont typeface="Courier New"/>
               <a:buChar char="o"/>
               <a:defRPr/>
             </a:pPr>
             <a:r>
-              <a:rPr sz="2000" b="0" i="0" u="none">
+              <a:rPr sz="1800" b="0" i="0" u="none">
                 <a:solidFill>
                   <a:schemeClr val="accent6">
                     <a:lumMod val="50000"/>
@@ -7978,7 +9680,7 @@
               <a:t>toContain(item)</a:t>
             </a:r>
             <a:r>
-              <a:rPr sz="2000" b="0" i="0" u="none">
+              <a:rPr sz="1800" b="0" i="0" u="none">
                 <a:solidFill>
                   <a:schemeClr val="accent6">
                     <a:lumMod val="50000"/>
@@ -7990,7 +9692,7 @@
               </a:rPr>
               <a:t>, para objetos iteráveis (arrays, conjuntos, etc.)</a:t>
             </a:r>
-            <a:endParaRPr sz="2000" b="0" i="0" u="none">
+            <a:endParaRPr sz="1800" b="0" i="0" u="none">
               <a:solidFill>
                 <a:schemeClr val="accent6">
                   <a:lumMod val="50000"/>
@@ -8004,14 +9706,14 @@
           <a:p>
             <a:pPr lvl="1">
               <a:lnSpc>
-                <a:spcPct val="114999"/>
+                <a:spcPct val="150000"/>
               </a:lnSpc>
               <a:buFont typeface="Courier New"/>
               <a:buChar char="o"/>
               <a:defRPr/>
             </a:pPr>
             <a:r>
-              <a:rPr sz="2000" b="0" i="0" u="none">
+              <a:rPr sz="1800" b="0" i="0" u="none">
                 <a:solidFill>
                   <a:schemeClr val="accent6">
                     <a:lumMod val="50000"/>
@@ -8024,7 +9726,7 @@
               <a:t>toThrow()</a:t>
             </a:r>
             <a:r>
-              <a:rPr lang="pt-BR" sz="2000" b="0" i="0" u="none" strike="noStrike" cap="none" spc="0">
+              <a:rPr lang="pt-BR" sz="1800" b="0" i="0" u="none" strike="noStrike" cap="none" spc="0">
                 <a:solidFill>
                   <a:schemeClr val="accent6">
                     <a:lumMod val="50000"/>
@@ -8036,7 +9738,7 @@
               </a:rPr>
               <a:t>, para entradas que devem retornar algum erro</a:t>
             </a:r>
-            <a:endParaRPr lang="pt-BR" sz="2000" b="0" i="0" u="none" strike="noStrike" cap="none" spc="0">
+            <a:endParaRPr sz="1800" b="0" i="0" u="none" strike="noStrike" cap="none" spc="0">
               <a:solidFill>
                 <a:schemeClr val="accent6">
                   <a:lumMod val="50000"/>
@@ -8050,14 +9752,14 @@
           <a:p>
             <a:pPr lvl="1">
               <a:lnSpc>
-                <a:spcPct val="114999"/>
+                <a:spcPct val="150000"/>
               </a:lnSpc>
               <a:buFont typeface="Courier New"/>
               <a:buChar char="o"/>
               <a:defRPr/>
             </a:pPr>
             <a:r>
-              <a:rPr sz="2000" b="0" i="0" u="none">
+              <a:rPr sz="1800" b="0" i="0" u="none">
                 <a:solidFill>
                   <a:schemeClr val="accent6">
                     <a:lumMod val="50000"/>
@@ -8070,7 +9772,7 @@
               <a:t>toThrow(exception)</a:t>
             </a:r>
             <a:r>
-              <a:rPr lang="pt-BR" sz="2000" b="0" i="0" u="none" strike="noStrike" cap="none" spc="0">
+              <a:rPr lang="pt-BR" sz="1800" b="0" i="0" u="none" strike="noStrike" cap="none" spc="0">
                 <a:solidFill>
                   <a:schemeClr val="accent6">
                     <a:lumMod val="50000"/>
@@ -8083,7 +9785,7 @@
               <a:t>, para </a:t>
             </a:r>
             <a:r>
-              <a:rPr lang="pt-BR" sz="2000" b="0" i="0" u="none" strike="noStrike" cap="none" spc="0">
+              <a:rPr lang="pt-BR" sz="1800" b="0" i="0" u="none" strike="noStrike" cap="none" spc="0">
                 <a:solidFill>
                   <a:schemeClr val="accent6">
                     <a:lumMod val="50000"/>
@@ -8095,7 +9797,7 @@
               </a:rPr>
               <a:t>entradas que devem retornar um erro específico</a:t>
             </a:r>
-            <a:endParaRPr lang="pt-BR" sz="2000" b="0" i="0" u="none" strike="noStrike" cap="none" spc="0">
+            <a:endParaRPr sz="1800" b="0" i="0" u="none" strike="noStrike" cap="none" spc="0">
               <a:solidFill>
                 <a:schemeClr val="accent6">
                   <a:lumMod val="50000"/>
@@ -8111,32 +9813,12 @@
               <a:lnSpc>
                 <a:spcPct val="114999"/>
               </a:lnSpc>
-              <a:buFont typeface="Arial"/>
-              <a:buChar char="•"/>
-              <a:defRPr/>
-            </a:pPr>
-            <a:endParaRPr sz="2000" b="0" i="0" u="none">
-              <a:solidFill>
-                <a:schemeClr val="accent6">
-                  <a:lumMod val="50000"/>
-                </a:schemeClr>
-              </a:solidFill>
-              <a:latin typeface="Open Sans"/>
-              <a:ea typeface="Open Sans"/>
-              <a:cs typeface="Open Sans"/>
-            </a:endParaRPr>
-          </a:p>
-          <a:p>
-            <a:pPr lvl="1">
-              <a:lnSpc>
-                <a:spcPct val="114999"/>
-              </a:lnSpc>
-              <a:buFont typeface="Arial"/>
-              <a:buChar char="•"/>
-              <a:defRPr/>
-            </a:pPr>
-            <a:r>
-              <a:rPr lang="pt-BR" sz="2000" b="0" i="0" u="none" strike="noStrike" cap="none" spc="0">
+              <a:buFont typeface="Courier New"/>
+              <a:buChar char="o"/>
+              <a:defRPr/>
+            </a:pPr>
+            <a:r>
+              <a:rPr lang="pt-BR" sz="1800" b="0" i="0" u="none" strike="noStrike" cap="none" spc="0">
                 <a:solidFill>
                   <a:schemeClr val="accent6">
                     <a:lumMod val="50000"/>
@@ -8148,7 +9830,7 @@
               </a:rPr>
               <a:t>[...] e vários outros testes</a:t>
             </a:r>
-            <a:endParaRPr sz="2000" b="0" i="0" u="none">
+            <a:endParaRPr sz="1800" b="0" i="0" u="none">
               <a:solidFill>
                 <a:schemeClr val="accent6">
                   <a:lumMod val="50000"/>
@@ -8616,7 +10298,7 @@
       </p:grpSpPr>
       <p:sp>
         <p:nvSpPr>
-          <p:cNvPr id="2020141032" name="Title 1" hidden="0"/>
+          <p:cNvPr id="584343991" name="Заголовок 1" hidden="0"/>
           <p:cNvSpPr>
             <a:spLocks noGrp="1"/>
           </p:cNvSpPr>
@@ -8638,7 +10320,7 @@
                 <a:ea typeface="Open Sans"/>
                 <a:cs typeface="Open Sans"/>
               </a:rPr>
-              <a:t>Caso de uso: função de estimativa do cosseno</a:t>
+              <a:t>Vantagens da metodologia</a:t>
             </a:r>
             <a:endParaRPr sz="3600">
               <a:latin typeface="Open Sans"/>
@@ -8648,75 +10330,136 @@
           </a:p>
         </p:txBody>
       </p:sp>
-      <p:pic>
-        <p:nvPicPr>
-          <p:cNvPr id="80607870" name="" hidden="0"/>
-          <p:cNvPicPr>
-            <a:picLocks noChangeAspect="1"/>
-          </p:cNvPicPr>
-          <p:nvPr isPhoto="0" userDrawn="0"/>
-        </p:nvPicPr>
-        <p:blipFill>
-          <a:blip r:embed="rId2"/>
-          <a:stretch/>
-        </p:blipFill>
-        <p:spPr bwMode="auto">
-          <a:xfrm flipH="0" flipV="0">
-            <a:off x="838198" y="1925146"/>
-            <a:ext cx="4264033" cy="3805650"/>
-          </a:xfrm>
-          <a:prstGeom prst="rect">
-            <a:avLst/>
-          </a:prstGeom>
-        </p:spPr>
-      </p:pic>
-      <p:sp>
-        <p:nvSpPr>
-          <p:cNvPr id="1768136172" name="" hidden="0"/>
-          <p:cNvSpPr/>
-          <p:nvPr isPhoto="0" userDrawn="0"/>
-        </p:nvSpPr>
-        <p:spPr bwMode="auto">
-          <a:xfrm flipH="0" flipV="0">
-            <a:off x="9901638" y="5147194"/>
-            <a:ext cx="206317" cy="365795"/>
-          </a:xfrm>
-        </p:spPr>
+      <p:sp>
+        <p:nvSpPr>
+          <p:cNvPr id="1115133908" name="Объект 2" hidden="0"/>
+          <p:cNvSpPr>
+            <a:spLocks noGrp="1"/>
+          </p:cNvSpPr>
+          <p:nvPr isPhoto="0" userDrawn="0">
+            <p:ph idx="1" hasCustomPrompt="0"/>
+          </p:nvPr>
+        </p:nvSpPr>
+        <p:spPr bwMode="auto"/>
         <p:txBody>
-          <a:bodyPr rot="0" spcFirstLastPara="0" vertOverflow="overflow" horzOverflow="clip" vert="horz" wrap="square" lIns="91440" tIns="45720" rIns="91440" bIns="45720" numCol="1" spcCol="0" rtlCol="0" fromWordArt="0" anchor="t" anchorCtr="0" forceAA="0" upright="0" compatLnSpc="1">
-            <a:prstTxWarp prst="textNoShape"/>
-            <a:spAutoFit/>
-          </a:bodyPr>
-          <a:p>
-            <a:pPr>
-              <a:defRPr/>
-            </a:pPr>
-            <a:endParaRPr/>
+          <a:bodyPr/>
+          <a:lstStyle/>
+          <a:p>
+            <a:pPr>
+              <a:defRPr/>
+            </a:pPr>
+            <a:r>
+              <a:rPr lang="pt-BR" sz="2800" b="0" i="0" u="none" strike="noStrike" cap="none" spc="0">
+                <a:solidFill>
+                  <a:schemeClr val="accent6">
+                    <a:lumMod val="50000"/>
+                  </a:schemeClr>
+                </a:solidFill>
+                <a:latin typeface="Open Sans"/>
+                <a:ea typeface="Open Sans"/>
+                <a:cs typeface="Open Sans"/>
+              </a:rPr>
+              <a:t>  Toda linha de código é executada, ao menos uma vez</a:t>
+            </a:r>
+            <a:endParaRPr sz="2800" b="0" i="0" u="none" strike="noStrike" cap="none" spc="0">
+              <a:solidFill>
+                <a:schemeClr val="accent6">
+                  <a:lumMod val="50000"/>
+                </a:schemeClr>
+              </a:solidFill>
+              <a:latin typeface="Open Sans"/>
+              <a:ea typeface="Open Sans"/>
+              <a:cs typeface="Open Sans"/>
+            </a:endParaRPr>
+          </a:p>
+          <a:p>
+            <a:pPr>
+              <a:defRPr/>
+            </a:pPr>
+            <a:endParaRPr sz="2800" b="0" i="0" u="none" strike="noStrike" cap="none" spc="0">
+              <a:solidFill>
+                <a:schemeClr val="accent6">
+                  <a:lumMod val="50000"/>
+                </a:schemeClr>
+              </a:solidFill>
+              <a:latin typeface="Open Sans"/>
+              <a:ea typeface="Open Sans"/>
+              <a:cs typeface="Open Sans"/>
+            </a:endParaRPr>
+          </a:p>
+          <a:p>
+            <a:pPr>
+              <a:defRPr/>
+            </a:pPr>
+            <a:r>
+              <a:rPr lang="pt-BR" sz="2800" b="0" i="0" u="none" strike="noStrike" cap="none" spc="0">
+                <a:solidFill>
+                  <a:schemeClr val="accent6">
+                    <a:lumMod val="50000"/>
+                  </a:schemeClr>
+                </a:solidFill>
+                <a:latin typeface="Open Sans"/>
+                <a:ea typeface="Open Sans"/>
+                <a:cs typeface="Open Sans"/>
+              </a:rPr>
+              <a:t>  O código tem uma consistência desejável quando se trata de alterações de código já existente</a:t>
+            </a:r>
+            <a:endParaRPr sz="2800" b="0" i="0" u="none" strike="noStrike" cap="none" spc="0">
+              <a:solidFill>
+                <a:schemeClr val="accent6">
+                  <a:lumMod val="50000"/>
+                </a:schemeClr>
+              </a:solidFill>
+              <a:latin typeface="Open Sans"/>
+              <a:ea typeface="Open Sans"/>
+              <a:cs typeface="Open Sans"/>
+            </a:endParaRPr>
+          </a:p>
+          <a:p>
+            <a:pPr>
+              <a:defRPr/>
+            </a:pPr>
+            <a:endParaRPr sz="2800" b="0" i="0" u="none" strike="noStrike" cap="none" spc="0">
+              <a:solidFill>
+                <a:schemeClr val="accent6">
+                  <a:lumMod val="50000"/>
+                </a:schemeClr>
+              </a:solidFill>
+              <a:latin typeface="Open Sans"/>
+              <a:ea typeface="Open Sans"/>
+              <a:cs typeface="Open Sans"/>
+            </a:endParaRPr>
+          </a:p>
+          <a:p>
+            <a:pPr>
+              <a:defRPr/>
+            </a:pPr>
+            <a:r>
+              <a:rPr lang="pt-BR" sz="2800" b="0" i="0" u="none" strike="noStrike" cap="none" spc="0">
+                <a:solidFill>
+                  <a:schemeClr val="accent6">
+                    <a:lumMod val="50000"/>
+                  </a:schemeClr>
+                </a:solidFill>
+                <a:latin typeface="Open Sans"/>
+                <a:ea typeface="Open Sans"/>
+                <a:cs typeface="Open Sans"/>
+              </a:rPr>
+              <a:t>  É requisito em algumas equipes de desenvolvimento</a:t>
+            </a:r>
+            <a:endParaRPr sz="2800" b="0" i="0" u="none" strike="noStrike" cap="none" spc="0">
+              <a:solidFill>
+                <a:schemeClr val="accent6">
+                  <a:lumMod val="50000"/>
+                </a:schemeClr>
+              </a:solidFill>
+              <a:latin typeface="Open Sans"/>
+              <a:ea typeface="Open Sans"/>
+              <a:cs typeface="Open Sans"/>
+            </a:endParaRPr>
           </a:p>
         </p:txBody>
       </p:sp>
-      <p:pic>
-        <p:nvPicPr>
-          <p:cNvPr id="1364049794" name="" hidden="0"/>
-          <p:cNvPicPr>
-            <a:picLocks noChangeAspect="1"/>
-          </p:cNvPicPr>
-          <p:nvPr isPhoto="0" userDrawn="0"/>
-        </p:nvPicPr>
-        <p:blipFill>
-          <a:blip r:embed="rId3"/>
-          <a:stretch/>
-        </p:blipFill>
-        <p:spPr bwMode="auto">
-          <a:xfrm flipH="0" flipV="0">
-            <a:off x="5333998" y="2442997"/>
-            <a:ext cx="6093884" cy="2769947"/>
-          </a:xfrm>
-          <a:prstGeom prst="rect">
-            <a:avLst/>
-          </a:prstGeom>
-        </p:spPr>
-      </p:pic>
     </p:spTree>
   </p:cSld>
   <p:clrMapOvr>
